--- a/簡報1.pptx
+++ b/簡報1.pptx
@@ -10,6 +10,7 @@
     <p:sldId id="259" r:id="rId4"/>
     <p:sldId id="257" r:id="rId5"/>
     <p:sldId id="260" r:id="rId6"/>
+    <p:sldId id="261" r:id="rId7"/>
   </p:sldIdLst>
   <p:sldSz cx="12192000" cy="6858000"/>
   <p:notesSz cx="6858000" cy="9144000"/>
@@ -247,7 +248,7 @@
           <a:p>
             <a:fld id="{D13AAB3C-2B8F-46DD-8347-0D764EC364D5}" type="datetimeFigureOut">
               <a:rPr lang="zh-TW" altLang="en-US" smtClean="0"/>
-              <a:t>2021/5/16</a:t>
+              <a:t>2021/5/19</a:t>
             </a:fld>
             <a:endParaRPr lang="zh-TW" altLang="en-US"/>
           </a:p>
@@ -417,7 +418,7 @@
           <a:p>
             <a:fld id="{D13AAB3C-2B8F-46DD-8347-0D764EC364D5}" type="datetimeFigureOut">
               <a:rPr lang="zh-TW" altLang="en-US" smtClean="0"/>
-              <a:t>2021/5/16</a:t>
+              <a:t>2021/5/19</a:t>
             </a:fld>
             <a:endParaRPr lang="zh-TW" altLang="en-US"/>
           </a:p>
@@ -597,7 +598,7 @@
           <a:p>
             <a:fld id="{D13AAB3C-2B8F-46DD-8347-0D764EC364D5}" type="datetimeFigureOut">
               <a:rPr lang="zh-TW" altLang="en-US" smtClean="0"/>
-              <a:t>2021/5/16</a:t>
+              <a:t>2021/5/19</a:t>
             </a:fld>
             <a:endParaRPr lang="zh-TW" altLang="en-US"/>
           </a:p>
@@ -767,7 +768,7 @@
           <a:p>
             <a:fld id="{D13AAB3C-2B8F-46DD-8347-0D764EC364D5}" type="datetimeFigureOut">
               <a:rPr lang="zh-TW" altLang="en-US" smtClean="0"/>
-              <a:t>2021/5/16</a:t>
+              <a:t>2021/5/19</a:t>
             </a:fld>
             <a:endParaRPr lang="zh-TW" altLang="en-US"/>
           </a:p>
@@ -1013,7 +1014,7 @@
           <a:p>
             <a:fld id="{D13AAB3C-2B8F-46DD-8347-0D764EC364D5}" type="datetimeFigureOut">
               <a:rPr lang="zh-TW" altLang="en-US" smtClean="0"/>
-              <a:t>2021/5/16</a:t>
+              <a:t>2021/5/19</a:t>
             </a:fld>
             <a:endParaRPr lang="zh-TW" altLang="en-US"/>
           </a:p>
@@ -1245,7 +1246,7 @@
           <a:p>
             <a:fld id="{D13AAB3C-2B8F-46DD-8347-0D764EC364D5}" type="datetimeFigureOut">
               <a:rPr lang="zh-TW" altLang="en-US" smtClean="0"/>
-              <a:t>2021/5/16</a:t>
+              <a:t>2021/5/19</a:t>
             </a:fld>
             <a:endParaRPr lang="zh-TW" altLang="en-US"/>
           </a:p>
@@ -1612,7 +1613,7 @@
           <a:p>
             <a:fld id="{D13AAB3C-2B8F-46DD-8347-0D764EC364D5}" type="datetimeFigureOut">
               <a:rPr lang="zh-TW" altLang="en-US" smtClean="0"/>
-              <a:t>2021/5/16</a:t>
+              <a:t>2021/5/19</a:t>
             </a:fld>
             <a:endParaRPr lang="zh-TW" altLang="en-US"/>
           </a:p>
@@ -1730,7 +1731,7 @@
           <a:p>
             <a:fld id="{D13AAB3C-2B8F-46DD-8347-0D764EC364D5}" type="datetimeFigureOut">
               <a:rPr lang="zh-TW" altLang="en-US" smtClean="0"/>
-              <a:t>2021/5/16</a:t>
+              <a:t>2021/5/19</a:t>
             </a:fld>
             <a:endParaRPr lang="zh-TW" altLang="en-US"/>
           </a:p>
@@ -1825,7 +1826,7 @@
           <a:p>
             <a:fld id="{D13AAB3C-2B8F-46DD-8347-0D764EC364D5}" type="datetimeFigureOut">
               <a:rPr lang="zh-TW" altLang="en-US" smtClean="0"/>
-              <a:t>2021/5/16</a:t>
+              <a:t>2021/5/19</a:t>
             </a:fld>
             <a:endParaRPr lang="zh-TW" altLang="en-US"/>
           </a:p>
@@ -2102,7 +2103,7 @@
           <a:p>
             <a:fld id="{D13AAB3C-2B8F-46DD-8347-0D764EC364D5}" type="datetimeFigureOut">
               <a:rPr lang="zh-TW" altLang="en-US" smtClean="0"/>
-              <a:t>2021/5/16</a:t>
+              <a:t>2021/5/19</a:t>
             </a:fld>
             <a:endParaRPr lang="zh-TW" altLang="en-US"/>
           </a:p>
@@ -2355,7 +2356,7 @@
           <a:p>
             <a:fld id="{D13AAB3C-2B8F-46DD-8347-0D764EC364D5}" type="datetimeFigureOut">
               <a:rPr lang="zh-TW" altLang="en-US" smtClean="0"/>
-              <a:t>2021/5/16</a:t>
+              <a:t>2021/5/19</a:t>
             </a:fld>
             <a:endParaRPr lang="zh-TW" altLang="en-US"/>
           </a:p>
@@ -2568,7 +2569,7 @@
           <a:p>
             <a:fld id="{D13AAB3C-2B8F-46DD-8347-0D764EC364D5}" type="datetimeFigureOut">
               <a:rPr lang="zh-TW" altLang="en-US" smtClean="0"/>
-              <a:t>2021/5/16</a:t>
+              <a:t>2021/5/19</a:t>
             </a:fld>
             <a:endParaRPr lang="zh-TW" altLang="en-US"/>
           </a:p>
@@ -6327,14 +6328,7 @@
                 <a:latin typeface="微軟正黑體" panose="020B0604030504040204" pitchFamily="34" charset="-120"/>
                 <a:ea typeface="微軟正黑體" panose="020B0604030504040204" pitchFamily="34" charset="-120"/>
               </a:rPr>
-              <a:t>接收</a:t>
-            </a:r>
-            <a:r>
-              <a:rPr lang="zh-TW" altLang="en-US" sz="2800" dirty="0" smtClean="0">
-                <a:latin typeface="微軟正黑體" panose="020B0604030504040204" pitchFamily="34" charset="-120"/>
-                <a:ea typeface="微軟正黑體" panose="020B0604030504040204" pitchFamily="34" charset="-120"/>
-              </a:rPr>
-              <a:t>人造衛星的信號</a:t>
+              <a:t>接收人造衛星的信號</a:t>
             </a:r>
             <a:r>
               <a:rPr lang="en-US" altLang="zh-TW" sz="2800" dirty="0" smtClean="0">
@@ -6473,15 +6467,7 @@
                   <a:schemeClr val="tx1"/>
                 </a:solidFill>
               </a:rPr>
-              <a:t>的</a:t>
-            </a:r>
-            <a:r>
-              <a:rPr lang="zh-TW" altLang="en-US" sz="2400" dirty="0" smtClean="0">
-                <a:solidFill>
-                  <a:schemeClr val="tx1"/>
-                </a:solidFill>
-              </a:rPr>
-              <a:t>參數</a:t>
+              <a:t>的參數</a:t>
             </a:r>
             <a:endParaRPr lang="en-US" altLang="zh-TW" sz="2400" dirty="0">
               <a:solidFill>
@@ -7532,23 +7518,7 @@
                   <a:schemeClr val="tx1"/>
                 </a:solidFill>
               </a:rPr>
-              <a:t>一</a:t>
-            </a:r>
-            <a:r>
-              <a:rPr lang="zh-TW" altLang="en-US" sz="2400" dirty="0" smtClean="0">
-                <a:solidFill>
-                  <a:schemeClr val="tx1"/>
-                </a:solidFill>
-              </a:rPr>
-              <a:t>計算出來</a:t>
-            </a:r>
-            <a:r>
-              <a:rPr lang="zh-TW" altLang="en-US" sz="2400" dirty="0" smtClean="0">
-                <a:solidFill>
-                  <a:schemeClr val="tx1"/>
-                </a:solidFill>
-              </a:rPr>
-              <a:t>經緯度就呼叫 </a:t>
+              <a:t>一計算出來經緯度就呼叫 </a:t>
             </a:r>
             <a:r>
               <a:rPr lang="en-US" altLang="zh-TW" sz="2400" b="1" dirty="0" err="1" smtClean="0">
@@ -7831,6 +7801,955 @@
     <p:extLst>
       <p:ext uri="{BB962C8B-B14F-4D97-AF65-F5344CB8AC3E}">
         <p14:creationId xmlns:p14="http://schemas.microsoft.com/office/powerpoint/2010/main" val="1740059171"/>
+      </p:ext>
+    </p:extLst>
+  </p:cSld>
+  <p:clrMapOvr>
+    <a:masterClrMapping/>
+  </p:clrMapOvr>
+  <p:timing>
+    <p:tnLst>
+      <p:par>
+        <p:cTn id="1" dur="indefinite" restart="never" nodeType="tmRoot"/>
+      </p:par>
+    </p:tnLst>
+  </p:timing>
+</p:sld>
+</file>
+
+<file path=ppt/slides/slide6.xml><?xml version="1.0" encoding="utf-8"?>
+<p:sld xmlns:a="http://schemas.openxmlformats.org/drawingml/2006/main" xmlns:r="http://schemas.openxmlformats.org/officeDocument/2006/relationships" xmlns:p="http://schemas.openxmlformats.org/presentationml/2006/main">
+  <p:cSld>
+    <p:spTree>
+      <p:nvGrpSpPr>
+        <p:cNvPr id="1" name=""/>
+        <p:cNvGrpSpPr/>
+        <p:nvPr/>
+      </p:nvGrpSpPr>
+      <p:grpSpPr>
+        <a:xfrm>
+          <a:off x="0" y="0"/>
+          <a:ext cx="0" cy="0"/>
+          <a:chOff x="0" y="0"/>
+          <a:chExt cx="0" cy="0"/>
+        </a:xfrm>
+      </p:grpSpPr>
+      <p:sp>
+        <p:nvSpPr>
+          <p:cNvPr id="68" name="圓角矩形 67"/>
+          <p:cNvSpPr/>
+          <p:nvPr/>
+        </p:nvSpPr>
+        <p:spPr>
+          <a:xfrm>
+            <a:off x="7936391" y="1939988"/>
+            <a:ext cx="1437859" cy="354495"/>
+          </a:xfrm>
+          <a:prstGeom prst="roundRect">
+            <a:avLst/>
+          </a:prstGeom>
+          <a:noFill/>
+          <a:ln>
+            <a:noFill/>
+          </a:ln>
+        </p:spPr>
+        <p:style>
+          <a:lnRef idx="2">
+            <a:schemeClr val="accent1">
+              <a:shade val="50000"/>
+            </a:schemeClr>
+          </a:lnRef>
+          <a:fillRef idx="1">
+            <a:schemeClr val="accent1"/>
+          </a:fillRef>
+          <a:effectRef idx="0">
+            <a:schemeClr val="accent1"/>
+          </a:effectRef>
+          <a:fontRef idx="minor">
+            <a:schemeClr val="lt1"/>
+          </a:fontRef>
+        </p:style>
+        <p:txBody>
+          <a:bodyPr rtlCol="0" anchor="ctr"/>
+          <a:lstStyle/>
+          <a:p>
+            <a:pPr algn="ctr"/>
+            <a:r>
+              <a:rPr lang="zh-TW" altLang="en-US" dirty="0" smtClean="0">
+                <a:solidFill>
+                  <a:schemeClr val="tx1"/>
+                </a:solidFill>
+              </a:rPr>
+              <a:t>經過網路</a:t>
+            </a:r>
+            <a:endParaRPr lang="zh-TW" altLang="en-US" dirty="0">
+              <a:solidFill>
+                <a:schemeClr val="tx1"/>
+              </a:solidFill>
+            </a:endParaRPr>
+          </a:p>
+        </p:txBody>
+      </p:sp>
+      <p:sp>
+        <p:nvSpPr>
+          <p:cNvPr id="2" name="流程圖: 預設處理作業 1"/>
+          <p:cNvSpPr/>
+          <p:nvPr/>
+        </p:nvSpPr>
+        <p:spPr>
+          <a:xfrm>
+            <a:off x="2054086" y="6029739"/>
+            <a:ext cx="7301947" cy="702364"/>
+          </a:xfrm>
+          <a:prstGeom prst="flowChartPredefinedProcess">
+            <a:avLst/>
+          </a:prstGeom>
+        </p:spPr>
+        <p:style>
+          <a:lnRef idx="2">
+            <a:schemeClr val="accent1">
+              <a:shade val="50000"/>
+            </a:schemeClr>
+          </a:lnRef>
+          <a:fillRef idx="1">
+            <a:schemeClr val="accent1"/>
+          </a:fillRef>
+          <a:effectRef idx="0">
+            <a:schemeClr val="accent1"/>
+          </a:effectRef>
+          <a:fontRef idx="minor">
+            <a:schemeClr val="lt1"/>
+          </a:fontRef>
+        </p:style>
+        <p:txBody>
+          <a:bodyPr rtlCol="0" anchor="ctr"/>
+          <a:lstStyle/>
+          <a:p>
+            <a:pPr algn="ctr"/>
+            <a:r>
+              <a:rPr lang="en-US" altLang="zh-TW" dirty="0" smtClean="0"/>
+              <a:t>Cell for row </a:t>
+            </a:r>
+            <a:br>
+              <a:rPr lang="en-US" altLang="zh-TW" dirty="0" smtClean="0"/>
+            </a:br>
+            <a:r>
+              <a:rPr lang="zh-TW" altLang="en-US" dirty="0" smtClean="0"/>
+              <a:t>提供資料給 </a:t>
+            </a:r>
+            <a:r>
+              <a:rPr lang="en-US" altLang="zh-TW" dirty="0" err="1" smtClean="0"/>
+              <a:t>TableView</a:t>
+            </a:r>
+            <a:r>
+              <a:rPr lang="en-US" altLang="zh-TW" dirty="0" smtClean="0"/>
+              <a:t> </a:t>
+            </a:r>
+            <a:r>
+              <a:rPr lang="zh-TW" altLang="en-US" dirty="0" smtClean="0"/>
+              <a:t>顯示</a:t>
+            </a:r>
+            <a:endParaRPr lang="zh-TW" altLang="en-US" dirty="0"/>
+          </a:p>
+        </p:txBody>
+      </p:sp>
+      <p:sp>
+        <p:nvSpPr>
+          <p:cNvPr id="3" name="圓角矩形 2"/>
+          <p:cNvSpPr/>
+          <p:nvPr/>
+        </p:nvSpPr>
+        <p:spPr>
+          <a:xfrm>
+            <a:off x="5506279" y="5327374"/>
+            <a:ext cx="4214189" cy="443945"/>
+          </a:xfrm>
+          <a:prstGeom prst="roundRect">
+            <a:avLst/>
+          </a:prstGeom>
+        </p:spPr>
+        <p:style>
+          <a:lnRef idx="2">
+            <a:schemeClr val="accent1">
+              <a:shade val="50000"/>
+            </a:schemeClr>
+          </a:lnRef>
+          <a:fillRef idx="1">
+            <a:schemeClr val="accent1"/>
+          </a:fillRef>
+          <a:effectRef idx="0">
+            <a:schemeClr val="accent1"/>
+          </a:effectRef>
+          <a:fontRef idx="minor">
+            <a:schemeClr val="lt1"/>
+          </a:fontRef>
+        </p:style>
+        <p:txBody>
+          <a:bodyPr rtlCol="0" anchor="ctr"/>
+          <a:lstStyle/>
+          <a:p>
+            <a:pPr algn="ctr"/>
+            <a:r>
+              <a:rPr lang="zh-TW" altLang="en-US" dirty="0" smtClean="0"/>
+              <a:t>三個陣列（餐廳名稱、形態、地址</a:t>
+            </a:r>
+            <a:r>
+              <a:rPr lang="en-US" altLang="zh-TW" dirty="0" smtClean="0"/>
+              <a:t>)</a:t>
+            </a:r>
+            <a:endParaRPr lang="zh-TW" altLang="en-US" dirty="0"/>
+          </a:p>
+        </p:txBody>
+      </p:sp>
+      <p:sp>
+        <p:nvSpPr>
+          <p:cNvPr id="4" name="圓角矩形 3"/>
+          <p:cNvSpPr/>
+          <p:nvPr/>
+        </p:nvSpPr>
+        <p:spPr>
+          <a:xfrm>
+            <a:off x="2888971" y="4187687"/>
+            <a:ext cx="4923181" cy="831573"/>
+          </a:xfrm>
+          <a:prstGeom prst="roundRect">
+            <a:avLst/>
+          </a:prstGeom>
+        </p:spPr>
+        <p:style>
+          <a:lnRef idx="2">
+            <a:schemeClr val="accent1">
+              <a:shade val="50000"/>
+            </a:schemeClr>
+          </a:lnRef>
+          <a:fillRef idx="1">
+            <a:schemeClr val="accent1"/>
+          </a:fillRef>
+          <a:effectRef idx="0">
+            <a:schemeClr val="accent1"/>
+          </a:effectRef>
+          <a:fontRef idx="minor">
+            <a:schemeClr val="lt1"/>
+          </a:fontRef>
+        </p:style>
+        <p:txBody>
+          <a:bodyPr rtlCol="0" anchor="ctr"/>
+          <a:lstStyle/>
+          <a:p>
+            <a:pPr algn="ctr"/>
+            <a:r>
+              <a:rPr lang="en-US" altLang="zh-TW" dirty="0" err="1"/>
+              <a:t>startParsing</a:t>
+            </a:r>
+            <a:r>
+              <a:rPr lang="en-US" altLang="zh-TW" dirty="0"/>
+              <a:t>(data :</a:t>
+            </a:r>
+            <a:r>
+              <a:rPr lang="en-US" altLang="zh-TW" dirty="0" err="1"/>
+              <a:t>NSData</a:t>
+            </a:r>
+            <a:r>
+              <a:rPr lang="en-US" altLang="zh-TW" dirty="0"/>
+              <a:t>)</a:t>
+            </a:r>
+            <a:endParaRPr lang="zh-TW" altLang="en-US" dirty="0"/>
+          </a:p>
+        </p:txBody>
+      </p:sp>
+      <p:sp>
+        <p:nvSpPr>
+          <p:cNvPr id="7" name="圓角矩形 6"/>
+          <p:cNvSpPr/>
+          <p:nvPr/>
+        </p:nvSpPr>
+        <p:spPr>
+          <a:xfrm>
+            <a:off x="927649" y="2286411"/>
+            <a:ext cx="2888976" cy="728869"/>
+          </a:xfrm>
+          <a:prstGeom prst="roundRect">
+            <a:avLst/>
+          </a:prstGeom>
+        </p:spPr>
+        <p:style>
+          <a:lnRef idx="2">
+            <a:schemeClr val="accent1">
+              <a:shade val="50000"/>
+            </a:schemeClr>
+          </a:lnRef>
+          <a:fillRef idx="1">
+            <a:schemeClr val="accent1"/>
+          </a:fillRef>
+          <a:effectRef idx="0">
+            <a:schemeClr val="accent1"/>
+          </a:effectRef>
+          <a:fontRef idx="minor">
+            <a:schemeClr val="lt1"/>
+          </a:fontRef>
+        </p:style>
+        <p:txBody>
+          <a:bodyPr rtlCol="0" anchor="ctr"/>
+          <a:lstStyle/>
+          <a:p>
+            <a:r>
+              <a:rPr lang="en-US" altLang="zh-TW" dirty="0" err="1"/>
+              <a:t>jsonParsingFrom</a:t>
+            </a:r>
+            <a:r>
+              <a:rPr lang="en-US" altLang="zh-TW" dirty="0" err="1">
+                <a:effectLst>
+                  <a:glow rad="228600">
+                    <a:schemeClr val="accent2">
+                      <a:satMod val="175000"/>
+                      <a:alpha val="40000"/>
+                    </a:schemeClr>
+                  </a:glow>
+                </a:effectLst>
+              </a:rPr>
+              <a:t>File</a:t>
+            </a:r>
+            <a:r>
+              <a:rPr lang="en-US" altLang="zh-TW" dirty="0"/>
+              <a:t>()</a:t>
+            </a:r>
+          </a:p>
+        </p:txBody>
+      </p:sp>
+      <p:sp>
+        <p:nvSpPr>
+          <p:cNvPr id="10" name="圓角矩形 9"/>
+          <p:cNvSpPr/>
+          <p:nvPr/>
+        </p:nvSpPr>
+        <p:spPr>
+          <a:xfrm>
+            <a:off x="5506279" y="3679135"/>
+            <a:ext cx="1437859" cy="354495"/>
+          </a:xfrm>
+          <a:prstGeom prst="roundRect">
+            <a:avLst/>
+          </a:prstGeom>
+        </p:spPr>
+        <p:style>
+          <a:lnRef idx="2">
+            <a:schemeClr val="accent1">
+              <a:shade val="50000"/>
+            </a:schemeClr>
+          </a:lnRef>
+          <a:fillRef idx="1">
+            <a:schemeClr val="accent1"/>
+          </a:fillRef>
+          <a:effectRef idx="0">
+            <a:schemeClr val="accent1"/>
+          </a:effectRef>
+          <a:fontRef idx="minor">
+            <a:schemeClr val="lt1"/>
+          </a:fontRef>
+        </p:style>
+        <p:txBody>
+          <a:bodyPr rtlCol="0" anchor="ctr"/>
+          <a:lstStyle/>
+          <a:p>
+            <a:pPr algn="ctr"/>
+            <a:r>
+              <a:rPr lang="en-US" altLang="zh-TW" dirty="0" err="1" smtClean="0"/>
+              <a:t>NSData</a:t>
+            </a:r>
+            <a:endParaRPr lang="zh-TW" altLang="en-US" dirty="0"/>
+          </a:p>
+        </p:txBody>
+      </p:sp>
+      <p:cxnSp>
+        <p:nvCxnSpPr>
+          <p:cNvPr id="12" name="直線單箭頭接點 11"/>
+          <p:cNvCxnSpPr>
+            <a:stCxn id="4" idx="2"/>
+          </p:cNvCxnSpPr>
+          <p:nvPr/>
+        </p:nvCxnSpPr>
+        <p:spPr>
+          <a:xfrm flipH="1">
+            <a:off x="5350561" y="5019260"/>
+            <a:ext cx="1" cy="1010479"/>
+          </a:xfrm>
+          <a:prstGeom prst="straightConnector1">
+            <a:avLst/>
+          </a:prstGeom>
+          <a:ln>
+            <a:tailEnd type="triangle"/>
+          </a:ln>
+        </p:spPr>
+        <p:style>
+          <a:lnRef idx="1">
+            <a:schemeClr val="accent1"/>
+          </a:lnRef>
+          <a:fillRef idx="0">
+            <a:schemeClr val="accent1"/>
+          </a:fillRef>
+          <a:effectRef idx="0">
+            <a:schemeClr val="accent1"/>
+          </a:effectRef>
+          <a:fontRef idx="minor">
+            <a:schemeClr val="tx1"/>
+          </a:fontRef>
+        </p:style>
+      </p:cxnSp>
+      <p:sp>
+        <p:nvSpPr>
+          <p:cNvPr id="16" name="圓角矩形 15"/>
+          <p:cNvSpPr/>
+          <p:nvPr/>
+        </p:nvSpPr>
+        <p:spPr>
+          <a:xfrm>
+            <a:off x="1298711" y="1486736"/>
+            <a:ext cx="2146851" cy="354495"/>
+          </a:xfrm>
+          <a:prstGeom prst="roundRect">
+            <a:avLst/>
+          </a:prstGeom>
+        </p:spPr>
+        <p:style>
+          <a:lnRef idx="2">
+            <a:schemeClr val="accent1">
+              <a:shade val="50000"/>
+            </a:schemeClr>
+          </a:lnRef>
+          <a:fillRef idx="1">
+            <a:schemeClr val="accent1"/>
+          </a:fillRef>
+          <a:effectRef idx="0">
+            <a:schemeClr val="accent1"/>
+          </a:effectRef>
+          <a:fontRef idx="minor">
+            <a:schemeClr val="lt1"/>
+          </a:fontRef>
+        </p:style>
+        <p:txBody>
+          <a:bodyPr rtlCol="0" anchor="ctr"/>
+          <a:lstStyle/>
+          <a:p>
+            <a:pPr algn="ctr"/>
+            <a:r>
+              <a:rPr lang="zh-TW" altLang="en-US" dirty="0" smtClean="0">
+                <a:effectLst>
+                  <a:glow rad="228600">
+                    <a:schemeClr val="accent2">
+                      <a:satMod val="175000"/>
+                      <a:alpha val="40000"/>
+                    </a:schemeClr>
+                  </a:glow>
+                </a:effectLst>
+              </a:rPr>
+              <a:t>本地端</a:t>
+            </a:r>
+            <a:r>
+              <a:rPr lang="zh-TW" altLang="en-US" dirty="0" smtClean="0"/>
+              <a:t>的</a:t>
+            </a:r>
+            <a:r>
+              <a:rPr lang="en-US" altLang="zh-TW" dirty="0" smtClean="0"/>
+              <a:t>JSON </a:t>
+            </a:r>
+            <a:r>
+              <a:rPr lang="zh-TW" altLang="en-US" dirty="0" smtClean="0"/>
+              <a:t>檔案</a:t>
+            </a:r>
+            <a:endParaRPr lang="zh-TW" altLang="en-US" dirty="0"/>
+          </a:p>
+        </p:txBody>
+      </p:sp>
+      <p:cxnSp>
+        <p:nvCxnSpPr>
+          <p:cNvPr id="18" name="肘形接點 17"/>
+          <p:cNvCxnSpPr>
+            <a:stCxn id="7" idx="2"/>
+            <a:endCxn id="4" idx="0"/>
+          </p:cNvCxnSpPr>
+          <p:nvPr/>
+        </p:nvCxnSpPr>
+        <p:spPr>
+          <a:xfrm rot="16200000" flipH="1">
+            <a:off x="3275146" y="2112270"/>
+            <a:ext cx="1172407" cy="2978425"/>
+          </a:xfrm>
+          <a:prstGeom prst="bentConnector3">
+            <a:avLst>
+              <a:gd name="adj1" fmla="val 50000"/>
+            </a:avLst>
+          </a:prstGeom>
+          <a:ln>
+            <a:tailEnd type="triangle"/>
+          </a:ln>
+        </p:spPr>
+        <p:style>
+          <a:lnRef idx="1">
+            <a:schemeClr val="accent1"/>
+          </a:lnRef>
+          <a:fillRef idx="0">
+            <a:schemeClr val="accent1"/>
+          </a:fillRef>
+          <a:effectRef idx="0">
+            <a:schemeClr val="accent1"/>
+          </a:effectRef>
+          <a:fontRef idx="minor">
+            <a:schemeClr val="tx1"/>
+          </a:fontRef>
+        </p:style>
+      </p:cxnSp>
+      <p:cxnSp>
+        <p:nvCxnSpPr>
+          <p:cNvPr id="22" name="直線單箭頭接點 21"/>
+          <p:cNvCxnSpPr>
+            <a:stCxn id="16" idx="2"/>
+            <a:endCxn id="7" idx="0"/>
+          </p:cNvCxnSpPr>
+          <p:nvPr/>
+        </p:nvCxnSpPr>
+        <p:spPr>
+          <a:xfrm>
+            <a:off x="2372137" y="1841231"/>
+            <a:ext cx="0" cy="445180"/>
+          </a:xfrm>
+          <a:prstGeom prst="straightConnector1">
+            <a:avLst/>
+          </a:prstGeom>
+          <a:ln>
+            <a:tailEnd type="triangle"/>
+          </a:ln>
+        </p:spPr>
+        <p:style>
+          <a:lnRef idx="1">
+            <a:schemeClr val="accent1"/>
+          </a:lnRef>
+          <a:fillRef idx="0">
+            <a:schemeClr val="accent1"/>
+          </a:fillRef>
+          <a:effectRef idx="0">
+            <a:schemeClr val="accent1"/>
+          </a:effectRef>
+          <a:fontRef idx="minor">
+            <a:schemeClr val="tx1"/>
+          </a:fontRef>
+        </p:style>
+      </p:cxnSp>
+      <p:sp>
+        <p:nvSpPr>
+          <p:cNvPr id="30" name="圓角矩形 29"/>
+          <p:cNvSpPr/>
+          <p:nvPr/>
+        </p:nvSpPr>
+        <p:spPr>
+          <a:xfrm>
+            <a:off x="1083362" y="64087"/>
+            <a:ext cx="2733263" cy="962641"/>
+          </a:xfrm>
+          <a:prstGeom prst="roundRect">
+            <a:avLst/>
+          </a:prstGeom>
+        </p:spPr>
+        <p:style>
+          <a:lnRef idx="2">
+            <a:schemeClr val="accent2">
+              <a:shade val="50000"/>
+            </a:schemeClr>
+          </a:lnRef>
+          <a:fillRef idx="1">
+            <a:schemeClr val="accent2"/>
+          </a:fillRef>
+          <a:effectRef idx="0">
+            <a:schemeClr val="accent2"/>
+          </a:effectRef>
+          <a:fontRef idx="minor">
+            <a:schemeClr val="lt1"/>
+          </a:fontRef>
+        </p:style>
+        <p:txBody>
+          <a:bodyPr rtlCol="0" anchor="ctr"/>
+          <a:lstStyle/>
+          <a:p>
+            <a:pPr algn="ctr"/>
+            <a:r>
+              <a:rPr lang="zh-TW" altLang="en-US" dirty="0" smtClean="0"/>
+              <a:t>練習一</a:t>
+            </a:r>
+            <a:r>
+              <a:rPr lang="en-US" altLang="zh-TW" dirty="0" smtClean="0"/>
+              <a:t/>
+            </a:r>
+            <a:br>
+              <a:rPr lang="en-US" altLang="zh-TW" dirty="0" smtClean="0"/>
+            </a:br>
+            <a:r>
+              <a:rPr lang="zh-TW" altLang="en-US" dirty="0" smtClean="0"/>
+              <a:t>從本地端</a:t>
+            </a:r>
+            <a:r>
+              <a:rPr lang="en-US" altLang="zh-TW" dirty="0" smtClean="0"/>
+              <a:t>JSON</a:t>
+            </a:r>
+            <a:r>
+              <a:rPr lang="zh-TW" altLang="en-US" dirty="0" smtClean="0"/>
+              <a:t>檔</a:t>
+            </a:r>
+            <a:r>
+              <a:rPr lang="en-US" altLang="zh-TW" dirty="0" smtClean="0"/>
+              <a:t/>
+            </a:r>
+            <a:br>
+              <a:rPr lang="en-US" altLang="zh-TW" dirty="0" smtClean="0"/>
+            </a:br>
+            <a:r>
+              <a:rPr lang="zh-TW" altLang="en-US" dirty="0" smtClean="0"/>
+              <a:t>抓餐廳資料放到手機顯</a:t>
+            </a:r>
+            <a:endParaRPr lang="zh-TW" altLang="en-US" dirty="0"/>
+          </a:p>
+        </p:txBody>
+      </p:sp>
+      <p:sp>
+        <p:nvSpPr>
+          <p:cNvPr id="31" name="圓角矩形 30"/>
+          <p:cNvSpPr/>
+          <p:nvPr/>
+        </p:nvSpPr>
+        <p:spPr>
+          <a:xfrm>
+            <a:off x="6752807" y="64508"/>
+            <a:ext cx="3299792" cy="946895"/>
+          </a:xfrm>
+          <a:prstGeom prst="roundRect">
+            <a:avLst/>
+          </a:prstGeom>
+        </p:spPr>
+        <p:style>
+          <a:lnRef idx="2">
+            <a:schemeClr val="accent2">
+              <a:shade val="50000"/>
+            </a:schemeClr>
+          </a:lnRef>
+          <a:fillRef idx="1">
+            <a:schemeClr val="accent2"/>
+          </a:fillRef>
+          <a:effectRef idx="0">
+            <a:schemeClr val="accent2"/>
+          </a:effectRef>
+          <a:fontRef idx="minor">
+            <a:schemeClr val="lt1"/>
+          </a:fontRef>
+        </p:style>
+        <p:txBody>
+          <a:bodyPr rtlCol="0" anchor="ctr"/>
+          <a:lstStyle/>
+          <a:p>
+            <a:pPr algn="ctr"/>
+            <a:r>
+              <a:rPr lang="zh-TW" altLang="en-US" dirty="0" smtClean="0"/>
+              <a:t>練習二</a:t>
+            </a:r>
+            <a:r>
+              <a:rPr lang="en-US" altLang="zh-TW" dirty="0" smtClean="0"/>
+              <a:t/>
+            </a:r>
+            <a:br>
+              <a:rPr lang="en-US" altLang="zh-TW" dirty="0" smtClean="0"/>
+            </a:br>
+            <a:r>
+              <a:rPr lang="zh-TW" altLang="en-US" dirty="0" smtClean="0"/>
+              <a:t>從遠端伺服器</a:t>
+            </a:r>
+            <a:r>
+              <a:rPr lang="en-US" altLang="zh-TW" dirty="0" smtClean="0"/>
+              <a:t/>
+            </a:r>
+            <a:br>
+              <a:rPr lang="en-US" altLang="zh-TW" dirty="0" smtClean="0"/>
+            </a:br>
+            <a:r>
+              <a:rPr lang="zh-TW" altLang="en-US" dirty="0" smtClean="0"/>
+              <a:t>抓</a:t>
+            </a:r>
+            <a:r>
+              <a:rPr lang="zh-TW" altLang="en-US" dirty="0"/>
+              <a:t>餐廳資料放到手機</a:t>
+            </a:r>
+            <a:r>
+              <a:rPr lang="zh-TW" altLang="en-US" dirty="0" smtClean="0"/>
+              <a:t>顯示</a:t>
+            </a:r>
+            <a:endParaRPr lang="zh-TW" altLang="en-US" dirty="0"/>
+          </a:p>
+        </p:txBody>
+      </p:sp>
+      <p:sp>
+        <p:nvSpPr>
+          <p:cNvPr id="32" name="框架 31"/>
+          <p:cNvSpPr/>
+          <p:nvPr/>
+        </p:nvSpPr>
+        <p:spPr>
+          <a:xfrm>
+            <a:off x="7282065" y="1266825"/>
+            <a:ext cx="1745973" cy="654326"/>
+          </a:xfrm>
+          <a:prstGeom prst="frame">
+            <a:avLst/>
+          </a:prstGeom>
+        </p:spPr>
+        <p:style>
+          <a:lnRef idx="2">
+            <a:schemeClr val="accent1">
+              <a:shade val="50000"/>
+            </a:schemeClr>
+          </a:lnRef>
+          <a:fillRef idx="1">
+            <a:schemeClr val="accent1"/>
+          </a:fillRef>
+          <a:effectRef idx="0">
+            <a:schemeClr val="accent1"/>
+          </a:effectRef>
+          <a:fontRef idx="minor">
+            <a:schemeClr val="lt1"/>
+          </a:fontRef>
+        </p:style>
+        <p:txBody>
+          <a:bodyPr rtlCol="0" anchor="ctr"/>
+          <a:lstStyle/>
+          <a:p>
+            <a:pPr algn="ctr"/>
+            <a:r>
+              <a:rPr lang="zh-TW" altLang="en-US" dirty="0" smtClean="0">
+                <a:solidFill>
+                  <a:schemeClr val="tx1"/>
+                </a:solidFill>
+              </a:rPr>
+              <a:t>遠端伺服器</a:t>
+            </a:r>
+            <a:endParaRPr lang="zh-TW" altLang="en-US" dirty="0">
+              <a:solidFill>
+                <a:schemeClr val="tx1"/>
+              </a:solidFill>
+            </a:endParaRPr>
+          </a:p>
+        </p:txBody>
+      </p:sp>
+      <p:sp>
+        <p:nvSpPr>
+          <p:cNvPr id="33" name="圓柱 32"/>
+          <p:cNvSpPr/>
+          <p:nvPr/>
+        </p:nvSpPr>
+        <p:spPr>
+          <a:xfrm>
+            <a:off x="9592911" y="1156250"/>
+            <a:ext cx="390946" cy="882503"/>
+          </a:xfrm>
+          <a:prstGeom prst="can">
+            <a:avLst/>
+          </a:prstGeom>
+        </p:spPr>
+        <p:style>
+          <a:lnRef idx="2">
+            <a:schemeClr val="accent1">
+              <a:shade val="50000"/>
+            </a:schemeClr>
+          </a:lnRef>
+          <a:fillRef idx="1">
+            <a:schemeClr val="accent1"/>
+          </a:fillRef>
+          <a:effectRef idx="0">
+            <a:schemeClr val="accent1"/>
+          </a:effectRef>
+          <a:fontRef idx="minor">
+            <a:schemeClr val="lt1"/>
+          </a:fontRef>
+        </p:style>
+        <p:txBody>
+          <a:bodyPr rtlCol="0" anchor="ctr"/>
+          <a:lstStyle/>
+          <a:p>
+            <a:pPr algn="ctr"/>
+            <a:r>
+              <a:rPr lang="zh-TW" altLang="en-US" dirty="0" smtClean="0"/>
+              <a:t>資料庫</a:t>
+            </a:r>
+            <a:endParaRPr lang="zh-TW" altLang="en-US" dirty="0"/>
+          </a:p>
+        </p:txBody>
+      </p:sp>
+      <p:sp>
+        <p:nvSpPr>
+          <p:cNvPr id="39" name="圓角矩形 38"/>
+          <p:cNvSpPr/>
+          <p:nvPr/>
+        </p:nvSpPr>
+        <p:spPr>
+          <a:xfrm>
+            <a:off x="6710564" y="2300908"/>
+            <a:ext cx="2888976" cy="728869"/>
+          </a:xfrm>
+          <a:prstGeom prst="roundRect">
+            <a:avLst/>
+          </a:prstGeom>
+        </p:spPr>
+        <p:style>
+          <a:lnRef idx="2">
+            <a:schemeClr val="accent1">
+              <a:shade val="50000"/>
+            </a:schemeClr>
+          </a:lnRef>
+          <a:fillRef idx="1">
+            <a:schemeClr val="accent1"/>
+          </a:fillRef>
+          <a:effectRef idx="0">
+            <a:schemeClr val="accent1"/>
+          </a:effectRef>
+          <a:fontRef idx="minor">
+            <a:schemeClr val="lt1"/>
+          </a:fontRef>
+        </p:style>
+        <p:txBody>
+          <a:bodyPr rtlCol="0" anchor="ctr"/>
+          <a:lstStyle/>
+          <a:p>
+            <a:r>
+              <a:rPr lang="en-US" altLang="zh-TW" dirty="0" err="1" smtClean="0"/>
+              <a:t>jsonParsingFrom</a:t>
+            </a:r>
+            <a:r>
+              <a:rPr lang="en-US" altLang="zh-TW" dirty="0" err="1" smtClean="0">
+                <a:effectLst>
+                  <a:glow rad="228600">
+                    <a:schemeClr val="accent2">
+                      <a:satMod val="175000"/>
+                      <a:alpha val="40000"/>
+                    </a:schemeClr>
+                  </a:glow>
+                </a:effectLst>
+              </a:rPr>
+              <a:t>URl</a:t>
+            </a:r>
+            <a:r>
+              <a:rPr lang="en-US" altLang="zh-TW" dirty="0" smtClean="0"/>
+              <a:t>()</a:t>
+            </a:r>
+            <a:endParaRPr lang="en-US" altLang="zh-TW" dirty="0"/>
+          </a:p>
+        </p:txBody>
+      </p:sp>
+      <p:cxnSp>
+        <p:nvCxnSpPr>
+          <p:cNvPr id="41" name="肘形接點 40"/>
+          <p:cNvCxnSpPr>
+            <a:stCxn id="39" idx="2"/>
+            <a:endCxn id="4" idx="0"/>
+          </p:cNvCxnSpPr>
+          <p:nvPr/>
+        </p:nvCxnSpPr>
+        <p:spPr>
+          <a:xfrm rot="5400000">
+            <a:off x="6173852" y="2206487"/>
+            <a:ext cx="1157910" cy="2804490"/>
+          </a:xfrm>
+          <a:prstGeom prst="bentConnector3">
+            <a:avLst/>
+          </a:prstGeom>
+          <a:ln>
+            <a:tailEnd type="triangle"/>
+          </a:ln>
+        </p:spPr>
+        <p:style>
+          <a:lnRef idx="1">
+            <a:schemeClr val="accent1"/>
+          </a:lnRef>
+          <a:fillRef idx="0">
+            <a:schemeClr val="accent1"/>
+          </a:fillRef>
+          <a:effectRef idx="0">
+            <a:schemeClr val="accent1"/>
+          </a:effectRef>
+          <a:fontRef idx="minor">
+            <a:schemeClr val="tx1"/>
+          </a:fontRef>
+        </p:style>
+      </p:cxnSp>
+      <p:cxnSp>
+        <p:nvCxnSpPr>
+          <p:cNvPr id="46" name="直線單箭頭接點 45"/>
+          <p:cNvCxnSpPr>
+            <a:stCxn id="32" idx="2"/>
+            <a:endCxn id="39" idx="0"/>
+          </p:cNvCxnSpPr>
+          <p:nvPr/>
+        </p:nvCxnSpPr>
+        <p:spPr>
+          <a:xfrm>
+            <a:off x="8155052" y="1921151"/>
+            <a:ext cx="0" cy="379757"/>
+          </a:xfrm>
+          <a:prstGeom prst="straightConnector1">
+            <a:avLst/>
+          </a:prstGeom>
+          <a:ln>
+            <a:tailEnd type="triangle"/>
+          </a:ln>
+        </p:spPr>
+        <p:style>
+          <a:lnRef idx="1">
+            <a:schemeClr val="accent1"/>
+          </a:lnRef>
+          <a:fillRef idx="0">
+            <a:schemeClr val="accent1"/>
+          </a:fillRef>
+          <a:effectRef idx="0">
+            <a:schemeClr val="accent1"/>
+          </a:effectRef>
+          <a:fontRef idx="minor">
+            <a:schemeClr val="tx1"/>
+          </a:fontRef>
+        </p:style>
+      </p:cxnSp>
+      <p:cxnSp>
+        <p:nvCxnSpPr>
+          <p:cNvPr id="48" name="直線單箭頭接點 47"/>
+          <p:cNvCxnSpPr>
+            <a:stCxn id="33" idx="2"/>
+            <a:endCxn id="32" idx="3"/>
+          </p:cNvCxnSpPr>
+          <p:nvPr/>
+        </p:nvCxnSpPr>
+        <p:spPr>
+          <a:xfrm flipH="1" flipV="1">
+            <a:off x="9028038" y="1593988"/>
+            <a:ext cx="564873" cy="3514"/>
+          </a:xfrm>
+          <a:prstGeom prst="straightConnector1">
+            <a:avLst/>
+          </a:prstGeom>
+          <a:ln>
+            <a:tailEnd type="triangle"/>
+          </a:ln>
+        </p:spPr>
+        <p:style>
+          <a:lnRef idx="1">
+            <a:schemeClr val="accent1"/>
+          </a:lnRef>
+          <a:fillRef idx="0">
+            <a:schemeClr val="accent1"/>
+          </a:fillRef>
+          <a:effectRef idx="0">
+            <a:schemeClr val="accent1"/>
+          </a:effectRef>
+          <a:fontRef idx="minor">
+            <a:schemeClr val="tx1"/>
+          </a:fontRef>
+        </p:style>
+      </p:cxnSp>
+    </p:spTree>
+    <p:extLst>
+      <p:ext uri="{BB962C8B-B14F-4D97-AF65-F5344CB8AC3E}">
+        <p14:creationId xmlns:p14="http://schemas.microsoft.com/office/powerpoint/2010/main" val="762858886"/>
       </p:ext>
     </p:extLst>
   </p:cSld>

--- a/簡報1.pptx
+++ b/簡報1.pptx
@@ -11,6 +11,8 @@
     <p:sldId id="257" r:id="rId5"/>
     <p:sldId id="260" r:id="rId6"/>
     <p:sldId id="261" r:id="rId7"/>
+    <p:sldId id="262" r:id="rId8"/>
+    <p:sldId id="263" r:id="rId9"/>
   </p:sldIdLst>
   <p:sldSz cx="12192000" cy="6858000"/>
   <p:notesSz cx="6858000" cy="9144000"/>
@@ -248,7 +250,7 @@
           <a:p>
             <a:fld id="{D13AAB3C-2B8F-46DD-8347-0D764EC364D5}" type="datetimeFigureOut">
               <a:rPr lang="zh-TW" altLang="en-US" smtClean="0"/>
-              <a:t>2021/5/19</a:t>
+              <a:t>2021/5/22</a:t>
             </a:fld>
             <a:endParaRPr lang="zh-TW" altLang="en-US"/>
           </a:p>
@@ -418,7 +420,7 @@
           <a:p>
             <a:fld id="{D13AAB3C-2B8F-46DD-8347-0D764EC364D5}" type="datetimeFigureOut">
               <a:rPr lang="zh-TW" altLang="en-US" smtClean="0"/>
-              <a:t>2021/5/19</a:t>
+              <a:t>2021/5/22</a:t>
             </a:fld>
             <a:endParaRPr lang="zh-TW" altLang="en-US"/>
           </a:p>
@@ -598,7 +600,7 @@
           <a:p>
             <a:fld id="{D13AAB3C-2B8F-46DD-8347-0D764EC364D5}" type="datetimeFigureOut">
               <a:rPr lang="zh-TW" altLang="en-US" smtClean="0"/>
-              <a:t>2021/5/19</a:t>
+              <a:t>2021/5/22</a:t>
             </a:fld>
             <a:endParaRPr lang="zh-TW" altLang="en-US"/>
           </a:p>
@@ -768,7 +770,7 @@
           <a:p>
             <a:fld id="{D13AAB3C-2B8F-46DD-8347-0D764EC364D5}" type="datetimeFigureOut">
               <a:rPr lang="zh-TW" altLang="en-US" smtClean="0"/>
-              <a:t>2021/5/19</a:t>
+              <a:t>2021/5/22</a:t>
             </a:fld>
             <a:endParaRPr lang="zh-TW" altLang="en-US"/>
           </a:p>
@@ -1014,7 +1016,7 @@
           <a:p>
             <a:fld id="{D13AAB3C-2B8F-46DD-8347-0D764EC364D5}" type="datetimeFigureOut">
               <a:rPr lang="zh-TW" altLang="en-US" smtClean="0"/>
-              <a:t>2021/5/19</a:t>
+              <a:t>2021/5/22</a:t>
             </a:fld>
             <a:endParaRPr lang="zh-TW" altLang="en-US"/>
           </a:p>
@@ -1246,7 +1248,7 @@
           <a:p>
             <a:fld id="{D13AAB3C-2B8F-46DD-8347-0D764EC364D5}" type="datetimeFigureOut">
               <a:rPr lang="zh-TW" altLang="en-US" smtClean="0"/>
-              <a:t>2021/5/19</a:t>
+              <a:t>2021/5/22</a:t>
             </a:fld>
             <a:endParaRPr lang="zh-TW" altLang="en-US"/>
           </a:p>
@@ -1613,7 +1615,7 @@
           <a:p>
             <a:fld id="{D13AAB3C-2B8F-46DD-8347-0D764EC364D5}" type="datetimeFigureOut">
               <a:rPr lang="zh-TW" altLang="en-US" smtClean="0"/>
-              <a:t>2021/5/19</a:t>
+              <a:t>2021/5/22</a:t>
             </a:fld>
             <a:endParaRPr lang="zh-TW" altLang="en-US"/>
           </a:p>
@@ -1731,7 +1733,7 @@
           <a:p>
             <a:fld id="{D13AAB3C-2B8F-46DD-8347-0D764EC364D5}" type="datetimeFigureOut">
               <a:rPr lang="zh-TW" altLang="en-US" smtClean="0"/>
-              <a:t>2021/5/19</a:t>
+              <a:t>2021/5/22</a:t>
             </a:fld>
             <a:endParaRPr lang="zh-TW" altLang="en-US"/>
           </a:p>
@@ -1826,7 +1828,7 @@
           <a:p>
             <a:fld id="{D13AAB3C-2B8F-46DD-8347-0D764EC364D5}" type="datetimeFigureOut">
               <a:rPr lang="zh-TW" altLang="en-US" smtClean="0"/>
-              <a:t>2021/5/19</a:t>
+              <a:t>2021/5/22</a:t>
             </a:fld>
             <a:endParaRPr lang="zh-TW" altLang="en-US"/>
           </a:p>
@@ -2103,7 +2105,7 @@
           <a:p>
             <a:fld id="{D13AAB3C-2B8F-46DD-8347-0D764EC364D5}" type="datetimeFigureOut">
               <a:rPr lang="zh-TW" altLang="en-US" smtClean="0"/>
-              <a:t>2021/5/19</a:t>
+              <a:t>2021/5/22</a:t>
             </a:fld>
             <a:endParaRPr lang="zh-TW" altLang="en-US"/>
           </a:p>
@@ -2356,7 +2358,7 @@
           <a:p>
             <a:fld id="{D13AAB3C-2B8F-46DD-8347-0D764EC364D5}" type="datetimeFigureOut">
               <a:rPr lang="zh-TW" altLang="en-US" smtClean="0"/>
-              <a:t>2021/5/19</a:t>
+              <a:t>2021/5/22</a:t>
             </a:fld>
             <a:endParaRPr lang="zh-TW" altLang="en-US"/>
           </a:p>
@@ -2569,7 +2571,7 @@
           <a:p>
             <a:fld id="{D13AAB3C-2B8F-46DD-8347-0D764EC364D5}" type="datetimeFigureOut">
               <a:rPr lang="zh-TW" altLang="en-US" smtClean="0"/>
-              <a:t>2021/5/19</a:t>
+              <a:t>2021/5/22</a:t>
             </a:fld>
             <a:endParaRPr lang="zh-TW" altLang="en-US"/>
           </a:p>
@@ -8766,6 +8768,2815 @@
 </p:sld>
 </file>
 
+<file path=ppt/slides/slide7.xml><?xml version="1.0" encoding="utf-8"?>
+<p:sld xmlns:a="http://schemas.openxmlformats.org/drawingml/2006/main" xmlns:r="http://schemas.openxmlformats.org/officeDocument/2006/relationships" xmlns:p="http://schemas.openxmlformats.org/presentationml/2006/main">
+  <p:cSld>
+    <p:spTree>
+      <p:nvGrpSpPr>
+        <p:cNvPr id="1" name=""/>
+        <p:cNvGrpSpPr/>
+        <p:nvPr/>
+      </p:nvGrpSpPr>
+      <p:grpSpPr>
+        <a:xfrm>
+          <a:off x="0" y="0"/>
+          <a:ext cx="0" cy="0"/>
+          <a:chOff x="0" y="0"/>
+          <a:chExt cx="0" cy="0"/>
+        </a:xfrm>
+      </p:grpSpPr>
+      <p:sp>
+        <p:nvSpPr>
+          <p:cNvPr id="2" name="矩形 1"/>
+          <p:cNvSpPr/>
+          <p:nvPr/>
+        </p:nvSpPr>
+        <p:spPr>
+          <a:xfrm>
+            <a:off x="569843" y="1749287"/>
+            <a:ext cx="2888974" cy="662609"/>
+          </a:xfrm>
+          <a:prstGeom prst="rect">
+            <a:avLst/>
+          </a:prstGeom>
+        </p:spPr>
+        <p:style>
+          <a:lnRef idx="2">
+            <a:schemeClr val="accent1">
+              <a:shade val="50000"/>
+            </a:schemeClr>
+          </a:lnRef>
+          <a:fillRef idx="1">
+            <a:schemeClr val="accent1"/>
+          </a:fillRef>
+          <a:effectRef idx="0">
+            <a:schemeClr val="accent1"/>
+          </a:effectRef>
+          <a:fontRef idx="minor">
+            <a:schemeClr val="lt1"/>
+          </a:fontRef>
+        </p:style>
+        <p:txBody>
+          <a:bodyPr rtlCol="0" anchor="ctr"/>
+          <a:lstStyle/>
+          <a:p>
+            <a:r>
+              <a:rPr lang="en-US" altLang="zh-TW" dirty="0" smtClean="0">
+                <a:effectLst>
+                  <a:glow rad="228600">
+                    <a:schemeClr val="accent2">
+                      <a:satMod val="175000"/>
+                      <a:alpha val="40000"/>
+                    </a:schemeClr>
+                  </a:glow>
+                </a:effectLst>
+              </a:rPr>
+              <a:t>A</a:t>
+            </a:r>
+            <a:r>
+              <a:rPr lang="en-US" altLang="zh-TW" dirty="0" smtClean="0"/>
+              <a:t>   </a:t>
+            </a:r>
+            <a:r>
+              <a:rPr lang="zh-TW" altLang="en-US" dirty="0" smtClean="0"/>
+              <a:t>使用者點了功能</a:t>
+            </a:r>
+            <a:endParaRPr lang="en-US" altLang="zh-TW" dirty="0" smtClean="0"/>
+          </a:p>
+          <a:p>
+            <a:r>
+              <a:rPr lang="zh-TW" altLang="en-US" dirty="0" smtClean="0"/>
+              <a:t>需要向伺服器要一點資料</a:t>
+            </a:r>
+            <a:endParaRPr lang="zh-TW" altLang="en-US" dirty="0"/>
+          </a:p>
+        </p:txBody>
+      </p:sp>
+      <p:sp>
+        <p:nvSpPr>
+          <p:cNvPr id="3" name="矩形 2"/>
+          <p:cNvSpPr/>
+          <p:nvPr/>
+        </p:nvSpPr>
+        <p:spPr>
+          <a:xfrm>
+            <a:off x="569843" y="2822713"/>
+            <a:ext cx="2888974" cy="662609"/>
+          </a:xfrm>
+          <a:prstGeom prst="rect">
+            <a:avLst/>
+          </a:prstGeom>
+        </p:spPr>
+        <p:style>
+          <a:lnRef idx="2">
+            <a:schemeClr val="accent1">
+              <a:shade val="50000"/>
+            </a:schemeClr>
+          </a:lnRef>
+          <a:fillRef idx="1">
+            <a:schemeClr val="accent1"/>
+          </a:fillRef>
+          <a:effectRef idx="0">
+            <a:schemeClr val="accent1"/>
+          </a:effectRef>
+          <a:fontRef idx="minor">
+            <a:schemeClr val="lt1"/>
+          </a:fontRef>
+        </p:style>
+        <p:txBody>
+          <a:bodyPr rtlCol="0" anchor="ctr"/>
+          <a:lstStyle/>
+          <a:p>
+            <a:r>
+              <a:rPr lang="en-US" altLang="zh-TW" dirty="0" smtClean="0">
+                <a:effectLst>
+                  <a:glow rad="228600">
+                    <a:schemeClr val="accent2">
+                      <a:satMod val="175000"/>
+                      <a:alpha val="40000"/>
+                    </a:schemeClr>
+                  </a:glow>
+                </a:effectLst>
+              </a:rPr>
+              <a:t>B   </a:t>
+            </a:r>
+            <a:r>
+              <a:rPr lang="en-US" altLang="zh-TW" dirty="0" smtClean="0"/>
+              <a:t>Session </a:t>
+            </a:r>
+            <a:r>
+              <a:rPr lang="zh-TW" altLang="en-US" dirty="0" smtClean="0"/>
+              <a:t>發出 </a:t>
+            </a:r>
+            <a:r>
+              <a:rPr lang="en-US" altLang="zh-TW" dirty="0"/>
+              <a:t>R</a:t>
+            </a:r>
+            <a:r>
+              <a:rPr lang="en-US" altLang="zh-TW" dirty="0" smtClean="0"/>
+              <a:t>equest</a:t>
+            </a:r>
+            <a:endParaRPr lang="zh-TW" altLang="en-US" dirty="0"/>
+          </a:p>
+        </p:txBody>
+      </p:sp>
+      <p:sp>
+        <p:nvSpPr>
+          <p:cNvPr id="4" name="矩形 3"/>
+          <p:cNvSpPr/>
+          <p:nvPr/>
+        </p:nvSpPr>
+        <p:spPr>
+          <a:xfrm>
+            <a:off x="569843" y="3909391"/>
+            <a:ext cx="2888974" cy="662609"/>
+          </a:xfrm>
+          <a:prstGeom prst="rect">
+            <a:avLst/>
+          </a:prstGeom>
+        </p:spPr>
+        <p:style>
+          <a:lnRef idx="2">
+            <a:schemeClr val="accent2">
+              <a:shade val="50000"/>
+            </a:schemeClr>
+          </a:lnRef>
+          <a:fillRef idx="1">
+            <a:schemeClr val="accent2"/>
+          </a:fillRef>
+          <a:effectRef idx="0">
+            <a:schemeClr val="accent2"/>
+          </a:effectRef>
+          <a:fontRef idx="minor">
+            <a:schemeClr val="lt1"/>
+          </a:fontRef>
+        </p:style>
+        <p:txBody>
+          <a:bodyPr rtlCol="0" anchor="ctr"/>
+          <a:lstStyle/>
+          <a:p>
+            <a:r>
+              <a:rPr lang="en-US" altLang="zh-TW" dirty="0" smtClean="0">
+                <a:effectLst>
+                  <a:glow rad="228600">
+                    <a:schemeClr val="accent2">
+                      <a:satMod val="175000"/>
+                      <a:alpha val="40000"/>
+                    </a:schemeClr>
+                  </a:glow>
+                </a:effectLst>
+              </a:rPr>
+              <a:t>C   </a:t>
+            </a:r>
+            <a:r>
+              <a:rPr lang="zh-TW" altLang="en-US" dirty="0" smtClean="0"/>
+              <a:t>接收伺服器回應的資料</a:t>
+            </a:r>
+            <a:endParaRPr lang="zh-TW" altLang="en-US" dirty="0"/>
+          </a:p>
+        </p:txBody>
+      </p:sp>
+      <p:sp>
+        <p:nvSpPr>
+          <p:cNvPr id="5" name="矩形 4"/>
+          <p:cNvSpPr/>
+          <p:nvPr/>
+        </p:nvSpPr>
+        <p:spPr>
+          <a:xfrm>
+            <a:off x="569843" y="4996069"/>
+            <a:ext cx="2888974" cy="662609"/>
+          </a:xfrm>
+          <a:prstGeom prst="rect">
+            <a:avLst/>
+          </a:prstGeom>
+        </p:spPr>
+        <p:style>
+          <a:lnRef idx="2">
+            <a:schemeClr val="accent1">
+              <a:shade val="50000"/>
+            </a:schemeClr>
+          </a:lnRef>
+          <a:fillRef idx="1">
+            <a:schemeClr val="accent1"/>
+          </a:fillRef>
+          <a:effectRef idx="0">
+            <a:schemeClr val="accent1"/>
+          </a:effectRef>
+          <a:fontRef idx="minor">
+            <a:schemeClr val="lt1"/>
+          </a:fontRef>
+        </p:style>
+        <p:txBody>
+          <a:bodyPr rtlCol="0" anchor="ctr"/>
+          <a:lstStyle/>
+          <a:p>
+            <a:r>
+              <a:rPr lang="en-US" altLang="zh-TW" dirty="0" smtClean="0">
+                <a:effectLst>
+                  <a:glow rad="228600">
+                    <a:schemeClr val="accent2">
+                      <a:satMod val="175000"/>
+                      <a:alpha val="40000"/>
+                    </a:schemeClr>
+                  </a:glow>
+                </a:effectLst>
+              </a:rPr>
+              <a:t>D   </a:t>
+            </a:r>
+            <a:r>
+              <a:rPr lang="zh-TW" altLang="en-US" dirty="0" smtClean="0">
+                <a:effectLst/>
+              </a:rPr>
+              <a:t>印出回應資料</a:t>
+            </a:r>
+            <a:endParaRPr lang="zh-TW" altLang="en-US" dirty="0">
+              <a:effectLst/>
+            </a:endParaRPr>
+          </a:p>
+        </p:txBody>
+      </p:sp>
+      <p:sp>
+        <p:nvSpPr>
+          <p:cNvPr id="6" name="矩形 5"/>
+          <p:cNvSpPr/>
+          <p:nvPr/>
+        </p:nvSpPr>
+        <p:spPr>
+          <a:xfrm>
+            <a:off x="569843" y="371061"/>
+            <a:ext cx="2888974" cy="662609"/>
+          </a:xfrm>
+          <a:prstGeom prst="rect">
+            <a:avLst/>
+          </a:prstGeom>
+        </p:spPr>
+        <p:style>
+          <a:lnRef idx="2">
+            <a:schemeClr val="accent1">
+              <a:shade val="50000"/>
+            </a:schemeClr>
+          </a:lnRef>
+          <a:fillRef idx="1">
+            <a:schemeClr val="accent1"/>
+          </a:fillRef>
+          <a:effectRef idx="0">
+            <a:schemeClr val="accent1"/>
+          </a:effectRef>
+          <a:fontRef idx="minor">
+            <a:schemeClr val="lt1"/>
+          </a:fontRef>
+        </p:style>
+        <p:txBody>
+          <a:bodyPr rtlCol="0" anchor="ctr"/>
+          <a:lstStyle/>
+          <a:p>
+            <a:pPr algn="ctr"/>
+            <a:r>
+              <a:rPr lang="zh-TW" altLang="en-US" dirty="0" smtClean="0"/>
+              <a:t>下面是某一段程式碼</a:t>
+            </a:r>
+            <a:endParaRPr lang="zh-TW" altLang="en-US" dirty="0"/>
+          </a:p>
+        </p:txBody>
+      </p:sp>
+      <p:cxnSp>
+        <p:nvCxnSpPr>
+          <p:cNvPr id="8" name="直線單箭頭接點 7"/>
+          <p:cNvCxnSpPr>
+            <a:stCxn id="2" idx="2"/>
+            <a:endCxn id="3" idx="0"/>
+          </p:cNvCxnSpPr>
+          <p:nvPr/>
+        </p:nvCxnSpPr>
+        <p:spPr>
+          <a:xfrm>
+            <a:off x="2014330" y="2411896"/>
+            <a:ext cx="0" cy="410817"/>
+          </a:xfrm>
+          <a:prstGeom prst="straightConnector1">
+            <a:avLst/>
+          </a:prstGeom>
+          <a:ln>
+            <a:tailEnd type="triangle"/>
+          </a:ln>
+        </p:spPr>
+        <p:style>
+          <a:lnRef idx="1">
+            <a:schemeClr val="accent1"/>
+          </a:lnRef>
+          <a:fillRef idx="0">
+            <a:schemeClr val="accent1"/>
+          </a:fillRef>
+          <a:effectRef idx="0">
+            <a:schemeClr val="accent1"/>
+          </a:effectRef>
+          <a:fontRef idx="minor">
+            <a:schemeClr val="tx1"/>
+          </a:fontRef>
+        </p:style>
+      </p:cxnSp>
+      <p:cxnSp>
+        <p:nvCxnSpPr>
+          <p:cNvPr id="10" name="直線單箭頭接點 9"/>
+          <p:cNvCxnSpPr>
+            <a:stCxn id="3" idx="2"/>
+            <a:endCxn id="4" idx="0"/>
+          </p:cNvCxnSpPr>
+          <p:nvPr/>
+        </p:nvCxnSpPr>
+        <p:spPr>
+          <a:xfrm>
+            <a:off x="2014330" y="3485322"/>
+            <a:ext cx="0" cy="424069"/>
+          </a:xfrm>
+          <a:prstGeom prst="straightConnector1">
+            <a:avLst/>
+          </a:prstGeom>
+          <a:ln>
+            <a:tailEnd type="triangle"/>
+          </a:ln>
+        </p:spPr>
+        <p:style>
+          <a:lnRef idx="1">
+            <a:schemeClr val="accent1"/>
+          </a:lnRef>
+          <a:fillRef idx="0">
+            <a:schemeClr val="accent1"/>
+          </a:fillRef>
+          <a:effectRef idx="0">
+            <a:schemeClr val="accent1"/>
+          </a:effectRef>
+          <a:fontRef idx="minor">
+            <a:schemeClr val="tx1"/>
+          </a:fontRef>
+        </p:style>
+      </p:cxnSp>
+      <p:cxnSp>
+        <p:nvCxnSpPr>
+          <p:cNvPr id="12" name="直線單箭頭接點 11"/>
+          <p:cNvCxnSpPr>
+            <a:stCxn id="4" idx="2"/>
+            <a:endCxn id="5" idx="0"/>
+          </p:cNvCxnSpPr>
+          <p:nvPr/>
+        </p:nvCxnSpPr>
+        <p:spPr>
+          <a:xfrm>
+            <a:off x="2014330" y="4572000"/>
+            <a:ext cx="0" cy="424069"/>
+          </a:xfrm>
+          <a:prstGeom prst="straightConnector1">
+            <a:avLst/>
+          </a:prstGeom>
+          <a:ln>
+            <a:tailEnd type="triangle"/>
+          </a:ln>
+        </p:spPr>
+        <p:style>
+          <a:lnRef idx="1">
+            <a:schemeClr val="accent1"/>
+          </a:lnRef>
+          <a:fillRef idx="0">
+            <a:schemeClr val="accent1"/>
+          </a:fillRef>
+          <a:effectRef idx="0">
+            <a:schemeClr val="accent1"/>
+          </a:effectRef>
+          <a:fontRef idx="minor">
+            <a:schemeClr val="tx1"/>
+          </a:fontRef>
+        </p:style>
+      </p:cxnSp>
+      <p:sp>
+        <p:nvSpPr>
+          <p:cNvPr id="13" name="矩形 12"/>
+          <p:cNvSpPr/>
+          <p:nvPr/>
+        </p:nvSpPr>
+        <p:spPr>
+          <a:xfrm>
+            <a:off x="5883967" y="371061"/>
+            <a:ext cx="2570921" cy="1179444"/>
+          </a:xfrm>
+          <a:prstGeom prst="rect">
+            <a:avLst/>
+          </a:prstGeom>
+        </p:spPr>
+        <p:style>
+          <a:lnRef idx="2">
+            <a:schemeClr val="accent1">
+              <a:shade val="50000"/>
+            </a:schemeClr>
+          </a:lnRef>
+          <a:fillRef idx="1">
+            <a:schemeClr val="accent1"/>
+          </a:fillRef>
+          <a:effectRef idx="0">
+            <a:schemeClr val="accent1"/>
+          </a:effectRef>
+          <a:fontRef idx="minor">
+            <a:schemeClr val="lt1"/>
+          </a:fontRef>
+        </p:style>
+        <p:txBody>
+          <a:bodyPr rtlCol="0" anchor="ctr"/>
+          <a:lstStyle/>
+          <a:p>
+            <a:pPr algn="ctr"/>
+            <a:r>
+              <a:rPr lang="zh-TW" altLang="en-US" dirty="0" smtClean="0"/>
+              <a:t>伺服器</a:t>
+            </a:r>
+            <a:endParaRPr lang="zh-TW" altLang="en-US" dirty="0"/>
+          </a:p>
+        </p:txBody>
+      </p:sp>
+      <p:cxnSp>
+        <p:nvCxnSpPr>
+          <p:cNvPr id="15" name="直線單箭頭接點 14"/>
+          <p:cNvCxnSpPr>
+            <a:stCxn id="3" idx="3"/>
+            <a:endCxn id="13" idx="1"/>
+          </p:cNvCxnSpPr>
+          <p:nvPr/>
+        </p:nvCxnSpPr>
+        <p:spPr>
+          <a:xfrm flipV="1">
+            <a:off x="3458817" y="960783"/>
+            <a:ext cx="2425150" cy="2193235"/>
+          </a:xfrm>
+          <a:prstGeom prst="straightConnector1">
+            <a:avLst/>
+          </a:prstGeom>
+          <a:ln w="57150">
+            <a:headEnd type="none" w="med" len="med"/>
+            <a:tailEnd type="arrow" w="med" len="med"/>
+          </a:ln>
+        </p:spPr>
+        <p:style>
+          <a:lnRef idx="1">
+            <a:schemeClr val="accent1"/>
+          </a:lnRef>
+          <a:fillRef idx="0">
+            <a:schemeClr val="accent1"/>
+          </a:fillRef>
+          <a:effectRef idx="0">
+            <a:schemeClr val="accent1"/>
+          </a:effectRef>
+          <a:fontRef idx="minor">
+            <a:schemeClr val="tx1"/>
+          </a:fontRef>
+        </p:style>
+      </p:cxnSp>
+      <p:sp>
+        <p:nvSpPr>
+          <p:cNvPr id="16" name="矩形 15"/>
+          <p:cNvSpPr/>
+          <p:nvPr/>
+        </p:nvSpPr>
+        <p:spPr>
+          <a:xfrm>
+            <a:off x="3458817" y="2491409"/>
+            <a:ext cx="1046922" cy="510209"/>
+          </a:xfrm>
+          <a:prstGeom prst="rect">
+            <a:avLst/>
+          </a:prstGeom>
+          <a:noFill/>
+          <a:ln>
+            <a:noFill/>
+          </a:ln>
+        </p:spPr>
+        <p:style>
+          <a:lnRef idx="2">
+            <a:schemeClr val="accent1">
+              <a:shade val="50000"/>
+            </a:schemeClr>
+          </a:lnRef>
+          <a:fillRef idx="1">
+            <a:schemeClr val="accent1"/>
+          </a:fillRef>
+          <a:effectRef idx="0">
+            <a:schemeClr val="accent1"/>
+          </a:effectRef>
+          <a:fontRef idx="minor">
+            <a:schemeClr val="lt1"/>
+          </a:fontRef>
+        </p:style>
+        <p:txBody>
+          <a:bodyPr rtlCol="0" anchor="ctr"/>
+          <a:lstStyle/>
+          <a:p>
+            <a:pPr algn="ctr"/>
+            <a:r>
+              <a:rPr lang="en-US" altLang="zh-TW" dirty="0" smtClean="0">
+                <a:solidFill>
+                  <a:srgbClr val="FF0000"/>
+                </a:solidFill>
+              </a:rPr>
+              <a:t>Request</a:t>
+            </a:r>
+            <a:endParaRPr lang="zh-TW" altLang="en-US" dirty="0">
+              <a:solidFill>
+                <a:srgbClr val="FF0000"/>
+              </a:solidFill>
+            </a:endParaRPr>
+          </a:p>
+        </p:txBody>
+      </p:sp>
+      <p:cxnSp>
+        <p:nvCxnSpPr>
+          <p:cNvPr id="18" name="直線單箭頭接點 17"/>
+          <p:cNvCxnSpPr>
+            <a:stCxn id="13" idx="1"/>
+            <a:endCxn id="4" idx="3"/>
+          </p:cNvCxnSpPr>
+          <p:nvPr/>
+        </p:nvCxnSpPr>
+        <p:spPr>
+          <a:xfrm flipH="1">
+            <a:off x="3458817" y="960783"/>
+            <a:ext cx="2425150" cy="3279913"/>
+          </a:xfrm>
+          <a:prstGeom prst="straightConnector1">
+            <a:avLst/>
+          </a:prstGeom>
+          <a:ln w="57150">
+            <a:solidFill>
+              <a:srgbClr val="FFC000"/>
+            </a:solidFill>
+            <a:headEnd type="none" w="med" len="med"/>
+            <a:tailEnd type="arrow" w="med" len="med"/>
+          </a:ln>
+        </p:spPr>
+        <p:style>
+          <a:lnRef idx="1">
+            <a:schemeClr val="accent1"/>
+          </a:lnRef>
+          <a:fillRef idx="0">
+            <a:schemeClr val="accent1"/>
+          </a:fillRef>
+          <a:effectRef idx="0">
+            <a:schemeClr val="accent1"/>
+          </a:effectRef>
+          <a:fontRef idx="minor">
+            <a:schemeClr val="tx1"/>
+          </a:fontRef>
+        </p:style>
+      </p:cxnSp>
+      <p:sp>
+        <p:nvSpPr>
+          <p:cNvPr id="19" name="矩形 18"/>
+          <p:cNvSpPr/>
+          <p:nvPr/>
+        </p:nvSpPr>
+        <p:spPr>
+          <a:xfrm>
+            <a:off x="5068955" y="1494182"/>
+            <a:ext cx="1278836" cy="510209"/>
+          </a:xfrm>
+          <a:prstGeom prst="rect">
+            <a:avLst/>
+          </a:prstGeom>
+          <a:noFill/>
+          <a:ln>
+            <a:noFill/>
+          </a:ln>
+        </p:spPr>
+        <p:style>
+          <a:lnRef idx="2">
+            <a:schemeClr val="accent1">
+              <a:shade val="50000"/>
+            </a:schemeClr>
+          </a:lnRef>
+          <a:fillRef idx="1">
+            <a:schemeClr val="accent1"/>
+          </a:fillRef>
+          <a:effectRef idx="0">
+            <a:schemeClr val="accent1"/>
+          </a:effectRef>
+          <a:fontRef idx="minor">
+            <a:schemeClr val="lt1"/>
+          </a:fontRef>
+        </p:style>
+        <p:txBody>
+          <a:bodyPr rtlCol="0" anchor="ctr"/>
+          <a:lstStyle/>
+          <a:p>
+            <a:pPr algn="ctr"/>
+            <a:r>
+              <a:rPr lang="zh-TW" altLang="en-US" dirty="0" smtClean="0">
+                <a:solidFill>
+                  <a:srgbClr val="FF0000"/>
+                </a:solidFill>
+              </a:rPr>
+              <a:t>回應資料</a:t>
+            </a:r>
+            <a:endParaRPr lang="zh-TW" altLang="en-US" dirty="0">
+              <a:solidFill>
+                <a:srgbClr val="FF0000"/>
+              </a:solidFill>
+            </a:endParaRPr>
+          </a:p>
+        </p:txBody>
+      </p:sp>
+      <p:sp>
+        <p:nvSpPr>
+          <p:cNvPr id="20" name="矩形 19"/>
+          <p:cNvSpPr/>
+          <p:nvPr/>
+        </p:nvSpPr>
+        <p:spPr>
+          <a:xfrm>
+            <a:off x="4505738" y="2593285"/>
+            <a:ext cx="7540487" cy="4036944"/>
+          </a:xfrm>
+          <a:prstGeom prst="rect">
+            <a:avLst/>
+          </a:prstGeom>
+          <a:noFill/>
+          <a:ln>
+            <a:noFill/>
+          </a:ln>
+        </p:spPr>
+        <p:style>
+          <a:lnRef idx="2">
+            <a:schemeClr val="accent1">
+              <a:shade val="50000"/>
+            </a:schemeClr>
+          </a:lnRef>
+          <a:fillRef idx="1">
+            <a:schemeClr val="accent1"/>
+          </a:fillRef>
+          <a:effectRef idx="0">
+            <a:schemeClr val="accent1"/>
+          </a:effectRef>
+          <a:fontRef idx="minor">
+            <a:schemeClr val="lt1"/>
+          </a:fontRef>
+        </p:style>
+        <p:txBody>
+          <a:bodyPr rtlCol="0" anchor="ctr"/>
+          <a:lstStyle/>
+          <a:p>
+            <a:r>
+              <a:rPr lang="en-US" altLang="zh-TW" sz="2800" dirty="0" smtClean="0">
+                <a:solidFill>
+                  <a:srgbClr val="FF0000"/>
+                </a:solidFill>
+              </a:rPr>
+              <a:t>C</a:t>
+            </a:r>
+            <a:r>
+              <a:rPr lang="zh-TW" altLang="en-US" sz="2800" dirty="0" smtClean="0">
+                <a:solidFill>
+                  <a:srgbClr val="FF0000"/>
+                </a:solidFill>
+              </a:rPr>
+              <a:t>步驟要不要等收到回應資料，再去執行步驟</a:t>
+            </a:r>
+            <a:r>
+              <a:rPr lang="en-US" altLang="zh-TW" sz="2800" dirty="0" smtClean="0">
+                <a:solidFill>
+                  <a:srgbClr val="FF0000"/>
+                </a:solidFill>
+              </a:rPr>
+              <a:t>D</a:t>
+            </a:r>
+            <a:r>
+              <a:rPr lang="zh-TW" altLang="en-US" sz="2800" dirty="0" smtClean="0">
+                <a:solidFill>
+                  <a:srgbClr val="FF0000"/>
+                </a:solidFill>
+              </a:rPr>
+              <a:t>印出來？</a:t>
+            </a:r>
+            <a:endParaRPr lang="en-US" altLang="zh-TW" sz="2800" dirty="0" smtClean="0">
+              <a:solidFill>
+                <a:srgbClr val="FF0000"/>
+              </a:solidFill>
+            </a:endParaRPr>
+          </a:p>
+          <a:p>
+            <a:endParaRPr lang="en-US" altLang="zh-TW" sz="2800" dirty="0" smtClean="0">
+              <a:solidFill>
+                <a:srgbClr val="FF0000"/>
+              </a:solidFill>
+            </a:endParaRPr>
+          </a:p>
+          <a:p>
+            <a:pPr marL="342900" indent="-342900">
+              <a:buFont typeface="+mj-lt"/>
+              <a:buAutoNum type="arabicPeriod"/>
+            </a:pPr>
+            <a:r>
+              <a:rPr lang="zh-TW" altLang="en-US" sz="2800" dirty="0" smtClean="0">
+                <a:solidFill>
+                  <a:srgbClr val="FF0000"/>
+                </a:solidFill>
+              </a:rPr>
+              <a:t>不等→</a:t>
+            </a:r>
+            <a:r>
+              <a:rPr lang="zh-TW" altLang="en-US" sz="2800" dirty="0" smtClean="0">
+                <a:solidFill>
+                  <a:schemeClr val="tx1"/>
+                </a:solidFill>
+              </a:rPr>
+              <a:t>非常有可能</a:t>
+            </a:r>
+            <a:r>
+              <a:rPr lang="en-US" altLang="zh-TW" sz="2800" dirty="0" smtClean="0">
+                <a:solidFill>
+                  <a:schemeClr val="tx1"/>
+                </a:solidFill>
+              </a:rPr>
+              <a:t>C</a:t>
+            </a:r>
+            <a:r>
+              <a:rPr lang="zh-TW" altLang="en-US" sz="2800" dirty="0" smtClean="0">
+                <a:solidFill>
+                  <a:schemeClr val="tx1"/>
+                </a:solidFill>
+              </a:rPr>
+              <a:t>還沒收到，就執行</a:t>
+            </a:r>
+            <a:r>
+              <a:rPr lang="en-US" altLang="zh-TW" sz="2800" dirty="0" smtClean="0">
+                <a:solidFill>
+                  <a:schemeClr val="tx1"/>
+                </a:solidFill>
+              </a:rPr>
+              <a:t>D</a:t>
+            </a:r>
+            <a:r>
+              <a:rPr lang="zh-TW" altLang="en-US" sz="2800" dirty="0" smtClean="0">
+                <a:solidFill>
+                  <a:schemeClr val="tx1"/>
+                </a:solidFill>
+              </a:rPr>
+              <a:t>要印出回應資料，當然是沒得印</a:t>
+            </a:r>
+            <a:endParaRPr lang="en-US" altLang="zh-TW" sz="2800" dirty="0" smtClean="0">
+              <a:solidFill>
+                <a:schemeClr val="tx1"/>
+              </a:solidFill>
+            </a:endParaRPr>
+          </a:p>
+          <a:p>
+            <a:pPr marL="342900" indent="-342900">
+              <a:buFont typeface="+mj-lt"/>
+              <a:buAutoNum type="arabicPeriod"/>
+            </a:pPr>
+            <a:r>
+              <a:rPr lang="zh-TW" altLang="en-US" sz="2800" dirty="0" smtClean="0">
+                <a:solidFill>
+                  <a:srgbClr val="FF0000"/>
+                </a:solidFill>
+              </a:rPr>
+              <a:t>等→</a:t>
+            </a:r>
+            <a:r>
+              <a:rPr lang="zh-TW" altLang="en-US" sz="2800" dirty="0" smtClean="0">
+                <a:solidFill>
+                  <a:schemeClr val="tx1"/>
+                </a:solidFill>
+              </a:rPr>
+              <a:t>等多久？萬一回應資料必須查詢上億筆資料才能得到結果回傳總共花了</a:t>
+            </a:r>
+            <a:r>
+              <a:rPr lang="en-US" altLang="zh-TW" sz="2800" dirty="0" smtClean="0">
+                <a:solidFill>
+                  <a:schemeClr val="tx1"/>
+                </a:solidFill>
+              </a:rPr>
+              <a:t>1</a:t>
+            </a:r>
+            <a:r>
+              <a:rPr lang="zh-TW" altLang="en-US" sz="2800" dirty="0" smtClean="0">
+                <a:solidFill>
+                  <a:schemeClr val="tx1"/>
+                </a:solidFill>
+              </a:rPr>
+              <a:t>分鐘，這</a:t>
+            </a:r>
+            <a:r>
+              <a:rPr lang="en-US" altLang="zh-TW" sz="2800" dirty="0" smtClean="0">
+                <a:solidFill>
+                  <a:schemeClr val="tx1"/>
+                </a:solidFill>
+              </a:rPr>
+              <a:t>1</a:t>
+            </a:r>
+            <a:r>
+              <a:rPr lang="zh-TW" altLang="en-US" sz="2800" dirty="0" smtClean="0">
+                <a:solidFill>
+                  <a:schemeClr val="tx1"/>
+                </a:solidFill>
+              </a:rPr>
+              <a:t>分鐘，</a:t>
+            </a:r>
+            <a:r>
+              <a:rPr lang="en-US" altLang="zh-TW" sz="2800" dirty="0" smtClean="0">
+                <a:solidFill>
+                  <a:schemeClr val="tx1"/>
+                </a:solidFill>
+              </a:rPr>
+              <a:t>E</a:t>
+            </a:r>
+            <a:r>
+              <a:rPr lang="zh-TW" altLang="en-US" sz="2800" dirty="0" smtClean="0">
+                <a:solidFill>
+                  <a:schemeClr val="tx1"/>
+                </a:solidFill>
+              </a:rPr>
+              <a:t>步驟不會執行，所以使用者不管他怎麼點，手機都不會有回應，這樣好嗎？</a:t>
+            </a:r>
+            <a:endParaRPr lang="en-US" altLang="zh-TW" sz="2800" dirty="0" smtClean="0">
+              <a:solidFill>
+                <a:schemeClr val="tx1"/>
+              </a:solidFill>
+            </a:endParaRPr>
+          </a:p>
+        </p:txBody>
+      </p:sp>
+      <p:sp>
+        <p:nvSpPr>
+          <p:cNvPr id="22" name="矩形 21"/>
+          <p:cNvSpPr/>
+          <p:nvPr/>
+        </p:nvSpPr>
+        <p:spPr>
+          <a:xfrm>
+            <a:off x="569843" y="6082747"/>
+            <a:ext cx="2888974" cy="662609"/>
+          </a:xfrm>
+          <a:prstGeom prst="rect">
+            <a:avLst/>
+          </a:prstGeom>
+        </p:spPr>
+        <p:style>
+          <a:lnRef idx="2">
+            <a:schemeClr val="accent1">
+              <a:shade val="50000"/>
+            </a:schemeClr>
+          </a:lnRef>
+          <a:fillRef idx="1">
+            <a:schemeClr val="accent1"/>
+          </a:fillRef>
+          <a:effectRef idx="0">
+            <a:schemeClr val="accent1"/>
+          </a:effectRef>
+          <a:fontRef idx="minor">
+            <a:schemeClr val="lt1"/>
+          </a:fontRef>
+        </p:style>
+        <p:txBody>
+          <a:bodyPr rtlCol="0" anchor="ctr"/>
+          <a:lstStyle/>
+          <a:p>
+            <a:r>
+              <a:rPr lang="en-US" altLang="zh-TW" dirty="0">
+                <a:effectLst>
+                  <a:glow rad="228600">
+                    <a:schemeClr val="accent2">
+                      <a:satMod val="175000"/>
+                      <a:alpha val="40000"/>
+                    </a:schemeClr>
+                  </a:glow>
+                </a:effectLst>
+              </a:rPr>
+              <a:t>E</a:t>
+            </a:r>
+            <a:r>
+              <a:rPr lang="en-US" altLang="zh-TW" dirty="0" smtClean="0">
+                <a:effectLst>
+                  <a:glow rad="228600">
+                    <a:schemeClr val="accent2">
+                      <a:satMod val="175000"/>
+                      <a:alpha val="40000"/>
+                    </a:schemeClr>
+                  </a:glow>
+                </a:effectLst>
+              </a:rPr>
+              <a:t>   </a:t>
+            </a:r>
+            <a:r>
+              <a:rPr lang="zh-TW" altLang="en-US" dirty="0" smtClean="0"/>
+              <a:t>使用者繼續點其他功能</a:t>
+            </a:r>
+            <a:endParaRPr lang="zh-TW" altLang="en-US" dirty="0"/>
+          </a:p>
+        </p:txBody>
+      </p:sp>
+      <p:cxnSp>
+        <p:nvCxnSpPr>
+          <p:cNvPr id="24" name="直線單箭頭接點 23"/>
+          <p:cNvCxnSpPr>
+            <a:stCxn id="5" idx="2"/>
+            <a:endCxn id="22" idx="0"/>
+          </p:cNvCxnSpPr>
+          <p:nvPr/>
+        </p:nvCxnSpPr>
+        <p:spPr>
+          <a:xfrm>
+            <a:off x="2014330" y="5658678"/>
+            <a:ext cx="0" cy="424069"/>
+          </a:xfrm>
+          <a:prstGeom prst="straightConnector1">
+            <a:avLst/>
+          </a:prstGeom>
+          <a:ln>
+            <a:tailEnd type="triangle"/>
+          </a:ln>
+        </p:spPr>
+        <p:style>
+          <a:lnRef idx="1">
+            <a:schemeClr val="accent1"/>
+          </a:lnRef>
+          <a:fillRef idx="0">
+            <a:schemeClr val="accent1"/>
+          </a:fillRef>
+          <a:effectRef idx="0">
+            <a:schemeClr val="accent1"/>
+          </a:effectRef>
+          <a:fontRef idx="minor">
+            <a:schemeClr val="tx1"/>
+          </a:fontRef>
+        </p:style>
+      </p:cxnSp>
+    </p:spTree>
+    <p:extLst>
+      <p:ext uri="{BB962C8B-B14F-4D97-AF65-F5344CB8AC3E}">
+        <p14:creationId xmlns:p14="http://schemas.microsoft.com/office/powerpoint/2010/main" val="1842547462"/>
+      </p:ext>
+    </p:extLst>
+  </p:cSld>
+  <p:clrMapOvr>
+    <a:masterClrMapping/>
+  </p:clrMapOvr>
+  <p:timing>
+    <p:tnLst>
+      <p:par>
+        <p:cTn id="1" dur="indefinite" restart="never" nodeType="tmRoot"/>
+      </p:par>
+    </p:tnLst>
+  </p:timing>
+</p:sld>
+</file>
+
+<file path=ppt/slides/slide8.xml><?xml version="1.0" encoding="utf-8"?>
+<p:sld xmlns:a="http://schemas.openxmlformats.org/drawingml/2006/main" xmlns:r="http://schemas.openxmlformats.org/officeDocument/2006/relationships" xmlns:p="http://schemas.openxmlformats.org/presentationml/2006/main">
+  <p:cSld>
+    <p:spTree>
+      <p:nvGrpSpPr>
+        <p:cNvPr id="1" name=""/>
+        <p:cNvGrpSpPr/>
+        <p:nvPr/>
+      </p:nvGrpSpPr>
+      <p:grpSpPr>
+        <a:xfrm>
+          <a:off x="0" y="0"/>
+          <a:ext cx="0" cy="0"/>
+          <a:chOff x="0" y="0"/>
+          <a:chExt cx="0" cy="0"/>
+        </a:xfrm>
+      </p:grpSpPr>
+      <p:sp>
+        <p:nvSpPr>
+          <p:cNvPr id="2" name="矩形 1"/>
+          <p:cNvSpPr/>
+          <p:nvPr/>
+        </p:nvSpPr>
+        <p:spPr>
+          <a:xfrm>
+            <a:off x="569843" y="1749287"/>
+            <a:ext cx="2888974" cy="662609"/>
+          </a:xfrm>
+          <a:prstGeom prst="rect">
+            <a:avLst/>
+          </a:prstGeom>
+        </p:spPr>
+        <p:style>
+          <a:lnRef idx="2">
+            <a:schemeClr val="accent1">
+              <a:shade val="50000"/>
+            </a:schemeClr>
+          </a:lnRef>
+          <a:fillRef idx="1">
+            <a:schemeClr val="accent1"/>
+          </a:fillRef>
+          <a:effectRef idx="0">
+            <a:schemeClr val="accent1"/>
+          </a:effectRef>
+          <a:fontRef idx="minor">
+            <a:schemeClr val="lt1"/>
+          </a:fontRef>
+        </p:style>
+        <p:txBody>
+          <a:bodyPr rtlCol="0" anchor="ctr"/>
+          <a:lstStyle/>
+          <a:p>
+            <a:r>
+              <a:rPr lang="en-US" altLang="zh-TW" dirty="0" smtClean="0">
+                <a:effectLst>
+                  <a:glow rad="228600">
+                    <a:schemeClr val="accent2">
+                      <a:satMod val="175000"/>
+                      <a:alpha val="40000"/>
+                    </a:schemeClr>
+                  </a:glow>
+                </a:effectLst>
+              </a:rPr>
+              <a:t>A</a:t>
+            </a:r>
+            <a:r>
+              <a:rPr lang="en-US" altLang="zh-TW" dirty="0" smtClean="0"/>
+              <a:t>   </a:t>
+            </a:r>
+            <a:r>
+              <a:rPr lang="zh-TW" altLang="en-US" dirty="0" smtClean="0"/>
+              <a:t>使用者點了功能</a:t>
+            </a:r>
+            <a:endParaRPr lang="en-US" altLang="zh-TW" dirty="0" smtClean="0"/>
+          </a:p>
+          <a:p>
+            <a:r>
+              <a:rPr lang="zh-TW" altLang="en-US" dirty="0" smtClean="0"/>
+              <a:t>需要向伺服器要一點資料</a:t>
+            </a:r>
+            <a:endParaRPr lang="zh-TW" altLang="en-US" dirty="0"/>
+          </a:p>
+        </p:txBody>
+      </p:sp>
+      <p:sp>
+        <p:nvSpPr>
+          <p:cNvPr id="3" name="矩形 2"/>
+          <p:cNvSpPr/>
+          <p:nvPr/>
+        </p:nvSpPr>
+        <p:spPr>
+          <a:xfrm>
+            <a:off x="569843" y="2822713"/>
+            <a:ext cx="2888974" cy="662609"/>
+          </a:xfrm>
+          <a:prstGeom prst="rect">
+            <a:avLst/>
+          </a:prstGeom>
+        </p:spPr>
+        <p:style>
+          <a:lnRef idx="2">
+            <a:schemeClr val="accent1">
+              <a:shade val="50000"/>
+            </a:schemeClr>
+          </a:lnRef>
+          <a:fillRef idx="1">
+            <a:schemeClr val="accent1"/>
+          </a:fillRef>
+          <a:effectRef idx="0">
+            <a:schemeClr val="accent1"/>
+          </a:effectRef>
+          <a:fontRef idx="minor">
+            <a:schemeClr val="lt1"/>
+          </a:fontRef>
+        </p:style>
+        <p:txBody>
+          <a:bodyPr rtlCol="0" anchor="ctr"/>
+          <a:lstStyle/>
+          <a:p>
+            <a:r>
+              <a:rPr lang="en-US" altLang="zh-TW" dirty="0" smtClean="0">
+                <a:effectLst>
+                  <a:glow rad="228600">
+                    <a:schemeClr val="accent2">
+                      <a:satMod val="175000"/>
+                      <a:alpha val="40000"/>
+                    </a:schemeClr>
+                  </a:glow>
+                </a:effectLst>
+              </a:rPr>
+              <a:t>B   </a:t>
+            </a:r>
+            <a:r>
+              <a:rPr lang="en-US" altLang="zh-TW" dirty="0" smtClean="0"/>
+              <a:t>Session </a:t>
+            </a:r>
+            <a:r>
+              <a:rPr lang="zh-TW" altLang="en-US" dirty="0" smtClean="0"/>
+              <a:t>發出 </a:t>
+            </a:r>
+            <a:r>
+              <a:rPr lang="en-US" altLang="zh-TW" dirty="0"/>
+              <a:t>R</a:t>
+            </a:r>
+            <a:r>
+              <a:rPr lang="en-US" altLang="zh-TW" dirty="0" smtClean="0"/>
+              <a:t>equest</a:t>
+            </a:r>
+            <a:endParaRPr lang="zh-TW" altLang="en-US" dirty="0"/>
+          </a:p>
+        </p:txBody>
+      </p:sp>
+      <p:sp>
+        <p:nvSpPr>
+          <p:cNvPr id="4" name="矩形 3"/>
+          <p:cNvSpPr/>
+          <p:nvPr/>
+        </p:nvSpPr>
+        <p:spPr>
+          <a:xfrm>
+            <a:off x="569843" y="3909391"/>
+            <a:ext cx="2888974" cy="662609"/>
+          </a:xfrm>
+          <a:prstGeom prst="rect">
+            <a:avLst/>
+          </a:prstGeom>
+        </p:spPr>
+        <p:style>
+          <a:lnRef idx="2">
+            <a:schemeClr val="accent1">
+              <a:shade val="50000"/>
+            </a:schemeClr>
+          </a:lnRef>
+          <a:fillRef idx="1">
+            <a:schemeClr val="accent1"/>
+          </a:fillRef>
+          <a:effectRef idx="0">
+            <a:schemeClr val="accent1"/>
+          </a:effectRef>
+          <a:fontRef idx="minor">
+            <a:schemeClr val="lt1"/>
+          </a:fontRef>
+        </p:style>
+        <p:txBody>
+          <a:bodyPr rtlCol="0" anchor="ctr"/>
+          <a:lstStyle/>
+          <a:p>
+            <a:r>
+              <a:rPr lang="en-US" altLang="zh-TW" dirty="0" smtClean="0">
+                <a:effectLst>
+                  <a:glow rad="228600">
+                    <a:schemeClr val="accent2">
+                      <a:satMod val="175000"/>
+                      <a:alpha val="40000"/>
+                    </a:schemeClr>
+                  </a:glow>
+                </a:effectLst>
+              </a:rPr>
+              <a:t>C   </a:t>
+            </a:r>
+            <a:r>
+              <a:rPr lang="zh-TW" altLang="en-US" dirty="0" smtClean="0"/>
+              <a:t>接收伺服器回應的資料</a:t>
+            </a:r>
+            <a:endParaRPr lang="zh-TW" altLang="en-US" dirty="0"/>
+          </a:p>
+        </p:txBody>
+      </p:sp>
+      <p:sp>
+        <p:nvSpPr>
+          <p:cNvPr id="5" name="矩形 4"/>
+          <p:cNvSpPr/>
+          <p:nvPr/>
+        </p:nvSpPr>
+        <p:spPr>
+          <a:xfrm>
+            <a:off x="569843" y="4996069"/>
+            <a:ext cx="2888974" cy="662609"/>
+          </a:xfrm>
+          <a:prstGeom prst="rect">
+            <a:avLst/>
+          </a:prstGeom>
+        </p:spPr>
+        <p:style>
+          <a:lnRef idx="2">
+            <a:schemeClr val="accent1">
+              <a:shade val="50000"/>
+            </a:schemeClr>
+          </a:lnRef>
+          <a:fillRef idx="1">
+            <a:schemeClr val="accent1"/>
+          </a:fillRef>
+          <a:effectRef idx="0">
+            <a:schemeClr val="accent1"/>
+          </a:effectRef>
+          <a:fontRef idx="minor">
+            <a:schemeClr val="lt1"/>
+          </a:fontRef>
+        </p:style>
+        <p:txBody>
+          <a:bodyPr rtlCol="0" anchor="ctr"/>
+          <a:lstStyle/>
+          <a:p>
+            <a:r>
+              <a:rPr lang="en-US" altLang="zh-TW" dirty="0" smtClean="0">
+                <a:effectLst>
+                  <a:glow rad="228600">
+                    <a:schemeClr val="accent2">
+                      <a:satMod val="175000"/>
+                      <a:alpha val="40000"/>
+                    </a:schemeClr>
+                  </a:glow>
+                </a:effectLst>
+              </a:rPr>
+              <a:t>D   </a:t>
+            </a:r>
+            <a:r>
+              <a:rPr lang="zh-TW" altLang="en-US" dirty="0" smtClean="0">
+                <a:effectLst/>
+              </a:rPr>
+              <a:t>印出回應資料</a:t>
+            </a:r>
+            <a:endParaRPr lang="zh-TW" altLang="en-US" dirty="0">
+              <a:effectLst/>
+            </a:endParaRPr>
+          </a:p>
+        </p:txBody>
+      </p:sp>
+      <p:sp>
+        <p:nvSpPr>
+          <p:cNvPr id="6" name="矩形 5"/>
+          <p:cNvSpPr/>
+          <p:nvPr/>
+        </p:nvSpPr>
+        <p:spPr>
+          <a:xfrm>
+            <a:off x="569843" y="371061"/>
+            <a:ext cx="2888974" cy="662609"/>
+          </a:xfrm>
+          <a:prstGeom prst="rect">
+            <a:avLst/>
+          </a:prstGeom>
+        </p:spPr>
+        <p:style>
+          <a:lnRef idx="2">
+            <a:schemeClr val="accent6">
+              <a:shade val="50000"/>
+            </a:schemeClr>
+          </a:lnRef>
+          <a:fillRef idx="1">
+            <a:schemeClr val="accent6"/>
+          </a:fillRef>
+          <a:effectRef idx="0">
+            <a:schemeClr val="accent6"/>
+          </a:effectRef>
+          <a:fontRef idx="minor">
+            <a:schemeClr val="lt1"/>
+          </a:fontRef>
+        </p:style>
+        <p:txBody>
+          <a:bodyPr rtlCol="0" anchor="ctr"/>
+          <a:lstStyle/>
+          <a:p>
+            <a:pPr algn="ctr"/>
+            <a:r>
+              <a:rPr lang="zh-TW" altLang="en-US" dirty="0" smtClean="0"/>
+              <a:t>單一執行緒</a:t>
+            </a:r>
+            <a:endParaRPr lang="zh-TW" altLang="en-US" dirty="0"/>
+          </a:p>
+        </p:txBody>
+      </p:sp>
+      <p:cxnSp>
+        <p:nvCxnSpPr>
+          <p:cNvPr id="8" name="直線單箭頭接點 7"/>
+          <p:cNvCxnSpPr>
+            <a:stCxn id="2" idx="2"/>
+            <a:endCxn id="3" idx="0"/>
+          </p:cNvCxnSpPr>
+          <p:nvPr/>
+        </p:nvCxnSpPr>
+        <p:spPr>
+          <a:xfrm>
+            <a:off x="2014330" y="2411896"/>
+            <a:ext cx="0" cy="410817"/>
+          </a:xfrm>
+          <a:prstGeom prst="straightConnector1">
+            <a:avLst/>
+          </a:prstGeom>
+          <a:ln>
+            <a:tailEnd type="triangle"/>
+          </a:ln>
+        </p:spPr>
+        <p:style>
+          <a:lnRef idx="1">
+            <a:schemeClr val="accent1"/>
+          </a:lnRef>
+          <a:fillRef idx="0">
+            <a:schemeClr val="accent1"/>
+          </a:fillRef>
+          <a:effectRef idx="0">
+            <a:schemeClr val="accent1"/>
+          </a:effectRef>
+          <a:fontRef idx="minor">
+            <a:schemeClr val="tx1"/>
+          </a:fontRef>
+        </p:style>
+      </p:cxnSp>
+      <p:cxnSp>
+        <p:nvCxnSpPr>
+          <p:cNvPr id="10" name="直線單箭頭接點 9"/>
+          <p:cNvCxnSpPr>
+            <a:stCxn id="3" idx="2"/>
+            <a:endCxn id="4" idx="0"/>
+          </p:cNvCxnSpPr>
+          <p:nvPr/>
+        </p:nvCxnSpPr>
+        <p:spPr>
+          <a:xfrm>
+            <a:off x="2014330" y="3485322"/>
+            <a:ext cx="0" cy="424069"/>
+          </a:xfrm>
+          <a:prstGeom prst="straightConnector1">
+            <a:avLst/>
+          </a:prstGeom>
+          <a:ln>
+            <a:tailEnd type="triangle"/>
+          </a:ln>
+        </p:spPr>
+        <p:style>
+          <a:lnRef idx="1">
+            <a:schemeClr val="accent1"/>
+          </a:lnRef>
+          <a:fillRef idx="0">
+            <a:schemeClr val="accent1"/>
+          </a:fillRef>
+          <a:effectRef idx="0">
+            <a:schemeClr val="accent1"/>
+          </a:effectRef>
+          <a:fontRef idx="minor">
+            <a:schemeClr val="tx1"/>
+          </a:fontRef>
+        </p:style>
+      </p:cxnSp>
+      <p:cxnSp>
+        <p:nvCxnSpPr>
+          <p:cNvPr id="12" name="直線單箭頭接點 11"/>
+          <p:cNvCxnSpPr>
+            <a:stCxn id="4" idx="2"/>
+            <a:endCxn id="5" idx="0"/>
+          </p:cNvCxnSpPr>
+          <p:nvPr/>
+        </p:nvCxnSpPr>
+        <p:spPr>
+          <a:xfrm>
+            <a:off x="2014330" y="4572000"/>
+            <a:ext cx="0" cy="424069"/>
+          </a:xfrm>
+          <a:prstGeom prst="straightConnector1">
+            <a:avLst/>
+          </a:prstGeom>
+          <a:ln>
+            <a:tailEnd type="triangle"/>
+          </a:ln>
+        </p:spPr>
+        <p:style>
+          <a:lnRef idx="1">
+            <a:schemeClr val="accent1"/>
+          </a:lnRef>
+          <a:fillRef idx="0">
+            <a:schemeClr val="accent1"/>
+          </a:fillRef>
+          <a:effectRef idx="0">
+            <a:schemeClr val="accent1"/>
+          </a:effectRef>
+          <a:fontRef idx="minor">
+            <a:schemeClr val="tx1"/>
+          </a:fontRef>
+        </p:style>
+      </p:cxnSp>
+      <p:sp>
+        <p:nvSpPr>
+          <p:cNvPr id="13" name="矩形 12"/>
+          <p:cNvSpPr/>
+          <p:nvPr/>
+        </p:nvSpPr>
+        <p:spPr>
+          <a:xfrm>
+            <a:off x="4954659" y="3650973"/>
+            <a:ext cx="1469333" cy="1179444"/>
+          </a:xfrm>
+          <a:prstGeom prst="rect">
+            <a:avLst/>
+          </a:prstGeom>
+        </p:spPr>
+        <p:style>
+          <a:lnRef idx="2">
+            <a:schemeClr val="accent1">
+              <a:shade val="50000"/>
+            </a:schemeClr>
+          </a:lnRef>
+          <a:fillRef idx="1">
+            <a:schemeClr val="accent1"/>
+          </a:fillRef>
+          <a:effectRef idx="0">
+            <a:schemeClr val="accent1"/>
+          </a:effectRef>
+          <a:fontRef idx="minor">
+            <a:schemeClr val="lt1"/>
+          </a:fontRef>
+        </p:style>
+        <p:txBody>
+          <a:bodyPr rtlCol="0" anchor="ctr"/>
+          <a:lstStyle/>
+          <a:p>
+            <a:pPr algn="ctr"/>
+            <a:r>
+              <a:rPr lang="zh-TW" altLang="en-US" dirty="0" smtClean="0"/>
+              <a:t>伺服器</a:t>
+            </a:r>
+            <a:endParaRPr lang="zh-TW" altLang="en-US" dirty="0"/>
+          </a:p>
+        </p:txBody>
+      </p:sp>
+      <p:cxnSp>
+        <p:nvCxnSpPr>
+          <p:cNvPr id="15" name="直線單箭頭接點 14"/>
+          <p:cNvCxnSpPr>
+            <a:stCxn id="3" idx="3"/>
+            <a:endCxn id="13" idx="1"/>
+          </p:cNvCxnSpPr>
+          <p:nvPr/>
+        </p:nvCxnSpPr>
+        <p:spPr>
+          <a:xfrm>
+            <a:off x="3458817" y="3154018"/>
+            <a:ext cx="1495842" cy="1086677"/>
+          </a:xfrm>
+          <a:prstGeom prst="straightConnector1">
+            <a:avLst/>
+          </a:prstGeom>
+          <a:ln w="57150">
+            <a:headEnd type="none" w="med" len="med"/>
+            <a:tailEnd type="arrow" w="med" len="med"/>
+          </a:ln>
+        </p:spPr>
+        <p:style>
+          <a:lnRef idx="1">
+            <a:schemeClr val="accent1"/>
+          </a:lnRef>
+          <a:fillRef idx="0">
+            <a:schemeClr val="accent1"/>
+          </a:fillRef>
+          <a:effectRef idx="0">
+            <a:schemeClr val="accent1"/>
+          </a:effectRef>
+          <a:fontRef idx="minor">
+            <a:schemeClr val="tx1"/>
+          </a:fontRef>
+        </p:style>
+      </p:cxnSp>
+      <p:sp>
+        <p:nvSpPr>
+          <p:cNvPr id="16" name="矩形 15"/>
+          <p:cNvSpPr/>
+          <p:nvPr/>
+        </p:nvSpPr>
+        <p:spPr>
+          <a:xfrm>
+            <a:off x="3689076" y="3097695"/>
+            <a:ext cx="1046922" cy="510209"/>
+          </a:xfrm>
+          <a:prstGeom prst="rect">
+            <a:avLst/>
+          </a:prstGeom>
+          <a:noFill/>
+          <a:ln>
+            <a:noFill/>
+          </a:ln>
+        </p:spPr>
+        <p:style>
+          <a:lnRef idx="2">
+            <a:schemeClr val="accent1">
+              <a:shade val="50000"/>
+            </a:schemeClr>
+          </a:lnRef>
+          <a:fillRef idx="1">
+            <a:schemeClr val="accent1"/>
+          </a:fillRef>
+          <a:effectRef idx="0">
+            <a:schemeClr val="accent1"/>
+          </a:effectRef>
+          <a:fontRef idx="minor">
+            <a:schemeClr val="lt1"/>
+          </a:fontRef>
+        </p:style>
+        <p:txBody>
+          <a:bodyPr rtlCol="0" anchor="ctr"/>
+          <a:lstStyle/>
+          <a:p>
+            <a:pPr algn="ctr"/>
+            <a:r>
+              <a:rPr lang="en-US" altLang="zh-TW" dirty="0" smtClean="0">
+                <a:solidFill>
+                  <a:srgbClr val="FF0000"/>
+                </a:solidFill>
+              </a:rPr>
+              <a:t>Request</a:t>
+            </a:r>
+            <a:endParaRPr lang="zh-TW" altLang="en-US" dirty="0">
+              <a:solidFill>
+                <a:srgbClr val="FF0000"/>
+              </a:solidFill>
+            </a:endParaRPr>
+          </a:p>
+        </p:txBody>
+      </p:sp>
+      <p:cxnSp>
+        <p:nvCxnSpPr>
+          <p:cNvPr id="18" name="直線單箭頭接點 17"/>
+          <p:cNvCxnSpPr>
+            <a:stCxn id="13" idx="1"/>
+            <a:endCxn id="4" idx="3"/>
+          </p:cNvCxnSpPr>
+          <p:nvPr/>
+        </p:nvCxnSpPr>
+        <p:spPr>
+          <a:xfrm flipH="1">
+            <a:off x="3458817" y="4240695"/>
+            <a:ext cx="1495842" cy="1"/>
+          </a:xfrm>
+          <a:prstGeom prst="straightConnector1">
+            <a:avLst/>
+          </a:prstGeom>
+          <a:ln w="57150">
+            <a:solidFill>
+              <a:schemeClr val="accent1"/>
+            </a:solidFill>
+            <a:headEnd type="none" w="med" len="med"/>
+            <a:tailEnd type="arrow" w="med" len="med"/>
+          </a:ln>
+        </p:spPr>
+        <p:style>
+          <a:lnRef idx="1">
+            <a:schemeClr val="accent1"/>
+          </a:lnRef>
+          <a:fillRef idx="0">
+            <a:schemeClr val="accent1"/>
+          </a:fillRef>
+          <a:effectRef idx="0">
+            <a:schemeClr val="accent1"/>
+          </a:effectRef>
+          <a:fontRef idx="minor">
+            <a:schemeClr val="tx1"/>
+          </a:fontRef>
+        </p:style>
+      </p:cxnSp>
+      <p:sp>
+        <p:nvSpPr>
+          <p:cNvPr id="19" name="矩形 18"/>
+          <p:cNvSpPr/>
+          <p:nvPr/>
+        </p:nvSpPr>
+        <p:spPr>
+          <a:xfrm>
+            <a:off x="10496549" y="3154017"/>
+            <a:ext cx="1278836" cy="510209"/>
+          </a:xfrm>
+          <a:prstGeom prst="rect">
+            <a:avLst/>
+          </a:prstGeom>
+          <a:noFill/>
+          <a:ln>
+            <a:noFill/>
+          </a:ln>
+        </p:spPr>
+        <p:style>
+          <a:lnRef idx="2">
+            <a:schemeClr val="accent1">
+              <a:shade val="50000"/>
+            </a:schemeClr>
+          </a:lnRef>
+          <a:fillRef idx="1">
+            <a:schemeClr val="accent1"/>
+          </a:fillRef>
+          <a:effectRef idx="0">
+            <a:schemeClr val="accent1"/>
+          </a:effectRef>
+          <a:fontRef idx="minor">
+            <a:schemeClr val="lt1"/>
+          </a:fontRef>
+        </p:style>
+        <p:txBody>
+          <a:bodyPr rtlCol="0" anchor="ctr"/>
+          <a:lstStyle/>
+          <a:p>
+            <a:pPr algn="ctr"/>
+            <a:r>
+              <a:rPr lang="zh-TW" altLang="en-US" dirty="0" smtClean="0">
+                <a:solidFill>
+                  <a:schemeClr val="accent1"/>
+                </a:solidFill>
+              </a:rPr>
+              <a:t>主執行緒</a:t>
+            </a:r>
+            <a:endParaRPr lang="zh-TW" altLang="en-US" dirty="0">
+              <a:solidFill>
+                <a:schemeClr val="accent1"/>
+              </a:solidFill>
+            </a:endParaRPr>
+          </a:p>
+        </p:txBody>
+      </p:sp>
+      <p:sp>
+        <p:nvSpPr>
+          <p:cNvPr id="22" name="矩形 21"/>
+          <p:cNvSpPr/>
+          <p:nvPr/>
+        </p:nvSpPr>
+        <p:spPr>
+          <a:xfrm>
+            <a:off x="569843" y="6082747"/>
+            <a:ext cx="2888974" cy="662609"/>
+          </a:xfrm>
+          <a:prstGeom prst="rect">
+            <a:avLst/>
+          </a:prstGeom>
+        </p:spPr>
+        <p:style>
+          <a:lnRef idx="2">
+            <a:schemeClr val="accent1">
+              <a:shade val="50000"/>
+            </a:schemeClr>
+          </a:lnRef>
+          <a:fillRef idx="1">
+            <a:schemeClr val="accent1"/>
+          </a:fillRef>
+          <a:effectRef idx="0">
+            <a:schemeClr val="accent1"/>
+          </a:effectRef>
+          <a:fontRef idx="minor">
+            <a:schemeClr val="lt1"/>
+          </a:fontRef>
+        </p:style>
+        <p:txBody>
+          <a:bodyPr rtlCol="0" anchor="ctr"/>
+          <a:lstStyle/>
+          <a:p>
+            <a:r>
+              <a:rPr lang="en-US" altLang="zh-TW" dirty="0">
+                <a:effectLst>
+                  <a:glow rad="228600">
+                    <a:schemeClr val="accent2">
+                      <a:satMod val="175000"/>
+                      <a:alpha val="40000"/>
+                    </a:schemeClr>
+                  </a:glow>
+                </a:effectLst>
+              </a:rPr>
+              <a:t>E</a:t>
+            </a:r>
+            <a:r>
+              <a:rPr lang="en-US" altLang="zh-TW" dirty="0" smtClean="0">
+                <a:effectLst>
+                  <a:glow rad="228600">
+                    <a:schemeClr val="accent2">
+                      <a:satMod val="175000"/>
+                      <a:alpha val="40000"/>
+                    </a:schemeClr>
+                  </a:glow>
+                </a:effectLst>
+              </a:rPr>
+              <a:t>   </a:t>
+            </a:r>
+            <a:r>
+              <a:rPr lang="zh-TW" altLang="en-US" dirty="0" smtClean="0"/>
+              <a:t>使用者繼續點其他功能</a:t>
+            </a:r>
+            <a:endParaRPr lang="zh-TW" altLang="en-US" dirty="0"/>
+          </a:p>
+        </p:txBody>
+      </p:sp>
+      <p:cxnSp>
+        <p:nvCxnSpPr>
+          <p:cNvPr id="24" name="直線單箭頭接點 23"/>
+          <p:cNvCxnSpPr>
+            <a:stCxn id="5" idx="2"/>
+            <a:endCxn id="22" idx="0"/>
+          </p:cNvCxnSpPr>
+          <p:nvPr/>
+        </p:nvCxnSpPr>
+        <p:spPr>
+          <a:xfrm>
+            <a:off x="2014330" y="5658678"/>
+            <a:ext cx="0" cy="424069"/>
+          </a:xfrm>
+          <a:prstGeom prst="straightConnector1">
+            <a:avLst/>
+          </a:prstGeom>
+          <a:ln>
+            <a:tailEnd type="triangle"/>
+          </a:ln>
+        </p:spPr>
+        <p:style>
+          <a:lnRef idx="1">
+            <a:schemeClr val="accent1"/>
+          </a:lnRef>
+          <a:fillRef idx="0">
+            <a:schemeClr val="accent1"/>
+          </a:fillRef>
+          <a:effectRef idx="0">
+            <a:schemeClr val="accent1"/>
+          </a:effectRef>
+          <a:fontRef idx="minor">
+            <a:schemeClr val="tx1"/>
+          </a:fontRef>
+        </p:style>
+      </p:cxnSp>
+      <p:sp>
+        <p:nvSpPr>
+          <p:cNvPr id="21" name="矩形 20"/>
+          <p:cNvSpPr/>
+          <p:nvPr/>
+        </p:nvSpPr>
+        <p:spPr>
+          <a:xfrm>
+            <a:off x="9197011" y="1212573"/>
+            <a:ext cx="2888974" cy="662609"/>
+          </a:xfrm>
+          <a:prstGeom prst="rect">
+            <a:avLst/>
+          </a:prstGeom>
+        </p:spPr>
+        <p:style>
+          <a:lnRef idx="2">
+            <a:schemeClr val="accent1">
+              <a:shade val="50000"/>
+            </a:schemeClr>
+          </a:lnRef>
+          <a:fillRef idx="1">
+            <a:schemeClr val="accent1"/>
+          </a:fillRef>
+          <a:effectRef idx="0">
+            <a:schemeClr val="accent1"/>
+          </a:effectRef>
+          <a:fontRef idx="minor">
+            <a:schemeClr val="lt1"/>
+          </a:fontRef>
+        </p:style>
+        <p:txBody>
+          <a:bodyPr rtlCol="0" anchor="ctr"/>
+          <a:lstStyle/>
+          <a:p>
+            <a:r>
+              <a:rPr lang="en-US" altLang="zh-TW" dirty="0" smtClean="0">
+                <a:effectLst>
+                  <a:glow rad="228600">
+                    <a:schemeClr val="accent2">
+                      <a:satMod val="175000"/>
+                      <a:alpha val="40000"/>
+                    </a:schemeClr>
+                  </a:glow>
+                </a:effectLst>
+              </a:rPr>
+              <a:t>A</a:t>
+            </a:r>
+            <a:r>
+              <a:rPr lang="en-US" altLang="zh-TW" dirty="0" smtClean="0"/>
+              <a:t>   </a:t>
+            </a:r>
+            <a:r>
+              <a:rPr lang="zh-TW" altLang="en-US" dirty="0" smtClean="0"/>
+              <a:t>使用者點了功能</a:t>
+            </a:r>
+            <a:endParaRPr lang="en-US" altLang="zh-TW" dirty="0" smtClean="0"/>
+          </a:p>
+          <a:p>
+            <a:r>
+              <a:rPr lang="zh-TW" altLang="en-US" dirty="0" smtClean="0"/>
+              <a:t>需要向伺服器要一點資料</a:t>
+            </a:r>
+            <a:endParaRPr lang="zh-TW" altLang="en-US" dirty="0"/>
+          </a:p>
+        </p:txBody>
+      </p:sp>
+      <p:sp>
+        <p:nvSpPr>
+          <p:cNvPr id="23" name="矩形 22"/>
+          <p:cNvSpPr/>
+          <p:nvPr/>
+        </p:nvSpPr>
+        <p:spPr>
+          <a:xfrm>
+            <a:off x="9197011" y="2285999"/>
+            <a:ext cx="2888973" cy="662609"/>
+          </a:xfrm>
+          <a:prstGeom prst="rect">
+            <a:avLst/>
+          </a:prstGeom>
+        </p:spPr>
+        <p:style>
+          <a:lnRef idx="2">
+            <a:schemeClr val="accent1">
+              <a:shade val="50000"/>
+            </a:schemeClr>
+          </a:lnRef>
+          <a:fillRef idx="1">
+            <a:schemeClr val="accent1"/>
+          </a:fillRef>
+          <a:effectRef idx="0">
+            <a:schemeClr val="accent1"/>
+          </a:effectRef>
+          <a:fontRef idx="minor">
+            <a:schemeClr val="lt1"/>
+          </a:fontRef>
+        </p:style>
+        <p:txBody>
+          <a:bodyPr rtlCol="0" anchor="ctr"/>
+          <a:lstStyle/>
+          <a:p>
+            <a:r>
+              <a:rPr lang="en-US" altLang="zh-TW" dirty="0" smtClean="0">
+                <a:effectLst>
+                  <a:glow rad="228600">
+                    <a:schemeClr val="accent2">
+                      <a:satMod val="175000"/>
+                      <a:alpha val="40000"/>
+                    </a:schemeClr>
+                  </a:glow>
+                </a:effectLst>
+              </a:rPr>
+              <a:t>B   </a:t>
+            </a:r>
+            <a:r>
+              <a:rPr lang="en-US" altLang="zh-TW" dirty="0" smtClean="0"/>
+              <a:t>Session </a:t>
+            </a:r>
+            <a:r>
+              <a:rPr lang="zh-TW" altLang="en-US" dirty="0" smtClean="0"/>
+              <a:t>發出 </a:t>
+            </a:r>
+            <a:r>
+              <a:rPr lang="en-US" altLang="zh-TW" dirty="0"/>
+              <a:t>R</a:t>
+            </a:r>
+            <a:r>
+              <a:rPr lang="en-US" altLang="zh-TW" dirty="0" smtClean="0"/>
+              <a:t>equest</a:t>
+            </a:r>
+            <a:endParaRPr lang="zh-TW" altLang="en-US" dirty="0"/>
+          </a:p>
+        </p:txBody>
+      </p:sp>
+      <p:sp>
+        <p:nvSpPr>
+          <p:cNvPr id="25" name="矩形 24"/>
+          <p:cNvSpPr/>
+          <p:nvPr/>
+        </p:nvSpPr>
+        <p:spPr>
+          <a:xfrm>
+            <a:off x="7399679" y="3419061"/>
+            <a:ext cx="2821062" cy="662609"/>
+          </a:xfrm>
+          <a:prstGeom prst="rect">
+            <a:avLst/>
+          </a:prstGeom>
+        </p:spPr>
+        <p:style>
+          <a:lnRef idx="2">
+            <a:schemeClr val="accent2">
+              <a:shade val="50000"/>
+            </a:schemeClr>
+          </a:lnRef>
+          <a:fillRef idx="1">
+            <a:schemeClr val="accent2"/>
+          </a:fillRef>
+          <a:effectRef idx="0">
+            <a:schemeClr val="accent2"/>
+          </a:effectRef>
+          <a:fontRef idx="minor">
+            <a:schemeClr val="lt1"/>
+          </a:fontRef>
+        </p:style>
+        <p:txBody>
+          <a:bodyPr rtlCol="0" anchor="ctr"/>
+          <a:lstStyle/>
+          <a:p>
+            <a:r>
+              <a:rPr lang="en-US" altLang="zh-TW" dirty="0" smtClean="0">
+                <a:effectLst>
+                  <a:glow rad="228600">
+                    <a:schemeClr val="accent2">
+                      <a:satMod val="175000"/>
+                      <a:alpha val="40000"/>
+                    </a:schemeClr>
+                  </a:glow>
+                </a:effectLst>
+              </a:rPr>
+              <a:t>C   </a:t>
+            </a:r>
+            <a:r>
+              <a:rPr lang="zh-TW" altLang="en-US" dirty="0" smtClean="0"/>
+              <a:t>接收伺服器回應的資料</a:t>
+            </a:r>
+            <a:endParaRPr lang="zh-TW" altLang="en-US" dirty="0"/>
+          </a:p>
+        </p:txBody>
+      </p:sp>
+      <p:sp>
+        <p:nvSpPr>
+          <p:cNvPr id="26" name="矩形 25"/>
+          <p:cNvSpPr/>
+          <p:nvPr/>
+        </p:nvSpPr>
+        <p:spPr>
+          <a:xfrm>
+            <a:off x="7411279" y="4545493"/>
+            <a:ext cx="2809462" cy="662609"/>
+          </a:xfrm>
+          <a:prstGeom prst="rect">
+            <a:avLst/>
+          </a:prstGeom>
+        </p:spPr>
+        <p:style>
+          <a:lnRef idx="2">
+            <a:schemeClr val="accent2">
+              <a:shade val="50000"/>
+            </a:schemeClr>
+          </a:lnRef>
+          <a:fillRef idx="1">
+            <a:schemeClr val="accent2"/>
+          </a:fillRef>
+          <a:effectRef idx="0">
+            <a:schemeClr val="accent2"/>
+          </a:effectRef>
+          <a:fontRef idx="minor">
+            <a:schemeClr val="lt1"/>
+          </a:fontRef>
+        </p:style>
+        <p:txBody>
+          <a:bodyPr rtlCol="0" anchor="ctr"/>
+          <a:lstStyle/>
+          <a:p>
+            <a:r>
+              <a:rPr lang="en-US" altLang="zh-TW" dirty="0" smtClean="0">
+                <a:effectLst>
+                  <a:glow rad="228600">
+                    <a:schemeClr val="accent2">
+                      <a:satMod val="175000"/>
+                      <a:alpha val="40000"/>
+                    </a:schemeClr>
+                  </a:glow>
+                </a:effectLst>
+              </a:rPr>
+              <a:t>D   </a:t>
+            </a:r>
+            <a:r>
+              <a:rPr lang="zh-TW" altLang="en-US" dirty="0" smtClean="0">
+                <a:effectLst/>
+              </a:rPr>
+              <a:t>印出回應資料</a:t>
+            </a:r>
+            <a:endParaRPr lang="zh-TW" altLang="en-US" dirty="0">
+              <a:effectLst/>
+            </a:endParaRPr>
+          </a:p>
+        </p:txBody>
+      </p:sp>
+      <p:sp>
+        <p:nvSpPr>
+          <p:cNvPr id="27" name="矩形 26"/>
+          <p:cNvSpPr/>
+          <p:nvPr/>
+        </p:nvSpPr>
+        <p:spPr>
+          <a:xfrm>
+            <a:off x="9197010" y="298173"/>
+            <a:ext cx="2888974" cy="662609"/>
+          </a:xfrm>
+          <a:prstGeom prst="rect">
+            <a:avLst/>
+          </a:prstGeom>
+        </p:spPr>
+        <p:style>
+          <a:lnRef idx="2">
+            <a:schemeClr val="accent6">
+              <a:shade val="50000"/>
+            </a:schemeClr>
+          </a:lnRef>
+          <a:fillRef idx="1">
+            <a:schemeClr val="accent6"/>
+          </a:fillRef>
+          <a:effectRef idx="0">
+            <a:schemeClr val="accent6"/>
+          </a:effectRef>
+          <a:fontRef idx="minor">
+            <a:schemeClr val="lt1"/>
+          </a:fontRef>
+        </p:style>
+        <p:txBody>
+          <a:bodyPr rtlCol="0" anchor="ctr"/>
+          <a:lstStyle/>
+          <a:p>
+            <a:pPr algn="ctr"/>
+            <a:r>
+              <a:rPr lang="zh-TW" altLang="en-US" dirty="0" smtClean="0"/>
+              <a:t>兩個執行緒</a:t>
+            </a:r>
+            <a:endParaRPr lang="zh-TW" altLang="en-US" dirty="0"/>
+          </a:p>
+        </p:txBody>
+      </p:sp>
+      <p:cxnSp>
+        <p:nvCxnSpPr>
+          <p:cNvPr id="28" name="直線單箭頭接點 27"/>
+          <p:cNvCxnSpPr>
+            <a:stCxn id="21" idx="2"/>
+            <a:endCxn id="23" idx="0"/>
+          </p:cNvCxnSpPr>
+          <p:nvPr/>
+        </p:nvCxnSpPr>
+        <p:spPr>
+          <a:xfrm>
+            <a:off x="10641498" y="1875182"/>
+            <a:ext cx="0" cy="410817"/>
+          </a:xfrm>
+          <a:prstGeom prst="straightConnector1">
+            <a:avLst/>
+          </a:prstGeom>
+          <a:ln>
+            <a:tailEnd type="triangle"/>
+          </a:ln>
+        </p:spPr>
+        <p:style>
+          <a:lnRef idx="1">
+            <a:schemeClr val="accent1"/>
+          </a:lnRef>
+          <a:fillRef idx="0">
+            <a:schemeClr val="accent1"/>
+          </a:fillRef>
+          <a:effectRef idx="0">
+            <a:schemeClr val="accent1"/>
+          </a:effectRef>
+          <a:fontRef idx="minor">
+            <a:schemeClr val="tx1"/>
+          </a:fontRef>
+        </p:style>
+      </p:cxnSp>
+      <p:cxnSp>
+        <p:nvCxnSpPr>
+          <p:cNvPr id="29" name="直線單箭頭接點 28"/>
+          <p:cNvCxnSpPr>
+            <a:stCxn id="23" idx="2"/>
+            <a:endCxn id="25" idx="0"/>
+          </p:cNvCxnSpPr>
+          <p:nvPr/>
+        </p:nvCxnSpPr>
+        <p:spPr>
+          <a:xfrm flipH="1">
+            <a:off x="8810210" y="2948608"/>
+            <a:ext cx="1831288" cy="470453"/>
+          </a:xfrm>
+          <a:prstGeom prst="straightConnector1">
+            <a:avLst/>
+          </a:prstGeom>
+          <a:ln>
+            <a:tailEnd type="triangle"/>
+          </a:ln>
+        </p:spPr>
+        <p:style>
+          <a:lnRef idx="1">
+            <a:schemeClr val="accent1"/>
+          </a:lnRef>
+          <a:fillRef idx="0">
+            <a:schemeClr val="accent1"/>
+          </a:fillRef>
+          <a:effectRef idx="0">
+            <a:schemeClr val="accent1"/>
+          </a:effectRef>
+          <a:fontRef idx="minor">
+            <a:schemeClr val="tx1"/>
+          </a:fontRef>
+        </p:style>
+      </p:cxnSp>
+      <p:cxnSp>
+        <p:nvCxnSpPr>
+          <p:cNvPr id="30" name="直線單箭頭接點 29"/>
+          <p:cNvCxnSpPr>
+            <a:stCxn id="25" idx="2"/>
+            <a:endCxn id="26" idx="0"/>
+          </p:cNvCxnSpPr>
+          <p:nvPr/>
+        </p:nvCxnSpPr>
+        <p:spPr>
+          <a:xfrm>
+            <a:off x="8810210" y="4081670"/>
+            <a:ext cx="5800" cy="463823"/>
+          </a:xfrm>
+          <a:prstGeom prst="straightConnector1">
+            <a:avLst/>
+          </a:prstGeom>
+          <a:ln>
+            <a:tailEnd type="triangle"/>
+          </a:ln>
+        </p:spPr>
+        <p:style>
+          <a:lnRef idx="1">
+            <a:schemeClr val="accent1"/>
+          </a:lnRef>
+          <a:fillRef idx="0">
+            <a:schemeClr val="accent1"/>
+          </a:fillRef>
+          <a:effectRef idx="0">
+            <a:schemeClr val="accent1"/>
+          </a:effectRef>
+          <a:fontRef idx="minor">
+            <a:schemeClr val="tx1"/>
+          </a:fontRef>
+        </p:style>
+      </p:cxnSp>
+      <p:sp>
+        <p:nvSpPr>
+          <p:cNvPr id="31" name="矩形 30"/>
+          <p:cNvSpPr/>
+          <p:nvPr/>
+        </p:nvSpPr>
+        <p:spPr>
+          <a:xfrm>
+            <a:off x="9197010" y="5539407"/>
+            <a:ext cx="2888974" cy="662609"/>
+          </a:xfrm>
+          <a:prstGeom prst="rect">
+            <a:avLst/>
+          </a:prstGeom>
+        </p:spPr>
+        <p:style>
+          <a:lnRef idx="2">
+            <a:schemeClr val="accent1">
+              <a:shade val="50000"/>
+            </a:schemeClr>
+          </a:lnRef>
+          <a:fillRef idx="1">
+            <a:schemeClr val="accent1"/>
+          </a:fillRef>
+          <a:effectRef idx="0">
+            <a:schemeClr val="accent1"/>
+          </a:effectRef>
+          <a:fontRef idx="minor">
+            <a:schemeClr val="lt1"/>
+          </a:fontRef>
+        </p:style>
+        <p:txBody>
+          <a:bodyPr rtlCol="0" anchor="ctr"/>
+          <a:lstStyle/>
+          <a:p>
+            <a:r>
+              <a:rPr lang="en-US" altLang="zh-TW" dirty="0">
+                <a:effectLst>
+                  <a:glow rad="228600">
+                    <a:schemeClr val="accent2">
+                      <a:satMod val="175000"/>
+                      <a:alpha val="40000"/>
+                    </a:schemeClr>
+                  </a:glow>
+                </a:effectLst>
+              </a:rPr>
+              <a:t>E</a:t>
+            </a:r>
+            <a:r>
+              <a:rPr lang="en-US" altLang="zh-TW" dirty="0" smtClean="0">
+                <a:effectLst>
+                  <a:glow rad="228600">
+                    <a:schemeClr val="accent2">
+                      <a:satMod val="175000"/>
+                      <a:alpha val="40000"/>
+                    </a:schemeClr>
+                  </a:glow>
+                </a:effectLst>
+              </a:rPr>
+              <a:t>   </a:t>
+            </a:r>
+            <a:r>
+              <a:rPr lang="zh-TW" altLang="en-US" dirty="0" smtClean="0"/>
+              <a:t>使用者繼續點其他功能</a:t>
+            </a:r>
+            <a:endParaRPr lang="zh-TW" altLang="en-US" dirty="0"/>
+          </a:p>
+        </p:txBody>
+      </p:sp>
+      <p:cxnSp>
+        <p:nvCxnSpPr>
+          <p:cNvPr id="32" name="直線單箭頭接點 31"/>
+          <p:cNvCxnSpPr>
+            <a:stCxn id="23" idx="2"/>
+            <a:endCxn id="31" idx="0"/>
+          </p:cNvCxnSpPr>
+          <p:nvPr/>
+        </p:nvCxnSpPr>
+        <p:spPr>
+          <a:xfrm flipH="1">
+            <a:off x="10641497" y="2948608"/>
+            <a:ext cx="1" cy="2590799"/>
+          </a:xfrm>
+          <a:prstGeom prst="straightConnector1">
+            <a:avLst/>
+          </a:prstGeom>
+          <a:ln>
+            <a:tailEnd type="triangle"/>
+          </a:ln>
+        </p:spPr>
+        <p:style>
+          <a:lnRef idx="1">
+            <a:schemeClr val="accent1"/>
+          </a:lnRef>
+          <a:fillRef idx="0">
+            <a:schemeClr val="accent1"/>
+          </a:fillRef>
+          <a:effectRef idx="0">
+            <a:schemeClr val="accent1"/>
+          </a:effectRef>
+          <a:fontRef idx="minor">
+            <a:schemeClr val="tx1"/>
+          </a:fontRef>
+        </p:style>
+      </p:cxnSp>
+      <p:cxnSp>
+        <p:nvCxnSpPr>
+          <p:cNvPr id="60" name="直線單箭頭接點 59"/>
+          <p:cNvCxnSpPr>
+            <a:stCxn id="25" idx="1"/>
+            <a:endCxn id="13" idx="3"/>
+          </p:cNvCxnSpPr>
+          <p:nvPr/>
+        </p:nvCxnSpPr>
+        <p:spPr>
+          <a:xfrm flipH="1">
+            <a:off x="6423992" y="3750366"/>
+            <a:ext cx="975687" cy="490329"/>
+          </a:xfrm>
+          <a:prstGeom prst="straightConnector1">
+            <a:avLst/>
+          </a:prstGeom>
+          <a:ln w="57150">
+            <a:headEnd type="none" w="med" len="med"/>
+            <a:tailEnd type="arrow" w="med" len="med"/>
+          </a:ln>
+        </p:spPr>
+        <p:style>
+          <a:lnRef idx="1">
+            <a:schemeClr val="accent1"/>
+          </a:lnRef>
+          <a:fillRef idx="0">
+            <a:schemeClr val="accent1"/>
+          </a:fillRef>
+          <a:effectRef idx="0">
+            <a:schemeClr val="accent1"/>
+          </a:effectRef>
+          <a:fontRef idx="minor">
+            <a:schemeClr val="tx1"/>
+          </a:fontRef>
+        </p:style>
+      </p:cxnSp>
+      <p:cxnSp>
+        <p:nvCxnSpPr>
+          <p:cNvPr id="61" name="直線單箭頭接點 60"/>
+          <p:cNvCxnSpPr>
+            <a:stCxn id="13" idx="3"/>
+            <a:endCxn id="26" idx="1"/>
+          </p:cNvCxnSpPr>
+          <p:nvPr/>
+        </p:nvCxnSpPr>
+        <p:spPr>
+          <a:xfrm>
+            <a:off x="6423992" y="4240695"/>
+            <a:ext cx="987287" cy="636103"/>
+          </a:xfrm>
+          <a:prstGeom prst="straightConnector1">
+            <a:avLst/>
+          </a:prstGeom>
+          <a:ln w="57150">
+            <a:solidFill>
+              <a:schemeClr val="accent1"/>
+            </a:solidFill>
+            <a:headEnd type="none" w="med" len="med"/>
+            <a:tailEnd type="arrow" w="med" len="med"/>
+          </a:ln>
+        </p:spPr>
+        <p:style>
+          <a:lnRef idx="1">
+            <a:schemeClr val="accent1"/>
+          </a:lnRef>
+          <a:fillRef idx="0">
+            <a:schemeClr val="accent1"/>
+          </a:fillRef>
+          <a:effectRef idx="0">
+            <a:schemeClr val="accent1"/>
+          </a:effectRef>
+          <a:fontRef idx="minor">
+            <a:schemeClr val="tx1"/>
+          </a:fontRef>
+        </p:style>
+      </p:cxnSp>
+      <p:sp>
+        <p:nvSpPr>
+          <p:cNvPr id="66" name="矩形 65"/>
+          <p:cNvSpPr/>
+          <p:nvPr/>
+        </p:nvSpPr>
+        <p:spPr>
+          <a:xfrm>
+            <a:off x="6318802" y="3293168"/>
+            <a:ext cx="1046922" cy="510209"/>
+          </a:xfrm>
+          <a:prstGeom prst="rect">
+            <a:avLst/>
+          </a:prstGeom>
+          <a:noFill/>
+          <a:ln>
+            <a:noFill/>
+          </a:ln>
+        </p:spPr>
+        <p:style>
+          <a:lnRef idx="2">
+            <a:schemeClr val="accent1">
+              <a:shade val="50000"/>
+            </a:schemeClr>
+          </a:lnRef>
+          <a:fillRef idx="1">
+            <a:schemeClr val="accent1"/>
+          </a:fillRef>
+          <a:effectRef idx="0">
+            <a:schemeClr val="accent1"/>
+          </a:effectRef>
+          <a:fontRef idx="minor">
+            <a:schemeClr val="lt1"/>
+          </a:fontRef>
+        </p:style>
+        <p:txBody>
+          <a:bodyPr rtlCol="0" anchor="ctr"/>
+          <a:lstStyle/>
+          <a:p>
+            <a:pPr algn="ctr"/>
+            <a:r>
+              <a:rPr lang="en-US" altLang="zh-TW" dirty="0" smtClean="0">
+                <a:solidFill>
+                  <a:srgbClr val="FF0000"/>
+                </a:solidFill>
+              </a:rPr>
+              <a:t>Request</a:t>
+            </a:r>
+            <a:endParaRPr lang="zh-TW" altLang="en-US" dirty="0">
+              <a:solidFill>
+                <a:srgbClr val="FF0000"/>
+              </a:solidFill>
+            </a:endParaRPr>
+          </a:p>
+        </p:txBody>
+      </p:sp>
+      <p:sp>
+        <p:nvSpPr>
+          <p:cNvPr id="67" name="矩形 66"/>
+          <p:cNvSpPr/>
+          <p:nvPr/>
+        </p:nvSpPr>
+        <p:spPr>
+          <a:xfrm>
+            <a:off x="6205330" y="4757526"/>
+            <a:ext cx="1278836" cy="510209"/>
+          </a:xfrm>
+          <a:prstGeom prst="rect">
+            <a:avLst/>
+          </a:prstGeom>
+          <a:noFill/>
+          <a:ln>
+            <a:noFill/>
+          </a:ln>
+        </p:spPr>
+        <p:style>
+          <a:lnRef idx="2">
+            <a:schemeClr val="accent1">
+              <a:shade val="50000"/>
+            </a:schemeClr>
+          </a:lnRef>
+          <a:fillRef idx="1">
+            <a:schemeClr val="accent1"/>
+          </a:fillRef>
+          <a:effectRef idx="0">
+            <a:schemeClr val="accent1"/>
+          </a:effectRef>
+          <a:fontRef idx="minor">
+            <a:schemeClr val="lt1"/>
+          </a:fontRef>
+        </p:style>
+        <p:txBody>
+          <a:bodyPr rtlCol="0" anchor="ctr"/>
+          <a:lstStyle/>
+          <a:p>
+            <a:pPr algn="ctr"/>
+            <a:r>
+              <a:rPr lang="zh-TW" altLang="en-US" dirty="0" smtClean="0">
+                <a:solidFill>
+                  <a:srgbClr val="FF0000"/>
+                </a:solidFill>
+              </a:rPr>
+              <a:t>回應資料</a:t>
+            </a:r>
+            <a:endParaRPr lang="zh-TW" altLang="en-US" dirty="0">
+              <a:solidFill>
+                <a:srgbClr val="FF0000"/>
+              </a:solidFill>
+            </a:endParaRPr>
+          </a:p>
+        </p:txBody>
+      </p:sp>
+      <p:sp>
+        <p:nvSpPr>
+          <p:cNvPr id="75" name="矩形 74"/>
+          <p:cNvSpPr/>
+          <p:nvPr/>
+        </p:nvSpPr>
+        <p:spPr>
+          <a:xfrm>
+            <a:off x="3828223" y="4505736"/>
+            <a:ext cx="1278836" cy="510209"/>
+          </a:xfrm>
+          <a:prstGeom prst="rect">
+            <a:avLst/>
+          </a:prstGeom>
+          <a:noFill/>
+          <a:ln>
+            <a:noFill/>
+          </a:ln>
+        </p:spPr>
+        <p:style>
+          <a:lnRef idx="2">
+            <a:schemeClr val="accent1">
+              <a:shade val="50000"/>
+            </a:schemeClr>
+          </a:lnRef>
+          <a:fillRef idx="1">
+            <a:schemeClr val="accent1"/>
+          </a:fillRef>
+          <a:effectRef idx="0">
+            <a:schemeClr val="accent1"/>
+          </a:effectRef>
+          <a:fontRef idx="minor">
+            <a:schemeClr val="lt1"/>
+          </a:fontRef>
+        </p:style>
+        <p:txBody>
+          <a:bodyPr rtlCol="0" anchor="ctr"/>
+          <a:lstStyle/>
+          <a:p>
+            <a:pPr algn="ctr"/>
+            <a:r>
+              <a:rPr lang="zh-TW" altLang="en-US" dirty="0" smtClean="0">
+                <a:solidFill>
+                  <a:srgbClr val="FF0000"/>
+                </a:solidFill>
+              </a:rPr>
+              <a:t>回應資料</a:t>
+            </a:r>
+            <a:endParaRPr lang="zh-TW" altLang="en-US" dirty="0">
+              <a:solidFill>
+                <a:srgbClr val="FF0000"/>
+              </a:solidFill>
+            </a:endParaRPr>
+          </a:p>
+        </p:txBody>
+      </p:sp>
+      <p:sp>
+        <p:nvSpPr>
+          <p:cNvPr id="76" name="矩形 75"/>
+          <p:cNvSpPr/>
+          <p:nvPr/>
+        </p:nvSpPr>
+        <p:spPr>
+          <a:xfrm>
+            <a:off x="10641494" y="1775790"/>
+            <a:ext cx="1278836" cy="510209"/>
+          </a:xfrm>
+          <a:prstGeom prst="rect">
+            <a:avLst/>
+          </a:prstGeom>
+          <a:noFill/>
+          <a:ln>
+            <a:noFill/>
+          </a:ln>
+        </p:spPr>
+        <p:style>
+          <a:lnRef idx="2">
+            <a:schemeClr val="accent1">
+              <a:shade val="50000"/>
+            </a:schemeClr>
+          </a:lnRef>
+          <a:fillRef idx="1">
+            <a:schemeClr val="accent1"/>
+          </a:fillRef>
+          <a:effectRef idx="0">
+            <a:schemeClr val="accent1"/>
+          </a:effectRef>
+          <a:fontRef idx="minor">
+            <a:schemeClr val="lt1"/>
+          </a:fontRef>
+        </p:style>
+        <p:txBody>
+          <a:bodyPr rtlCol="0" anchor="ctr"/>
+          <a:lstStyle/>
+          <a:p>
+            <a:pPr algn="ctr"/>
+            <a:r>
+              <a:rPr lang="zh-TW" altLang="en-US" dirty="0" smtClean="0">
+                <a:solidFill>
+                  <a:schemeClr val="accent1"/>
+                </a:solidFill>
+              </a:rPr>
+              <a:t>主執行緒</a:t>
+            </a:r>
+            <a:endParaRPr lang="zh-TW" altLang="en-US" dirty="0">
+              <a:solidFill>
+                <a:schemeClr val="accent1"/>
+              </a:solidFill>
+            </a:endParaRPr>
+          </a:p>
+        </p:txBody>
+      </p:sp>
+      <p:sp>
+        <p:nvSpPr>
+          <p:cNvPr id="77" name="矩形 76"/>
+          <p:cNvSpPr/>
+          <p:nvPr/>
+        </p:nvSpPr>
+        <p:spPr>
+          <a:xfrm>
+            <a:off x="8111990" y="2849216"/>
+            <a:ext cx="1590670" cy="510209"/>
+          </a:xfrm>
+          <a:prstGeom prst="rect">
+            <a:avLst/>
+          </a:prstGeom>
+          <a:noFill/>
+          <a:ln>
+            <a:noFill/>
+          </a:ln>
+        </p:spPr>
+        <p:style>
+          <a:lnRef idx="2">
+            <a:schemeClr val="accent1">
+              <a:shade val="50000"/>
+            </a:schemeClr>
+          </a:lnRef>
+          <a:fillRef idx="1">
+            <a:schemeClr val="accent1"/>
+          </a:fillRef>
+          <a:effectRef idx="0">
+            <a:schemeClr val="accent1"/>
+          </a:effectRef>
+          <a:fontRef idx="minor">
+            <a:schemeClr val="lt1"/>
+          </a:fontRef>
+        </p:style>
+        <p:txBody>
+          <a:bodyPr rtlCol="0" anchor="ctr"/>
+          <a:lstStyle/>
+          <a:p>
+            <a:pPr algn="ctr"/>
+            <a:r>
+              <a:rPr lang="zh-TW" altLang="en-US" dirty="0" smtClean="0">
+                <a:solidFill>
+                  <a:srgbClr val="FF0000"/>
+                </a:solidFill>
+              </a:rPr>
+              <a:t>新增的執行緒</a:t>
+            </a:r>
+            <a:endParaRPr lang="zh-TW" altLang="en-US" dirty="0">
+              <a:solidFill>
+                <a:srgbClr val="FF0000"/>
+              </a:solidFill>
+            </a:endParaRPr>
+          </a:p>
+        </p:txBody>
+      </p:sp>
+      <p:sp>
+        <p:nvSpPr>
+          <p:cNvPr id="78" name="矩形 77"/>
+          <p:cNvSpPr/>
+          <p:nvPr/>
+        </p:nvSpPr>
+        <p:spPr>
+          <a:xfrm>
+            <a:off x="8822437" y="4002156"/>
+            <a:ext cx="1590670" cy="510209"/>
+          </a:xfrm>
+          <a:prstGeom prst="rect">
+            <a:avLst/>
+          </a:prstGeom>
+          <a:noFill/>
+          <a:ln>
+            <a:noFill/>
+          </a:ln>
+        </p:spPr>
+        <p:style>
+          <a:lnRef idx="2">
+            <a:schemeClr val="accent1">
+              <a:shade val="50000"/>
+            </a:schemeClr>
+          </a:lnRef>
+          <a:fillRef idx="1">
+            <a:schemeClr val="accent1"/>
+          </a:fillRef>
+          <a:effectRef idx="0">
+            <a:schemeClr val="accent1"/>
+          </a:effectRef>
+          <a:fontRef idx="minor">
+            <a:schemeClr val="lt1"/>
+          </a:fontRef>
+        </p:style>
+        <p:txBody>
+          <a:bodyPr rtlCol="0" anchor="ctr"/>
+          <a:lstStyle/>
+          <a:p>
+            <a:pPr algn="ctr"/>
+            <a:r>
+              <a:rPr lang="zh-TW" altLang="en-US" dirty="0" smtClean="0">
+                <a:solidFill>
+                  <a:srgbClr val="FF0000"/>
+                </a:solidFill>
+              </a:rPr>
+              <a:t>新增的執行緒</a:t>
+            </a:r>
+            <a:endParaRPr lang="zh-TW" altLang="en-US" dirty="0">
+              <a:solidFill>
+                <a:srgbClr val="FF0000"/>
+              </a:solidFill>
+            </a:endParaRPr>
+          </a:p>
+        </p:txBody>
+      </p:sp>
+      <p:sp>
+        <p:nvSpPr>
+          <p:cNvPr id="79" name="矩形 78"/>
+          <p:cNvSpPr/>
+          <p:nvPr/>
+        </p:nvSpPr>
+        <p:spPr>
+          <a:xfrm>
+            <a:off x="10529286" y="3631095"/>
+            <a:ext cx="1278836" cy="510209"/>
+          </a:xfrm>
+          <a:prstGeom prst="rect">
+            <a:avLst/>
+          </a:prstGeom>
+          <a:noFill/>
+          <a:ln>
+            <a:noFill/>
+          </a:ln>
+        </p:spPr>
+        <p:style>
+          <a:lnRef idx="2">
+            <a:schemeClr val="accent1">
+              <a:shade val="50000"/>
+            </a:schemeClr>
+          </a:lnRef>
+          <a:fillRef idx="1">
+            <a:schemeClr val="accent1"/>
+          </a:fillRef>
+          <a:effectRef idx="0">
+            <a:schemeClr val="accent1"/>
+          </a:effectRef>
+          <a:fontRef idx="minor">
+            <a:schemeClr val="lt1"/>
+          </a:fontRef>
+        </p:style>
+        <p:txBody>
+          <a:bodyPr rtlCol="0" anchor="ctr"/>
+          <a:lstStyle/>
+          <a:p>
+            <a:pPr algn="ctr"/>
+            <a:r>
+              <a:rPr lang="zh-TW" altLang="en-US" dirty="0" smtClean="0">
+                <a:solidFill>
+                  <a:schemeClr val="accent1"/>
+                </a:solidFill>
+              </a:rPr>
+              <a:t>主執行緒</a:t>
+            </a:r>
+            <a:endParaRPr lang="zh-TW" altLang="en-US" dirty="0">
+              <a:solidFill>
+                <a:schemeClr val="accent1"/>
+              </a:solidFill>
+            </a:endParaRPr>
+          </a:p>
+        </p:txBody>
+      </p:sp>
+      <p:sp>
+        <p:nvSpPr>
+          <p:cNvPr id="80" name="矩形 79"/>
+          <p:cNvSpPr/>
+          <p:nvPr/>
+        </p:nvSpPr>
+        <p:spPr>
+          <a:xfrm>
+            <a:off x="10568610" y="4485857"/>
+            <a:ext cx="1278836" cy="510209"/>
+          </a:xfrm>
+          <a:prstGeom prst="rect">
+            <a:avLst/>
+          </a:prstGeom>
+          <a:noFill/>
+          <a:ln>
+            <a:noFill/>
+          </a:ln>
+        </p:spPr>
+        <p:style>
+          <a:lnRef idx="2">
+            <a:schemeClr val="accent1">
+              <a:shade val="50000"/>
+            </a:schemeClr>
+          </a:lnRef>
+          <a:fillRef idx="1">
+            <a:schemeClr val="accent1"/>
+          </a:fillRef>
+          <a:effectRef idx="0">
+            <a:schemeClr val="accent1"/>
+          </a:effectRef>
+          <a:fontRef idx="minor">
+            <a:schemeClr val="lt1"/>
+          </a:fontRef>
+        </p:style>
+        <p:txBody>
+          <a:bodyPr rtlCol="0" anchor="ctr"/>
+          <a:lstStyle/>
+          <a:p>
+            <a:pPr algn="ctr"/>
+            <a:r>
+              <a:rPr lang="zh-TW" altLang="en-US" dirty="0" smtClean="0">
+                <a:solidFill>
+                  <a:schemeClr val="accent1"/>
+                </a:solidFill>
+              </a:rPr>
+              <a:t>主執行緒</a:t>
+            </a:r>
+            <a:endParaRPr lang="zh-TW" altLang="en-US" dirty="0">
+              <a:solidFill>
+                <a:schemeClr val="accent1"/>
+              </a:solidFill>
+            </a:endParaRPr>
+          </a:p>
+        </p:txBody>
+      </p:sp>
+    </p:spTree>
+    <p:extLst>
+      <p:ext uri="{BB962C8B-B14F-4D97-AF65-F5344CB8AC3E}">
+        <p14:creationId xmlns:p14="http://schemas.microsoft.com/office/powerpoint/2010/main" val="3611704345"/>
+      </p:ext>
+    </p:extLst>
+  </p:cSld>
+  <p:clrMapOvr>
+    <a:masterClrMapping/>
+  </p:clrMapOvr>
+  <p:timing>
+    <p:tnLst>
+      <p:par>
+        <p:cTn id="1" dur="indefinite" restart="never" nodeType="tmRoot"/>
+      </p:par>
+    </p:tnLst>
+  </p:timing>
+</p:sld>
+</file>
+
 <file path=ppt/theme/theme1.xml><?xml version="1.0" encoding="utf-8"?>
 <a:theme xmlns:a="http://schemas.openxmlformats.org/drawingml/2006/main" name="Office 佈景主題">
   <a:themeElements>

--- a/簡報1.pptx
+++ b/簡報1.pptx
@@ -13,6 +13,7 @@
     <p:sldId id="261" r:id="rId7"/>
     <p:sldId id="262" r:id="rId8"/>
     <p:sldId id="263" r:id="rId9"/>
+    <p:sldId id="264" r:id="rId10"/>
   </p:sldIdLst>
   <p:sldSz cx="12192000" cy="6858000"/>
   <p:notesSz cx="6858000" cy="9144000"/>
@@ -250,7 +251,7 @@
           <a:p>
             <a:fld id="{D13AAB3C-2B8F-46DD-8347-0D764EC364D5}" type="datetimeFigureOut">
               <a:rPr lang="zh-TW" altLang="en-US" smtClean="0"/>
-              <a:t>2021/5/22</a:t>
+              <a:t>2021/6/18</a:t>
             </a:fld>
             <a:endParaRPr lang="zh-TW" altLang="en-US"/>
           </a:p>
@@ -420,7 +421,7 @@
           <a:p>
             <a:fld id="{D13AAB3C-2B8F-46DD-8347-0D764EC364D5}" type="datetimeFigureOut">
               <a:rPr lang="zh-TW" altLang="en-US" smtClean="0"/>
-              <a:t>2021/5/22</a:t>
+              <a:t>2021/6/18</a:t>
             </a:fld>
             <a:endParaRPr lang="zh-TW" altLang="en-US"/>
           </a:p>
@@ -600,7 +601,7 @@
           <a:p>
             <a:fld id="{D13AAB3C-2B8F-46DD-8347-0D764EC364D5}" type="datetimeFigureOut">
               <a:rPr lang="zh-TW" altLang="en-US" smtClean="0"/>
-              <a:t>2021/5/22</a:t>
+              <a:t>2021/6/18</a:t>
             </a:fld>
             <a:endParaRPr lang="zh-TW" altLang="en-US"/>
           </a:p>
@@ -770,7 +771,7 @@
           <a:p>
             <a:fld id="{D13AAB3C-2B8F-46DD-8347-0D764EC364D5}" type="datetimeFigureOut">
               <a:rPr lang="zh-TW" altLang="en-US" smtClean="0"/>
-              <a:t>2021/5/22</a:t>
+              <a:t>2021/6/18</a:t>
             </a:fld>
             <a:endParaRPr lang="zh-TW" altLang="en-US"/>
           </a:p>
@@ -1016,7 +1017,7 @@
           <a:p>
             <a:fld id="{D13AAB3C-2B8F-46DD-8347-0D764EC364D5}" type="datetimeFigureOut">
               <a:rPr lang="zh-TW" altLang="en-US" smtClean="0"/>
-              <a:t>2021/5/22</a:t>
+              <a:t>2021/6/18</a:t>
             </a:fld>
             <a:endParaRPr lang="zh-TW" altLang="en-US"/>
           </a:p>
@@ -1248,7 +1249,7 @@
           <a:p>
             <a:fld id="{D13AAB3C-2B8F-46DD-8347-0D764EC364D5}" type="datetimeFigureOut">
               <a:rPr lang="zh-TW" altLang="en-US" smtClean="0"/>
-              <a:t>2021/5/22</a:t>
+              <a:t>2021/6/18</a:t>
             </a:fld>
             <a:endParaRPr lang="zh-TW" altLang="en-US"/>
           </a:p>
@@ -1615,7 +1616,7 @@
           <a:p>
             <a:fld id="{D13AAB3C-2B8F-46DD-8347-0D764EC364D5}" type="datetimeFigureOut">
               <a:rPr lang="zh-TW" altLang="en-US" smtClean="0"/>
-              <a:t>2021/5/22</a:t>
+              <a:t>2021/6/18</a:t>
             </a:fld>
             <a:endParaRPr lang="zh-TW" altLang="en-US"/>
           </a:p>
@@ -1733,7 +1734,7 @@
           <a:p>
             <a:fld id="{D13AAB3C-2B8F-46DD-8347-0D764EC364D5}" type="datetimeFigureOut">
               <a:rPr lang="zh-TW" altLang="en-US" smtClean="0"/>
-              <a:t>2021/5/22</a:t>
+              <a:t>2021/6/18</a:t>
             </a:fld>
             <a:endParaRPr lang="zh-TW" altLang="en-US"/>
           </a:p>
@@ -1828,7 +1829,7 @@
           <a:p>
             <a:fld id="{D13AAB3C-2B8F-46DD-8347-0D764EC364D5}" type="datetimeFigureOut">
               <a:rPr lang="zh-TW" altLang="en-US" smtClean="0"/>
-              <a:t>2021/5/22</a:t>
+              <a:t>2021/6/18</a:t>
             </a:fld>
             <a:endParaRPr lang="zh-TW" altLang="en-US"/>
           </a:p>
@@ -2105,7 +2106,7 @@
           <a:p>
             <a:fld id="{D13AAB3C-2B8F-46DD-8347-0D764EC364D5}" type="datetimeFigureOut">
               <a:rPr lang="zh-TW" altLang="en-US" smtClean="0"/>
-              <a:t>2021/5/22</a:t>
+              <a:t>2021/6/18</a:t>
             </a:fld>
             <a:endParaRPr lang="zh-TW" altLang="en-US"/>
           </a:p>
@@ -2358,7 +2359,7 @@
           <a:p>
             <a:fld id="{D13AAB3C-2B8F-46DD-8347-0D764EC364D5}" type="datetimeFigureOut">
               <a:rPr lang="zh-TW" altLang="en-US" smtClean="0"/>
-              <a:t>2021/5/22</a:t>
+              <a:t>2021/6/18</a:t>
             </a:fld>
             <a:endParaRPr lang="zh-TW" altLang="en-US"/>
           </a:p>
@@ -2571,7 +2572,7 @@
           <a:p>
             <a:fld id="{D13AAB3C-2B8F-46DD-8347-0D764EC364D5}" type="datetimeFigureOut">
               <a:rPr lang="zh-TW" altLang="en-US" smtClean="0"/>
-              <a:t>2021/5/22</a:t>
+              <a:t>2021/6/18</a:t>
             </a:fld>
             <a:endParaRPr lang="zh-TW" altLang="en-US"/>
           </a:p>
@@ -11577,6 +11578,600 @@
 </p:sld>
 </file>
 
+<file path=ppt/slides/slide9.xml><?xml version="1.0" encoding="utf-8"?>
+<p:sld xmlns:a="http://schemas.openxmlformats.org/drawingml/2006/main" xmlns:r="http://schemas.openxmlformats.org/officeDocument/2006/relationships" xmlns:p="http://schemas.openxmlformats.org/presentationml/2006/main">
+  <p:cSld>
+    <p:spTree>
+      <p:nvGrpSpPr>
+        <p:cNvPr id="1" name=""/>
+        <p:cNvGrpSpPr/>
+        <p:nvPr/>
+      </p:nvGrpSpPr>
+      <p:grpSpPr>
+        <a:xfrm>
+          <a:off x="0" y="0"/>
+          <a:ext cx="0" cy="0"/>
+          <a:chOff x="0" y="0"/>
+          <a:chExt cx="0" cy="0"/>
+        </a:xfrm>
+      </p:grpSpPr>
+      <p:sp>
+        <p:nvSpPr>
+          <p:cNvPr id="2" name="矩形 1"/>
+          <p:cNvSpPr/>
+          <p:nvPr/>
+        </p:nvSpPr>
+        <p:spPr>
+          <a:xfrm>
+            <a:off x="2312504" y="2213114"/>
+            <a:ext cx="2835965" cy="874643"/>
+          </a:xfrm>
+          <a:prstGeom prst="rect">
+            <a:avLst/>
+          </a:prstGeom>
+        </p:spPr>
+        <p:style>
+          <a:lnRef idx="2">
+            <a:schemeClr val="accent1">
+              <a:shade val="50000"/>
+            </a:schemeClr>
+          </a:lnRef>
+          <a:fillRef idx="1">
+            <a:schemeClr val="accent1"/>
+          </a:fillRef>
+          <a:effectRef idx="0">
+            <a:schemeClr val="accent1"/>
+          </a:effectRef>
+          <a:fontRef idx="minor">
+            <a:schemeClr val="lt1"/>
+          </a:fontRef>
+        </p:style>
+        <p:txBody>
+          <a:bodyPr rtlCol="0" anchor="ctr"/>
+          <a:lstStyle/>
+          <a:p>
+            <a:pPr algn="ctr"/>
+            <a:r>
+              <a:rPr lang="en-US" altLang="zh-TW" dirty="0" err="1" smtClean="0"/>
+              <a:t>UIImagePickerController</a:t>
+            </a:r>
+            <a:endParaRPr lang="en-US" altLang="zh-TW" dirty="0"/>
+          </a:p>
+        </p:txBody>
+      </p:sp>
+      <p:sp>
+        <p:nvSpPr>
+          <p:cNvPr id="3" name="圓角矩形 2"/>
+          <p:cNvSpPr/>
+          <p:nvPr/>
+        </p:nvSpPr>
+        <p:spPr>
+          <a:xfrm>
+            <a:off x="4041913" y="-26503"/>
+            <a:ext cx="2173357" cy="1060173"/>
+          </a:xfrm>
+          <a:prstGeom prst="roundRect">
+            <a:avLst/>
+          </a:prstGeom>
+        </p:spPr>
+        <p:style>
+          <a:lnRef idx="2">
+            <a:schemeClr val="accent1">
+              <a:shade val="50000"/>
+            </a:schemeClr>
+          </a:lnRef>
+          <a:fillRef idx="1">
+            <a:schemeClr val="accent1"/>
+          </a:fillRef>
+          <a:effectRef idx="0">
+            <a:schemeClr val="accent1"/>
+          </a:effectRef>
+          <a:fontRef idx="minor">
+            <a:schemeClr val="lt1"/>
+          </a:fontRef>
+        </p:style>
+        <p:txBody>
+          <a:bodyPr rtlCol="0" anchor="ctr"/>
+          <a:lstStyle/>
+          <a:p>
+            <a:pPr algn="ctr"/>
+            <a:r>
+              <a:rPr lang="zh-TW" altLang="en-US" dirty="0" smtClean="0"/>
+              <a:t>相機</a:t>
+            </a:r>
+            <a:endParaRPr lang="zh-TW" altLang="en-US" dirty="0"/>
+          </a:p>
+        </p:txBody>
+      </p:sp>
+      <p:sp>
+        <p:nvSpPr>
+          <p:cNvPr id="4" name="圓角矩形 3"/>
+          <p:cNvSpPr/>
+          <p:nvPr/>
+        </p:nvSpPr>
+        <p:spPr>
+          <a:xfrm>
+            <a:off x="1020416" y="39760"/>
+            <a:ext cx="2173357" cy="993910"/>
+          </a:xfrm>
+          <a:prstGeom prst="roundRect">
+            <a:avLst/>
+          </a:prstGeom>
+        </p:spPr>
+        <p:style>
+          <a:lnRef idx="2">
+            <a:schemeClr val="accent1">
+              <a:shade val="50000"/>
+            </a:schemeClr>
+          </a:lnRef>
+          <a:fillRef idx="1">
+            <a:schemeClr val="accent1"/>
+          </a:fillRef>
+          <a:effectRef idx="0">
+            <a:schemeClr val="accent1"/>
+          </a:effectRef>
+          <a:fontRef idx="minor">
+            <a:schemeClr val="lt1"/>
+          </a:fontRef>
+        </p:style>
+        <p:txBody>
+          <a:bodyPr rtlCol="0" anchor="ctr"/>
+          <a:lstStyle/>
+          <a:p>
+            <a:pPr algn="ctr"/>
+            <a:r>
+              <a:rPr lang="zh-TW" altLang="en-US" dirty="0" smtClean="0"/>
+              <a:t>相簿</a:t>
+            </a:r>
+            <a:endParaRPr lang="zh-TW" altLang="en-US" dirty="0"/>
+          </a:p>
+        </p:txBody>
+      </p:sp>
+      <p:sp>
+        <p:nvSpPr>
+          <p:cNvPr id="5" name="矩形 4"/>
+          <p:cNvSpPr/>
+          <p:nvPr/>
+        </p:nvSpPr>
+        <p:spPr>
+          <a:xfrm>
+            <a:off x="689113" y="3723859"/>
+            <a:ext cx="9409044" cy="2835965"/>
+          </a:xfrm>
+          <a:prstGeom prst="rect">
+            <a:avLst/>
+          </a:prstGeom>
+        </p:spPr>
+        <p:style>
+          <a:lnRef idx="2">
+            <a:schemeClr val="accent1">
+              <a:shade val="50000"/>
+            </a:schemeClr>
+          </a:lnRef>
+          <a:fillRef idx="1">
+            <a:schemeClr val="accent1"/>
+          </a:fillRef>
+          <a:effectRef idx="0">
+            <a:schemeClr val="accent1"/>
+          </a:effectRef>
+          <a:fontRef idx="minor">
+            <a:schemeClr val="lt1"/>
+          </a:fontRef>
+        </p:style>
+        <p:txBody>
+          <a:bodyPr rtlCol="0" anchor="ctr"/>
+          <a:lstStyle/>
+          <a:p>
+            <a:pPr algn="ctr"/>
+            <a:endParaRPr lang="zh-TW" altLang="en-US"/>
+          </a:p>
+        </p:txBody>
+      </p:sp>
+      <p:sp>
+        <p:nvSpPr>
+          <p:cNvPr id="6" name="圓角矩形 5"/>
+          <p:cNvSpPr/>
+          <p:nvPr/>
+        </p:nvSpPr>
+        <p:spPr>
+          <a:xfrm>
+            <a:off x="5499653" y="3896138"/>
+            <a:ext cx="4333460" cy="2120349"/>
+          </a:xfrm>
+          <a:prstGeom prst="roundRect">
+            <a:avLst/>
+          </a:prstGeom>
+        </p:spPr>
+        <p:style>
+          <a:lnRef idx="2">
+            <a:schemeClr val="accent4">
+              <a:shade val="50000"/>
+            </a:schemeClr>
+          </a:lnRef>
+          <a:fillRef idx="1">
+            <a:schemeClr val="accent4"/>
+          </a:fillRef>
+          <a:effectRef idx="0">
+            <a:schemeClr val="accent4"/>
+          </a:effectRef>
+          <a:fontRef idx="minor">
+            <a:schemeClr val="lt1"/>
+          </a:fontRef>
+        </p:style>
+        <p:txBody>
+          <a:bodyPr rtlCol="0" anchor="ctr"/>
+          <a:lstStyle/>
+          <a:p>
+            <a:r>
+              <a:rPr lang="en-US" altLang="zh-TW" dirty="0"/>
+              <a:t>private </a:t>
+            </a:r>
+            <a:r>
+              <a:rPr lang="en-US" altLang="zh-TW" dirty="0" err="1"/>
+              <a:t>func</a:t>
+            </a:r>
+            <a:r>
+              <a:rPr lang="en-US" altLang="zh-TW" dirty="0"/>
+              <a:t> </a:t>
+            </a:r>
+            <a:r>
+              <a:rPr lang="en-US" altLang="zh-TW" dirty="0" err="1"/>
+              <a:t>imagePickerController</a:t>
+            </a:r>
+            <a:r>
+              <a:rPr lang="en-US" altLang="zh-TW" dirty="0" smtClean="0"/>
+              <a:t>(){</a:t>
+            </a:r>
+          </a:p>
+          <a:p>
+            <a:r>
+              <a:rPr lang="zh-TW" altLang="en-US" dirty="0" smtClean="0"/>
+              <a:t>  處理</a:t>
+            </a:r>
+            <a:r>
+              <a:rPr lang="en-US" altLang="zh-TW" dirty="0" smtClean="0"/>
+              <a:t/>
+            </a:r>
+            <a:br>
+              <a:rPr lang="en-US" altLang="zh-TW" dirty="0" smtClean="0"/>
+            </a:br>
+            <a:r>
+              <a:rPr lang="en-US" altLang="zh-TW" dirty="0" err="1" smtClean="0"/>
+              <a:t>UIImagePickerController</a:t>
+            </a:r>
+            <a:r>
+              <a:rPr lang="en-US" altLang="zh-TW" dirty="0" smtClean="0"/>
+              <a:t/>
+            </a:r>
+            <a:br>
+              <a:rPr lang="en-US" altLang="zh-TW" dirty="0" smtClean="0"/>
+            </a:br>
+            <a:r>
+              <a:rPr lang="zh-TW" altLang="en-US" dirty="0" smtClean="0"/>
+              <a:t>傳回來的影像</a:t>
+            </a:r>
+            <a:endParaRPr lang="en-US" altLang="zh-TW" dirty="0"/>
+          </a:p>
+          <a:p>
+            <a:endParaRPr lang="en-US" altLang="zh-TW" dirty="0" smtClean="0"/>
+          </a:p>
+          <a:p>
+            <a:endParaRPr lang="en-US" altLang="zh-TW" dirty="0" smtClean="0"/>
+          </a:p>
+          <a:p>
+            <a:r>
+              <a:rPr lang="en-US" altLang="zh-TW" dirty="0"/>
+              <a:t>}</a:t>
+            </a:r>
+            <a:endParaRPr lang="en-US" altLang="zh-TW" dirty="0"/>
+          </a:p>
+        </p:txBody>
+      </p:sp>
+      <p:sp>
+        <p:nvSpPr>
+          <p:cNvPr id="7" name="圓角矩形 6"/>
+          <p:cNvSpPr/>
+          <p:nvPr/>
+        </p:nvSpPr>
+        <p:spPr>
+          <a:xfrm>
+            <a:off x="821635" y="3856382"/>
+            <a:ext cx="4134678" cy="1616766"/>
+          </a:xfrm>
+          <a:prstGeom prst="roundRect">
+            <a:avLst/>
+          </a:prstGeom>
+        </p:spPr>
+        <p:style>
+          <a:lnRef idx="2">
+            <a:schemeClr val="accent4">
+              <a:shade val="50000"/>
+            </a:schemeClr>
+          </a:lnRef>
+          <a:fillRef idx="1">
+            <a:schemeClr val="accent4"/>
+          </a:fillRef>
+          <a:effectRef idx="0">
+            <a:schemeClr val="accent4"/>
+          </a:effectRef>
+          <a:fontRef idx="minor">
+            <a:schemeClr val="lt1"/>
+          </a:fontRef>
+        </p:style>
+        <p:txBody>
+          <a:bodyPr rtlCol="0" anchor="ctr"/>
+          <a:lstStyle/>
+          <a:p>
+            <a:pPr algn="ctr"/>
+            <a:r>
+              <a:rPr lang="zh-TW" altLang="en-US" dirty="0" smtClean="0"/>
+              <a:t>類別加上 </a:t>
+            </a:r>
+            <a:r>
+              <a:rPr lang="en-US" altLang="zh-TW" dirty="0" err="1" smtClean="0"/>
+              <a:t>UIImagePickerControllerDelegate</a:t>
+            </a:r>
+            <a:r>
+              <a:rPr lang="zh-TW" altLang="en-US" dirty="0" smtClean="0"/>
+              <a:t> </a:t>
+            </a:r>
+            <a:r>
+              <a:rPr lang="en-US" altLang="zh-TW" dirty="0" smtClean="0"/>
+              <a:t/>
+            </a:r>
+            <a:br>
+              <a:rPr lang="en-US" altLang="zh-TW" dirty="0" smtClean="0"/>
+            </a:br>
+            <a:r>
+              <a:rPr lang="zh-TW" altLang="en-US" dirty="0" smtClean="0"/>
+              <a:t>所以類別內有這個方法</a:t>
+            </a:r>
+            <a:endParaRPr lang="en-US" altLang="zh-TW" dirty="0" smtClean="0"/>
+          </a:p>
+          <a:p>
+            <a:pPr algn="ctr"/>
+            <a:r>
+              <a:rPr lang="zh-TW" altLang="en-US" dirty="0" smtClean="0"/>
+              <a:t>所以具備當</a:t>
+            </a:r>
+            <a:r>
+              <a:rPr lang="en-US" altLang="zh-TW" dirty="0" err="1"/>
+              <a:t>UIImagePickerController</a:t>
+            </a:r>
+            <a:endParaRPr lang="en-US" altLang="zh-TW" dirty="0"/>
+          </a:p>
+          <a:p>
+            <a:pPr algn="ctr"/>
+            <a:r>
+              <a:rPr lang="zh-TW" altLang="en-US" dirty="0" smtClean="0"/>
+              <a:t>的</a:t>
+            </a:r>
+            <a:r>
+              <a:rPr lang="en-US" altLang="zh-TW" dirty="0" smtClean="0"/>
+              <a:t>delegate</a:t>
+            </a:r>
+            <a:r>
+              <a:rPr lang="zh-TW" altLang="en-US" dirty="0" smtClean="0"/>
+              <a:t>的資格</a:t>
+            </a:r>
+            <a:endParaRPr lang="zh-TW" altLang="en-US" dirty="0"/>
+          </a:p>
+        </p:txBody>
+      </p:sp>
+      <p:cxnSp>
+        <p:nvCxnSpPr>
+          <p:cNvPr id="9" name="直線單箭頭接點 8"/>
+          <p:cNvCxnSpPr/>
+          <p:nvPr/>
+        </p:nvCxnSpPr>
+        <p:spPr>
+          <a:xfrm flipV="1">
+            <a:off x="4041913" y="4174435"/>
+            <a:ext cx="1630017" cy="530087"/>
+          </a:xfrm>
+          <a:prstGeom prst="straightConnector1">
+            <a:avLst/>
+          </a:prstGeom>
+          <a:ln w="76200">
+            <a:tailEnd type="triangle"/>
+          </a:ln>
+        </p:spPr>
+        <p:style>
+          <a:lnRef idx="3">
+            <a:schemeClr val="accent2"/>
+          </a:lnRef>
+          <a:fillRef idx="0">
+            <a:schemeClr val="accent2"/>
+          </a:fillRef>
+          <a:effectRef idx="2">
+            <a:schemeClr val="accent2"/>
+          </a:effectRef>
+          <a:fontRef idx="minor">
+            <a:schemeClr val="tx1"/>
+          </a:fontRef>
+        </p:style>
+      </p:cxnSp>
+      <p:cxnSp>
+        <p:nvCxnSpPr>
+          <p:cNvPr id="10" name="直線單箭頭接點 9"/>
+          <p:cNvCxnSpPr/>
+          <p:nvPr/>
+        </p:nvCxnSpPr>
+        <p:spPr>
+          <a:xfrm>
+            <a:off x="4041913" y="3127512"/>
+            <a:ext cx="0" cy="728870"/>
+          </a:xfrm>
+          <a:prstGeom prst="straightConnector1">
+            <a:avLst/>
+          </a:prstGeom>
+          <a:ln w="76200">
+            <a:tailEnd type="triangle"/>
+          </a:ln>
+        </p:spPr>
+        <p:style>
+          <a:lnRef idx="3">
+            <a:schemeClr val="accent2"/>
+          </a:lnRef>
+          <a:fillRef idx="0">
+            <a:schemeClr val="accent2"/>
+          </a:fillRef>
+          <a:effectRef idx="2">
+            <a:schemeClr val="accent2"/>
+          </a:effectRef>
+          <a:fontRef idx="minor">
+            <a:schemeClr val="tx1"/>
+          </a:fontRef>
+        </p:style>
+      </p:cxnSp>
+      <p:sp>
+        <p:nvSpPr>
+          <p:cNvPr id="13" name="文字方塊 12"/>
+          <p:cNvSpPr txBox="1"/>
+          <p:nvPr/>
+        </p:nvSpPr>
+        <p:spPr>
+          <a:xfrm>
+            <a:off x="4333461" y="3220278"/>
+            <a:ext cx="2888974" cy="369332"/>
+          </a:xfrm>
+          <a:prstGeom prst="rect">
+            <a:avLst/>
+          </a:prstGeom>
+          <a:noFill/>
+        </p:spPr>
+        <p:txBody>
+          <a:bodyPr wrap="square" rtlCol="0">
+            <a:spAutoFit/>
+          </a:bodyPr>
+          <a:lstStyle/>
+          <a:p>
+            <a:r>
+              <a:rPr lang="zh-TW" altLang="en-US" dirty="0" smtClean="0"/>
+              <a:t>指定這個類別為</a:t>
+            </a:r>
+            <a:r>
+              <a:rPr lang="en-US" altLang="zh-TW" dirty="0" smtClean="0"/>
+              <a:t>delegate</a:t>
+            </a:r>
+            <a:endParaRPr lang="zh-TW" altLang="en-US" dirty="0"/>
+          </a:p>
+        </p:txBody>
+      </p:sp>
+      <p:cxnSp>
+        <p:nvCxnSpPr>
+          <p:cNvPr id="14" name="直線單箭頭接點 13"/>
+          <p:cNvCxnSpPr/>
+          <p:nvPr/>
+        </p:nvCxnSpPr>
+        <p:spPr>
+          <a:xfrm flipV="1">
+            <a:off x="1994450" y="3087757"/>
+            <a:ext cx="453889" cy="1012929"/>
+          </a:xfrm>
+          <a:prstGeom prst="straightConnector1">
+            <a:avLst/>
+          </a:prstGeom>
+          <a:ln w="76200">
+            <a:tailEnd type="triangle"/>
+          </a:ln>
+        </p:spPr>
+        <p:style>
+          <a:lnRef idx="3">
+            <a:schemeClr val="accent2"/>
+          </a:lnRef>
+          <a:fillRef idx="0">
+            <a:schemeClr val="accent2"/>
+          </a:fillRef>
+          <a:effectRef idx="2">
+            <a:schemeClr val="accent2"/>
+          </a:effectRef>
+          <a:fontRef idx="minor">
+            <a:schemeClr val="tx1"/>
+          </a:fontRef>
+        </p:style>
+      </p:cxnSp>
+      <p:sp>
+        <p:nvSpPr>
+          <p:cNvPr id="17" name="文字方塊 16"/>
+          <p:cNvSpPr txBox="1"/>
+          <p:nvPr/>
+        </p:nvSpPr>
+        <p:spPr>
+          <a:xfrm>
+            <a:off x="1020416" y="3258305"/>
+            <a:ext cx="1139686" cy="369332"/>
+          </a:xfrm>
+          <a:prstGeom prst="rect">
+            <a:avLst/>
+          </a:prstGeom>
+          <a:noFill/>
+        </p:spPr>
+        <p:txBody>
+          <a:bodyPr wrap="square" rtlCol="0">
+            <a:spAutoFit/>
+          </a:bodyPr>
+          <a:lstStyle/>
+          <a:p>
+            <a:r>
+              <a:rPr lang="en-US" altLang="zh-TW" dirty="0" smtClean="0"/>
+              <a:t>1 </a:t>
+            </a:r>
+            <a:r>
+              <a:rPr lang="zh-TW" altLang="en-US" dirty="0" smtClean="0"/>
+              <a:t>啟動他</a:t>
+            </a:r>
+            <a:endParaRPr lang="zh-TW" altLang="en-US" dirty="0"/>
+          </a:p>
+        </p:txBody>
+      </p:sp>
+      <p:sp>
+        <p:nvSpPr>
+          <p:cNvPr id="18" name="文字方塊 17"/>
+          <p:cNvSpPr txBox="1"/>
+          <p:nvPr/>
+        </p:nvSpPr>
+        <p:spPr>
+          <a:xfrm>
+            <a:off x="2975111" y="1484246"/>
+            <a:ext cx="1358349" cy="369332"/>
+          </a:xfrm>
+          <a:prstGeom prst="rect">
+            <a:avLst/>
+          </a:prstGeom>
+          <a:noFill/>
+        </p:spPr>
+        <p:txBody>
+          <a:bodyPr wrap="square" rtlCol="0">
+            <a:spAutoFit/>
+          </a:bodyPr>
+          <a:lstStyle/>
+          <a:p>
+            <a:r>
+              <a:rPr lang="en-US" altLang="zh-TW" dirty="0" smtClean="0"/>
+              <a:t>1 </a:t>
+            </a:r>
+            <a:r>
+              <a:rPr lang="zh-TW" altLang="en-US" dirty="0" smtClean="0"/>
+              <a:t>指定來源</a:t>
+            </a:r>
+            <a:endParaRPr lang="zh-TW" altLang="en-US" dirty="0"/>
+          </a:p>
+        </p:txBody>
+      </p:sp>
+    </p:spTree>
+    <p:extLst>
+      <p:ext uri="{BB962C8B-B14F-4D97-AF65-F5344CB8AC3E}">
+        <p14:creationId xmlns:p14="http://schemas.microsoft.com/office/powerpoint/2010/main" val="2995245634"/>
+      </p:ext>
+    </p:extLst>
+  </p:cSld>
+  <p:clrMapOvr>
+    <a:masterClrMapping/>
+  </p:clrMapOvr>
+</p:sld>
+</file>
+
 <file path=ppt/theme/theme1.xml><?xml version="1.0" encoding="utf-8"?>
 <a:theme xmlns:a="http://schemas.openxmlformats.org/drawingml/2006/main" name="Office 佈景主題">
   <a:themeElements>

--- a/簡報1.pptx
+++ b/簡報1.pptx
@@ -11603,7 +11603,7 @@
         </p:nvSpPr>
         <p:spPr>
           <a:xfrm>
-            <a:off x="2312504" y="2213114"/>
+            <a:off x="4035283" y="2213114"/>
             <a:ext cx="2835965" cy="874643"/>
           </a:xfrm>
           <a:prstGeom prst="rect">
@@ -11647,7 +11647,7 @@
         </p:nvSpPr>
         <p:spPr>
           <a:xfrm>
-            <a:off x="4041913" y="-26503"/>
+            <a:off x="6149009" y="-26503"/>
             <a:ext cx="2173357" cy="1060173"/>
           </a:xfrm>
           <a:prstGeom prst="roundRect">
@@ -11691,7 +11691,7 @@
         </p:nvSpPr>
         <p:spPr>
           <a:xfrm>
-            <a:off x="1020416" y="39760"/>
+            <a:off x="3127512" y="39760"/>
             <a:ext cx="2173357" cy="993910"/>
           </a:xfrm>
           <a:prstGeom prst="roundRect">
@@ -11863,7 +11863,6 @@
               <a:rPr lang="en-US" altLang="zh-TW" dirty="0"/>
               <a:t>}</a:t>
             </a:r>
-            <a:endParaRPr lang="en-US" altLang="zh-TW" dirty="0"/>
           </a:p>
         </p:txBody>
       </p:sp>
@@ -11994,13 +11993,15 @@
       <p:cxnSp>
         <p:nvCxnSpPr>
           <p:cNvPr id="10" name="直線單箭頭接點 9"/>
-          <p:cNvCxnSpPr/>
+          <p:cNvCxnSpPr>
+            <a:stCxn id="2" idx="2"/>
+          </p:cNvCxnSpPr>
           <p:nvPr/>
         </p:nvCxnSpPr>
         <p:spPr>
-          <a:xfrm>
-            <a:off x="4041913" y="3127512"/>
-            <a:ext cx="0" cy="728870"/>
+          <a:xfrm flipH="1">
+            <a:off x="4704522" y="3087757"/>
+            <a:ext cx="748744" cy="808381"/>
           </a:xfrm>
           <a:prstGeom prst="straightConnector1">
             <a:avLst/>
@@ -12032,8 +12033,8 @@
         </p:nvSpPr>
         <p:spPr>
           <a:xfrm>
-            <a:off x="4333461" y="3220278"/>
-            <a:ext cx="2888974" cy="369332"/>
+            <a:off x="3531700" y="3112243"/>
+            <a:ext cx="2888974" cy="646331"/>
           </a:xfrm>
           <a:prstGeom prst="rect">
             <a:avLst/>
@@ -12048,7 +12049,22 @@
           <a:p>
             <a:r>
               <a:rPr lang="zh-TW" altLang="en-US" dirty="0" smtClean="0"/>
-              <a:t>指定這個類別為</a:t>
+              <a:t>指定這個</a:t>
+            </a:r>
+            <a:r>
+              <a:rPr lang="zh-TW" altLang="en-US" dirty="0" smtClean="0"/>
+              <a:t>類別</a:t>
+            </a:r>
+            <a:r>
+              <a:rPr lang="en-US" altLang="zh-TW" dirty="0" smtClean="0"/>
+              <a:t/>
+            </a:r>
+            <a:br>
+              <a:rPr lang="en-US" altLang="zh-TW" dirty="0" smtClean="0"/>
+            </a:br>
+            <a:r>
+              <a:rPr lang="zh-TW" altLang="en-US" dirty="0" smtClean="0"/>
+              <a:t>為</a:t>
             </a:r>
             <a:r>
               <a:rPr lang="en-US" altLang="zh-TW" dirty="0" smtClean="0"/>
@@ -12066,8 +12082,8 @@
         </p:nvCxnSpPr>
         <p:spPr>
           <a:xfrm flipV="1">
-            <a:off x="1994450" y="3087757"/>
-            <a:ext cx="453889" cy="1012929"/>
+            <a:off x="1994450" y="2769706"/>
+            <a:ext cx="2073967" cy="1330981"/>
           </a:xfrm>
           <a:prstGeom prst="straightConnector1">
             <a:avLst/>
@@ -12099,14 +12115,27 @@
         </p:nvSpPr>
         <p:spPr>
           <a:xfrm>
-            <a:off x="1020416" y="3258305"/>
+            <a:off x="2126964" y="3000752"/>
             <a:ext cx="1139686" cy="369332"/>
           </a:xfrm>
           <a:prstGeom prst="rect">
             <a:avLst/>
           </a:prstGeom>
-          <a:noFill/>
-        </p:spPr>
+        </p:spPr>
+        <p:style>
+          <a:lnRef idx="2">
+            <a:schemeClr val="accent4"/>
+          </a:lnRef>
+          <a:fillRef idx="1">
+            <a:schemeClr val="lt1"/>
+          </a:fillRef>
+          <a:effectRef idx="0">
+            <a:schemeClr val="accent4"/>
+          </a:effectRef>
+          <a:fontRef idx="minor">
+            <a:schemeClr val="dk1"/>
+          </a:fontRef>
+        </p:style>
         <p:txBody>
           <a:bodyPr wrap="square" rtlCol="0">
             <a:spAutoFit/>
@@ -12133,14 +12162,27 @@
         </p:nvSpPr>
         <p:spPr>
           <a:xfrm>
-            <a:off x="2975111" y="1484246"/>
+            <a:off x="4992755" y="1205949"/>
             <a:ext cx="1358349" cy="369332"/>
           </a:xfrm>
           <a:prstGeom prst="rect">
             <a:avLst/>
           </a:prstGeom>
-          <a:noFill/>
-        </p:spPr>
+        </p:spPr>
+        <p:style>
+          <a:lnRef idx="2">
+            <a:schemeClr val="accent4"/>
+          </a:lnRef>
+          <a:fillRef idx="1">
+            <a:schemeClr val="lt1"/>
+          </a:fillRef>
+          <a:effectRef idx="0">
+            <a:schemeClr val="accent4"/>
+          </a:effectRef>
+          <a:fontRef idx="minor">
+            <a:schemeClr val="dk1"/>
+          </a:fontRef>
+        </p:style>
         <p:txBody>
           <a:bodyPr wrap="square" rtlCol="0">
             <a:spAutoFit/>
@@ -12148,8 +12190,12 @@
           <a:lstStyle/>
           <a:p>
             <a:r>
+              <a:rPr lang="en-US" altLang="zh-TW" dirty="0"/>
+              <a:t>2</a:t>
+            </a:r>
+            <a:r>
               <a:rPr lang="en-US" altLang="zh-TW" dirty="0" smtClean="0"/>
-              <a:t>1 </a:t>
+              <a:t> </a:t>
             </a:r>
             <a:r>
               <a:rPr lang="zh-TW" altLang="en-US" dirty="0" smtClean="0"/>
@@ -12159,6 +12205,264 @@
           </a:p>
         </p:txBody>
       </p:sp>
+      <p:sp>
+        <p:nvSpPr>
+          <p:cNvPr id="8" name="矩形 7"/>
+          <p:cNvSpPr/>
+          <p:nvPr/>
+        </p:nvSpPr>
+        <p:spPr>
+          <a:xfrm>
+            <a:off x="6692341" y="1456588"/>
+            <a:ext cx="2970685" cy="369332"/>
+          </a:xfrm>
+          <a:prstGeom prst="rect">
+            <a:avLst/>
+          </a:prstGeom>
+        </p:spPr>
+        <p:txBody>
+          <a:bodyPr wrap="none">
+            <a:spAutoFit/>
+          </a:bodyPr>
+          <a:lstStyle/>
+          <a:p>
+            <a:r>
+              <a:rPr lang="en-US" altLang="zh-TW" dirty="0">
+                <a:latin typeface="Consolas" panose="020B0609020204030204" pitchFamily="49" charset="0"/>
+              </a:rPr>
+              <a:t>.</a:t>
+            </a:r>
+            <a:r>
+              <a:rPr lang="en-US" altLang="zh-TW" dirty="0" err="1">
+                <a:latin typeface="Consolas" panose="020B0609020204030204" pitchFamily="49" charset="0"/>
+              </a:rPr>
+              <a:t>sourceType</a:t>
+            </a:r>
+            <a:r>
+              <a:rPr lang="en-US" altLang="zh-TW" dirty="0">
+                <a:latin typeface="Consolas" panose="020B0609020204030204" pitchFamily="49" charset="0"/>
+              </a:rPr>
+              <a:t> = .camera </a:t>
+            </a:r>
+            <a:endParaRPr lang="en-US" altLang="zh-TW" b="0" dirty="0">
+              <a:effectLst/>
+              <a:latin typeface="Consolas" panose="020B0609020204030204" pitchFamily="49" charset="0"/>
+            </a:endParaRPr>
+          </a:p>
+        </p:txBody>
+      </p:sp>
+      <p:sp>
+        <p:nvSpPr>
+          <p:cNvPr id="11" name="矩形 10"/>
+          <p:cNvSpPr/>
+          <p:nvPr/>
+        </p:nvSpPr>
+        <p:spPr>
+          <a:xfrm>
+            <a:off x="664227" y="1557997"/>
+            <a:ext cx="3730508" cy="369332"/>
+          </a:xfrm>
+          <a:prstGeom prst="rect">
+            <a:avLst/>
+          </a:prstGeom>
+        </p:spPr>
+        <p:txBody>
+          <a:bodyPr wrap="none">
+            <a:spAutoFit/>
+          </a:bodyPr>
+          <a:lstStyle/>
+          <a:p>
+            <a:r>
+              <a:rPr lang="en-US" altLang="zh-TW" dirty="0">
+                <a:latin typeface="Consolas" panose="020B0609020204030204" pitchFamily="49" charset="0"/>
+              </a:rPr>
+              <a:t>.</a:t>
+            </a:r>
+            <a:r>
+              <a:rPr lang="en-US" altLang="zh-TW" dirty="0" err="1">
+                <a:latin typeface="Consolas" panose="020B0609020204030204" pitchFamily="49" charset="0"/>
+              </a:rPr>
+              <a:t>sourceType</a:t>
+            </a:r>
+            <a:r>
+              <a:rPr lang="en-US" altLang="zh-TW" dirty="0">
+                <a:latin typeface="Consolas" panose="020B0609020204030204" pitchFamily="49" charset="0"/>
+              </a:rPr>
+              <a:t> = .</a:t>
+            </a:r>
+            <a:r>
+              <a:rPr lang="en-US" altLang="zh-TW" dirty="0" err="1">
+                <a:latin typeface="Consolas" panose="020B0609020204030204" pitchFamily="49" charset="0"/>
+              </a:rPr>
+              <a:t>photoLibrary</a:t>
+            </a:r>
+            <a:r>
+              <a:rPr lang="en-US" altLang="zh-TW" dirty="0">
+                <a:latin typeface="Consolas" panose="020B0609020204030204" pitchFamily="49" charset="0"/>
+              </a:rPr>
+              <a:t> </a:t>
+            </a:r>
+            <a:endParaRPr lang="en-US" altLang="zh-TW" b="0" dirty="0">
+              <a:effectLst/>
+              <a:latin typeface="Consolas" panose="020B0609020204030204" pitchFamily="49" charset="0"/>
+            </a:endParaRPr>
+          </a:p>
+        </p:txBody>
+      </p:sp>
+      <p:cxnSp>
+        <p:nvCxnSpPr>
+          <p:cNvPr id="16" name="直線單箭頭接點 15"/>
+          <p:cNvCxnSpPr>
+            <a:stCxn id="2" idx="0"/>
+            <a:endCxn id="4" idx="2"/>
+          </p:cNvCxnSpPr>
+          <p:nvPr/>
+        </p:nvCxnSpPr>
+        <p:spPr>
+          <a:xfrm flipH="1" flipV="1">
+            <a:off x="4214191" y="1033670"/>
+            <a:ext cx="1239075" cy="1179444"/>
+          </a:xfrm>
+          <a:prstGeom prst="straightConnector1">
+            <a:avLst/>
+          </a:prstGeom>
+          <a:ln w="76200">
+            <a:tailEnd type="triangle"/>
+          </a:ln>
+        </p:spPr>
+        <p:style>
+          <a:lnRef idx="3">
+            <a:schemeClr val="accent2"/>
+          </a:lnRef>
+          <a:fillRef idx="0">
+            <a:schemeClr val="accent2"/>
+          </a:fillRef>
+          <a:effectRef idx="2">
+            <a:schemeClr val="accent2"/>
+          </a:effectRef>
+          <a:fontRef idx="minor">
+            <a:schemeClr val="tx1"/>
+          </a:fontRef>
+        </p:style>
+      </p:cxnSp>
+      <p:cxnSp>
+        <p:nvCxnSpPr>
+          <p:cNvPr id="19" name="直線單箭頭接點 18"/>
+          <p:cNvCxnSpPr>
+            <a:stCxn id="2" idx="0"/>
+            <a:endCxn id="3" idx="2"/>
+          </p:cNvCxnSpPr>
+          <p:nvPr/>
+        </p:nvCxnSpPr>
+        <p:spPr>
+          <a:xfrm flipV="1">
+            <a:off x="5453266" y="1033670"/>
+            <a:ext cx="1782422" cy="1179444"/>
+          </a:xfrm>
+          <a:prstGeom prst="straightConnector1">
+            <a:avLst/>
+          </a:prstGeom>
+          <a:ln w="76200">
+            <a:tailEnd type="triangle"/>
+          </a:ln>
+        </p:spPr>
+        <p:style>
+          <a:lnRef idx="3">
+            <a:schemeClr val="accent2"/>
+          </a:lnRef>
+          <a:fillRef idx="0">
+            <a:schemeClr val="accent2"/>
+          </a:fillRef>
+          <a:effectRef idx="2">
+            <a:schemeClr val="accent2"/>
+          </a:effectRef>
+          <a:fontRef idx="minor">
+            <a:schemeClr val="tx1"/>
+          </a:fontRef>
+        </p:style>
+      </p:cxnSp>
+      <p:sp>
+        <p:nvSpPr>
+          <p:cNvPr id="24" name="文字方塊 23"/>
+          <p:cNvSpPr txBox="1"/>
+          <p:nvPr/>
+        </p:nvSpPr>
+        <p:spPr>
+          <a:xfrm>
+            <a:off x="7457653" y="3036476"/>
+            <a:ext cx="2918800" cy="646331"/>
+          </a:xfrm>
+          <a:prstGeom prst="rect">
+            <a:avLst/>
+          </a:prstGeom>
+        </p:spPr>
+        <p:style>
+          <a:lnRef idx="2">
+            <a:schemeClr val="accent4"/>
+          </a:lnRef>
+          <a:fillRef idx="1">
+            <a:schemeClr val="lt1"/>
+          </a:fillRef>
+          <a:effectRef idx="0">
+            <a:schemeClr val="accent4"/>
+          </a:effectRef>
+          <a:fontRef idx="minor">
+            <a:schemeClr val="dk1"/>
+          </a:fontRef>
+        </p:style>
+        <p:txBody>
+          <a:bodyPr wrap="square" rtlCol="0">
+            <a:spAutoFit/>
+          </a:bodyPr>
+          <a:lstStyle/>
+          <a:p>
+            <a:r>
+              <a:rPr lang="en-US" altLang="zh-TW" dirty="0" smtClean="0"/>
+              <a:t>3</a:t>
+            </a:r>
+            <a:r>
+              <a:rPr lang="zh-TW" altLang="en-US" dirty="0" smtClean="0"/>
+              <a:t> 取得影像之後 呼叫這個方法 來處理所取得的影像</a:t>
+            </a:r>
+            <a:endParaRPr lang="zh-TW" altLang="en-US" dirty="0"/>
+          </a:p>
+        </p:txBody>
+      </p:sp>
+      <p:cxnSp>
+        <p:nvCxnSpPr>
+          <p:cNvPr id="25" name="直線單箭頭接點 24"/>
+          <p:cNvCxnSpPr>
+            <a:stCxn id="2" idx="3"/>
+          </p:cNvCxnSpPr>
+          <p:nvPr/>
+        </p:nvCxnSpPr>
+        <p:spPr>
+          <a:xfrm>
+            <a:off x="6871248" y="2650436"/>
+            <a:ext cx="801761" cy="1245703"/>
+          </a:xfrm>
+          <a:prstGeom prst="straightConnector1">
+            <a:avLst/>
+          </a:prstGeom>
+          <a:ln w="76200">
+            <a:tailEnd type="triangle"/>
+          </a:ln>
+        </p:spPr>
+        <p:style>
+          <a:lnRef idx="3">
+            <a:schemeClr val="accent2"/>
+          </a:lnRef>
+          <a:fillRef idx="0">
+            <a:schemeClr val="accent2"/>
+          </a:fillRef>
+          <a:effectRef idx="2">
+            <a:schemeClr val="accent2"/>
+          </a:effectRef>
+          <a:fontRef idx="minor">
+            <a:schemeClr val="tx1"/>
+          </a:fontRef>
+        </p:style>
+      </p:cxnSp>
     </p:spTree>
     <p:extLst>
       <p:ext uri="{BB962C8B-B14F-4D97-AF65-F5344CB8AC3E}">

--- a/簡報1.pptx
+++ b/簡報1.pptx
@@ -14,6 +14,8 @@
     <p:sldId id="262" r:id="rId8"/>
     <p:sldId id="263" r:id="rId9"/>
     <p:sldId id="264" r:id="rId10"/>
+    <p:sldId id="265" r:id="rId11"/>
+    <p:sldId id="266" r:id="rId12"/>
   </p:sldIdLst>
   <p:sldSz cx="12192000" cy="6858000"/>
   <p:notesSz cx="6858000" cy="9144000"/>
@@ -251,7 +253,7 @@
           <a:p>
             <a:fld id="{D13AAB3C-2B8F-46DD-8347-0D764EC364D5}" type="datetimeFigureOut">
               <a:rPr lang="zh-TW" altLang="en-US" smtClean="0"/>
-              <a:t>2021/6/18</a:t>
+              <a:t>2022/2/27</a:t>
             </a:fld>
             <a:endParaRPr lang="zh-TW" altLang="en-US"/>
           </a:p>
@@ -421,7 +423,7 @@
           <a:p>
             <a:fld id="{D13AAB3C-2B8F-46DD-8347-0D764EC364D5}" type="datetimeFigureOut">
               <a:rPr lang="zh-TW" altLang="en-US" smtClean="0"/>
-              <a:t>2021/6/18</a:t>
+              <a:t>2022/2/27</a:t>
             </a:fld>
             <a:endParaRPr lang="zh-TW" altLang="en-US"/>
           </a:p>
@@ -601,7 +603,7 @@
           <a:p>
             <a:fld id="{D13AAB3C-2B8F-46DD-8347-0D764EC364D5}" type="datetimeFigureOut">
               <a:rPr lang="zh-TW" altLang="en-US" smtClean="0"/>
-              <a:t>2021/6/18</a:t>
+              <a:t>2022/2/27</a:t>
             </a:fld>
             <a:endParaRPr lang="zh-TW" altLang="en-US"/>
           </a:p>
@@ -771,7 +773,7 @@
           <a:p>
             <a:fld id="{D13AAB3C-2B8F-46DD-8347-0D764EC364D5}" type="datetimeFigureOut">
               <a:rPr lang="zh-TW" altLang="en-US" smtClean="0"/>
-              <a:t>2021/6/18</a:t>
+              <a:t>2022/2/27</a:t>
             </a:fld>
             <a:endParaRPr lang="zh-TW" altLang="en-US"/>
           </a:p>
@@ -1017,7 +1019,7 @@
           <a:p>
             <a:fld id="{D13AAB3C-2B8F-46DD-8347-0D764EC364D5}" type="datetimeFigureOut">
               <a:rPr lang="zh-TW" altLang="en-US" smtClean="0"/>
-              <a:t>2021/6/18</a:t>
+              <a:t>2022/2/27</a:t>
             </a:fld>
             <a:endParaRPr lang="zh-TW" altLang="en-US"/>
           </a:p>
@@ -1249,7 +1251,7 @@
           <a:p>
             <a:fld id="{D13AAB3C-2B8F-46DD-8347-0D764EC364D5}" type="datetimeFigureOut">
               <a:rPr lang="zh-TW" altLang="en-US" smtClean="0"/>
-              <a:t>2021/6/18</a:t>
+              <a:t>2022/2/27</a:t>
             </a:fld>
             <a:endParaRPr lang="zh-TW" altLang="en-US"/>
           </a:p>
@@ -1616,7 +1618,7 @@
           <a:p>
             <a:fld id="{D13AAB3C-2B8F-46DD-8347-0D764EC364D5}" type="datetimeFigureOut">
               <a:rPr lang="zh-TW" altLang="en-US" smtClean="0"/>
-              <a:t>2021/6/18</a:t>
+              <a:t>2022/2/27</a:t>
             </a:fld>
             <a:endParaRPr lang="zh-TW" altLang="en-US"/>
           </a:p>
@@ -1734,7 +1736,7 @@
           <a:p>
             <a:fld id="{D13AAB3C-2B8F-46DD-8347-0D764EC364D5}" type="datetimeFigureOut">
               <a:rPr lang="zh-TW" altLang="en-US" smtClean="0"/>
-              <a:t>2021/6/18</a:t>
+              <a:t>2022/2/27</a:t>
             </a:fld>
             <a:endParaRPr lang="zh-TW" altLang="en-US"/>
           </a:p>
@@ -1829,7 +1831,7 @@
           <a:p>
             <a:fld id="{D13AAB3C-2B8F-46DD-8347-0D764EC364D5}" type="datetimeFigureOut">
               <a:rPr lang="zh-TW" altLang="en-US" smtClean="0"/>
-              <a:t>2021/6/18</a:t>
+              <a:t>2022/2/27</a:t>
             </a:fld>
             <a:endParaRPr lang="zh-TW" altLang="en-US"/>
           </a:p>
@@ -2106,7 +2108,7 @@
           <a:p>
             <a:fld id="{D13AAB3C-2B8F-46DD-8347-0D764EC364D5}" type="datetimeFigureOut">
               <a:rPr lang="zh-TW" altLang="en-US" smtClean="0"/>
-              <a:t>2021/6/18</a:t>
+              <a:t>2022/2/27</a:t>
             </a:fld>
             <a:endParaRPr lang="zh-TW" altLang="en-US"/>
           </a:p>
@@ -2359,7 +2361,7 @@
           <a:p>
             <a:fld id="{D13AAB3C-2B8F-46DD-8347-0D764EC364D5}" type="datetimeFigureOut">
               <a:rPr lang="zh-TW" altLang="en-US" smtClean="0"/>
-              <a:t>2021/6/18</a:t>
+              <a:t>2022/2/27</a:t>
             </a:fld>
             <a:endParaRPr lang="zh-TW" altLang="en-US"/>
           </a:p>
@@ -2572,7 +2574,7 @@
           <a:p>
             <a:fld id="{D13AAB3C-2B8F-46DD-8347-0D764EC364D5}" type="datetimeFigureOut">
               <a:rPr lang="zh-TW" altLang="en-US" smtClean="0"/>
-              <a:t>2021/6/18</a:t>
+              <a:t>2022/2/27</a:t>
             </a:fld>
             <a:endParaRPr lang="zh-TW" altLang="en-US"/>
           </a:p>
@@ -3769,6 +3771,1057 @@
 </p:sld>
 </file>
 
+<file path=ppt/slides/slide10.xml><?xml version="1.0" encoding="utf-8"?>
+<p:sld xmlns:a="http://schemas.openxmlformats.org/drawingml/2006/main" xmlns:r="http://schemas.openxmlformats.org/officeDocument/2006/relationships" xmlns:p="http://schemas.openxmlformats.org/presentationml/2006/main">
+  <p:cSld>
+    <p:spTree>
+      <p:nvGrpSpPr>
+        <p:cNvPr id="1" name=""/>
+        <p:cNvGrpSpPr/>
+        <p:nvPr/>
+      </p:nvGrpSpPr>
+      <p:grpSpPr>
+        <a:xfrm>
+          <a:off x="0" y="0"/>
+          <a:ext cx="0" cy="0"/>
+          <a:chOff x="0" y="0"/>
+          <a:chExt cx="0" cy="0"/>
+        </a:xfrm>
+      </p:grpSpPr>
+      <p:pic>
+        <p:nvPicPr>
+          <p:cNvPr id="2" name="圖片 1"/>
+          <p:cNvPicPr>
+            <a:picLocks noChangeAspect="1"/>
+          </p:cNvPicPr>
+          <p:nvPr/>
+        </p:nvPicPr>
+        <p:blipFill>
+          <a:blip r:embed="rId2"/>
+          <a:stretch>
+            <a:fillRect/>
+          </a:stretch>
+        </p:blipFill>
+        <p:spPr>
+          <a:xfrm>
+            <a:off x="2309284" y="975970"/>
+            <a:ext cx="7573432" cy="4906060"/>
+          </a:xfrm>
+          <a:prstGeom prst="rect">
+            <a:avLst/>
+          </a:prstGeom>
+        </p:spPr>
+      </p:pic>
+      <p:sp>
+        <p:nvSpPr>
+          <p:cNvPr id="3" name="向右箭號 2"/>
+          <p:cNvSpPr/>
+          <p:nvPr/>
+        </p:nvSpPr>
+        <p:spPr>
+          <a:xfrm>
+            <a:off x="2409825" y="1476375"/>
+            <a:ext cx="323850" cy="276225"/>
+          </a:xfrm>
+          <a:prstGeom prst="rightArrow">
+            <a:avLst/>
+          </a:prstGeom>
+        </p:spPr>
+        <p:style>
+          <a:lnRef idx="2">
+            <a:schemeClr val="accent4">
+              <a:shade val="50000"/>
+            </a:schemeClr>
+          </a:lnRef>
+          <a:fillRef idx="1">
+            <a:schemeClr val="accent4"/>
+          </a:fillRef>
+          <a:effectRef idx="0">
+            <a:schemeClr val="accent4"/>
+          </a:effectRef>
+          <a:fontRef idx="minor">
+            <a:schemeClr val="lt1"/>
+          </a:fontRef>
+        </p:style>
+        <p:txBody>
+          <a:bodyPr rtlCol="0" anchor="ctr"/>
+          <a:lstStyle/>
+          <a:p>
+            <a:pPr algn="ctr"/>
+            <a:endParaRPr lang="zh-TW" altLang="en-US"/>
+          </a:p>
+        </p:txBody>
+      </p:sp>
+      <p:sp>
+        <p:nvSpPr>
+          <p:cNvPr id="4" name="向右箭號 3"/>
+          <p:cNvSpPr/>
+          <p:nvPr/>
+        </p:nvSpPr>
+        <p:spPr>
+          <a:xfrm>
+            <a:off x="2409825" y="3717302"/>
+            <a:ext cx="323850" cy="276225"/>
+          </a:xfrm>
+          <a:prstGeom prst="rightArrow">
+            <a:avLst/>
+          </a:prstGeom>
+        </p:spPr>
+        <p:style>
+          <a:lnRef idx="2">
+            <a:schemeClr val="accent4">
+              <a:shade val="50000"/>
+            </a:schemeClr>
+          </a:lnRef>
+          <a:fillRef idx="1">
+            <a:schemeClr val="accent4"/>
+          </a:fillRef>
+          <a:effectRef idx="0">
+            <a:schemeClr val="accent4"/>
+          </a:effectRef>
+          <a:fontRef idx="minor">
+            <a:schemeClr val="lt1"/>
+          </a:fontRef>
+        </p:style>
+        <p:txBody>
+          <a:bodyPr rtlCol="0" anchor="ctr"/>
+          <a:lstStyle/>
+          <a:p>
+            <a:pPr algn="ctr"/>
+            <a:endParaRPr lang="zh-TW" altLang="en-US"/>
+          </a:p>
+        </p:txBody>
+      </p:sp>
+      <p:cxnSp>
+        <p:nvCxnSpPr>
+          <p:cNvPr id="6" name="直線單箭頭接點 5"/>
+          <p:cNvCxnSpPr/>
+          <p:nvPr/>
+        </p:nvCxnSpPr>
+        <p:spPr>
+          <a:xfrm>
+            <a:off x="4114800" y="1657350"/>
+            <a:ext cx="1485900" cy="533400"/>
+          </a:xfrm>
+          <a:prstGeom prst="straightConnector1">
+            <a:avLst/>
+          </a:prstGeom>
+          <a:ln>
+            <a:tailEnd type="triangle"/>
+          </a:ln>
+        </p:spPr>
+        <p:style>
+          <a:lnRef idx="1">
+            <a:schemeClr val="accent4"/>
+          </a:lnRef>
+          <a:fillRef idx="0">
+            <a:schemeClr val="accent4"/>
+          </a:fillRef>
+          <a:effectRef idx="0">
+            <a:schemeClr val="accent4"/>
+          </a:effectRef>
+          <a:fontRef idx="minor">
+            <a:schemeClr val="tx1"/>
+          </a:fontRef>
+        </p:style>
+      </p:cxnSp>
+      <p:cxnSp>
+        <p:nvCxnSpPr>
+          <p:cNvPr id="7" name="直線單箭頭接點 6"/>
+          <p:cNvCxnSpPr/>
+          <p:nvPr/>
+        </p:nvCxnSpPr>
+        <p:spPr>
+          <a:xfrm flipH="1">
+            <a:off x="4724400" y="2852737"/>
+            <a:ext cx="1019176" cy="864565"/>
+          </a:xfrm>
+          <a:prstGeom prst="straightConnector1">
+            <a:avLst/>
+          </a:prstGeom>
+          <a:ln>
+            <a:tailEnd type="triangle"/>
+          </a:ln>
+        </p:spPr>
+        <p:style>
+          <a:lnRef idx="1">
+            <a:schemeClr val="accent4"/>
+          </a:lnRef>
+          <a:fillRef idx="0">
+            <a:schemeClr val="accent4"/>
+          </a:fillRef>
+          <a:effectRef idx="0">
+            <a:schemeClr val="accent4"/>
+          </a:effectRef>
+          <a:fontRef idx="minor">
+            <a:schemeClr val="tx1"/>
+          </a:fontRef>
+        </p:style>
+      </p:cxnSp>
+      <p:cxnSp>
+        <p:nvCxnSpPr>
+          <p:cNvPr id="9" name="直線單箭頭接點 8"/>
+          <p:cNvCxnSpPr/>
+          <p:nvPr/>
+        </p:nvCxnSpPr>
+        <p:spPr>
+          <a:xfrm flipH="1">
+            <a:off x="4343400" y="3993527"/>
+            <a:ext cx="9524" cy="523874"/>
+          </a:xfrm>
+          <a:prstGeom prst="straightConnector1">
+            <a:avLst/>
+          </a:prstGeom>
+          <a:ln>
+            <a:tailEnd type="triangle"/>
+          </a:ln>
+        </p:spPr>
+        <p:style>
+          <a:lnRef idx="1">
+            <a:schemeClr val="accent4"/>
+          </a:lnRef>
+          <a:fillRef idx="0">
+            <a:schemeClr val="accent4"/>
+          </a:fillRef>
+          <a:effectRef idx="0">
+            <a:schemeClr val="accent4"/>
+          </a:effectRef>
+          <a:fontRef idx="minor">
+            <a:schemeClr val="tx1"/>
+          </a:fontRef>
+        </p:style>
+      </p:cxnSp>
+      <p:sp>
+        <p:nvSpPr>
+          <p:cNvPr id="11" name="矩形 10"/>
+          <p:cNvSpPr/>
+          <p:nvPr/>
+        </p:nvSpPr>
+        <p:spPr>
+          <a:xfrm>
+            <a:off x="2733675" y="3719853"/>
+            <a:ext cx="2686050" cy="273674"/>
+          </a:xfrm>
+          <a:prstGeom prst="rect">
+            <a:avLst/>
+          </a:prstGeom>
+          <a:noFill/>
+          <a:ln w="38100">
+            <a:solidFill>
+              <a:schemeClr val="accent4">
+                <a:lumMod val="20000"/>
+                <a:lumOff val="80000"/>
+              </a:schemeClr>
+            </a:solidFill>
+          </a:ln>
+        </p:spPr>
+        <p:style>
+          <a:lnRef idx="2">
+            <a:schemeClr val="accent4">
+              <a:shade val="50000"/>
+            </a:schemeClr>
+          </a:lnRef>
+          <a:fillRef idx="1">
+            <a:schemeClr val="accent4"/>
+          </a:fillRef>
+          <a:effectRef idx="0">
+            <a:schemeClr val="accent4"/>
+          </a:effectRef>
+          <a:fontRef idx="minor">
+            <a:schemeClr val="lt1"/>
+          </a:fontRef>
+        </p:style>
+        <p:txBody>
+          <a:bodyPr rtlCol="0" anchor="ctr"/>
+          <a:lstStyle/>
+          <a:p>
+            <a:pPr algn="ctr"/>
+            <a:endParaRPr lang="zh-TW" altLang="en-US"/>
+          </a:p>
+        </p:txBody>
+      </p:sp>
+      <p:sp>
+        <p:nvSpPr>
+          <p:cNvPr id="13" name="矩形 12"/>
+          <p:cNvSpPr/>
+          <p:nvPr/>
+        </p:nvSpPr>
+        <p:spPr>
+          <a:xfrm>
+            <a:off x="2743200" y="1458600"/>
+            <a:ext cx="2276475" cy="273674"/>
+          </a:xfrm>
+          <a:prstGeom prst="rect">
+            <a:avLst/>
+          </a:prstGeom>
+          <a:noFill/>
+          <a:ln w="38100">
+            <a:solidFill>
+              <a:schemeClr val="accent4">
+                <a:lumMod val="20000"/>
+                <a:lumOff val="80000"/>
+              </a:schemeClr>
+            </a:solidFill>
+          </a:ln>
+        </p:spPr>
+        <p:style>
+          <a:lnRef idx="2">
+            <a:schemeClr val="accent4">
+              <a:shade val="50000"/>
+            </a:schemeClr>
+          </a:lnRef>
+          <a:fillRef idx="1">
+            <a:schemeClr val="accent4"/>
+          </a:fillRef>
+          <a:effectRef idx="0">
+            <a:schemeClr val="accent4"/>
+          </a:effectRef>
+          <a:fontRef idx="minor">
+            <a:schemeClr val="lt1"/>
+          </a:fontRef>
+        </p:style>
+        <p:txBody>
+          <a:bodyPr rtlCol="0" anchor="ctr"/>
+          <a:lstStyle/>
+          <a:p>
+            <a:pPr algn="ctr"/>
+            <a:endParaRPr lang="zh-TW" altLang="en-US"/>
+          </a:p>
+        </p:txBody>
+      </p:sp>
+      <p:sp>
+        <p:nvSpPr>
+          <p:cNvPr id="15" name="文字方塊 14"/>
+          <p:cNvSpPr txBox="1"/>
+          <p:nvPr/>
+        </p:nvSpPr>
+        <p:spPr>
+          <a:xfrm>
+            <a:off x="6124574" y="2286000"/>
+            <a:ext cx="1152525" cy="369332"/>
+          </a:xfrm>
+          <a:prstGeom prst="rect">
+            <a:avLst/>
+          </a:prstGeom>
+          <a:noFill/>
+        </p:spPr>
+        <p:txBody>
+          <a:bodyPr wrap="square" rtlCol="0">
+            <a:spAutoFit/>
+          </a:bodyPr>
+          <a:lstStyle/>
+          <a:p>
+            <a:r>
+              <a:rPr lang="zh-TW" altLang="en-US" dirty="0" smtClean="0">
+                <a:solidFill>
+                  <a:srgbClr val="FF0000"/>
+                </a:solidFill>
+              </a:rPr>
+              <a:t>記得加</a:t>
+            </a:r>
+            <a:r>
+              <a:rPr lang="en-US" altLang="zh-TW" dirty="0" smtClean="0">
+                <a:solidFill>
+                  <a:srgbClr val="FF0000"/>
+                </a:solidFill>
+              </a:rPr>
+              <a:t>$</a:t>
+            </a:r>
+            <a:endParaRPr lang="zh-TW" altLang="en-US" dirty="0">
+              <a:solidFill>
+                <a:srgbClr val="FF0000"/>
+              </a:solidFill>
+            </a:endParaRPr>
+          </a:p>
+        </p:txBody>
+      </p:sp>
+      <p:sp>
+        <p:nvSpPr>
+          <p:cNvPr id="16" name="文字方塊 15"/>
+          <p:cNvSpPr txBox="1"/>
+          <p:nvPr/>
+        </p:nvSpPr>
+        <p:spPr>
+          <a:xfrm>
+            <a:off x="5462586" y="3670748"/>
+            <a:ext cx="1633538" cy="369332"/>
+          </a:xfrm>
+          <a:prstGeom prst="rect">
+            <a:avLst/>
+          </a:prstGeom>
+          <a:noFill/>
+        </p:spPr>
+        <p:txBody>
+          <a:bodyPr wrap="square" rtlCol="0">
+            <a:spAutoFit/>
+          </a:bodyPr>
+          <a:lstStyle/>
+          <a:p>
+            <a:r>
+              <a:rPr lang="zh-TW" altLang="en-US" dirty="0" smtClean="0">
+                <a:solidFill>
+                  <a:srgbClr val="FF0000"/>
+                </a:solidFill>
+              </a:rPr>
+              <a:t>不要預先給值</a:t>
+            </a:r>
+            <a:endParaRPr lang="zh-TW" altLang="en-US" dirty="0">
+              <a:solidFill>
+                <a:srgbClr val="FF0000"/>
+              </a:solidFill>
+            </a:endParaRPr>
+          </a:p>
+        </p:txBody>
+      </p:sp>
+    </p:spTree>
+    <p:extLst>
+      <p:ext uri="{BB962C8B-B14F-4D97-AF65-F5344CB8AC3E}">
+        <p14:creationId xmlns:p14="http://schemas.microsoft.com/office/powerpoint/2010/main" val="4042882665"/>
+      </p:ext>
+    </p:extLst>
+  </p:cSld>
+  <p:clrMapOvr>
+    <a:masterClrMapping/>
+  </p:clrMapOvr>
+</p:sld>
+</file>
+
+<file path=ppt/slides/slide11.xml><?xml version="1.0" encoding="utf-8"?>
+<p:sld xmlns:a="http://schemas.openxmlformats.org/drawingml/2006/main" xmlns:r="http://schemas.openxmlformats.org/officeDocument/2006/relationships" xmlns:p="http://schemas.openxmlformats.org/presentationml/2006/main">
+  <p:cSld>
+    <p:spTree>
+      <p:nvGrpSpPr>
+        <p:cNvPr id="1" name=""/>
+        <p:cNvGrpSpPr/>
+        <p:nvPr/>
+      </p:nvGrpSpPr>
+      <p:grpSpPr>
+        <a:xfrm>
+          <a:off x="0" y="0"/>
+          <a:ext cx="0" cy="0"/>
+          <a:chOff x="0" y="0"/>
+          <a:chExt cx="0" cy="0"/>
+        </a:xfrm>
+      </p:grpSpPr>
+      <p:pic>
+        <p:nvPicPr>
+          <p:cNvPr id="2" name="圖片 1"/>
+          <p:cNvPicPr>
+            <a:picLocks noChangeAspect="1"/>
+          </p:cNvPicPr>
+          <p:nvPr/>
+        </p:nvPicPr>
+        <p:blipFill>
+          <a:blip r:embed="rId2"/>
+          <a:stretch>
+            <a:fillRect/>
+          </a:stretch>
+        </p:blipFill>
+        <p:spPr>
+          <a:xfrm>
+            <a:off x="2342626" y="456785"/>
+            <a:ext cx="7506748" cy="5944430"/>
+          </a:xfrm>
+          <a:prstGeom prst="rect">
+            <a:avLst/>
+          </a:prstGeom>
+        </p:spPr>
+      </p:pic>
+      <p:sp>
+        <p:nvSpPr>
+          <p:cNvPr id="3" name="矩形 2"/>
+          <p:cNvSpPr/>
+          <p:nvPr/>
+        </p:nvSpPr>
+        <p:spPr>
+          <a:xfrm>
+            <a:off x="2886074" y="687074"/>
+            <a:ext cx="2295525" cy="1179825"/>
+          </a:xfrm>
+          <a:prstGeom prst="rect">
+            <a:avLst/>
+          </a:prstGeom>
+          <a:noFill/>
+          <a:ln w="38100">
+            <a:solidFill>
+              <a:schemeClr val="accent4">
+                <a:lumMod val="20000"/>
+                <a:lumOff val="80000"/>
+              </a:schemeClr>
+            </a:solidFill>
+          </a:ln>
+        </p:spPr>
+        <p:style>
+          <a:lnRef idx="2">
+            <a:schemeClr val="accent4">
+              <a:shade val="50000"/>
+            </a:schemeClr>
+          </a:lnRef>
+          <a:fillRef idx="1">
+            <a:schemeClr val="accent4"/>
+          </a:fillRef>
+          <a:effectRef idx="0">
+            <a:schemeClr val="accent4"/>
+          </a:effectRef>
+          <a:fontRef idx="minor">
+            <a:schemeClr val="lt1"/>
+          </a:fontRef>
+        </p:style>
+        <p:txBody>
+          <a:bodyPr rtlCol="0" anchor="ctr"/>
+          <a:lstStyle/>
+          <a:p>
+            <a:pPr algn="ctr"/>
+            <a:endParaRPr lang="zh-TW" altLang="en-US"/>
+          </a:p>
+        </p:txBody>
+      </p:sp>
+      <p:sp>
+        <p:nvSpPr>
+          <p:cNvPr id="4" name="矩形 3"/>
+          <p:cNvSpPr/>
+          <p:nvPr/>
+        </p:nvSpPr>
+        <p:spPr>
+          <a:xfrm>
+            <a:off x="3295650" y="2049563"/>
+            <a:ext cx="2543175" cy="273674"/>
+          </a:xfrm>
+          <a:prstGeom prst="rect">
+            <a:avLst/>
+          </a:prstGeom>
+          <a:noFill/>
+          <a:ln w="38100">
+            <a:solidFill>
+              <a:schemeClr val="accent4">
+                <a:lumMod val="20000"/>
+                <a:lumOff val="80000"/>
+              </a:schemeClr>
+            </a:solidFill>
+          </a:ln>
+        </p:spPr>
+        <p:style>
+          <a:lnRef idx="2">
+            <a:schemeClr val="accent4">
+              <a:shade val="50000"/>
+            </a:schemeClr>
+          </a:lnRef>
+          <a:fillRef idx="1">
+            <a:schemeClr val="accent4"/>
+          </a:fillRef>
+          <a:effectRef idx="0">
+            <a:schemeClr val="accent4"/>
+          </a:effectRef>
+          <a:fontRef idx="minor">
+            <a:schemeClr val="lt1"/>
+          </a:fontRef>
+        </p:style>
+        <p:txBody>
+          <a:bodyPr rtlCol="0" anchor="ctr"/>
+          <a:lstStyle/>
+          <a:p>
+            <a:pPr algn="ctr"/>
+            <a:endParaRPr lang="zh-TW" altLang="en-US"/>
+          </a:p>
+        </p:txBody>
+      </p:sp>
+      <p:sp>
+        <p:nvSpPr>
+          <p:cNvPr id="5" name="矩形 4"/>
+          <p:cNvSpPr/>
+          <p:nvPr/>
+        </p:nvSpPr>
+        <p:spPr>
+          <a:xfrm>
+            <a:off x="3295650" y="4316100"/>
+            <a:ext cx="3076575" cy="273674"/>
+          </a:xfrm>
+          <a:prstGeom prst="rect">
+            <a:avLst/>
+          </a:prstGeom>
+          <a:noFill/>
+          <a:ln w="38100">
+            <a:solidFill>
+              <a:schemeClr val="accent4">
+                <a:lumMod val="20000"/>
+                <a:lumOff val="80000"/>
+              </a:schemeClr>
+            </a:solidFill>
+          </a:ln>
+        </p:spPr>
+        <p:style>
+          <a:lnRef idx="2">
+            <a:schemeClr val="accent4">
+              <a:shade val="50000"/>
+            </a:schemeClr>
+          </a:lnRef>
+          <a:fillRef idx="1">
+            <a:schemeClr val="accent4"/>
+          </a:fillRef>
+          <a:effectRef idx="0">
+            <a:schemeClr val="accent4"/>
+          </a:effectRef>
+          <a:fontRef idx="minor">
+            <a:schemeClr val="lt1"/>
+          </a:fontRef>
+        </p:style>
+        <p:txBody>
+          <a:bodyPr rtlCol="0" anchor="ctr"/>
+          <a:lstStyle/>
+          <a:p>
+            <a:pPr algn="ctr"/>
+            <a:endParaRPr lang="zh-TW" altLang="en-US"/>
+          </a:p>
+        </p:txBody>
+      </p:sp>
+      <p:sp>
+        <p:nvSpPr>
+          <p:cNvPr id="6" name="矩形 5"/>
+          <p:cNvSpPr/>
+          <p:nvPr/>
+        </p:nvSpPr>
+        <p:spPr>
+          <a:xfrm>
+            <a:off x="4700587" y="5244357"/>
+            <a:ext cx="1319213" cy="45719"/>
+          </a:xfrm>
+          <a:prstGeom prst="rect">
+            <a:avLst/>
+          </a:prstGeom>
+          <a:noFill/>
+          <a:ln w="19050">
+            <a:solidFill>
+              <a:schemeClr val="accent4">
+                <a:lumMod val="20000"/>
+                <a:lumOff val="80000"/>
+              </a:schemeClr>
+            </a:solidFill>
+          </a:ln>
+        </p:spPr>
+        <p:style>
+          <a:lnRef idx="2">
+            <a:schemeClr val="accent4">
+              <a:shade val="50000"/>
+            </a:schemeClr>
+          </a:lnRef>
+          <a:fillRef idx="1">
+            <a:schemeClr val="accent4"/>
+          </a:fillRef>
+          <a:effectRef idx="0">
+            <a:schemeClr val="accent4"/>
+          </a:effectRef>
+          <a:fontRef idx="minor">
+            <a:schemeClr val="lt1"/>
+          </a:fontRef>
+        </p:style>
+        <p:txBody>
+          <a:bodyPr rtlCol="0" anchor="ctr"/>
+          <a:lstStyle/>
+          <a:p>
+            <a:pPr algn="ctr"/>
+            <a:endParaRPr lang="zh-TW" altLang="en-US"/>
+          </a:p>
+        </p:txBody>
+      </p:sp>
+      <p:sp>
+        <p:nvSpPr>
+          <p:cNvPr id="7" name="矩形 6"/>
+          <p:cNvSpPr/>
+          <p:nvPr/>
+        </p:nvSpPr>
+        <p:spPr>
+          <a:xfrm>
+            <a:off x="4700587" y="5463432"/>
+            <a:ext cx="1319213" cy="45719"/>
+          </a:xfrm>
+          <a:prstGeom prst="rect">
+            <a:avLst/>
+          </a:prstGeom>
+          <a:noFill/>
+          <a:ln w="19050">
+            <a:solidFill>
+              <a:schemeClr val="accent4">
+                <a:lumMod val="20000"/>
+                <a:lumOff val="80000"/>
+              </a:schemeClr>
+            </a:solidFill>
+          </a:ln>
+        </p:spPr>
+        <p:style>
+          <a:lnRef idx="2">
+            <a:schemeClr val="accent4">
+              <a:shade val="50000"/>
+            </a:schemeClr>
+          </a:lnRef>
+          <a:fillRef idx="1">
+            <a:schemeClr val="accent4"/>
+          </a:fillRef>
+          <a:effectRef idx="0">
+            <a:schemeClr val="accent4"/>
+          </a:effectRef>
+          <a:fontRef idx="minor">
+            <a:schemeClr val="lt1"/>
+          </a:fontRef>
+        </p:style>
+        <p:txBody>
+          <a:bodyPr rtlCol="0" anchor="ctr"/>
+          <a:lstStyle/>
+          <a:p>
+            <a:pPr algn="ctr"/>
+            <a:endParaRPr lang="zh-TW" altLang="en-US"/>
+          </a:p>
+        </p:txBody>
+      </p:sp>
+      <p:sp>
+        <p:nvSpPr>
+          <p:cNvPr id="8" name="矩形 7"/>
+          <p:cNvSpPr/>
+          <p:nvPr/>
+        </p:nvSpPr>
+        <p:spPr>
+          <a:xfrm>
+            <a:off x="4767262" y="5682507"/>
+            <a:ext cx="1319213" cy="45719"/>
+          </a:xfrm>
+          <a:prstGeom prst="rect">
+            <a:avLst/>
+          </a:prstGeom>
+          <a:noFill/>
+          <a:ln w="19050">
+            <a:solidFill>
+              <a:schemeClr val="accent4">
+                <a:lumMod val="20000"/>
+                <a:lumOff val="80000"/>
+              </a:schemeClr>
+            </a:solidFill>
+          </a:ln>
+        </p:spPr>
+        <p:style>
+          <a:lnRef idx="2">
+            <a:schemeClr val="accent4">
+              <a:shade val="50000"/>
+            </a:schemeClr>
+          </a:lnRef>
+          <a:fillRef idx="1">
+            <a:schemeClr val="accent4"/>
+          </a:fillRef>
+          <a:effectRef idx="0">
+            <a:schemeClr val="accent4"/>
+          </a:effectRef>
+          <a:fontRef idx="minor">
+            <a:schemeClr val="lt1"/>
+          </a:fontRef>
+        </p:style>
+        <p:txBody>
+          <a:bodyPr rtlCol="0" anchor="ctr"/>
+          <a:lstStyle/>
+          <a:p>
+            <a:pPr algn="ctr"/>
+            <a:endParaRPr lang="zh-TW" altLang="en-US"/>
+          </a:p>
+        </p:txBody>
+      </p:sp>
+      <p:sp>
+        <p:nvSpPr>
+          <p:cNvPr id="9" name="文字方塊 8"/>
+          <p:cNvSpPr txBox="1"/>
+          <p:nvPr/>
+        </p:nvSpPr>
+        <p:spPr>
+          <a:xfrm>
+            <a:off x="6519862" y="2001733"/>
+            <a:ext cx="1781175" cy="369332"/>
+          </a:xfrm>
+          <a:prstGeom prst="rect">
+            <a:avLst/>
+          </a:prstGeom>
+          <a:noFill/>
+        </p:spPr>
+        <p:txBody>
+          <a:bodyPr wrap="square" rtlCol="0">
+            <a:spAutoFit/>
+          </a:bodyPr>
+          <a:lstStyle/>
+          <a:p>
+            <a:r>
+              <a:rPr lang="zh-TW" altLang="en-US" dirty="0" smtClean="0">
+                <a:solidFill>
+                  <a:srgbClr val="FF0000"/>
+                </a:solidFill>
+              </a:rPr>
+              <a:t>有括弧是建構</a:t>
+            </a:r>
+            <a:endParaRPr lang="en-US" altLang="zh-TW" dirty="0" smtClean="0">
+              <a:solidFill>
+                <a:srgbClr val="FF0000"/>
+              </a:solidFill>
+            </a:endParaRPr>
+          </a:p>
+        </p:txBody>
+      </p:sp>
+      <p:sp>
+        <p:nvSpPr>
+          <p:cNvPr id="10" name="文字方塊 9"/>
+          <p:cNvSpPr txBox="1"/>
+          <p:nvPr/>
+        </p:nvSpPr>
+        <p:spPr>
+          <a:xfrm>
+            <a:off x="6834187" y="4268271"/>
+            <a:ext cx="1781175" cy="369332"/>
+          </a:xfrm>
+          <a:prstGeom prst="rect">
+            <a:avLst/>
+          </a:prstGeom>
+          <a:noFill/>
+        </p:spPr>
+        <p:txBody>
+          <a:bodyPr wrap="square" rtlCol="0">
+            <a:spAutoFit/>
+          </a:bodyPr>
+          <a:lstStyle/>
+          <a:p>
+            <a:r>
+              <a:rPr lang="zh-TW" altLang="en-US" dirty="0" smtClean="0">
+                <a:solidFill>
+                  <a:srgbClr val="FF0000"/>
+                </a:solidFill>
+              </a:rPr>
+              <a:t>沒括弧是宣告</a:t>
+            </a:r>
+            <a:endParaRPr lang="en-US" altLang="zh-TW" dirty="0" smtClean="0">
+              <a:solidFill>
+                <a:srgbClr val="FF0000"/>
+              </a:solidFill>
+            </a:endParaRPr>
+          </a:p>
+        </p:txBody>
+      </p:sp>
+      <p:sp>
+        <p:nvSpPr>
+          <p:cNvPr id="11" name="向右箭號 10"/>
+          <p:cNvSpPr/>
+          <p:nvPr/>
+        </p:nvSpPr>
+        <p:spPr>
+          <a:xfrm flipH="1">
+            <a:off x="6196012" y="2048287"/>
+            <a:ext cx="323850" cy="276225"/>
+          </a:xfrm>
+          <a:prstGeom prst="rightArrow">
+            <a:avLst/>
+          </a:prstGeom>
+        </p:spPr>
+        <p:style>
+          <a:lnRef idx="2">
+            <a:schemeClr val="accent4">
+              <a:shade val="50000"/>
+            </a:schemeClr>
+          </a:lnRef>
+          <a:fillRef idx="1">
+            <a:schemeClr val="accent4"/>
+          </a:fillRef>
+          <a:effectRef idx="0">
+            <a:schemeClr val="accent4"/>
+          </a:effectRef>
+          <a:fontRef idx="minor">
+            <a:schemeClr val="lt1"/>
+          </a:fontRef>
+        </p:style>
+        <p:txBody>
+          <a:bodyPr rtlCol="0" anchor="ctr"/>
+          <a:lstStyle/>
+          <a:p>
+            <a:pPr algn="ctr"/>
+            <a:endParaRPr lang="zh-TW" altLang="en-US"/>
+          </a:p>
+        </p:txBody>
+      </p:sp>
+      <p:sp>
+        <p:nvSpPr>
+          <p:cNvPr id="13" name="向右箭號 12"/>
+          <p:cNvSpPr/>
+          <p:nvPr/>
+        </p:nvSpPr>
+        <p:spPr>
+          <a:xfrm flipH="1">
+            <a:off x="6510337" y="4303161"/>
+            <a:ext cx="323850" cy="276225"/>
+          </a:xfrm>
+          <a:prstGeom prst="rightArrow">
+            <a:avLst/>
+          </a:prstGeom>
+        </p:spPr>
+        <p:style>
+          <a:lnRef idx="2">
+            <a:schemeClr val="accent4">
+              <a:shade val="50000"/>
+            </a:schemeClr>
+          </a:lnRef>
+          <a:fillRef idx="1">
+            <a:schemeClr val="accent4"/>
+          </a:fillRef>
+          <a:effectRef idx="0">
+            <a:schemeClr val="accent4"/>
+          </a:effectRef>
+          <a:fontRef idx="minor">
+            <a:schemeClr val="lt1"/>
+          </a:fontRef>
+        </p:style>
+        <p:txBody>
+          <a:bodyPr rtlCol="0" anchor="ctr"/>
+          <a:lstStyle/>
+          <a:p>
+            <a:pPr algn="ctr"/>
+            <a:endParaRPr lang="zh-TW" altLang="en-US"/>
+          </a:p>
+        </p:txBody>
+      </p:sp>
+      <p:cxnSp>
+        <p:nvCxnSpPr>
+          <p:cNvPr id="15" name="直線單箭頭接點 14"/>
+          <p:cNvCxnSpPr/>
+          <p:nvPr/>
+        </p:nvCxnSpPr>
+        <p:spPr>
+          <a:xfrm>
+            <a:off x="4133850" y="885825"/>
+            <a:ext cx="700087" cy="1211363"/>
+          </a:xfrm>
+          <a:prstGeom prst="straightConnector1">
+            <a:avLst/>
+          </a:prstGeom>
+          <a:ln w="28575">
+            <a:tailEnd type="triangle"/>
+          </a:ln>
+        </p:spPr>
+        <p:style>
+          <a:lnRef idx="1">
+            <a:schemeClr val="accent4"/>
+          </a:lnRef>
+          <a:fillRef idx="0">
+            <a:schemeClr val="accent4"/>
+          </a:fillRef>
+          <a:effectRef idx="0">
+            <a:schemeClr val="accent4"/>
+          </a:effectRef>
+          <a:fontRef idx="minor">
+            <a:schemeClr val="tx1"/>
+          </a:fontRef>
+        </p:style>
+      </p:cxnSp>
+      <p:cxnSp>
+        <p:nvCxnSpPr>
+          <p:cNvPr id="17" name="直線單箭頭接點 16"/>
+          <p:cNvCxnSpPr/>
+          <p:nvPr/>
+        </p:nvCxnSpPr>
+        <p:spPr>
+          <a:xfrm>
+            <a:off x="4602956" y="2279852"/>
+            <a:ext cx="1776413" cy="471919"/>
+          </a:xfrm>
+          <a:prstGeom prst="straightConnector1">
+            <a:avLst/>
+          </a:prstGeom>
+          <a:ln w="28575">
+            <a:tailEnd type="triangle"/>
+          </a:ln>
+        </p:spPr>
+        <p:style>
+          <a:lnRef idx="1">
+            <a:schemeClr val="accent4"/>
+          </a:lnRef>
+          <a:fillRef idx="0">
+            <a:schemeClr val="accent4"/>
+          </a:fillRef>
+          <a:effectRef idx="0">
+            <a:schemeClr val="accent4"/>
+          </a:effectRef>
+          <a:fontRef idx="minor">
+            <a:schemeClr val="tx1"/>
+          </a:fontRef>
+        </p:style>
+      </p:cxnSp>
+      <p:cxnSp>
+        <p:nvCxnSpPr>
+          <p:cNvPr id="19" name="直線單箭頭接點 18"/>
+          <p:cNvCxnSpPr/>
+          <p:nvPr/>
+        </p:nvCxnSpPr>
+        <p:spPr>
+          <a:xfrm flipH="1">
+            <a:off x="5181599" y="3418494"/>
+            <a:ext cx="952501" cy="1022779"/>
+          </a:xfrm>
+          <a:prstGeom prst="straightConnector1">
+            <a:avLst/>
+          </a:prstGeom>
+          <a:ln w="28575">
+            <a:tailEnd type="triangle"/>
+          </a:ln>
+        </p:spPr>
+        <p:style>
+          <a:lnRef idx="1">
+            <a:schemeClr val="accent4"/>
+          </a:lnRef>
+          <a:fillRef idx="0">
+            <a:schemeClr val="accent4"/>
+          </a:fillRef>
+          <a:effectRef idx="0">
+            <a:schemeClr val="accent4"/>
+          </a:effectRef>
+          <a:fontRef idx="minor">
+            <a:schemeClr val="tx1"/>
+          </a:fontRef>
+        </p:style>
+      </p:cxnSp>
+      <p:cxnSp>
+        <p:nvCxnSpPr>
+          <p:cNvPr id="21" name="直線單箭頭接點 20"/>
+          <p:cNvCxnSpPr/>
+          <p:nvPr/>
+        </p:nvCxnSpPr>
+        <p:spPr>
+          <a:xfrm>
+            <a:off x="5110163" y="4574838"/>
+            <a:ext cx="71436" cy="533158"/>
+          </a:xfrm>
+          <a:prstGeom prst="straightConnector1">
+            <a:avLst/>
+          </a:prstGeom>
+          <a:ln w="28575">
+            <a:tailEnd type="triangle"/>
+          </a:ln>
+        </p:spPr>
+        <p:style>
+          <a:lnRef idx="1">
+            <a:schemeClr val="accent4"/>
+          </a:lnRef>
+          <a:fillRef idx="0">
+            <a:schemeClr val="accent4"/>
+          </a:fillRef>
+          <a:effectRef idx="0">
+            <a:schemeClr val="accent4"/>
+          </a:effectRef>
+          <a:fontRef idx="minor">
+            <a:schemeClr val="tx1"/>
+          </a:fontRef>
+        </p:style>
+      </p:cxnSp>
+    </p:spTree>
+    <p:extLst>
+      <p:ext uri="{BB962C8B-B14F-4D97-AF65-F5344CB8AC3E}">
+        <p14:creationId xmlns:p14="http://schemas.microsoft.com/office/powerpoint/2010/main" val="1511864051"/>
+      </p:ext>
+    </p:extLst>
+  </p:cSld>
+  <p:clrMapOvr>
+    <a:masterClrMapping/>
+  </p:clrMapOvr>
+</p:sld>
+</file>
+
 <file path=ppt/slides/slide2.xml><?xml version="1.0" encoding="utf-8"?>
 <p:sld xmlns:a="http://schemas.openxmlformats.org/drawingml/2006/main" xmlns:r="http://schemas.openxmlformats.org/officeDocument/2006/relationships" xmlns:p="http://schemas.openxmlformats.org/presentationml/2006/main">
   <p:cSld>
@@ -12049,11 +13102,7 @@
           <a:p>
             <a:r>
               <a:rPr lang="zh-TW" altLang="en-US" dirty="0" smtClean="0"/>
-              <a:t>指定這個</a:t>
-            </a:r>
-            <a:r>
-              <a:rPr lang="zh-TW" altLang="en-US" dirty="0" smtClean="0"/>
-              <a:t>類別</a:t>
+              <a:t>指定這個類別</a:t>
             </a:r>
             <a:r>
               <a:rPr lang="en-US" altLang="zh-TW" dirty="0" smtClean="0"/>

--- a/簡報1.pptx
+++ b/簡報1.pptx
@@ -16,6 +16,7 @@
     <p:sldId id="264" r:id="rId10"/>
     <p:sldId id="265" r:id="rId11"/>
     <p:sldId id="266" r:id="rId12"/>
+    <p:sldId id="267" r:id="rId13"/>
   </p:sldIdLst>
   <p:sldSz cx="12192000" cy="6858000"/>
   <p:notesSz cx="6858000" cy="9144000"/>
@@ -253,7 +254,7 @@
           <a:p>
             <a:fld id="{D13AAB3C-2B8F-46DD-8347-0D764EC364D5}" type="datetimeFigureOut">
               <a:rPr lang="zh-TW" altLang="en-US" smtClean="0"/>
-              <a:t>2022/2/27</a:t>
+              <a:t>2022/4/4</a:t>
             </a:fld>
             <a:endParaRPr lang="zh-TW" altLang="en-US"/>
           </a:p>
@@ -423,7 +424,7 @@
           <a:p>
             <a:fld id="{D13AAB3C-2B8F-46DD-8347-0D764EC364D5}" type="datetimeFigureOut">
               <a:rPr lang="zh-TW" altLang="en-US" smtClean="0"/>
-              <a:t>2022/2/27</a:t>
+              <a:t>2022/4/4</a:t>
             </a:fld>
             <a:endParaRPr lang="zh-TW" altLang="en-US"/>
           </a:p>
@@ -603,7 +604,7 @@
           <a:p>
             <a:fld id="{D13AAB3C-2B8F-46DD-8347-0D764EC364D5}" type="datetimeFigureOut">
               <a:rPr lang="zh-TW" altLang="en-US" smtClean="0"/>
-              <a:t>2022/2/27</a:t>
+              <a:t>2022/4/4</a:t>
             </a:fld>
             <a:endParaRPr lang="zh-TW" altLang="en-US"/>
           </a:p>
@@ -773,7 +774,7 @@
           <a:p>
             <a:fld id="{D13AAB3C-2B8F-46DD-8347-0D764EC364D5}" type="datetimeFigureOut">
               <a:rPr lang="zh-TW" altLang="en-US" smtClean="0"/>
-              <a:t>2022/2/27</a:t>
+              <a:t>2022/4/4</a:t>
             </a:fld>
             <a:endParaRPr lang="zh-TW" altLang="en-US"/>
           </a:p>
@@ -1019,7 +1020,7 @@
           <a:p>
             <a:fld id="{D13AAB3C-2B8F-46DD-8347-0D764EC364D5}" type="datetimeFigureOut">
               <a:rPr lang="zh-TW" altLang="en-US" smtClean="0"/>
-              <a:t>2022/2/27</a:t>
+              <a:t>2022/4/4</a:t>
             </a:fld>
             <a:endParaRPr lang="zh-TW" altLang="en-US"/>
           </a:p>
@@ -1251,7 +1252,7 @@
           <a:p>
             <a:fld id="{D13AAB3C-2B8F-46DD-8347-0D764EC364D5}" type="datetimeFigureOut">
               <a:rPr lang="zh-TW" altLang="en-US" smtClean="0"/>
-              <a:t>2022/2/27</a:t>
+              <a:t>2022/4/4</a:t>
             </a:fld>
             <a:endParaRPr lang="zh-TW" altLang="en-US"/>
           </a:p>
@@ -1618,7 +1619,7 @@
           <a:p>
             <a:fld id="{D13AAB3C-2B8F-46DD-8347-0D764EC364D5}" type="datetimeFigureOut">
               <a:rPr lang="zh-TW" altLang="en-US" smtClean="0"/>
-              <a:t>2022/2/27</a:t>
+              <a:t>2022/4/4</a:t>
             </a:fld>
             <a:endParaRPr lang="zh-TW" altLang="en-US"/>
           </a:p>
@@ -1736,7 +1737,7 @@
           <a:p>
             <a:fld id="{D13AAB3C-2B8F-46DD-8347-0D764EC364D5}" type="datetimeFigureOut">
               <a:rPr lang="zh-TW" altLang="en-US" smtClean="0"/>
-              <a:t>2022/2/27</a:t>
+              <a:t>2022/4/4</a:t>
             </a:fld>
             <a:endParaRPr lang="zh-TW" altLang="en-US"/>
           </a:p>
@@ -1831,7 +1832,7 @@
           <a:p>
             <a:fld id="{D13AAB3C-2B8F-46DD-8347-0D764EC364D5}" type="datetimeFigureOut">
               <a:rPr lang="zh-TW" altLang="en-US" smtClean="0"/>
-              <a:t>2022/2/27</a:t>
+              <a:t>2022/4/4</a:t>
             </a:fld>
             <a:endParaRPr lang="zh-TW" altLang="en-US"/>
           </a:p>
@@ -2108,7 +2109,7 @@
           <a:p>
             <a:fld id="{D13AAB3C-2B8F-46DD-8347-0D764EC364D5}" type="datetimeFigureOut">
               <a:rPr lang="zh-TW" altLang="en-US" smtClean="0"/>
-              <a:t>2022/2/27</a:t>
+              <a:t>2022/4/4</a:t>
             </a:fld>
             <a:endParaRPr lang="zh-TW" altLang="en-US"/>
           </a:p>
@@ -2361,7 +2362,7 @@
           <a:p>
             <a:fld id="{D13AAB3C-2B8F-46DD-8347-0D764EC364D5}" type="datetimeFigureOut">
               <a:rPr lang="zh-TW" altLang="en-US" smtClean="0"/>
-              <a:t>2022/2/27</a:t>
+              <a:t>2022/4/4</a:t>
             </a:fld>
             <a:endParaRPr lang="zh-TW" altLang="en-US"/>
           </a:p>
@@ -2574,7 +2575,7 @@
           <a:p>
             <a:fld id="{D13AAB3C-2B8F-46DD-8347-0D764EC364D5}" type="datetimeFigureOut">
               <a:rPr lang="zh-TW" altLang="en-US" smtClean="0"/>
-              <a:t>2022/2/27</a:t>
+              <a:t>2022/4/4</a:t>
             </a:fld>
             <a:endParaRPr lang="zh-TW" altLang="en-US"/>
           </a:p>
@@ -4822,6 +4823,1818 @@
 </p:sld>
 </file>
 
+<file path=ppt/slides/slide12.xml><?xml version="1.0" encoding="utf-8"?>
+<p:sld xmlns:a="http://schemas.openxmlformats.org/drawingml/2006/main" xmlns:r="http://schemas.openxmlformats.org/officeDocument/2006/relationships" xmlns:p="http://schemas.openxmlformats.org/presentationml/2006/main">
+  <p:cSld>
+    <p:spTree>
+      <p:nvGrpSpPr>
+        <p:cNvPr id="1" name=""/>
+        <p:cNvGrpSpPr/>
+        <p:nvPr/>
+      </p:nvGrpSpPr>
+      <p:grpSpPr>
+        <a:xfrm>
+          <a:off x="0" y="0"/>
+          <a:ext cx="0" cy="0"/>
+          <a:chOff x="0" y="0"/>
+          <a:chExt cx="0" cy="0"/>
+        </a:xfrm>
+      </p:grpSpPr>
+      <p:sp>
+        <p:nvSpPr>
+          <p:cNvPr id="2" name="矩形 1"/>
+          <p:cNvSpPr/>
+          <p:nvPr/>
+        </p:nvSpPr>
+        <p:spPr>
+          <a:xfrm>
+            <a:off x="838899" y="1905698"/>
+            <a:ext cx="3800214" cy="1204527"/>
+          </a:xfrm>
+          <a:prstGeom prst="rect">
+            <a:avLst/>
+          </a:prstGeom>
+        </p:spPr>
+        <p:style>
+          <a:lnRef idx="2">
+            <a:schemeClr val="accent1">
+              <a:shade val="50000"/>
+            </a:schemeClr>
+          </a:lnRef>
+          <a:fillRef idx="1">
+            <a:schemeClr val="accent1"/>
+          </a:fillRef>
+          <a:effectRef idx="0">
+            <a:schemeClr val="accent1"/>
+          </a:effectRef>
+          <a:fontRef idx="minor">
+            <a:schemeClr val="lt1"/>
+          </a:fontRef>
+        </p:style>
+        <p:txBody>
+          <a:bodyPr rtlCol="0" anchor="ctr"/>
+          <a:lstStyle/>
+          <a:p>
+            <a:pPr algn="ctr"/>
+            <a:endParaRPr lang="zh-TW" altLang="en-US" sz="1200"/>
+          </a:p>
+        </p:txBody>
+      </p:sp>
+      <p:sp>
+        <p:nvSpPr>
+          <p:cNvPr id="3" name="矩形 2"/>
+          <p:cNvSpPr/>
+          <p:nvPr/>
+        </p:nvSpPr>
+        <p:spPr>
+          <a:xfrm>
+            <a:off x="1063766" y="3382166"/>
+            <a:ext cx="1266738" cy="1417740"/>
+          </a:xfrm>
+          <a:prstGeom prst="rect">
+            <a:avLst/>
+          </a:prstGeom>
+        </p:spPr>
+        <p:style>
+          <a:lnRef idx="2">
+            <a:schemeClr val="accent1">
+              <a:shade val="50000"/>
+            </a:schemeClr>
+          </a:lnRef>
+          <a:fillRef idx="1">
+            <a:schemeClr val="accent1"/>
+          </a:fillRef>
+          <a:effectRef idx="0">
+            <a:schemeClr val="accent1"/>
+          </a:effectRef>
+          <a:fontRef idx="minor">
+            <a:schemeClr val="lt1"/>
+          </a:fontRef>
+        </p:style>
+        <p:txBody>
+          <a:bodyPr rtlCol="0" anchor="ctr"/>
+          <a:lstStyle/>
+          <a:p>
+            <a:pPr algn="ctr"/>
+            <a:endParaRPr lang="zh-TW" altLang="en-US" sz="1200"/>
+          </a:p>
+        </p:txBody>
+      </p:sp>
+      <p:sp>
+        <p:nvSpPr>
+          <p:cNvPr id="4" name="矩形 3"/>
+          <p:cNvSpPr/>
+          <p:nvPr/>
+        </p:nvSpPr>
+        <p:spPr>
+          <a:xfrm>
+            <a:off x="2537207" y="3384362"/>
+            <a:ext cx="1168726" cy="1371401"/>
+          </a:xfrm>
+          <a:prstGeom prst="rect">
+            <a:avLst/>
+          </a:prstGeom>
+        </p:spPr>
+        <p:style>
+          <a:lnRef idx="2">
+            <a:schemeClr val="accent1">
+              <a:shade val="50000"/>
+            </a:schemeClr>
+          </a:lnRef>
+          <a:fillRef idx="1">
+            <a:schemeClr val="accent1"/>
+          </a:fillRef>
+          <a:effectRef idx="0">
+            <a:schemeClr val="accent1"/>
+          </a:effectRef>
+          <a:fontRef idx="minor">
+            <a:schemeClr val="lt1"/>
+          </a:fontRef>
+        </p:style>
+        <p:txBody>
+          <a:bodyPr rtlCol="0" anchor="ctr"/>
+          <a:lstStyle/>
+          <a:p>
+            <a:pPr algn="ctr"/>
+            <a:endParaRPr lang="zh-TW" altLang="en-US" sz="1200"/>
+          </a:p>
+        </p:txBody>
+      </p:sp>
+      <p:sp>
+        <p:nvSpPr>
+          <p:cNvPr id="8" name="矩形 7"/>
+          <p:cNvSpPr/>
+          <p:nvPr/>
+        </p:nvSpPr>
+        <p:spPr>
+          <a:xfrm>
+            <a:off x="2124051" y="1942079"/>
+            <a:ext cx="1753299" cy="394282"/>
+          </a:xfrm>
+          <a:prstGeom prst="rect">
+            <a:avLst/>
+          </a:prstGeom>
+        </p:spPr>
+        <p:style>
+          <a:lnRef idx="2">
+            <a:schemeClr val="accent2">
+              <a:shade val="50000"/>
+            </a:schemeClr>
+          </a:lnRef>
+          <a:fillRef idx="1">
+            <a:schemeClr val="accent2"/>
+          </a:fillRef>
+          <a:effectRef idx="0">
+            <a:schemeClr val="accent2"/>
+          </a:effectRef>
+          <a:fontRef idx="minor">
+            <a:schemeClr val="lt1"/>
+          </a:fontRef>
+        </p:style>
+        <p:txBody>
+          <a:bodyPr rtlCol="0" anchor="ctr"/>
+          <a:lstStyle/>
+          <a:p>
+            <a:pPr algn="ctr"/>
+            <a:r>
+              <a:rPr lang="en-US" altLang="zh-TW" sz="1200" dirty="0" err="1" smtClean="0"/>
+              <a:t>ContentView</a:t>
+            </a:r>
+            <a:endParaRPr lang="zh-TW" altLang="en-US" sz="1200" dirty="0"/>
+          </a:p>
+        </p:txBody>
+      </p:sp>
+      <p:sp>
+        <p:nvSpPr>
+          <p:cNvPr id="9" name="矩形 8"/>
+          <p:cNvSpPr/>
+          <p:nvPr/>
+        </p:nvSpPr>
+        <p:spPr>
+          <a:xfrm>
+            <a:off x="1063766" y="3382163"/>
+            <a:ext cx="1266738" cy="687900"/>
+          </a:xfrm>
+          <a:prstGeom prst="rect">
+            <a:avLst/>
+          </a:prstGeom>
+        </p:spPr>
+        <p:style>
+          <a:lnRef idx="2">
+            <a:schemeClr val="accent2">
+              <a:shade val="50000"/>
+            </a:schemeClr>
+          </a:lnRef>
+          <a:fillRef idx="1">
+            <a:schemeClr val="accent2"/>
+          </a:fillRef>
+          <a:effectRef idx="0">
+            <a:schemeClr val="accent2"/>
+          </a:effectRef>
+          <a:fontRef idx="minor">
+            <a:schemeClr val="lt1"/>
+          </a:fontRef>
+        </p:style>
+        <p:txBody>
+          <a:bodyPr rtlCol="0" anchor="ctr"/>
+          <a:lstStyle/>
+          <a:p>
+            <a:pPr algn="ctr"/>
+            <a:r>
+              <a:rPr lang="en-US" altLang="zh-TW" sz="1200" dirty="0" err="1" smtClean="0"/>
+              <a:t>LoginView</a:t>
+            </a:r>
+            <a:r>
+              <a:rPr lang="en-US" altLang="zh-TW" sz="1200" dirty="0" smtClean="0"/>
+              <a:t/>
+            </a:r>
+            <a:br>
+              <a:rPr lang="en-US" altLang="zh-TW" sz="1200" dirty="0" smtClean="0"/>
+            </a:br>
+            <a:r>
+              <a:rPr lang="en-US" altLang="zh-TW" sz="1200" dirty="0" smtClean="0"/>
+              <a:t>VID=0</a:t>
+            </a:r>
+            <a:endParaRPr lang="zh-TW" altLang="en-US" sz="1200" dirty="0"/>
+          </a:p>
+        </p:txBody>
+      </p:sp>
+      <p:sp>
+        <p:nvSpPr>
+          <p:cNvPr id="11" name="矩形 10"/>
+          <p:cNvSpPr/>
+          <p:nvPr/>
+        </p:nvSpPr>
+        <p:spPr>
+          <a:xfrm>
+            <a:off x="2537206" y="3384360"/>
+            <a:ext cx="1168726" cy="887140"/>
+          </a:xfrm>
+          <a:prstGeom prst="rect">
+            <a:avLst/>
+          </a:prstGeom>
+        </p:spPr>
+        <p:style>
+          <a:lnRef idx="2">
+            <a:schemeClr val="accent2">
+              <a:shade val="50000"/>
+            </a:schemeClr>
+          </a:lnRef>
+          <a:fillRef idx="1">
+            <a:schemeClr val="accent2"/>
+          </a:fillRef>
+          <a:effectRef idx="0">
+            <a:schemeClr val="accent2"/>
+          </a:effectRef>
+          <a:fontRef idx="minor">
+            <a:schemeClr val="lt1"/>
+          </a:fontRef>
+        </p:style>
+        <p:txBody>
+          <a:bodyPr rtlCol="0" anchor="ctr"/>
+          <a:lstStyle/>
+          <a:p>
+            <a:pPr algn="ctr"/>
+            <a:r>
+              <a:rPr lang="en-US" altLang="zh-TW" sz="1200" dirty="0" err="1" smtClean="0"/>
+              <a:t>SystemView</a:t>
+            </a:r>
+            <a:endParaRPr lang="en-US" altLang="zh-TW" sz="1200" dirty="0" smtClean="0"/>
+          </a:p>
+          <a:p>
+            <a:pPr algn="ctr"/>
+            <a:r>
+              <a:rPr lang="zh-TW" altLang="en-US" sz="1200" dirty="0" smtClean="0"/>
+              <a:t>系統主畫面</a:t>
+            </a:r>
+            <a:r>
+              <a:rPr lang="en-US" altLang="zh-TW" sz="1200" dirty="0" smtClean="0"/>
+              <a:t/>
+            </a:r>
+            <a:br>
+              <a:rPr lang="en-US" altLang="zh-TW" sz="1200" dirty="0" smtClean="0"/>
+            </a:br>
+            <a:r>
+              <a:rPr lang="en-US" altLang="zh-TW" sz="1200" dirty="0" smtClean="0"/>
+              <a:t>VID=1</a:t>
+            </a:r>
+            <a:endParaRPr lang="zh-TW" altLang="en-US" sz="1200" dirty="0"/>
+          </a:p>
+        </p:txBody>
+      </p:sp>
+      <p:cxnSp>
+        <p:nvCxnSpPr>
+          <p:cNvPr id="26" name="直線單箭頭接點 25"/>
+          <p:cNvCxnSpPr/>
+          <p:nvPr/>
+        </p:nvCxnSpPr>
+        <p:spPr>
+          <a:xfrm>
+            <a:off x="2935591" y="2512147"/>
+            <a:ext cx="0" cy="867193"/>
+          </a:xfrm>
+          <a:prstGeom prst="straightConnector1">
+            <a:avLst/>
+          </a:prstGeom>
+          <a:ln w="57150">
+            <a:tailEnd type="triangle"/>
+          </a:ln>
+        </p:spPr>
+        <p:style>
+          <a:lnRef idx="3">
+            <a:schemeClr val="accent2"/>
+          </a:lnRef>
+          <a:fillRef idx="0">
+            <a:schemeClr val="accent2"/>
+          </a:fillRef>
+          <a:effectRef idx="2">
+            <a:schemeClr val="accent2"/>
+          </a:effectRef>
+          <a:fontRef idx="minor">
+            <a:schemeClr val="tx1"/>
+          </a:fontRef>
+        </p:style>
+      </p:cxnSp>
+      <p:cxnSp>
+        <p:nvCxnSpPr>
+          <p:cNvPr id="27" name="直線單箭頭接點 26"/>
+          <p:cNvCxnSpPr/>
+          <p:nvPr/>
+        </p:nvCxnSpPr>
+        <p:spPr>
+          <a:xfrm>
+            <a:off x="1697135" y="2238437"/>
+            <a:ext cx="8863" cy="1140903"/>
+          </a:xfrm>
+          <a:prstGeom prst="straightConnector1">
+            <a:avLst/>
+          </a:prstGeom>
+          <a:ln w="57150">
+            <a:tailEnd type="triangle"/>
+          </a:ln>
+        </p:spPr>
+        <p:style>
+          <a:lnRef idx="3">
+            <a:schemeClr val="accent2"/>
+          </a:lnRef>
+          <a:fillRef idx="0">
+            <a:schemeClr val="accent2"/>
+          </a:fillRef>
+          <a:effectRef idx="2">
+            <a:schemeClr val="accent2"/>
+          </a:effectRef>
+          <a:fontRef idx="minor">
+            <a:schemeClr val="tx1"/>
+          </a:fontRef>
+        </p:style>
+      </p:cxnSp>
+      <p:sp>
+        <p:nvSpPr>
+          <p:cNvPr id="32" name="矩形 31"/>
+          <p:cNvSpPr/>
+          <p:nvPr/>
+        </p:nvSpPr>
+        <p:spPr>
+          <a:xfrm>
+            <a:off x="951215" y="2766261"/>
+            <a:ext cx="629177" cy="234888"/>
+          </a:xfrm>
+          <a:prstGeom prst="rect">
+            <a:avLst/>
+          </a:prstGeom>
+        </p:spPr>
+        <p:style>
+          <a:lnRef idx="2">
+            <a:schemeClr val="dk1">
+              <a:shade val="50000"/>
+            </a:schemeClr>
+          </a:lnRef>
+          <a:fillRef idx="1">
+            <a:schemeClr val="dk1"/>
+          </a:fillRef>
+          <a:effectRef idx="0">
+            <a:schemeClr val="dk1"/>
+          </a:effectRef>
+          <a:fontRef idx="minor">
+            <a:schemeClr val="lt1"/>
+          </a:fontRef>
+        </p:style>
+        <p:txBody>
+          <a:bodyPr rtlCol="0" anchor="ctr"/>
+          <a:lstStyle/>
+          <a:p>
+            <a:pPr algn="ctr"/>
+            <a:r>
+              <a:rPr lang="en-US" altLang="zh-TW" sz="1200" dirty="0" smtClean="0"/>
+              <a:t>True</a:t>
+            </a:r>
+            <a:endParaRPr lang="zh-TW" altLang="en-US" sz="1200" dirty="0"/>
+          </a:p>
+        </p:txBody>
+      </p:sp>
+      <p:sp>
+        <p:nvSpPr>
+          <p:cNvPr id="33" name="矩形 32"/>
+          <p:cNvSpPr/>
+          <p:nvPr/>
+        </p:nvSpPr>
+        <p:spPr>
+          <a:xfrm>
+            <a:off x="2304335" y="2551816"/>
+            <a:ext cx="539533" cy="214445"/>
+          </a:xfrm>
+          <a:prstGeom prst="rect">
+            <a:avLst/>
+          </a:prstGeom>
+        </p:spPr>
+        <p:style>
+          <a:lnRef idx="2">
+            <a:schemeClr val="dk1">
+              <a:shade val="50000"/>
+            </a:schemeClr>
+          </a:lnRef>
+          <a:fillRef idx="1">
+            <a:schemeClr val="dk1"/>
+          </a:fillRef>
+          <a:effectRef idx="0">
+            <a:schemeClr val="dk1"/>
+          </a:effectRef>
+          <a:fontRef idx="minor">
+            <a:schemeClr val="lt1"/>
+          </a:fontRef>
+        </p:style>
+        <p:txBody>
+          <a:bodyPr rtlCol="0" anchor="ctr"/>
+          <a:lstStyle/>
+          <a:p>
+            <a:pPr algn="ctr"/>
+            <a:r>
+              <a:rPr lang="en-US" altLang="zh-TW" sz="1200" dirty="0" smtClean="0"/>
+              <a:t>False</a:t>
+            </a:r>
+            <a:endParaRPr lang="zh-TW" altLang="en-US" sz="1200" dirty="0"/>
+          </a:p>
+        </p:txBody>
+      </p:sp>
+      <p:sp>
+        <p:nvSpPr>
+          <p:cNvPr id="34" name="矩形 33"/>
+          <p:cNvSpPr/>
+          <p:nvPr/>
+        </p:nvSpPr>
+        <p:spPr>
+          <a:xfrm>
+            <a:off x="3000700" y="2808888"/>
+            <a:ext cx="558332" cy="238385"/>
+          </a:xfrm>
+          <a:prstGeom prst="rect">
+            <a:avLst/>
+          </a:prstGeom>
+        </p:spPr>
+        <p:style>
+          <a:lnRef idx="2">
+            <a:schemeClr val="dk1">
+              <a:shade val="50000"/>
+            </a:schemeClr>
+          </a:lnRef>
+          <a:fillRef idx="1">
+            <a:schemeClr val="dk1"/>
+          </a:fillRef>
+          <a:effectRef idx="0">
+            <a:schemeClr val="dk1"/>
+          </a:effectRef>
+          <a:fontRef idx="minor">
+            <a:schemeClr val="lt1"/>
+          </a:fontRef>
+        </p:style>
+        <p:txBody>
+          <a:bodyPr rtlCol="0" anchor="ctr"/>
+          <a:lstStyle/>
+          <a:p>
+            <a:pPr algn="ctr"/>
+            <a:r>
+              <a:rPr lang="en-US" altLang="zh-TW" sz="1200" dirty="0" smtClean="0"/>
+              <a:t>VID=1</a:t>
+            </a:r>
+            <a:endParaRPr lang="zh-TW" altLang="en-US" sz="1200" dirty="0"/>
+          </a:p>
+        </p:txBody>
+      </p:sp>
+      <p:sp>
+        <p:nvSpPr>
+          <p:cNvPr id="49" name="矩形 48"/>
+          <p:cNvSpPr/>
+          <p:nvPr/>
+        </p:nvSpPr>
+        <p:spPr>
+          <a:xfrm>
+            <a:off x="811407" y="444967"/>
+            <a:ext cx="2653245" cy="978010"/>
+          </a:xfrm>
+          <a:prstGeom prst="rect">
+            <a:avLst/>
+          </a:prstGeom>
+        </p:spPr>
+        <p:style>
+          <a:lnRef idx="2">
+            <a:schemeClr val="accent1">
+              <a:shade val="50000"/>
+            </a:schemeClr>
+          </a:lnRef>
+          <a:fillRef idx="1">
+            <a:schemeClr val="accent1"/>
+          </a:fillRef>
+          <a:effectRef idx="0">
+            <a:schemeClr val="accent1"/>
+          </a:effectRef>
+          <a:fontRef idx="minor">
+            <a:schemeClr val="lt1"/>
+          </a:fontRef>
+        </p:style>
+        <p:txBody>
+          <a:bodyPr rtlCol="0" anchor="ctr"/>
+          <a:lstStyle/>
+          <a:p>
+            <a:pPr algn="ctr"/>
+            <a:endParaRPr lang="zh-TW" altLang="en-US" sz="1200" dirty="0"/>
+          </a:p>
+        </p:txBody>
+      </p:sp>
+      <p:sp>
+        <p:nvSpPr>
+          <p:cNvPr id="50" name="矩形 49"/>
+          <p:cNvSpPr/>
+          <p:nvPr/>
+        </p:nvSpPr>
+        <p:spPr>
+          <a:xfrm>
+            <a:off x="783908" y="444967"/>
+            <a:ext cx="1753299" cy="394282"/>
+          </a:xfrm>
+          <a:prstGeom prst="rect">
+            <a:avLst/>
+          </a:prstGeom>
+        </p:spPr>
+        <p:style>
+          <a:lnRef idx="2">
+            <a:schemeClr val="accent2">
+              <a:shade val="50000"/>
+            </a:schemeClr>
+          </a:lnRef>
+          <a:fillRef idx="1">
+            <a:schemeClr val="accent2"/>
+          </a:fillRef>
+          <a:effectRef idx="0">
+            <a:schemeClr val="accent2"/>
+          </a:effectRef>
+          <a:fontRef idx="minor">
+            <a:schemeClr val="lt1"/>
+          </a:fontRef>
+        </p:style>
+        <p:txBody>
+          <a:bodyPr rtlCol="0" anchor="ctr"/>
+          <a:lstStyle/>
+          <a:p>
+            <a:pPr algn="ctr"/>
+            <a:r>
+              <a:rPr lang="zh-TW" altLang="en-US" sz="1200" dirty="0" smtClean="0"/>
+              <a:t>主程式</a:t>
+            </a:r>
+            <a:endParaRPr lang="zh-TW" altLang="en-US" sz="1200" dirty="0"/>
+          </a:p>
+        </p:txBody>
+      </p:sp>
+      <p:cxnSp>
+        <p:nvCxnSpPr>
+          <p:cNvPr id="52" name="直線單箭頭接點 51"/>
+          <p:cNvCxnSpPr/>
+          <p:nvPr/>
+        </p:nvCxnSpPr>
+        <p:spPr>
+          <a:xfrm>
+            <a:off x="1731865" y="1245428"/>
+            <a:ext cx="1" cy="993009"/>
+          </a:xfrm>
+          <a:prstGeom prst="straightConnector1">
+            <a:avLst/>
+          </a:prstGeom>
+          <a:ln w="57150">
+            <a:tailEnd type="triangle"/>
+          </a:ln>
+        </p:spPr>
+        <p:style>
+          <a:lnRef idx="3">
+            <a:schemeClr val="accent2"/>
+          </a:lnRef>
+          <a:fillRef idx="0">
+            <a:schemeClr val="accent2"/>
+          </a:fillRef>
+          <a:effectRef idx="2">
+            <a:schemeClr val="accent2"/>
+          </a:effectRef>
+          <a:fontRef idx="minor">
+            <a:schemeClr val="tx1"/>
+          </a:fontRef>
+        </p:style>
+      </p:cxnSp>
+      <p:sp>
+        <p:nvSpPr>
+          <p:cNvPr id="53" name="矩形 52"/>
+          <p:cNvSpPr/>
+          <p:nvPr/>
+        </p:nvSpPr>
+        <p:spPr>
+          <a:xfrm>
+            <a:off x="1842521" y="1546530"/>
+            <a:ext cx="1997426" cy="222838"/>
+          </a:xfrm>
+          <a:prstGeom prst="rect">
+            <a:avLst/>
+          </a:prstGeom>
+        </p:spPr>
+        <p:style>
+          <a:lnRef idx="2">
+            <a:schemeClr val="dk1">
+              <a:shade val="50000"/>
+            </a:schemeClr>
+          </a:lnRef>
+          <a:fillRef idx="1">
+            <a:schemeClr val="dk1"/>
+          </a:fillRef>
+          <a:effectRef idx="0">
+            <a:schemeClr val="dk1"/>
+          </a:effectRef>
+          <a:fontRef idx="minor">
+            <a:schemeClr val="lt1"/>
+          </a:fontRef>
+        </p:style>
+        <p:txBody>
+          <a:bodyPr rtlCol="0" anchor="ctr"/>
+          <a:lstStyle/>
+          <a:p>
+            <a:pPr algn="ctr"/>
+            <a:r>
+              <a:rPr lang="en-US" altLang="zh-TW" sz="1200" dirty="0" err="1" smtClean="0"/>
+              <a:t>Need_login</a:t>
+            </a:r>
+            <a:r>
+              <a:rPr lang="en-US" altLang="zh-TW" sz="1200" dirty="0" smtClean="0"/>
+              <a:t>=true VID=0</a:t>
+            </a:r>
+            <a:endParaRPr lang="zh-TW" altLang="en-US" sz="1200" dirty="0"/>
+          </a:p>
+        </p:txBody>
+      </p:sp>
+      <p:sp>
+        <p:nvSpPr>
+          <p:cNvPr id="55" name="矩形 54"/>
+          <p:cNvSpPr/>
+          <p:nvPr/>
+        </p:nvSpPr>
+        <p:spPr>
+          <a:xfrm>
+            <a:off x="811408" y="945859"/>
+            <a:ext cx="2619900" cy="299569"/>
+          </a:xfrm>
+          <a:prstGeom prst="rect">
+            <a:avLst/>
+          </a:prstGeom>
+          <a:solidFill>
+            <a:schemeClr val="accent4">
+              <a:lumMod val="20000"/>
+              <a:lumOff val="80000"/>
+            </a:schemeClr>
+          </a:solidFill>
+        </p:spPr>
+        <p:style>
+          <a:lnRef idx="2">
+            <a:schemeClr val="accent3">
+              <a:shade val="50000"/>
+            </a:schemeClr>
+          </a:lnRef>
+          <a:fillRef idx="1">
+            <a:schemeClr val="accent3"/>
+          </a:fillRef>
+          <a:effectRef idx="0">
+            <a:schemeClr val="accent3"/>
+          </a:effectRef>
+          <a:fontRef idx="minor">
+            <a:schemeClr val="lt1"/>
+          </a:fontRef>
+        </p:style>
+        <p:txBody>
+          <a:bodyPr rtlCol="0" anchor="ctr"/>
+          <a:lstStyle/>
+          <a:p>
+            <a:pPr algn="ctr"/>
+            <a:r>
+              <a:rPr lang="en-US" altLang="zh-TW" sz="1200" dirty="0" err="1" smtClean="0">
+                <a:solidFill>
+                  <a:sysClr val="windowText" lastClr="000000"/>
+                </a:solidFill>
+              </a:rPr>
+              <a:t>ContentView</a:t>
+            </a:r>
+            <a:r>
+              <a:rPr lang="en-US" altLang="zh-TW" sz="1200" dirty="0" smtClean="0">
+                <a:solidFill>
+                  <a:sysClr val="windowText" lastClr="000000"/>
+                </a:solidFill>
+              </a:rPr>
+              <a:t>(</a:t>
+            </a:r>
+            <a:r>
+              <a:rPr lang="en-US" altLang="zh-TW" sz="1200" dirty="0" err="1" smtClean="0">
+                <a:solidFill>
+                  <a:sysClr val="windowText" lastClr="000000"/>
+                </a:solidFill>
+              </a:rPr>
+              <a:t>need_login:true</a:t>
+            </a:r>
+            <a:r>
+              <a:rPr lang="en-US" altLang="zh-TW" sz="1200" dirty="0" smtClean="0">
+                <a:solidFill>
+                  <a:sysClr val="windowText" lastClr="000000"/>
+                </a:solidFill>
+              </a:rPr>
+              <a:t>, VID=0)</a:t>
+            </a:r>
+            <a:endParaRPr lang="zh-TW" altLang="en-US" sz="1200" dirty="0"/>
+          </a:p>
+        </p:txBody>
+      </p:sp>
+      <p:sp>
+        <p:nvSpPr>
+          <p:cNvPr id="14" name="流程圖: 決策 13"/>
+          <p:cNvSpPr/>
+          <p:nvPr/>
+        </p:nvSpPr>
+        <p:spPr>
+          <a:xfrm>
+            <a:off x="1077826" y="2211193"/>
+            <a:ext cx="1308078" cy="563452"/>
+          </a:xfrm>
+          <a:prstGeom prst="flowChartDecision">
+            <a:avLst/>
+          </a:prstGeom>
+        </p:spPr>
+        <p:style>
+          <a:lnRef idx="2">
+            <a:schemeClr val="accent6">
+              <a:shade val="50000"/>
+            </a:schemeClr>
+          </a:lnRef>
+          <a:fillRef idx="1">
+            <a:schemeClr val="accent6"/>
+          </a:fillRef>
+          <a:effectRef idx="0">
+            <a:schemeClr val="accent6"/>
+          </a:effectRef>
+          <a:fontRef idx="minor">
+            <a:schemeClr val="lt1"/>
+          </a:fontRef>
+        </p:style>
+        <p:txBody>
+          <a:bodyPr rtlCol="0" anchor="ctr"/>
+          <a:lstStyle/>
+          <a:p>
+            <a:pPr algn="ctr"/>
+            <a:r>
+              <a:rPr lang="en-US" altLang="zh-TW" sz="1200" dirty="0" smtClean="0"/>
+              <a:t>Need login?</a:t>
+            </a:r>
+            <a:endParaRPr lang="zh-TW" altLang="en-US" sz="1200" dirty="0"/>
+          </a:p>
+        </p:txBody>
+      </p:sp>
+      <p:sp>
+        <p:nvSpPr>
+          <p:cNvPr id="60" name="矩形 59"/>
+          <p:cNvSpPr/>
+          <p:nvPr/>
+        </p:nvSpPr>
+        <p:spPr>
+          <a:xfrm>
+            <a:off x="3458734" y="2392954"/>
+            <a:ext cx="878373" cy="238385"/>
+          </a:xfrm>
+          <a:prstGeom prst="rect">
+            <a:avLst/>
+          </a:prstGeom>
+        </p:spPr>
+        <p:style>
+          <a:lnRef idx="2">
+            <a:schemeClr val="dk1">
+              <a:shade val="50000"/>
+            </a:schemeClr>
+          </a:lnRef>
+          <a:fillRef idx="1">
+            <a:schemeClr val="dk1"/>
+          </a:fillRef>
+          <a:effectRef idx="0">
+            <a:schemeClr val="dk1"/>
+          </a:effectRef>
+          <a:fontRef idx="minor">
+            <a:schemeClr val="lt1"/>
+          </a:fontRef>
+        </p:style>
+        <p:txBody>
+          <a:bodyPr rtlCol="0" anchor="ctr"/>
+          <a:lstStyle/>
+          <a:p>
+            <a:pPr algn="ctr"/>
+            <a:r>
+              <a:rPr lang="zh-TW" altLang="en-US" sz="1200" dirty="0" smtClean="0"/>
+              <a:t>其他的</a:t>
+            </a:r>
+            <a:r>
+              <a:rPr lang="en-US" altLang="zh-TW" sz="1200" dirty="0" smtClean="0"/>
+              <a:t>VID</a:t>
+            </a:r>
+            <a:endParaRPr lang="zh-TW" altLang="en-US" sz="1200" dirty="0"/>
+          </a:p>
+        </p:txBody>
+      </p:sp>
+      <p:cxnSp>
+        <p:nvCxnSpPr>
+          <p:cNvPr id="64" name="直線單箭頭接點 63"/>
+          <p:cNvCxnSpPr>
+            <a:stCxn id="14" idx="3"/>
+          </p:cNvCxnSpPr>
+          <p:nvPr/>
+        </p:nvCxnSpPr>
+        <p:spPr>
+          <a:xfrm>
+            <a:off x="2385904" y="2492919"/>
+            <a:ext cx="1045403" cy="9419"/>
+          </a:xfrm>
+          <a:prstGeom prst="straightConnector1">
+            <a:avLst/>
+          </a:prstGeom>
+          <a:ln w="57150">
+            <a:tailEnd type="triangle"/>
+          </a:ln>
+        </p:spPr>
+        <p:style>
+          <a:lnRef idx="3">
+            <a:schemeClr val="accent2"/>
+          </a:lnRef>
+          <a:fillRef idx="0">
+            <a:schemeClr val="accent2"/>
+          </a:fillRef>
+          <a:effectRef idx="2">
+            <a:schemeClr val="accent2"/>
+          </a:effectRef>
+          <a:fontRef idx="minor">
+            <a:schemeClr val="tx1"/>
+          </a:fontRef>
+        </p:style>
+      </p:cxnSp>
+      <p:cxnSp>
+        <p:nvCxnSpPr>
+          <p:cNvPr id="66" name="直線單箭頭接點 65"/>
+          <p:cNvCxnSpPr/>
+          <p:nvPr/>
+        </p:nvCxnSpPr>
+        <p:spPr>
+          <a:xfrm>
+            <a:off x="435661" y="2512146"/>
+            <a:ext cx="675467" cy="0"/>
+          </a:xfrm>
+          <a:prstGeom prst="straightConnector1">
+            <a:avLst/>
+          </a:prstGeom>
+          <a:ln w="57150">
+            <a:tailEnd type="triangle"/>
+          </a:ln>
+        </p:spPr>
+        <p:style>
+          <a:lnRef idx="3">
+            <a:schemeClr val="accent2"/>
+          </a:lnRef>
+          <a:fillRef idx="0">
+            <a:schemeClr val="accent2"/>
+          </a:fillRef>
+          <a:effectRef idx="2">
+            <a:schemeClr val="accent2"/>
+          </a:effectRef>
+          <a:fontRef idx="minor">
+            <a:schemeClr val="tx1"/>
+          </a:fontRef>
+        </p:style>
+      </p:cxnSp>
+      <p:cxnSp>
+        <p:nvCxnSpPr>
+          <p:cNvPr id="68" name="直線單箭頭接點 67"/>
+          <p:cNvCxnSpPr/>
+          <p:nvPr/>
+        </p:nvCxnSpPr>
+        <p:spPr>
+          <a:xfrm flipH="1" flipV="1">
+            <a:off x="420846" y="2502338"/>
+            <a:ext cx="14815" cy="3042785"/>
+          </a:xfrm>
+          <a:prstGeom prst="straightConnector1">
+            <a:avLst/>
+          </a:prstGeom>
+          <a:ln w="57150">
+            <a:tailEnd type="triangle"/>
+          </a:ln>
+        </p:spPr>
+        <p:style>
+          <a:lnRef idx="3">
+            <a:schemeClr val="accent2"/>
+          </a:lnRef>
+          <a:fillRef idx="0">
+            <a:schemeClr val="accent2"/>
+          </a:fillRef>
+          <a:effectRef idx="2">
+            <a:schemeClr val="accent2"/>
+          </a:effectRef>
+          <a:fontRef idx="minor">
+            <a:schemeClr val="tx1"/>
+          </a:fontRef>
+        </p:style>
+      </p:cxnSp>
+      <p:cxnSp>
+        <p:nvCxnSpPr>
+          <p:cNvPr id="70" name="直線單箭頭接點 69"/>
+          <p:cNvCxnSpPr/>
+          <p:nvPr/>
+        </p:nvCxnSpPr>
+        <p:spPr>
+          <a:xfrm flipH="1">
+            <a:off x="420847" y="5504295"/>
+            <a:ext cx="3456503" cy="40829"/>
+          </a:xfrm>
+          <a:prstGeom prst="straightConnector1">
+            <a:avLst/>
+          </a:prstGeom>
+          <a:ln w="57150">
+            <a:tailEnd type="triangle"/>
+          </a:ln>
+        </p:spPr>
+        <p:style>
+          <a:lnRef idx="3">
+            <a:schemeClr val="accent2"/>
+          </a:lnRef>
+          <a:fillRef idx="0">
+            <a:schemeClr val="accent2"/>
+          </a:fillRef>
+          <a:effectRef idx="2">
+            <a:schemeClr val="accent2"/>
+          </a:effectRef>
+          <a:fontRef idx="minor">
+            <a:schemeClr val="tx1"/>
+          </a:fontRef>
+        </p:style>
+      </p:cxnSp>
+      <p:cxnSp>
+        <p:nvCxnSpPr>
+          <p:cNvPr id="73" name="直線單箭頭接點 72"/>
+          <p:cNvCxnSpPr/>
+          <p:nvPr/>
+        </p:nvCxnSpPr>
+        <p:spPr>
+          <a:xfrm>
+            <a:off x="3001542" y="4755763"/>
+            <a:ext cx="0" cy="748532"/>
+          </a:xfrm>
+          <a:prstGeom prst="straightConnector1">
+            <a:avLst/>
+          </a:prstGeom>
+          <a:ln w="57150">
+            <a:tailEnd type="triangle"/>
+          </a:ln>
+        </p:spPr>
+        <p:style>
+          <a:lnRef idx="3">
+            <a:schemeClr val="accent2"/>
+          </a:lnRef>
+          <a:fillRef idx="0">
+            <a:schemeClr val="accent2"/>
+          </a:fillRef>
+          <a:effectRef idx="2">
+            <a:schemeClr val="accent2"/>
+          </a:effectRef>
+          <a:fontRef idx="minor">
+            <a:schemeClr val="tx1"/>
+          </a:fontRef>
+        </p:style>
+      </p:cxnSp>
+      <p:cxnSp>
+        <p:nvCxnSpPr>
+          <p:cNvPr id="75" name="直線單箭頭接點 74"/>
+          <p:cNvCxnSpPr/>
+          <p:nvPr/>
+        </p:nvCxnSpPr>
+        <p:spPr>
+          <a:xfrm>
+            <a:off x="1731865" y="4799906"/>
+            <a:ext cx="0" cy="748532"/>
+          </a:xfrm>
+          <a:prstGeom prst="straightConnector1">
+            <a:avLst/>
+          </a:prstGeom>
+          <a:ln w="57150">
+            <a:tailEnd type="triangle"/>
+          </a:ln>
+        </p:spPr>
+        <p:style>
+          <a:lnRef idx="3">
+            <a:schemeClr val="accent2"/>
+          </a:lnRef>
+          <a:fillRef idx="0">
+            <a:schemeClr val="accent2"/>
+          </a:fillRef>
+          <a:effectRef idx="2">
+            <a:schemeClr val="accent2"/>
+          </a:effectRef>
+          <a:fontRef idx="minor">
+            <a:schemeClr val="tx1"/>
+          </a:fontRef>
+        </p:style>
+      </p:cxnSp>
+      <p:sp>
+        <p:nvSpPr>
+          <p:cNvPr id="76" name="矩形 75"/>
+          <p:cNvSpPr/>
+          <p:nvPr/>
+        </p:nvSpPr>
+        <p:spPr>
+          <a:xfrm>
+            <a:off x="1305622" y="5705731"/>
+            <a:ext cx="2571728" cy="572549"/>
+          </a:xfrm>
+          <a:prstGeom prst="rect">
+            <a:avLst/>
+          </a:prstGeom>
+        </p:spPr>
+        <p:style>
+          <a:lnRef idx="2">
+            <a:schemeClr val="dk1">
+              <a:shade val="50000"/>
+            </a:schemeClr>
+          </a:lnRef>
+          <a:fillRef idx="1">
+            <a:schemeClr val="dk1"/>
+          </a:fillRef>
+          <a:effectRef idx="0">
+            <a:schemeClr val="dk1"/>
+          </a:effectRef>
+          <a:fontRef idx="minor">
+            <a:schemeClr val="lt1"/>
+          </a:fontRef>
+        </p:style>
+        <p:txBody>
+          <a:bodyPr rtlCol="0" anchor="ctr"/>
+          <a:lstStyle/>
+          <a:p>
+            <a:pPr algn="ctr"/>
+            <a:r>
+              <a:rPr lang="en-US" altLang="zh-TW" sz="1200" dirty="0" err="1" smtClean="0"/>
+              <a:t>Need_login</a:t>
+            </a:r>
+            <a:r>
+              <a:rPr lang="zh-TW" altLang="en-US" sz="1200" dirty="0" smtClean="0"/>
+              <a:t>和</a:t>
+            </a:r>
+            <a:r>
+              <a:rPr lang="en-US" altLang="zh-TW" sz="1200" dirty="0" smtClean="0"/>
+              <a:t> VID </a:t>
+            </a:r>
+            <a:r>
+              <a:rPr lang="zh-TW" altLang="en-US" sz="1200" dirty="0" smtClean="0"/>
+              <a:t>都</a:t>
+            </a:r>
+            <a:r>
+              <a:rPr lang="en-US" altLang="zh-TW" sz="1200" dirty="0" smtClean="0"/>
+              <a:t>binding</a:t>
+            </a:r>
+            <a:r>
+              <a:rPr lang="zh-TW" altLang="en-US" sz="1200" dirty="0" smtClean="0"/>
+              <a:t>在一起</a:t>
+            </a:r>
+            <a:r>
+              <a:rPr lang="en-US" altLang="zh-TW" sz="1200" dirty="0" smtClean="0"/>
+              <a:t/>
+            </a:r>
+            <a:br>
+              <a:rPr lang="en-US" altLang="zh-TW" sz="1200" dirty="0" smtClean="0"/>
+            </a:br>
+            <a:r>
+              <a:rPr lang="zh-TW" altLang="en-US" sz="1200" dirty="0" smtClean="0"/>
+              <a:t>只要一改變 顯示的</a:t>
+            </a:r>
+            <a:r>
+              <a:rPr lang="en-US" altLang="zh-TW" sz="1200" dirty="0" smtClean="0"/>
+              <a:t>view</a:t>
+            </a:r>
+            <a:r>
+              <a:rPr lang="zh-TW" altLang="en-US" sz="1200" dirty="0" smtClean="0"/>
+              <a:t>就跟著變</a:t>
+            </a:r>
+            <a:endParaRPr lang="en-US" altLang="zh-TW" sz="1200" dirty="0" smtClean="0"/>
+          </a:p>
+          <a:p>
+            <a:pPr algn="ctr"/>
+            <a:endParaRPr lang="zh-TW" altLang="en-US" sz="1200" dirty="0"/>
+          </a:p>
+        </p:txBody>
+      </p:sp>
+      <p:pic>
+        <p:nvPicPr>
+          <p:cNvPr id="79" name="圖片 78"/>
+          <p:cNvPicPr>
+            <a:picLocks noChangeAspect="1"/>
+          </p:cNvPicPr>
+          <p:nvPr/>
+        </p:nvPicPr>
+        <p:blipFill>
+          <a:blip r:embed="rId2"/>
+          <a:stretch>
+            <a:fillRect/>
+          </a:stretch>
+        </p:blipFill>
+        <p:spPr>
+          <a:xfrm>
+            <a:off x="4944819" y="66799"/>
+            <a:ext cx="3896269" cy="1028844"/>
+          </a:xfrm>
+          <a:prstGeom prst="rect">
+            <a:avLst/>
+          </a:prstGeom>
+        </p:spPr>
+      </p:pic>
+      <p:pic>
+        <p:nvPicPr>
+          <p:cNvPr id="81" name="圖片 80"/>
+          <p:cNvPicPr>
+            <a:picLocks noChangeAspect="1"/>
+          </p:cNvPicPr>
+          <p:nvPr/>
+        </p:nvPicPr>
+        <p:blipFill>
+          <a:blip r:embed="rId3"/>
+          <a:stretch>
+            <a:fillRect/>
+          </a:stretch>
+        </p:blipFill>
+        <p:spPr>
+          <a:xfrm>
+            <a:off x="4912777" y="1406927"/>
+            <a:ext cx="5553850" cy="1524213"/>
+          </a:xfrm>
+          <a:prstGeom prst="rect">
+            <a:avLst/>
+          </a:prstGeom>
+        </p:spPr>
+      </p:pic>
+      <p:pic>
+        <p:nvPicPr>
+          <p:cNvPr id="82" name="圖片 81"/>
+          <p:cNvPicPr>
+            <a:picLocks noChangeAspect="1"/>
+          </p:cNvPicPr>
+          <p:nvPr/>
+        </p:nvPicPr>
+        <p:blipFill>
+          <a:blip r:embed="rId4"/>
+          <a:stretch>
+            <a:fillRect/>
+          </a:stretch>
+        </p:blipFill>
+        <p:spPr>
+          <a:xfrm>
+            <a:off x="4888961" y="3493117"/>
+            <a:ext cx="2800741" cy="552527"/>
+          </a:xfrm>
+          <a:prstGeom prst="rect">
+            <a:avLst/>
+          </a:prstGeom>
+        </p:spPr>
+      </p:pic>
+      <p:pic>
+        <p:nvPicPr>
+          <p:cNvPr id="83" name="圖片 82"/>
+          <p:cNvPicPr>
+            <a:picLocks noChangeAspect="1"/>
+          </p:cNvPicPr>
+          <p:nvPr/>
+        </p:nvPicPr>
+        <p:blipFill>
+          <a:blip r:embed="rId5"/>
+          <a:stretch>
+            <a:fillRect/>
+          </a:stretch>
+        </p:blipFill>
+        <p:spPr>
+          <a:xfrm>
+            <a:off x="4888961" y="4390274"/>
+            <a:ext cx="2943636" cy="819264"/>
+          </a:xfrm>
+          <a:prstGeom prst="rect">
+            <a:avLst/>
+          </a:prstGeom>
+        </p:spPr>
+      </p:pic>
+      <p:pic>
+        <p:nvPicPr>
+          <p:cNvPr id="84" name="圖片 83"/>
+          <p:cNvPicPr>
+            <a:picLocks noChangeAspect="1"/>
+          </p:cNvPicPr>
+          <p:nvPr/>
+        </p:nvPicPr>
+        <p:blipFill>
+          <a:blip r:embed="rId6"/>
+          <a:stretch>
+            <a:fillRect/>
+          </a:stretch>
+        </p:blipFill>
+        <p:spPr>
+          <a:xfrm>
+            <a:off x="8251783" y="3513851"/>
+            <a:ext cx="3305636" cy="1752845"/>
+          </a:xfrm>
+          <a:prstGeom prst="rect">
+            <a:avLst/>
+          </a:prstGeom>
+        </p:spPr>
+      </p:pic>
+      <p:cxnSp>
+        <p:nvCxnSpPr>
+          <p:cNvPr id="85" name="直線單箭頭接點 84"/>
+          <p:cNvCxnSpPr/>
+          <p:nvPr/>
+        </p:nvCxnSpPr>
+        <p:spPr>
+          <a:xfrm flipH="1">
+            <a:off x="6526635" y="912689"/>
+            <a:ext cx="1293387" cy="1142614"/>
+          </a:xfrm>
+          <a:prstGeom prst="straightConnector1">
+            <a:avLst/>
+          </a:prstGeom>
+          <a:ln w="57150">
+            <a:tailEnd type="triangle"/>
+          </a:ln>
+        </p:spPr>
+        <p:style>
+          <a:lnRef idx="3">
+            <a:schemeClr val="accent2"/>
+          </a:lnRef>
+          <a:fillRef idx="0">
+            <a:schemeClr val="accent2"/>
+          </a:fillRef>
+          <a:effectRef idx="2">
+            <a:schemeClr val="accent2"/>
+          </a:effectRef>
+          <a:fontRef idx="minor">
+            <a:schemeClr val="tx1"/>
+          </a:fontRef>
+        </p:style>
+      </p:cxnSp>
+      <p:cxnSp>
+        <p:nvCxnSpPr>
+          <p:cNvPr id="89" name="直線單箭頭接點 88"/>
+          <p:cNvCxnSpPr/>
+          <p:nvPr/>
+        </p:nvCxnSpPr>
+        <p:spPr>
+          <a:xfrm flipH="1">
+            <a:off x="5822141" y="2371237"/>
+            <a:ext cx="383722" cy="1142614"/>
+          </a:xfrm>
+          <a:prstGeom prst="straightConnector1">
+            <a:avLst/>
+          </a:prstGeom>
+          <a:ln w="28575">
+            <a:tailEnd type="triangle"/>
+          </a:ln>
+        </p:spPr>
+        <p:style>
+          <a:lnRef idx="3">
+            <a:schemeClr val="accent2"/>
+          </a:lnRef>
+          <a:fillRef idx="0">
+            <a:schemeClr val="accent2"/>
+          </a:fillRef>
+          <a:effectRef idx="2">
+            <a:schemeClr val="accent2"/>
+          </a:effectRef>
+          <a:fontRef idx="minor">
+            <a:schemeClr val="tx1"/>
+          </a:fontRef>
+        </p:style>
+      </p:cxnSp>
+      <p:cxnSp>
+        <p:nvCxnSpPr>
+          <p:cNvPr id="91" name="直線單箭頭接點 90"/>
+          <p:cNvCxnSpPr/>
+          <p:nvPr/>
+        </p:nvCxnSpPr>
+        <p:spPr>
+          <a:xfrm flipV="1">
+            <a:off x="5822141" y="2766261"/>
+            <a:ext cx="603826" cy="1989502"/>
+          </a:xfrm>
+          <a:prstGeom prst="straightConnector1">
+            <a:avLst/>
+          </a:prstGeom>
+          <a:ln w="28575">
+            <a:tailEnd type="triangle"/>
+          </a:ln>
+        </p:spPr>
+        <p:style>
+          <a:lnRef idx="3">
+            <a:schemeClr val="accent2"/>
+          </a:lnRef>
+          <a:fillRef idx="0">
+            <a:schemeClr val="accent2"/>
+          </a:fillRef>
+          <a:effectRef idx="2">
+            <a:schemeClr val="accent2"/>
+          </a:effectRef>
+          <a:fontRef idx="minor">
+            <a:schemeClr val="tx1"/>
+          </a:fontRef>
+        </p:style>
+      </p:cxnSp>
+      <p:cxnSp>
+        <p:nvCxnSpPr>
+          <p:cNvPr id="94" name="直線單箭頭接點 93"/>
+          <p:cNvCxnSpPr/>
+          <p:nvPr/>
+        </p:nvCxnSpPr>
+        <p:spPr>
+          <a:xfrm>
+            <a:off x="7307088" y="2704463"/>
+            <a:ext cx="1103661" cy="809388"/>
+          </a:xfrm>
+          <a:prstGeom prst="straightConnector1">
+            <a:avLst/>
+          </a:prstGeom>
+          <a:ln w="28575">
+            <a:tailEnd type="triangle"/>
+          </a:ln>
+        </p:spPr>
+        <p:style>
+          <a:lnRef idx="3">
+            <a:schemeClr val="accent2"/>
+          </a:lnRef>
+          <a:fillRef idx="0">
+            <a:schemeClr val="accent2"/>
+          </a:fillRef>
+          <a:effectRef idx="2">
+            <a:schemeClr val="accent2"/>
+          </a:effectRef>
+          <a:fontRef idx="minor">
+            <a:schemeClr val="tx1"/>
+          </a:fontRef>
+        </p:style>
+      </p:cxnSp>
+      <p:cxnSp>
+        <p:nvCxnSpPr>
+          <p:cNvPr id="96" name="直線單箭頭接點 95"/>
+          <p:cNvCxnSpPr/>
+          <p:nvPr/>
+        </p:nvCxnSpPr>
+        <p:spPr>
+          <a:xfrm flipH="1" flipV="1">
+            <a:off x="6526635" y="2392954"/>
+            <a:ext cx="3657008" cy="2471105"/>
+          </a:xfrm>
+          <a:prstGeom prst="straightConnector1">
+            <a:avLst/>
+          </a:prstGeom>
+          <a:ln w="28575">
+            <a:tailEnd type="triangle"/>
+          </a:ln>
+        </p:spPr>
+        <p:style>
+          <a:lnRef idx="3">
+            <a:schemeClr val="accent2"/>
+          </a:lnRef>
+          <a:fillRef idx="0">
+            <a:schemeClr val="accent2"/>
+          </a:fillRef>
+          <a:effectRef idx="2">
+            <a:schemeClr val="accent2"/>
+          </a:effectRef>
+          <a:fontRef idx="minor">
+            <a:schemeClr val="tx1"/>
+          </a:fontRef>
+        </p:style>
+      </p:cxnSp>
+      <p:sp>
+        <p:nvSpPr>
+          <p:cNvPr id="98" name="矩形 97"/>
+          <p:cNvSpPr/>
+          <p:nvPr/>
+        </p:nvSpPr>
+        <p:spPr>
+          <a:xfrm>
+            <a:off x="7875899" y="976753"/>
+            <a:ext cx="1930378" cy="399878"/>
+          </a:xfrm>
+          <a:prstGeom prst="rect">
+            <a:avLst/>
+          </a:prstGeom>
+          <a:solidFill>
+            <a:srgbClr val="FF0000"/>
+          </a:solidFill>
+        </p:spPr>
+        <p:style>
+          <a:lnRef idx="2">
+            <a:schemeClr val="accent1">
+              <a:shade val="50000"/>
+            </a:schemeClr>
+          </a:lnRef>
+          <a:fillRef idx="1">
+            <a:schemeClr val="accent1"/>
+          </a:fillRef>
+          <a:effectRef idx="0">
+            <a:schemeClr val="accent1"/>
+          </a:effectRef>
+          <a:fontRef idx="minor">
+            <a:schemeClr val="lt1"/>
+          </a:fontRef>
+        </p:style>
+        <p:txBody>
+          <a:bodyPr rtlCol="0" anchor="ctr"/>
+          <a:lstStyle/>
+          <a:p>
+            <a:pPr algn="ctr"/>
+            <a:r>
+              <a:rPr lang="en-US" altLang="zh-TW" sz="1200" dirty="0" smtClean="0">
+                <a:solidFill>
+                  <a:schemeClr val="bg1"/>
+                </a:solidFill>
+              </a:rPr>
+              <a:t>1 AP</a:t>
+            </a:r>
+            <a:r>
+              <a:rPr lang="zh-TW" altLang="en-US" sz="1200" dirty="0" smtClean="0">
+                <a:solidFill>
+                  <a:schemeClr val="bg1"/>
+                </a:solidFill>
+              </a:rPr>
+              <a:t>起始 需要登入 </a:t>
+            </a:r>
+            <a:endParaRPr lang="zh-TW" altLang="en-US" sz="1200" dirty="0">
+              <a:solidFill>
+                <a:schemeClr val="bg1"/>
+              </a:solidFill>
+            </a:endParaRPr>
+          </a:p>
+        </p:txBody>
+      </p:sp>
+      <p:sp>
+        <p:nvSpPr>
+          <p:cNvPr id="101" name="矩形 100"/>
+          <p:cNvSpPr/>
+          <p:nvPr/>
+        </p:nvSpPr>
+        <p:spPr>
+          <a:xfrm>
+            <a:off x="4415824" y="3176014"/>
+            <a:ext cx="1340216" cy="303509"/>
+          </a:xfrm>
+          <a:prstGeom prst="rect">
+            <a:avLst/>
+          </a:prstGeom>
+          <a:solidFill>
+            <a:srgbClr val="FF0000"/>
+          </a:solidFill>
+        </p:spPr>
+        <p:style>
+          <a:lnRef idx="2">
+            <a:schemeClr val="accent1">
+              <a:shade val="50000"/>
+            </a:schemeClr>
+          </a:lnRef>
+          <a:fillRef idx="1">
+            <a:schemeClr val="accent1"/>
+          </a:fillRef>
+          <a:effectRef idx="0">
+            <a:schemeClr val="accent1"/>
+          </a:effectRef>
+          <a:fontRef idx="minor">
+            <a:schemeClr val="lt1"/>
+          </a:fontRef>
+        </p:style>
+        <p:txBody>
+          <a:bodyPr rtlCol="0" anchor="ctr"/>
+          <a:lstStyle/>
+          <a:p>
+            <a:pPr algn="ctr"/>
+            <a:r>
+              <a:rPr lang="en-US" altLang="zh-TW" sz="1200" dirty="0" smtClean="0">
+                <a:solidFill>
+                  <a:schemeClr val="bg1"/>
+                </a:solidFill>
+              </a:rPr>
+              <a:t>2 </a:t>
+            </a:r>
+            <a:r>
+              <a:rPr lang="zh-TW" altLang="en-US" sz="1200" dirty="0" smtClean="0">
+                <a:solidFill>
+                  <a:schemeClr val="bg1"/>
+                </a:solidFill>
+              </a:rPr>
+              <a:t>進去</a:t>
+            </a:r>
+            <a:r>
+              <a:rPr lang="en-US" altLang="zh-TW" sz="1200" dirty="0" smtClean="0">
+                <a:solidFill>
+                  <a:schemeClr val="bg1"/>
+                </a:solidFill>
+              </a:rPr>
+              <a:t>LOGINVIEW</a:t>
+            </a:r>
+            <a:endParaRPr lang="zh-TW" altLang="en-US" sz="1200" dirty="0">
+              <a:solidFill>
+                <a:schemeClr val="bg1"/>
+              </a:solidFill>
+            </a:endParaRPr>
+          </a:p>
+        </p:txBody>
+      </p:sp>
+      <p:sp>
+        <p:nvSpPr>
+          <p:cNvPr id="102" name="矩形 101"/>
+          <p:cNvSpPr/>
+          <p:nvPr/>
+        </p:nvSpPr>
+        <p:spPr>
+          <a:xfrm>
+            <a:off x="5572501" y="5277530"/>
+            <a:ext cx="1908268" cy="699299"/>
+          </a:xfrm>
+          <a:prstGeom prst="rect">
+            <a:avLst/>
+          </a:prstGeom>
+          <a:solidFill>
+            <a:srgbClr val="FF0000"/>
+          </a:solidFill>
+        </p:spPr>
+        <p:style>
+          <a:lnRef idx="2">
+            <a:schemeClr val="accent1">
+              <a:shade val="50000"/>
+            </a:schemeClr>
+          </a:lnRef>
+          <a:fillRef idx="1">
+            <a:schemeClr val="accent1"/>
+          </a:fillRef>
+          <a:effectRef idx="0">
+            <a:schemeClr val="accent1"/>
+          </a:effectRef>
+          <a:fontRef idx="minor">
+            <a:schemeClr val="lt1"/>
+          </a:fontRef>
+        </p:style>
+        <p:txBody>
+          <a:bodyPr rtlCol="0" anchor="ctr"/>
+          <a:lstStyle/>
+          <a:p>
+            <a:pPr algn="ctr"/>
+            <a:r>
+              <a:rPr lang="en-US" altLang="zh-TW" sz="1200" dirty="0" smtClean="0">
+                <a:solidFill>
+                  <a:schemeClr val="bg1"/>
+                </a:solidFill>
+              </a:rPr>
+              <a:t>3 </a:t>
+            </a:r>
+            <a:r>
+              <a:rPr lang="zh-TW" altLang="en-US" sz="1200" dirty="0" smtClean="0">
+                <a:solidFill>
+                  <a:schemeClr val="bg1"/>
+                </a:solidFill>
+              </a:rPr>
+              <a:t>按下登入，帳密正確</a:t>
+            </a:r>
+            <a:endParaRPr lang="en-US" altLang="zh-TW" sz="1200" dirty="0" smtClean="0">
+              <a:solidFill>
+                <a:schemeClr val="bg1"/>
+              </a:solidFill>
+            </a:endParaRPr>
+          </a:p>
+          <a:p>
+            <a:pPr algn="ctr"/>
+            <a:r>
+              <a:rPr lang="en-US" altLang="zh-TW" sz="1200" dirty="0" err="1" smtClean="0">
+                <a:solidFill>
+                  <a:schemeClr val="bg1"/>
+                </a:solidFill>
+              </a:rPr>
+              <a:t>Need_login</a:t>
+            </a:r>
+            <a:r>
+              <a:rPr lang="en-US" altLang="zh-TW" sz="1200" dirty="0" smtClean="0">
+                <a:solidFill>
+                  <a:schemeClr val="bg1"/>
+                </a:solidFill>
+              </a:rPr>
+              <a:t>=false </a:t>
+            </a:r>
+            <a:r>
+              <a:rPr lang="zh-TW" altLang="en-US" sz="1200" dirty="0" smtClean="0">
+                <a:solidFill>
+                  <a:schemeClr val="bg1"/>
+                </a:solidFill>
+              </a:rPr>
+              <a:t>已登入</a:t>
+            </a:r>
+            <a:endParaRPr lang="en-US" altLang="zh-TW" sz="1200" dirty="0" smtClean="0">
+              <a:solidFill>
+                <a:schemeClr val="bg1"/>
+              </a:solidFill>
+            </a:endParaRPr>
+          </a:p>
+          <a:p>
+            <a:pPr algn="ctr"/>
+            <a:r>
+              <a:rPr lang="en-US" altLang="zh-TW" sz="1200" dirty="0" smtClean="0">
+                <a:solidFill>
+                  <a:schemeClr val="bg1"/>
+                </a:solidFill>
+              </a:rPr>
+              <a:t>Vid=1 </a:t>
+            </a:r>
+            <a:r>
+              <a:rPr lang="zh-TW" altLang="en-US" sz="1200" dirty="0" smtClean="0">
+                <a:solidFill>
+                  <a:schemeClr val="bg1"/>
+                </a:solidFill>
+              </a:rPr>
+              <a:t>進去主系統畫面</a:t>
+            </a:r>
+            <a:endParaRPr lang="zh-TW" altLang="en-US" sz="1200" dirty="0">
+              <a:solidFill>
+                <a:schemeClr val="bg1"/>
+              </a:solidFill>
+            </a:endParaRPr>
+          </a:p>
+        </p:txBody>
+      </p:sp>
+      <p:sp>
+        <p:nvSpPr>
+          <p:cNvPr id="104" name="矩形 103"/>
+          <p:cNvSpPr/>
+          <p:nvPr/>
+        </p:nvSpPr>
+        <p:spPr>
+          <a:xfrm>
+            <a:off x="7940342" y="2766261"/>
+            <a:ext cx="1543237" cy="303509"/>
+          </a:xfrm>
+          <a:prstGeom prst="rect">
+            <a:avLst/>
+          </a:prstGeom>
+          <a:solidFill>
+            <a:srgbClr val="FF0000"/>
+          </a:solidFill>
+        </p:spPr>
+        <p:style>
+          <a:lnRef idx="2">
+            <a:schemeClr val="accent1">
+              <a:shade val="50000"/>
+            </a:schemeClr>
+          </a:lnRef>
+          <a:fillRef idx="1">
+            <a:schemeClr val="accent1"/>
+          </a:fillRef>
+          <a:effectRef idx="0">
+            <a:schemeClr val="accent1"/>
+          </a:effectRef>
+          <a:fontRef idx="minor">
+            <a:schemeClr val="lt1"/>
+          </a:fontRef>
+        </p:style>
+        <p:txBody>
+          <a:bodyPr rtlCol="0" anchor="ctr"/>
+          <a:lstStyle/>
+          <a:p>
+            <a:pPr algn="ctr"/>
+            <a:r>
+              <a:rPr lang="en-US" altLang="zh-TW" sz="1200" dirty="0">
+                <a:solidFill>
+                  <a:schemeClr val="bg1"/>
+                </a:solidFill>
+              </a:rPr>
+              <a:t>4</a:t>
+            </a:r>
+            <a:r>
+              <a:rPr lang="en-US" altLang="zh-TW" sz="1200" dirty="0" smtClean="0">
+                <a:solidFill>
+                  <a:schemeClr val="bg1"/>
+                </a:solidFill>
+              </a:rPr>
+              <a:t> </a:t>
+            </a:r>
+            <a:r>
+              <a:rPr lang="zh-TW" altLang="en-US" sz="1200" dirty="0" smtClean="0">
+                <a:solidFill>
+                  <a:schemeClr val="bg1"/>
+                </a:solidFill>
+              </a:rPr>
+              <a:t>進去主系統畫面</a:t>
+            </a:r>
+            <a:endParaRPr lang="zh-TW" altLang="en-US" sz="1200" dirty="0">
+              <a:solidFill>
+                <a:schemeClr val="bg1"/>
+              </a:solidFill>
+            </a:endParaRPr>
+          </a:p>
+        </p:txBody>
+      </p:sp>
+      <p:sp>
+        <p:nvSpPr>
+          <p:cNvPr id="105" name="矩形 104"/>
+          <p:cNvSpPr/>
+          <p:nvPr/>
+        </p:nvSpPr>
+        <p:spPr>
+          <a:xfrm>
+            <a:off x="8950467" y="5356081"/>
+            <a:ext cx="1908268" cy="699299"/>
+          </a:xfrm>
+          <a:prstGeom prst="rect">
+            <a:avLst/>
+          </a:prstGeom>
+          <a:solidFill>
+            <a:srgbClr val="FF0000"/>
+          </a:solidFill>
+        </p:spPr>
+        <p:style>
+          <a:lnRef idx="2">
+            <a:schemeClr val="accent1">
+              <a:shade val="50000"/>
+            </a:schemeClr>
+          </a:lnRef>
+          <a:fillRef idx="1">
+            <a:schemeClr val="accent1"/>
+          </a:fillRef>
+          <a:effectRef idx="0">
+            <a:schemeClr val="accent1"/>
+          </a:effectRef>
+          <a:fontRef idx="minor">
+            <a:schemeClr val="lt1"/>
+          </a:fontRef>
+        </p:style>
+        <p:txBody>
+          <a:bodyPr rtlCol="0" anchor="ctr"/>
+          <a:lstStyle/>
+          <a:p>
+            <a:pPr algn="ctr"/>
+            <a:r>
+              <a:rPr lang="en-US" altLang="zh-TW" sz="1200" dirty="0" smtClean="0">
+                <a:solidFill>
+                  <a:schemeClr val="bg1"/>
+                </a:solidFill>
+              </a:rPr>
+              <a:t>5 </a:t>
+            </a:r>
+            <a:r>
+              <a:rPr lang="zh-TW" altLang="en-US" sz="1200" dirty="0" smtClean="0">
+                <a:solidFill>
+                  <a:schemeClr val="bg1"/>
+                </a:solidFill>
+              </a:rPr>
+              <a:t>按下登出，回到</a:t>
+            </a:r>
+            <a:r>
+              <a:rPr lang="en-US" altLang="zh-TW" sz="1200" dirty="0" err="1" smtClean="0">
+                <a:solidFill>
+                  <a:schemeClr val="bg1"/>
+                </a:solidFill>
+              </a:rPr>
+              <a:t>loginVIEW</a:t>
+            </a:r>
+            <a:endParaRPr lang="zh-TW" altLang="en-US" sz="1200" dirty="0">
+              <a:solidFill>
+                <a:schemeClr val="bg1"/>
+              </a:solidFill>
+            </a:endParaRPr>
+          </a:p>
+        </p:txBody>
+      </p:sp>
+    </p:spTree>
+    <p:extLst>
+      <p:ext uri="{BB962C8B-B14F-4D97-AF65-F5344CB8AC3E}">
+        <p14:creationId xmlns:p14="http://schemas.microsoft.com/office/powerpoint/2010/main" val="807891940"/>
+      </p:ext>
+    </p:extLst>
+  </p:cSld>
+  <p:clrMapOvr>
+    <a:masterClrMapping/>
+  </p:clrMapOvr>
+</p:sld>
+</file>
+
 <file path=ppt/slides/slide2.xml><?xml version="1.0" encoding="utf-8"?>
 <p:sld xmlns:a="http://schemas.openxmlformats.org/drawingml/2006/main" xmlns:r="http://schemas.openxmlformats.org/officeDocument/2006/relationships" xmlns:p="http://schemas.openxmlformats.org/presentationml/2006/main">
   <p:cSld>

--- a/簡報1.pptx
+++ b/簡報1.pptx
@@ -17,6 +17,7 @@
     <p:sldId id="265" r:id="rId11"/>
     <p:sldId id="266" r:id="rId12"/>
     <p:sldId id="267" r:id="rId13"/>
+    <p:sldId id="268" r:id="rId14"/>
   </p:sldIdLst>
   <p:sldSz cx="12192000" cy="6858000"/>
   <p:notesSz cx="6858000" cy="9144000"/>
@@ -254,7 +255,7 @@
           <a:p>
             <a:fld id="{D13AAB3C-2B8F-46DD-8347-0D764EC364D5}" type="datetimeFigureOut">
               <a:rPr lang="zh-TW" altLang="en-US" smtClean="0"/>
-              <a:t>2022/4/4</a:t>
+              <a:t>2022/5/8</a:t>
             </a:fld>
             <a:endParaRPr lang="zh-TW" altLang="en-US"/>
           </a:p>
@@ -424,7 +425,7 @@
           <a:p>
             <a:fld id="{D13AAB3C-2B8F-46DD-8347-0D764EC364D5}" type="datetimeFigureOut">
               <a:rPr lang="zh-TW" altLang="en-US" smtClean="0"/>
-              <a:t>2022/4/4</a:t>
+              <a:t>2022/5/8</a:t>
             </a:fld>
             <a:endParaRPr lang="zh-TW" altLang="en-US"/>
           </a:p>
@@ -604,7 +605,7 @@
           <a:p>
             <a:fld id="{D13AAB3C-2B8F-46DD-8347-0D764EC364D5}" type="datetimeFigureOut">
               <a:rPr lang="zh-TW" altLang="en-US" smtClean="0"/>
-              <a:t>2022/4/4</a:t>
+              <a:t>2022/5/8</a:t>
             </a:fld>
             <a:endParaRPr lang="zh-TW" altLang="en-US"/>
           </a:p>
@@ -774,7 +775,7 @@
           <a:p>
             <a:fld id="{D13AAB3C-2B8F-46DD-8347-0D764EC364D5}" type="datetimeFigureOut">
               <a:rPr lang="zh-TW" altLang="en-US" smtClean="0"/>
-              <a:t>2022/4/4</a:t>
+              <a:t>2022/5/8</a:t>
             </a:fld>
             <a:endParaRPr lang="zh-TW" altLang="en-US"/>
           </a:p>
@@ -1020,7 +1021,7 @@
           <a:p>
             <a:fld id="{D13AAB3C-2B8F-46DD-8347-0D764EC364D5}" type="datetimeFigureOut">
               <a:rPr lang="zh-TW" altLang="en-US" smtClean="0"/>
-              <a:t>2022/4/4</a:t>
+              <a:t>2022/5/8</a:t>
             </a:fld>
             <a:endParaRPr lang="zh-TW" altLang="en-US"/>
           </a:p>
@@ -1252,7 +1253,7 @@
           <a:p>
             <a:fld id="{D13AAB3C-2B8F-46DD-8347-0D764EC364D5}" type="datetimeFigureOut">
               <a:rPr lang="zh-TW" altLang="en-US" smtClean="0"/>
-              <a:t>2022/4/4</a:t>
+              <a:t>2022/5/8</a:t>
             </a:fld>
             <a:endParaRPr lang="zh-TW" altLang="en-US"/>
           </a:p>
@@ -1619,7 +1620,7 @@
           <a:p>
             <a:fld id="{D13AAB3C-2B8F-46DD-8347-0D764EC364D5}" type="datetimeFigureOut">
               <a:rPr lang="zh-TW" altLang="en-US" smtClean="0"/>
-              <a:t>2022/4/4</a:t>
+              <a:t>2022/5/8</a:t>
             </a:fld>
             <a:endParaRPr lang="zh-TW" altLang="en-US"/>
           </a:p>
@@ -1737,7 +1738,7 @@
           <a:p>
             <a:fld id="{D13AAB3C-2B8F-46DD-8347-0D764EC364D5}" type="datetimeFigureOut">
               <a:rPr lang="zh-TW" altLang="en-US" smtClean="0"/>
-              <a:t>2022/4/4</a:t>
+              <a:t>2022/5/8</a:t>
             </a:fld>
             <a:endParaRPr lang="zh-TW" altLang="en-US"/>
           </a:p>
@@ -1832,7 +1833,7 @@
           <a:p>
             <a:fld id="{D13AAB3C-2B8F-46DD-8347-0D764EC364D5}" type="datetimeFigureOut">
               <a:rPr lang="zh-TW" altLang="en-US" smtClean="0"/>
-              <a:t>2022/4/4</a:t>
+              <a:t>2022/5/8</a:t>
             </a:fld>
             <a:endParaRPr lang="zh-TW" altLang="en-US"/>
           </a:p>
@@ -2109,7 +2110,7 @@
           <a:p>
             <a:fld id="{D13AAB3C-2B8F-46DD-8347-0D764EC364D5}" type="datetimeFigureOut">
               <a:rPr lang="zh-TW" altLang="en-US" smtClean="0"/>
-              <a:t>2022/4/4</a:t>
+              <a:t>2022/5/8</a:t>
             </a:fld>
             <a:endParaRPr lang="zh-TW" altLang="en-US"/>
           </a:p>
@@ -2362,7 +2363,7 @@
           <a:p>
             <a:fld id="{D13AAB3C-2B8F-46DD-8347-0D764EC364D5}" type="datetimeFigureOut">
               <a:rPr lang="zh-TW" altLang="en-US" smtClean="0"/>
-              <a:t>2022/4/4</a:t>
+              <a:t>2022/5/8</a:t>
             </a:fld>
             <a:endParaRPr lang="zh-TW" altLang="en-US"/>
           </a:p>
@@ -2575,7 +2576,7 @@
           <a:p>
             <a:fld id="{D13AAB3C-2B8F-46DD-8347-0D764EC364D5}" type="datetimeFigureOut">
               <a:rPr lang="zh-TW" altLang="en-US" smtClean="0"/>
-              <a:t>2022/4/4</a:t>
+              <a:t>2022/5/8</a:t>
             </a:fld>
             <a:endParaRPr lang="zh-TW" altLang="en-US"/>
           </a:p>
@@ -6635,6 +6636,2423 @@
 </p:sld>
 </file>
 
+<file path=ppt/slides/slide13.xml><?xml version="1.0" encoding="utf-8"?>
+<p:sld xmlns:a="http://schemas.openxmlformats.org/drawingml/2006/main" xmlns:r="http://schemas.openxmlformats.org/officeDocument/2006/relationships" xmlns:p="http://schemas.openxmlformats.org/presentationml/2006/main">
+  <p:cSld>
+    <p:spTree>
+      <p:nvGrpSpPr>
+        <p:cNvPr id="1" name=""/>
+        <p:cNvGrpSpPr/>
+        <p:nvPr/>
+      </p:nvGrpSpPr>
+      <p:grpSpPr>
+        <a:xfrm>
+          <a:off x="0" y="0"/>
+          <a:ext cx="0" cy="0"/>
+          <a:chOff x="0" y="0"/>
+          <a:chExt cx="0" cy="0"/>
+        </a:xfrm>
+      </p:grpSpPr>
+      <p:sp>
+        <p:nvSpPr>
+          <p:cNvPr id="2" name="矩形 1"/>
+          <p:cNvSpPr/>
+          <p:nvPr/>
+        </p:nvSpPr>
+        <p:spPr>
+          <a:xfrm>
+            <a:off x="1908312" y="1948069"/>
+            <a:ext cx="1325217" cy="1934817"/>
+          </a:xfrm>
+          <a:prstGeom prst="rect">
+            <a:avLst/>
+          </a:prstGeom>
+        </p:spPr>
+        <p:style>
+          <a:lnRef idx="2">
+            <a:schemeClr val="accent1">
+              <a:shade val="50000"/>
+            </a:schemeClr>
+          </a:lnRef>
+          <a:fillRef idx="1">
+            <a:schemeClr val="accent1"/>
+          </a:fillRef>
+          <a:effectRef idx="0">
+            <a:schemeClr val="accent1"/>
+          </a:effectRef>
+          <a:fontRef idx="minor">
+            <a:schemeClr val="lt1"/>
+          </a:fontRef>
+        </p:style>
+        <p:txBody>
+          <a:bodyPr rtlCol="0" anchor="ctr"/>
+          <a:lstStyle/>
+          <a:p>
+            <a:pPr algn="ctr"/>
+            <a:endParaRPr lang="zh-TW" altLang="en-US"/>
+          </a:p>
+        </p:txBody>
+      </p:sp>
+      <p:sp>
+        <p:nvSpPr>
+          <p:cNvPr id="3" name="矩形 2"/>
+          <p:cNvSpPr/>
+          <p:nvPr/>
+        </p:nvSpPr>
+        <p:spPr>
+          <a:xfrm>
+            <a:off x="1908312" y="4293704"/>
+            <a:ext cx="1325217" cy="1961322"/>
+          </a:xfrm>
+          <a:prstGeom prst="rect">
+            <a:avLst/>
+          </a:prstGeom>
+        </p:spPr>
+        <p:style>
+          <a:lnRef idx="2">
+            <a:schemeClr val="accent1">
+              <a:shade val="50000"/>
+            </a:schemeClr>
+          </a:lnRef>
+          <a:fillRef idx="1">
+            <a:schemeClr val="accent1"/>
+          </a:fillRef>
+          <a:effectRef idx="0">
+            <a:schemeClr val="accent1"/>
+          </a:effectRef>
+          <a:fontRef idx="minor">
+            <a:schemeClr val="lt1"/>
+          </a:fontRef>
+        </p:style>
+        <p:txBody>
+          <a:bodyPr rtlCol="0" anchor="ctr"/>
+          <a:lstStyle/>
+          <a:p>
+            <a:pPr algn="ctr"/>
+            <a:endParaRPr lang="zh-TW" altLang="en-US"/>
+          </a:p>
+        </p:txBody>
+      </p:sp>
+      <p:sp>
+        <p:nvSpPr>
+          <p:cNvPr id="4" name="圓角矩形 3"/>
+          <p:cNvSpPr/>
+          <p:nvPr/>
+        </p:nvSpPr>
+        <p:spPr>
+          <a:xfrm>
+            <a:off x="2219737" y="2866768"/>
+            <a:ext cx="722246" cy="313754"/>
+          </a:xfrm>
+          <a:prstGeom prst="roundRect">
+            <a:avLst/>
+          </a:prstGeom>
+        </p:spPr>
+        <p:style>
+          <a:lnRef idx="2">
+            <a:schemeClr val="accent4">
+              <a:shade val="50000"/>
+            </a:schemeClr>
+          </a:lnRef>
+          <a:fillRef idx="1">
+            <a:schemeClr val="accent4"/>
+          </a:fillRef>
+          <a:effectRef idx="0">
+            <a:schemeClr val="accent4"/>
+          </a:effectRef>
+          <a:fontRef idx="minor">
+            <a:schemeClr val="lt1"/>
+          </a:fontRef>
+        </p:style>
+        <p:txBody>
+          <a:bodyPr rtlCol="0" anchor="ctr"/>
+          <a:lstStyle/>
+          <a:p>
+            <a:pPr algn="ctr"/>
+            <a:r>
+              <a:rPr lang="zh-TW" altLang="en-US" dirty="0" smtClean="0"/>
+              <a:t>登入</a:t>
+            </a:r>
+            <a:endParaRPr lang="zh-TW" altLang="en-US" dirty="0"/>
+          </a:p>
+        </p:txBody>
+      </p:sp>
+      <p:sp>
+        <p:nvSpPr>
+          <p:cNvPr id="6" name="圓角矩形 5"/>
+          <p:cNvSpPr/>
+          <p:nvPr/>
+        </p:nvSpPr>
+        <p:spPr>
+          <a:xfrm>
+            <a:off x="2219737" y="3376976"/>
+            <a:ext cx="722246" cy="313754"/>
+          </a:xfrm>
+          <a:prstGeom prst="roundRect">
+            <a:avLst/>
+          </a:prstGeom>
+        </p:spPr>
+        <p:style>
+          <a:lnRef idx="2">
+            <a:schemeClr val="accent4">
+              <a:shade val="50000"/>
+            </a:schemeClr>
+          </a:lnRef>
+          <a:fillRef idx="1">
+            <a:schemeClr val="accent4"/>
+          </a:fillRef>
+          <a:effectRef idx="0">
+            <a:schemeClr val="accent4"/>
+          </a:effectRef>
+          <a:fontRef idx="minor">
+            <a:schemeClr val="lt1"/>
+          </a:fontRef>
+        </p:style>
+        <p:txBody>
+          <a:bodyPr rtlCol="0" anchor="ctr"/>
+          <a:lstStyle/>
+          <a:p>
+            <a:pPr algn="ctr"/>
+            <a:r>
+              <a:rPr lang="zh-TW" altLang="en-US" dirty="0" smtClean="0"/>
+              <a:t>註冊</a:t>
+            </a:r>
+            <a:endParaRPr lang="zh-TW" altLang="en-US" dirty="0"/>
+          </a:p>
+        </p:txBody>
+      </p:sp>
+      <p:sp>
+        <p:nvSpPr>
+          <p:cNvPr id="7" name="流程圖: 決策 6"/>
+          <p:cNvSpPr/>
+          <p:nvPr/>
+        </p:nvSpPr>
+        <p:spPr>
+          <a:xfrm>
+            <a:off x="1752819" y="79867"/>
+            <a:ext cx="1457742" cy="1280209"/>
+          </a:xfrm>
+          <a:prstGeom prst="flowChartDecision">
+            <a:avLst/>
+          </a:prstGeom>
+        </p:spPr>
+        <p:style>
+          <a:lnRef idx="2">
+            <a:schemeClr val="accent1">
+              <a:shade val="50000"/>
+            </a:schemeClr>
+          </a:lnRef>
+          <a:fillRef idx="1">
+            <a:schemeClr val="accent1"/>
+          </a:fillRef>
+          <a:effectRef idx="0">
+            <a:schemeClr val="accent1"/>
+          </a:effectRef>
+          <a:fontRef idx="minor">
+            <a:schemeClr val="lt1"/>
+          </a:fontRef>
+        </p:style>
+        <p:txBody>
+          <a:bodyPr rtlCol="0" anchor="ctr"/>
+          <a:lstStyle/>
+          <a:p>
+            <a:pPr algn="ctr"/>
+            <a:r>
+              <a:rPr lang="zh-TW" altLang="en-US" dirty="0" smtClean="0"/>
+              <a:t>已</a:t>
+            </a:r>
+            <a:r>
+              <a:rPr lang="en-US" altLang="zh-TW" dirty="0" smtClean="0"/>
+              <a:t/>
+            </a:r>
+            <a:br>
+              <a:rPr lang="en-US" altLang="zh-TW" dirty="0" smtClean="0"/>
+            </a:br>
+            <a:r>
+              <a:rPr lang="zh-TW" altLang="en-US" dirty="0" smtClean="0"/>
+              <a:t>登入</a:t>
+            </a:r>
+            <a:r>
+              <a:rPr lang="en-US" altLang="zh-TW" dirty="0" smtClean="0"/>
+              <a:t>?</a:t>
+            </a:r>
+            <a:endParaRPr lang="zh-TW" altLang="en-US" dirty="0"/>
+          </a:p>
+        </p:txBody>
+      </p:sp>
+      <p:sp>
+        <p:nvSpPr>
+          <p:cNvPr id="10" name="矩形 9"/>
+          <p:cNvSpPr/>
+          <p:nvPr/>
+        </p:nvSpPr>
+        <p:spPr>
+          <a:xfrm>
+            <a:off x="4452729" y="1729408"/>
+            <a:ext cx="1325217" cy="1961322"/>
+          </a:xfrm>
+          <a:prstGeom prst="rect">
+            <a:avLst/>
+          </a:prstGeom>
+        </p:spPr>
+        <p:style>
+          <a:lnRef idx="0">
+            <a:schemeClr val="accent4"/>
+          </a:lnRef>
+          <a:fillRef idx="3">
+            <a:schemeClr val="accent4"/>
+          </a:fillRef>
+          <a:effectRef idx="3">
+            <a:schemeClr val="accent4"/>
+          </a:effectRef>
+          <a:fontRef idx="minor">
+            <a:schemeClr val="lt1"/>
+          </a:fontRef>
+        </p:style>
+        <p:txBody>
+          <a:bodyPr rtlCol="0" anchor="ctr"/>
+          <a:lstStyle/>
+          <a:p>
+            <a:pPr algn="ctr"/>
+            <a:endParaRPr lang="zh-TW" altLang="en-US"/>
+          </a:p>
+        </p:txBody>
+      </p:sp>
+      <p:sp>
+        <p:nvSpPr>
+          <p:cNvPr id="11" name="矩形 10"/>
+          <p:cNvSpPr/>
+          <p:nvPr/>
+        </p:nvSpPr>
+        <p:spPr>
+          <a:xfrm>
+            <a:off x="4399718" y="4572000"/>
+            <a:ext cx="1325217" cy="1961322"/>
+          </a:xfrm>
+          <a:prstGeom prst="rect">
+            <a:avLst/>
+          </a:prstGeom>
+        </p:spPr>
+        <p:style>
+          <a:lnRef idx="0">
+            <a:schemeClr val="accent6"/>
+          </a:lnRef>
+          <a:fillRef idx="3">
+            <a:schemeClr val="accent6"/>
+          </a:fillRef>
+          <a:effectRef idx="3">
+            <a:schemeClr val="accent6"/>
+          </a:effectRef>
+          <a:fontRef idx="minor">
+            <a:schemeClr val="lt1"/>
+          </a:fontRef>
+        </p:style>
+        <p:txBody>
+          <a:bodyPr rtlCol="0" anchor="ctr"/>
+          <a:lstStyle/>
+          <a:p>
+            <a:pPr algn="ctr"/>
+            <a:r>
+              <a:rPr lang="zh-TW" altLang="en-US" dirty="0" smtClean="0"/>
+              <a:t>新增餐廳</a:t>
+            </a:r>
+            <a:endParaRPr lang="zh-TW" altLang="en-US" dirty="0"/>
+          </a:p>
+        </p:txBody>
+      </p:sp>
+      <p:sp>
+        <p:nvSpPr>
+          <p:cNvPr id="12" name="矩形 11"/>
+          <p:cNvSpPr/>
+          <p:nvPr/>
+        </p:nvSpPr>
+        <p:spPr>
+          <a:xfrm>
+            <a:off x="6891124" y="4572000"/>
+            <a:ext cx="1325217" cy="1961322"/>
+          </a:xfrm>
+          <a:prstGeom prst="rect">
+            <a:avLst/>
+          </a:prstGeom>
+        </p:spPr>
+        <p:style>
+          <a:lnRef idx="0">
+            <a:schemeClr val="accent2"/>
+          </a:lnRef>
+          <a:fillRef idx="3">
+            <a:schemeClr val="accent2"/>
+          </a:fillRef>
+          <a:effectRef idx="3">
+            <a:schemeClr val="accent2"/>
+          </a:effectRef>
+          <a:fontRef idx="minor">
+            <a:schemeClr val="lt1"/>
+          </a:fontRef>
+        </p:style>
+        <p:txBody>
+          <a:bodyPr rtlCol="0" anchor="ctr"/>
+          <a:lstStyle/>
+          <a:p>
+            <a:pPr algn="ctr"/>
+            <a:r>
+              <a:rPr lang="zh-TW" altLang="en-US" dirty="0" smtClean="0"/>
+              <a:t>修改會員資料</a:t>
+            </a:r>
+            <a:endParaRPr lang="zh-TW" altLang="en-US" dirty="0"/>
+          </a:p>
+        </p:txBody>
+      </p:sp>
+      <p:cxnSp>
+        <p:nvCxnSpPr>
+          <p:cNvPr id="14" name="直線單箭頭接點 13"/>
+          <p:cNvCxnSpPr>
+            <a:stCxn id="7" idx="2"/>
+          </p:cNvCxnSpPr>
+          <p:nvPr/>
+        </p:nvCxnSpPr>
+        <p:spPr>
+          <a:xfrm>
+            <a:off x="2481690" y="1360076"/>
+            <a:ext cx="0" cy="577843"/>
+          </a:xfrm>
+          <a:prstGeom prst="straightConnector1">
+            <a:avLst/>
+          </a:prstGeom>
+          <a:ln>
+            <a:tailEnd type="triangle"/>
+          </a:ln>
+        </p:spPr>
+        <p:style>
+          <a:lnRef idx="1">
+            <a:schemeClr val="accent1"/>
+          </a:lnRef>
+          <a:fillRef idx="0">
+            <a:schemeClr val="accent1"/>
+          </a:fillRef>
+          <a:effectRef idx="0">
+            <a:schemeClr val="accent1"/>
+          </a:effectRef>
+          <a:fontRef idx="minor">
+            <a:schemeClr val="tx1"/>
+          </a:fontRef>
+        </p:style>
+      </p:cxnSp>
+      <p:cxnSp>
+        <p:nvCxnSpPr>
+          <p:cNvPr id="16" name="肘形接點 15"/>
+          <p:cNvCxnSpPr>
+            <a:stCxn id="7" idx="3"/>
+            <a:endCxn id="10" idx="0"/>
+          </p:cNvCxnSpPr>
+          <p:nvPr/>
+        </p:nvCxnSpPr>
+        <p:spPr>
+          <a:xfrm>
+            <a:off x="3210561" y="719972"/>
+            <a:ext cx="1904777" cy="1009436"/>
+          </a:xfrm>
+          <a:prstGeom prst="bentConnector2">
+            <a:avLst/>
+          </a:prstGeom>
+          <a:ln>
+            <a:tailEnd type="triangle"/>
+          </a:ln>
+        </p:spPr>
+        <p:style>
+          <a:lnRef idx="1">
+            <a:schemeClr val="accent1"/>
+          </a:lnRef>
+          <a:fillRef idx="0">
+            <a:schemeClr val="accent1"/>
+          </a:fillRef>
+          <a:effectRef idx="0">
+            <a:schemeClr val="accent1"/>
+          </a:effectRef>
+          <a:fontRef idx="minor">
+            <a:schemeClr val="tx1"/>
+          </a:fontRef>
+        </p:style>
+      </p:cxnSp>
+      <p:sp>
+        <p:nvSpPr>
+          <p:cNvPr id="19" name="矩形 18"/>
+          <p:cNvSpPr/>
+          <p:nvPr/>
+        </p:nvSpPr>
+        <p:spPr>
+          <a:xfrm>
+            <a:off x="5234605" y="3690729"/>
+            <a:ext cx="543342" cy="353331"/>
+          </a:xfrm>
+          <a:prstGeom prst="rect">
+            <a:avLst/>
+          </a:prstGeom>
+        </p:spPr>
+        <p:style>
+          <a:lnRef idx="2">
+            <a:schemeClr val="accent2">
+              <a:shade val="50000"/>
+            </a:schemeClr>
+          </a:lnRef>
+          <a:fillRef idx="1">
+            <a:schemeClr val="accent2"/>
+          </a:fillRef>
+          <a:effectRef idx="0">
+            <a:schemeClr val="accent2"/>
+          </a:effectRef>
+          <a:fontRef idx="minor">
+            <a:schemeClr val="lt1"/>
+          </a:fontRef>
+        </p:style>
+        <p:txBody>
+          <a:bodyPr rtlCol="0" anchor="ctr"/>
+          <a:lstStyle/>
+          <a:p>
+            <a:pPr algn="ctr"/>
+            <a:endParaRPr lang="zh-TW" altLang="en-US"/>
+          </a:p>
+        </p:txBody>
+      </p:sp>
+      <p:sp>
+        <p:nvSpPr>
+          <p:cNvPr id="18" name="矩形 17"/>
+          <p:cNvSpPr/>
+          <p:nvPr/>
+        </p:nvSpPr>
+        <p:spPr>
+          <a:xfrm>
+            <a:off x="4890041" y="3690729"/>
+            <a:ext cx="490342" cy="353331"/>
+          </a:xfrm>
+          <a:prstGeom prst="rect">
+            <a:avLst/>
+          </a:prstGeom>
+        </p:spPr>
+        <p:style>
+          <a:lnRef idx="0">
+            <a:schemeClr val="accent6"/>
+          </a:lnRef>
+          <a:fillRef idx="3">
+            <a:schemeClr val="accent6"/>
+          </a:fillRef>
+          <a:effectRef idx="3">
+            <a:schemeClr val="accent6"/>
+          </a:effectRef>
+          <a:fontRef idx="minor">
+            <a:schemeClr val="lt1"/>
+          </a:fontRef>
+        </p:style>
+        <p:txBody>
+          <a:bodyPr rtlCol="0" anchor="ctr"/>
+          <a:lstStyle/>
+          <a:p>
+            <a:pPr algn="ctr"/>
+            <a:endParaRPr lang="zh-TW" altLang="en-US"/>
+          </a:p>
+        </p:txBody>
+      </p:sp>
+      <p:sp>
+        <p:nvSpPr>
+          <p:cNvPr id="17" name="矩形 16"/>
+          <p:cNvSpPr/>
+          <p:nvPr/>
+        </p:nvSpPr>
+        <p:spPr>
+          <a:xfrm>
+            <a:off x="4452730" y="3690730"/>
+            <a:ext cx="437324" cy="353331"/>
+          </a:xfrm>
+          <a:prstGeom prst="rect">
+            <a:avLst/>
+          </a:prstGeom>
+        </p:spPr>
+        <p:style>
+          <a:lnRef idx="0">
+            <a:schemeClr val="accent4"/>
+          </a:lnRef>
+          <a:fillRef idx="3">
+            <a:schemeClr val="accent4"/>
+          </a:fillRef>
+          <a:effectRef idx="3">
+            <a:schemeClr val="accent4"/>
+          </a:effectRef>
+          <a:fontRef idx="minor">
+            <a:schemeClr val="lt1"/>
+          </a:fontRef>
+        </p:style>
+        <p:txBody>
+          <a:bodyPr rtlCol="0" anchor="ctr"/>
+          <a:lstStyle/>
+          <a:p>
+            <a:pPr algn="ctr"/>
+            <a:endParaRPr lang="zh-TW" altLang="en-US"/>
+          </a:p>
+        </p:txBody>
+      </p:sp>
+      <p:sp>
+        <p:nvSpPr>
+          <p:cNvPr id="21" name="矩形 20"/>
+          <p:cNvSpPr/>
+          <p:nvPr/>
+        </p:nvSpPr>
+        <p:spPr>
+          <a:xfrm>
+            <a:off x="4439472" y="1796741"/>
+            <a:ext cx="1325217" cy="218661"/>
+          </a:xfrm>
+          <a:prstGeom prst="rect">
+            <a:avLst/>
+          </a:prstGeom>
+        </p:spPr>
+        <p:style>
+          <a:lnRef idx="0">
+            <a:schemeClr val="accent4"/>
+          </a:lnRef>
+          <a:fillRef idx="3">
+            <a:schemeClr val="accent4"/>
+          </a:fillRef>
+          <a:effectRef idx="3">
+            <a:schemeClr val="accent4"/>
+          </a:effectRef>
+          <a:fontRef idx="minor">
+            <a:schemeClr val="lt1"/>
+          </a:fontRef>
+        </p:style>
+        <p:txBody>
+          <a:bodyPr rtlCol="0" anchor="ctr"/>
+          <a:lstStyle/>
+          <a:p>
+            <a:pPr algn="ctr"/>
+            <a:endParaRPr lang="zh-TW" altLang="en-US"/>
+          </a:p>
+        </p:txBody>
+      </p:sp>
+      <p:sp>
+        <p:nvSpPr>
+          <p:cNvPr id="22" name="矩形 21"/>
+          <p:cNvSpPr/>
+          <p:nvPr/>
+        </p:nvSpPr>
+        <p:spPr>
+          <a:xfrm>
+            <a:off x="4432844" y="2042978"/>
+            <a:ext cx="1325217" cy="218661"/>
+          </a:xfrm>
+          <a:prstGeom prst="rect">
+            <a:avLst/>
+          </a:prstGeom>
+        </p:spPr>
+        <p:style>
+          <a:lnRef idx="0">
+            <a:schemeClr val="accent4"/>
+          </a:lnRef>
+          <a:fillRef idx="3">
+            <a:schemeClr val="accent4"/>
+          </a:fillRef>
+          <a:effectRef idx="3">
+            <a:schemeClr val="accent4"/>
+          </a:effectRef>
+          <a:fontRef idx="minor">
+            <a:schemeClr val="lt1"/>
+          </a:fontRef>
+        </p:style>
+        <p:txBody>
+          <a:bodyPr rtlCol="0" anchor="ctr"/>
+          <a:lstStyle/>
+          <a:p>
+            <a:pPr algn="ctr"/>
+            <a:endParaRPr lang="zh-TW" altLang="en-US"/>
+          </a:p>
+        </p:txBody>
+      </p:sp>
+      <p:sp>
+        <p:nvSpPr>
+          <p:cNvPr id="23" name="矩形 22"/>
+          <p:cNvSpPr/>
+          <p:nvPr/>
+        </p:nvSpPr>
+        <p:spPr>
+          <a:xfrm>
+            <a:off x="4432843" y="2348410"/>
+            <a:ext cx="1325217" cy="218661"/>
+          </a:xfrm>
+          <a:prstGeom prst="rect">
+            <a:avLst/>
+          </a:prstGeom>
+        </p:spPr>
+        <p:style>
+          <a:lnRef idx="0">
+            <a:schemeClr val="accent4"/>
+          </a:lnRef>
+          <a:fillRef idx="3">
+            <a:schemeClr val="accent4"/>
+          </a:fillRef>
+          <a:effectRef idx="3">
+            <a:schemeClr val="accent4"/>
+          </a:effectRef>
+          <a:fontRef idx="minor">
+            <a:schemeClr val="lt1"/>
+          </a:fontRef>
+        </p:style>
+        <p:txBody>
+          <a:bodyPr rtlCol="0" anchor="ctr"/>
+          <a:lstStyle/>
+          <a:p>
+            <a:pPr algn="ctr"/>
+            <a:endParaRPr lang="zh-TW" altLang="en-US"/>
+          </a:p>
+        </p:txBody>
+      </p:sp>
+      <p:sp>
+        <p:nvSpPr>
+          <p:cNvPr id="24" name="矩形 23"/>
+          <p:cNvSpPr/>
+          <p:nvPr/>
+        </p:nvSpPr>
+        <p:spPr>
+          <a:xfrm>
+            <a:off x="4432842" y="3257888"/>
+            <a:ext cx="1325217" cy="218661"/>
+          </a:xfrm>
+          <a:prstGeom prst="rect">
+            <a:avLst/>
+          </a:prstGeom>
+        </p:spPr>
+        <p:style>
+          <a:lnRef idx="0">
+            <a:schemeClr val="accent4"/>
+          </a:lnRef>
+          <a:fillRef idx="3">
+            <a:schemeClr val="accent4"/>
+          </a:fillRef>
+          <a:effectRef idx="3">
+            <a:schemeClr val="accent4"/>
+          </a:effectRef>
+          <a:fontRef idx="minor">
+            <a:schemeClr val="lt1"/>
+          </a:fontRef>
+        </p:style>
+        <p:txBody>
+          <a:bodyPr rtlCol="0" anchor="ctr"/>
+          <a:lstStyle/>
+          <a:p>
+            <a:pPr algn="ctr"/>
+            <a:endParaRPr lang="zh-TW" altLang="en-US"/>
+          </a:p>
+        </p:txBody>
+      </p:sp>
+      <p:sp>
+        <p:nvSpPr>
+          <p:cNvPr id="25" name="矩形 24"/>
+          <p:cNvSpPr/>
+          <p:nvPr/>
+        </p:nvSpPr>
+        <p:spPr>
+          <a:xfrm>
+            <a:off x="4432844" y="2697889"/>
+            <a:ext cx="1325217" cy="218661"/>
+          </a:xfrm>
+          <a:prstGeom prst="rect">
+            <a:avLst/>
+          </a:prstGeom>
+        </p:spPr>
+        <p:style>
+          <a:lnRef idx="0">
+            <a:schemeClr val="accent4"/>
+          </a:lnRef>
+          <a:fillRef idx="3">
+            <a:schemeClr val="accent4"/>
+          </a:fillRef>
+          <a:effectRef idx="3">
+            <a:schemeClr val="accent4"/>
+          </a:effectRef>
+          <a:fontRef idx="minor">
+            <a:schemeClr val="lt1"/>
+          </a:fontRef>
+        </p:style>
+        <p:txBody>
+          <a:bodyPr rtlCol="0" anchor="ctr"/>
+          <a:lstStyle/>
+          <a:p>
+            <a:pPr algn="ctr"/>
+            <a:endParaRPr lang="zh-TW" altLang="en-US"/>
+          </a:p>
+        </p:txBody>
+      </p:sp>
+      <p:sp>
+        <p:nvSpPr>
+          <p:cNvPr id="26" name="矩形 25"/>
+          <p:cNvSpPr/>
+          <p:nvPr/>
+        </p:nvSpPr>
+        <p:spPr>
+          <a:xfrm>
+            <a:off x="4432843" y="3003321"/>
+            <a:ext cx="1325217" cy="218661"/>
+          </a:xfrm>
+          <a:prstGeom prst="rect">
+            <a:avLst/>
+          </a:prstGeom>
+        </p:spPr>
+        <p:style>
+          <a:lnRef idx="0">
+            <a:schemeClr val="accent4"/>
+          </a:lnRef>
+          <a:fillRef idx="3">
+            <a:schemeClr val="accent4"/>
+          </a:fillRef>
+          <a:effectRef idx="3">
+            <a:schemeClr val="accent4"/>
+          </a:effectRef>
+          <a:fontRef idx="minor">
+            <a:schemeClr val="lt1"/>
+          </a:fontRef>
+        </p:style>
+        <p:txBody>
+          <a:bodyPr rtlCol="0" anchor="ctr"/>
+          <a:lstStyle/>
+          <a:p>
+            <a:pPr algn="ctr"/>
+            <a:endParaRPr lang="zh-TW" altLang="en-US"/>
+          </a:p>
+        </p:txBody>
+      </p:sp>
+      <p:sp>
+        <p:nvSpPr>
+          <p:cNvPr id="28" name="矩形 27"/>
+          <p:cNvSpPr/>
+          <p:nvPr/>
+        </p:nvSpPr>
+        <p:spPr>
+          <a:xfrm>
+            <a:off x="7553733" y="915519"/>
+            <a:ext cx="1934822" cy="3390317"/>
+          </a:xfrm>
+          <a:prstGeom prst="rect">
+            <a:avLst/>
+          </a:prstGeom>
+        </p:spPr>
+        <p:style>
+          <a:lnRef idx="0">
+            <a:schemeClr val="accent3"/>
+          </a:lnRef>
+          <a:fillRef idx="3">
+            <a:schemeClr val="accent3"/>
+          </a:fillRef>
+          <a:effectRef idx="3">
+            <a:schemeClr val="accent3"/>
+          </a:effectRef>
+          <a:fontRef idx="minor">
+            <a:schemeClr val="lt1"/>
+          </a:fontRef>
+        </p:style>
+        <p:txBody>
+          <a:bodyPr rtlCol="0" anchor="ctr"/>
+          <a:lstStyle/>
+          <a:p>
+            <a:pPr algn="ctr"/>
+            <a:endParaRPr lang="zh-TW" altLang="en-US"/>
+          </a:p>
+        </p:txBody>
+      </p:sp>
+      <p:cxnSp>
+        <p:nvCxnSpPr>
+          <p:cNvPr id="33" name="直線單箭頭接點 32"/>
+          <p:cNvCxnSpPr>
+            <a:stCxn id="21" idx="3"/>
+            <a:endCxn id="28" idx="1"/>
+          </p:cNvCxnSpPr>
+          <p:nvPr/>
+        </p:nvCxnSpPr>
+        <p:spPr>
+          <a:xfrm>
+            <a:off x="5764689" y="1906072"/>
+            <a:ext cx="1789044" cy="704606"/>
+          </a:xfrm>
+          <a:prstGeom prst="straightConnector1">
+            <a:avLst/>
+          </a:prstGeom>
+          <a:ln>
+            <a:tailEnd type="triangle"/>
+          </a:ln>
+        </p:spPr>
+        <p:style>
+          <a:lnRef idx="1">
+            <a:schemeClr val="accent1"/>
+          </a:lnRef>
+          <a:fillRef idx="0">
+            <a:schemeClr val="accent1"/>
+          </a:fillRef>
+          <a:effectRef idx="0">
+            <a:schemeClr val="accent1"/>
+          </a:effectRef>
+          <a:fontRef idx="minor">
+            <a:schemeClr val="tx1"/>
+          </a:fontRef>
+        </p:style>
+      </p:cxnSp>
+      <p:cxnSp>
+        <p:nvCxnSpPr>
+          <p:cNvPr id="38" name="直線單箭頭接點 37"/>
+          <p:cNvCxnSpPr>
+            <a:endCxn id="11" idx="0"/>
+          </p:cNvCxnSpPr>
+          <p:nvPr/>
+        </p:nvCxnSpPr>
+        <p:spPr>
+          <a:xfrm flipH="1">
+            <a:off x="5062327" y="4044060"/>
+            <a:ext cx="72885" cy="527940"/>
+          </a:xfrm>
+          <a:prstGeom prst="straightConnector1">
+            <a:avLst/>
+          </a:prstGeom>
+          <a:ln>
+            <a:tailEnd type="triangle"/>
+          </a:ln>
+        </p:spPr>
+        <p:style>
+          <a:lnRef idx="1">
+            <a:schemeClr val="accent1"/>
+          </a:lnRef>
+          <a:fillRef idx="0">
+            <a:schemeClr val="accent1"/>
+          </a:fillRef>
+          <a:effectRef idx="0">
+            <a:schemeClr val="accent1"/>
+          </a:effectRef>
+          <a:fontRef idx="minor">
+            <a:schemeClr val="tx1"/>
+          </a:fontRef>
+        </p:style>
+      </p:cxnSp>
+      <p:cxnSp>
+        <p:nvCxnSpPr>
+          <p:cNvPr id="40" name="直線單箭頭接點 39"/>
+          <p:cNvCxnSpPr>
+            <a:stCxn id="19" idx="2"/>
+            <a:endCxn id="12" idx="0"/>
+          </p:cNvCxnSpPr>
+          <p:nvPr/>
+        </p:nvCxnSpPr>
+        <p:spPr>
+          <a:xfrm>
+            <a:off x="5506276" y="4044060"/>
+            <a:ext cx="2047457" cy="527940"/>
+          </a:xfrm>
+          <a:prstGeom prst="straightConnector1">
+            <a:avLst/>
+          </a:prstGeom>
+          <a:ln>
+            <a:tailEnd type="triangle"/>
+          </a:ln>
+        </p:spPr>
+        <p:style>
+          <a:lnRef idx="1">
+            <a:schemeClr val="accent1"/>
+          </a:lnRef>
+          <a:fillRef idx="0">
+            <a:schemeClr val="accent1"/>
+          </a:fillRef>
+          <a:effectRef idx="0">
+            <a:schemeClr val="accent1"/>
+          </a:effectRef>
+          <a:fontRef idx="minor">
+            <a:schemeClr val="tx1"/>
+          </a:fontRef>
+        </p:style>
+      </p:cxnSp>
+      <p:cxnSp>
+        <p:nvCxnSpPr>
+          <p:cNvPr id="42" name="肘形接點 41"/>
+          <p:cNvCxnSpPr>
+            <a:stCxn id="3" idx="1"/>
+            <a:endCxn id="2" idx="1"/>
+          </p:cNvCxnSpPr>
+          <p:nvPr/>
+        </p:nvCxnSpPr>
+        <p:spPr>
+          <a:xfrm rot="10800000">
+            <a:off x="1908312" y="2915479"/>
+            <a:ext cx="12700" cy="2358887"/>
+          </a:xfrm>
+          <a:prstGeom prst="bentConnector3">
+            <a:avLst>
+              <a:gd name="adj1" fmla="val 8582606"/>
+            </a:avLst>
+          </a:prstGeom>
+          <a:ln>
+            <a:tailEnd type="triangle"/>
+          </a:ln>
+        </p:spPr>
+        <p:style>
+          <a:lnRef idx="1">
+            <a:schemeClr val="accent1"/>
+          </a:lnRef>
+          <a:fillRef idx="0">
+            <a:schemeClr val="accent1"/>
+          </a:fillRef>
+          <a:effectRef idx="0">
+            <a:schemeClr val="accent1"/>
+          </a:effectRef>
+          <a:fontRef idx="minor">
+            <a:schemeClr val="tx1"/>
+          </a:fontRef>
+        </p:style>
+      </p:cxnSp>
+      <p:cxnSp>
+        <p:nvCxnSpPr>
+          <p:cNvPr id="48" name="直線單箭頭接點 47"/>
+          <p:cNvCxnSpPr>
+            <a:stCxn id="6" idx="2"/>
+            <a:endCxn id="3" idx="0"/>
+          </p:cNvCxnSpPr>
+          <p:nvPr/>
+        </p:nvCxnSpPr>
+        <p:spPr>
+          <a:xfrm flipH="1">
+            <a:off x="2570921" y="3690730"/>
+            <a:ext cx="9939" cy="602974"/>
+          </a:xfrm>
+          <a:prstGeom prst="straightConnector1">
+            <a:avLst/>
+          </a:prstGeom>
+          <a:ln>
+            <a:tailEnd type="triangle"/>
+          </a:ln>
+        </p:spPr>
+        <p:style>
+          <a:lnRef idx="1">
+            <a:schemeClr val="accent1"/>
+          </a:lnRef>
+          <a:fillRef idx="0">
+            <a:schemeClr val="accent1"/>
+          </a:fillRef>
+          <a:effectRef idx="0">
+            <a:schemeClr val="accent1"/>
+          </a:effectRef>
+          <a:fontRef idx="minor">
+            <a:schemeClr val="tx1"/>
+          </a:fontRef>
+        </p:style>
+      </p:cxnSp>
+      <p:cxnSp>
+        <p:nvCxnSpPr>
+          <p:cNvPr id="50" name="直線單箭頭接點 49"/>
+          <p:cNvCxnSpPr>
+            <a:stCxn id="4" idx="3"/>
+          </p:cNvCxnSpPr>
+          <p:nvPr/>
+        </p:nvCxnSpPr>
+        <p:spPr>
+          <a:xfrm flipV="1">
+            <a:off x="2941983" y="2975113"/>
+            <a:ext cx="1442830" cy="48532"/>
+          </a:xfrm>
+          <a:prstGeom prst="straightConnector1">
+            <a:avLst/>
+          </a:prstGeom>
+          <a:ln>
+            <a:tailEnd type="triangle"/>
+          </a:ln>
+        </p:spPr>
+        <p:style>
+          <a:lnRef idx="1">
+            <a:schemeClr val="accent1"/>
+          </a:lnRef>
+          <a:fillRef idx="0">
+            <a:schemeClr val="accent1"/>
+          </a:fillRef>
+          <a:effectRef idx="0">
+            <a:schemeClr val="accent1"/>
+          </a:effectRef>
+          <a:fontRef idx="minor">
+            <a:schemeClr val="tx1"/>
+          </a:fontRef>
+        </p:style>
+      </p:cxnSp>
+      <p:sp>
+        <p:nvSpPr>
+          <p:cNvPr id="51" name="流程圖: 接點 50"/>
+          <p:cNvSpPr/>
+          <p:nvPr/>
+        </p:nvSpPr>
+        <p:spPr>
+          <a:xfrm>
+            <a:off x="39749" y="185530"/>
+            <a:ext cx="1093307" cy="1033670"/>
+          </a:xfrm>
+          <a:prstGeom prst="flowChartConnector">
+            <a:avLst/>
+          </a:prstGeom>
+        </p:spPr>
+        <p:style>
+          <a:lnRef idx="2">
+            <a:schemeClr val="accent4"/>
+          </a:lnRef>
+          <a:fillRef idx="1">
+            <a:schemeClr val="lt1"/>
+          </a:fillRef>
+          <a:effectRef idx="0">
+            <a:schemeClr val="accent4"/>
+          </a:effectRef>
+          <a:fontRef idx="minor">
+            <a:schemeClr val="dk1"/>
+          </a:fontRef>
+        </p:style>
+        <p:txBody>
+          <a:bodyPr rtlCol="0" anchor="ctr"/>
+          <a:lstStyle/>
+          <a:p>
+            <a:pPr algn="ctr"/>
+            <a:endParaRPr lang="zh-TW" altLang="en-US"/>
+          </a:p>
+        </p:txBody>
+      </p:sp>
+      <p:sp>
+        <p:nvSpPr>
+          <p:cNvPr id="52" name="文字方塊 51"/>
+          <p:cNvSpPr txBox="1"/>
+          <p:nvPr/>
+        </p:nvSpPr>
+        <p:spPr>
+          <a:xfrm>
+            <a:off x="298159" y="379199"/>
+            <a:ext cx="742129" cy="646331"/>
+          </a:xfrm>
+          <a:prstGeom prst="rect">
+            <a:avLst/>
+          </a:prstGeom>
+          <a:noFill/>
+        </p:spPr>
+        <p:txBody>
+          <a:bodyPr wrap="square" rtlCol="0">
+            <a:spAutoFit/>
+          </a:bodyPr>
+          <a:lstStyle/>
+          <a:p>
+            <a:r>
+              <a:rPr lang="zh-TW" altLang="en-US" dirty="0" smtClean="0"/>
+              <a:t>打開</a:t>
+            </a:r>
+            <a:r>
+              <a:rPr lang="en-US" altLang="zh-TW" dirty="0" smtClean="0"/>
+              <a:t>App</a:t>
+            </a:r>
+            <a:endParaRPr lang="zh-TW" altLang="en-US" dirty="0"/>
+          </a:p>
+        </p:txBody>
+      </p:sp>
+      <p:cxnSp>
+        <p:nvCxnSpPr>
+          <p:cNvPr id="54" name="直線單箭頭接點 53"/>
+          <p:cNvCxnSpPr>
+            <a:stCxn id="51" idx="6"/>
+            <a:endCxn id="7" idx="1"/>
+          </p:cNvCxnSpPr>
+          <p:nvPr/>
+        </p:nvCxnSpPr>
+        <p:spPr>
+          <a:xfrm>
+            <a:off x="1133056" y="702365"/>
+            <a:ext cx="619763" cy="17607"/>
+          </a:xfrm>
+          <a:prstGeom prst="straightConnector1">
+            <a:avLst/>
+          </a:prstGeom>
+          <a:ln>
+            <a:tailEnd type="triangle"/>
+          </a:ln>
+        </p:spPr>
+        <p:style>
+          <a:lnRef idx="1">
+            <a:schemeClr val="accent1"/>
+          </a:lnRef>
+          <a:fillRef idx="0">
+            <a:schemeClr val="accent1"/>
+          </a:fillRef>
+          <a:effectRef idx="0">
+            <a:schemeClr val="accent1"/>
+          </a:effectRef>
+          <a:fontRef idx="minor">
+            <a:schemeClr val="tx1"/>
+          </a:fontRef>
+        </p:style>
+      </p:cxnSp>
+      <p:sp>
+        <p:nvSpPr>
+          <p:cNvPr id="55" name="文字方塊 54"/>
+          <p:cNvSpPr txBox="1"/>
+          <p:nvPr/>
+        </p:nvSpPr>
+        <p:spPr>
+          <a:xfrm>
+            <a:off x="3233529" y="92765"/>
+            <a:ext cx="622854" cy="369332"/>
+          </a:xfrm>
+          <a:prstGeom prst="rect">
+            <a:avLst/>
+          </a:prstGeom>
+          <a:noFill/>
+        </p:spPr>
+        <p:txBody>
+          <a:bodyPr wrap="square" rtlCol="0">
+            <a:spAutoFit/>
+          </a:bodyPr>
+          <a:lstStyle/>
+          <a:p>
+            <a:r>
+              <a:rPr lang="en-US" altLang="zh-TW" dirty="0" smtClean="0"/>
+              <a:t>Yes </a:t>
+            </a:r>
+            <a:endParaRPr lang="zh-TW" altLang="en-US" dirty="0"/>
+          </a:p>
+        </p:txBody>
+      </p:sp>
+      <p:sp>
+        <p:nvSpPr>
+          <p:cNvPr id="56" name="文字方塊 55"/>
+          <p:cNvSpPr txBox="1"/>
+          <p:nvPr/>
+        </p:nvSpPr>
+        <p:spPr>
+          <a:xfrm>
+            <a:off x="2610675" y="1360076"/>
+            <a:ext cx="622854" cy="369332"/>
+          </a:xfrm>
+          <a:prstGeom prst="rect">
+            <a:avLst/>
+          </a:prstGeom>
+          <a:noFill/>
+        </p:spPr>
+        <p:txBody>
+          <a:bodyPr wrap="square" rtlCol="0">
+            <a:spAutoFit/>
+          </a:bodyPr>
+          <a:lstStyle/>
+          <a:p>
+            <a:r>
+              <a:rPr lang="en-US" altLang="zh-TW" dirty="0" smtClean="0"/>
+              <a:t>No </a:t>
+            </a:r>
+            <a:endParaRPr lang="zh-TW" altLang="en-US" dirty="0"/>
+          </a:p>
+        </p:txBody>
+      </p:sp>
+      <p:sp>
+        <p:nvSpPr>
+          <p:cNvPr id="57" name="文字方塊 56"/>
+          <p:cNvSpPr txBox="1"/>
+          <p:nvPr/>
+        </p:nvSpPr>
+        <p:spPr>
+          <a:xfrm>
+            <a:off x="3351970" y="2546145"/>
+            <a:ext cx="1100757" cy="369332"/>
+          </a:xfrm>
+          <a:prstGeom prst="rect">
+            <a:avLst/>
+          </a:prstGeom>
+          <a:noFill/>
+        </p:spPr>
+        <p:txBody>
+          <a:bodyPr wrap="square" rtlCol="0">
+            <a:spAutoFit/>
+          </a:bodyPr>
+          <a:lstStyle/>
+          <a:p>
+            <a:r>
+              <a:rPr lang="zh-TW" altLang="en-US" dirty="0" smtClean="0"/>
+              <a:t>登入成功</a:t>
+            </a:r>
+            <a:r>
+              <a:rPr lang="en-US" altLang="zh-TW" dirty="0" smtClean="0"/>
+              <a:t> </a:t>
+            </a:r>
+            <a:endParaRPr lang="zh-TW" altLang="en-US" dirty="0"/>
+          </a:p>
+        </p:txBody>
+      </p:sp>
+      <p:sp>
+        <p:nvSpPr>
+          <p:cNvPr id="58" name="文字方塊 57"/>
+          <p:cNvSpPr txBox="1"/>
+          <p:nvPr/>
+        </p:nvSpPr>
+        <p:spPr>
+          <a:xfrm>
+            <a:off x="2060159" y="4572000"/>
+            <a:ext cx="1100757" cy="369332"/>
+          </a:xfrm>
+          <a:prstGeom prst="rect">
+            <a:avLst/>
+          </a:prstGeom>
+          <a:noFill/>
+        </p:spPr>
+        <p:txBody>
+          <a:bodyPr wrap="square" rtlCol="0">
+            <a:spAutoFit/>
+          </a:bodyPr>
+          <a:lstStyle/>
+          <a:p>
+            <a:r>
+              <a:rPr lang="zh-TW" altLang="en-US" dirty="0" smtClean="0"/>
+              <a:t>會員註冊</a:t>
+            </a:r>
+            <a:r>
+              <a:rPr lang="en-US" altLang="zh-TW" dirty="0" smtClean="0"/>
+              <a:t> </a:t>
+            </a:r>
+            <a:endParaRPr lang="zh-TW" altLang="en-US" dirty="0"/>
+          </a:p>
+        </p:txBody>
+      </p:sp>
+      <p:sp>
+        <p:nvSpPr>
+          <p:cNvPr id="59" name="文字方塊 58"/>
+          <p:cNvSpPr txBox="1"/>
+          <p:nvPr/>
+        </p:nvSpPr>
+        <p:spPr>
+          <a:xfrm>
+            <a:off x="886789" y="4937927"/>
+            <a:ext cx="1100757" cy="369332"/>
+          </a:xfrm>
+          <a:prstGeom prst="rect">
+            <a:avLst/>
+          </a:prstGeom>
+          <a:noFill/>
+        </p:spPr>
+        <p:txBody>
+          <a:bodyPr wrap="square" rtlCol="0">
+            <a:spAutoFit/>
+          </a:bodyPr>
+          <a:lstStyle/>
+          <a:p>
+            <a:r>
+              <a:rPr lang="zh-TW" altLang="en-US" dirty="0" smtClean="0"/>
+              <a:t>註冊成功</a:t>
+            </a:r>
+            <a:r>
+              <a:rPr lang="en-US" altLang="zh-TW" dirty="0" smtClean="0"/>
+              <a:t> </a:t>
+            </a:r>
+            <a:endParaRPr lang="zh-TW" altLang="en-US" dirty="0"/>
+          </a:p>
+        </p:txBody>
+      </p:sp>
+      <p:sp>
+        <p:nvSpPr>
+          <p:cNvPr id="60" name="文字方塊 59"/>
+          <p:cNvSpPr txBox="1"/>
+          <p:nvPr/>
+        </p:nvSpPr>
+        <p:spPr>
+          <a:xfrm>
+            <a:off x="827434" y="3018511"/>
+            <a:ext cx="1100757" cy="369332"/>
+          </a:xfrm>
+          <a:prstGeom prst="rect">
+            <a:avLst/>
+          </a:prstGeom>
+          <a:noFill/>
+        </p:spPr>
+        <p:txBody>
+          <a:bodyPr wrap="square" rtlCol="0">
+            <a:spAutoFit/>
+          </a:bodyPr>
+          <a:lstStyle/>
+          <a:p>
+            <a:r>
+              <a:rPr lang="zh-TW" altLang="en-US" dirty="0" smtClean="0"/>
+              <a:t>重新登入</a:t>
+            </a:r>
+            <a:endParaRPr lang="zh-TW" altLang="en-US" dirty="0"/>
+          </a:p>
+        </p:txBody>
+      </p:sp>
+      <p:sp>
+        <p:nvSpPr>
+          <p:cNvPr id="61" name="文字方塊 60"/>
+          <p:cNvSpPr txBox="1"/>
+          <p:nvPr/>
+        </p:nvSpPr>
+        <p:spPr>
+          <a:xfrm>
+            <a:off x="4564958" y="1828797"/>
+            <a:ext cx="1100757" cy="369332"/>
+          </a:xfrm>
+          <a:prstGeom prst="rect">
+            <a:avLst/>
+          </a:prstGeom>
+        </p:spPr>
+        <p:style>
+          <a:lnRef idx="2">
+            <a:schemeClr val="accent1">
+              <a:shade val="50000"/>
+            </a:schemeClr>
+          </a:lnRef>
+          <a:fillRef idx="1">
+            <a:schemeClr val="accent1"/>
+          </a:fillRef>
+          <a:effectRef idx="0">
+            <a:schemeClr val="accent1"/>
+          </a:effectRef>
+          <a:fontRef idx="minor">
+            <a:schemeClr val="lt1"/>
+          </a:fontRef>
+        </p:style>
+        <p:txBody>
+          <a:bodyPr wrap="square" rtlCol="0">
+            <a:spAutoFit/>
+          </a:bodyPr>
+          <a:lstStyle/>
+          <a:p>
+            <a:r>
+              <a:rPr lang="zh-TW" altLang="en-US" dirty="0" smtClean="0"/>
+              <a:t>餐廳列表</a:t>
+            </a:r>
+            <a:endParaRPr lang="zh-TW" altLang="en-US" dirty="0"/>
+          </a:p>
+        </p:txBody>
+      </p:sp>
+      <p:sp>
+        <p:nvSpPr>
+          <p:cNvPr id="62" name="文字方塊 61"/>
+          <p:cNvSpPr txBox="1"/>
+          <p:nvPr/>
+        </p:nvSpPr>
+        <p:spPr>
+          <a:xfrm>
+            <a:off x="7560351" y="948502"/>
+            <a:ext cx="1928204" cy="369332"/>
+          </a:xfrm>
+          <a:prstGeom prst="rect">
+            <a:avLst/>
+          </a:prstGeom>
+        </p:spPr>
+        <p:style>
+          <a:lnRef idx="2">
+            <a:schemeClr val="accent1">
+              <a:shade val="50000"/>
+            </a:schemeClr>
+          </a:lnRef>
+          <a:fillRef idx="1">
+            <a:schemeClr val="accent1"/>
+          </a:fillRef>
+          <a:effectRef idx="0">
+            <a:schemeClr val="accent1"/>
+          </a:effectRef>
+          <a:fontRef idx="minor">
+            <a:schemeClr val="lt1"/>
+          </a:fontRef>
+        </p:style>
+        <p:txBody>
+          <a:bodyPr wrap="square" rtlCol="0">
+            <a:spAutoFit/>
+          </a:bodyPr>
+          <a:lstStyle/>
+          <a:p>
+            <a:r>
+              <a:rPr lang="zh-TW" altLang="en-US" dirty="0" smtClean="0"/>
+              <a:t>餐廳   詳細資料</a:t>
+            </a:r>
+            <a:endParaRPr lang="zh-TW" altLang="en-US" dirty="0"/>
+          </a:p>
+        </p:txBody>
+      </p:sp>
+      <p:sp>
+        <p:nvSpPr>
+          <p:cNvPr id="63" name="文字方塊 62"/>
+          <p:cNvSpPr txBox="1"/>
+          <p:nvPr/>
+        </p:nvSpPr>
+        <p:spPr>
+          <a:xfrm>
+            <a:off x="7970758" y="2854775"/>
+            <a:ext cx="1100757" cy="369332"/>
+          </a:xfrm>
+          <a:prstGeom prst="rect">
+            <a:avLst/>
+          </a:prstGeom>
+        </p:spPr>
+        <p:style>
+          <a:lnRef idx="2">
+            <a:schemeClr val="accent2">
+              <a:shade val="50000"/>
+            </a:schemeClr>
+          </a:lnRef>
+          <a:fillRef idx="1">
+            <a:schemeClr val="accent2"/>
+          </a:fillRef>
+          <a:effectRef idx="0">
+            <a:schemeClr val="accent2"/>
+          </a:effectRef>
+          <a:fontRef idx="minor">
+            <a:schemeClr val="lt1"/>
+          </a:fontRef>
+        </p:style>
+        <p:txBody>
+          <a:bodyPr wrap="square" rtlCol="0">
+            <a:spAutoFit/>
+          </a:bodyPr>
+          <a:lstStyle/>
+          <a:p>
+            <a:r>
+              <a:rPr lang="zh-TW" altLang="en-US" dirty="0" smtClean="0"/>
+              <a:t>餐廳電話</a:t>
+            </a:r>
+            <a:endParaRPr lang="zh-TW" altLang="en-US" dirty="0"/>
+          </a:p>
+        </p:txBody>
+      </p:sp>
+      <p:sp>
+        <p:nvSpPr>
+          <p:cNvPr id="64" name="文字方塊 63"/>
+          <p:cNvSpPr txBox="1"/>
+          <p:nvPr/>
+        </p:nvSpPr>
+        <p:spPr>
+          <a:xfrm>
+            <a:off x="7970758" y="2392722"/>
+            <a:ext cx="1100757" cy="369332"/>
+          </a:xfrm>
+          <a:prstGeom prst="rect">
+            <a:avLst/>
+          </a:prstGeom>
+        </p:spPr>
+        <p:style>
+          <a:lnRef idx="2">
+            <a:schemeClr val="accent2">
+              <a:shade val="50000"/>
+            </a:schemeClr>
+          </a:lnRef>
+          <a:fillRef idx="1">
+            <a:schemeClr val="accent2"/>
+          </a:fillRef>
+          <a:effectRef idx="0">
+            <a:schemeClr val="accent2"/>
+          </a:effectRef>
+          <a:fontRef idx="minor">
+            <a:schemeClr val="lt1"/>
+          </a:fontRef>
+        </p:style>
+        <p:txBody>
+          <a:bodyPr wrap="square" rtlCol="0">
+            <a:spAutoFit/>
+          </a:bodyPr>
+          <a:lstStyle/>
+          <a:p>
+            <a:r>
+              <a:rPr lang="zh-TW" altLang="en-US" dirty="0" smtClean="0"/>
+              <a:t>餐廳地圖</a:t>
+            </a:r>
+            <a:endParaRPr lang="zh-TW" altLang="en-US" dirty="0"/>
+          </a:p>
+        </p:txBody>
+      </p:sp>
+      <p:sp>
+        <p:nvSpPr>
+          <p:cNvPr id="66" name="文字方塊 65"/>
+          <p:cNvSpPr txBox="1"/>
+          <p:nvPr/>
+        </p:nvSpPr>
+        <p:spPr>
+          <a:xfrm>
+            <a:off x="7586865" y="3831140"/>
+            <a:ext cx="812734" cy="369332"/>
+          </a:xfrm>
+          <a:prstGeom prst="rect">
+            <a:avLst/>
+          </a:prstGeom>
+        </p:spPr>
+        <p:style>
+          <a:lnRef idx="2">
+            <a:schemeClr val="accent2">
+              <a:shade val="50000"/>
+            </a:schemeClr>
+          </a:lnRef>
+          <a:fillRef idx="1">
+            <a:schemeClr val="accent2"/>
+          </a:fillRef>
+          <a:effectRef idx="0">
+            <a:schemeClr val="accent2"/>
+          </a:effectRef>
+          <a:fontRef idx="minor">
+            <a:schemeClr val="lt1"/>
+          </a:fontRef>
+        </p:style>
+        <p:txBody>
+          <a:bodyPr wrap="square" rtlCol="0">
+            <a:spAutoFit/>
+          </a:bodyPr>
+          <a:lstStyle/>
+          <a:p>
+            <a:r>
+              <a:rPr lang="zh-TW" altLang="en-US" dirty="0" smtClean="0"/>
+              <a:t>給</a:t>
+            </a:r>
+            <a:r>
+              <a:rPr lang="en-US" altLang="zh-TW" dirty="0" smtClean="0"/>
+              <a:t>star</a:t>
+            </a:r>
+            <a:endParaRPr lang="zh-TW" altLang="en-US" dirty="0"/>
+          </a:p>
+        </p:txBody>
+      </p:sp>
+      <p:sp>
+        <p:nvSpPr>
+          <p:cNvPr id="67" name="流程圖: 卡片 66"/>
+          <p:cNvSpPr/>
+          <p:nvPr/>
+        </p:nvSpPr>
+        <p:spPr>
+          <a:xfrm>
+            <a:off x="10088419" y="2263209"/>
+            <a:ext cx="1842052" cy="627085"/>
+          </a:xfrm>
+          <a:prstGeom prst="flowChartPunchedCard">
+            <a:avLst/>
+          </a:prstGeom>
+        </p:spPr>
+        <p:style>
+          <a:lnRef idx="2">
+            <a:schemeClr val="accent2"/>
+          </a:lnRef>
+          <a:fillRef idx="1">
+            <a:schemeClr val="lt1"/>
+          </a:fillRef>
+          <a:effectRef idx="0">
+            <a:schemeClr val="accent2"/>
+          </a:effectRef>
+          <a:fontRef idx="minor">
+            <a:schemeClr val="dk1"/>
+          </a:fontRef>
+        </p:style>
+        <p:txBody>
+          <a:bodyPr rtlCol="0" anchor="ctr"/>
+          <a:lstStyle/>
+          <a:p>
+            <a:pPr algn="ctr"/>
+            <a:r>
+              <a:rPr lang="en-US" altLang="zh-TW" dirty="0" smtClean="0"/>
+              <a:t>Apple Map</a:t>
+            </a:r>
+            <a:br>
+              <a:rPr lang="en-US" altLang="zh-TW" dirty="0" smtClean="0"/>
+            </a:br>
+            <a:r>
+              <a:rPr lang="zh-TW" altLang="en-US" dirty="0" smtClean="0"/>
+              <a:t>導航</a:t>
+            </a:r>
+            <a:endParaRPr lang="zh-TW" altLang="en-US" dirty="0"/>
+          </a:p>
+        </p:txBody>
+      </p:sp>
+      <p:sp>
+        <p:nvSpPr>
+          <p:cNvPr id="68" name="流程圖: 卡片 67"/>
+          <p:cNvSpPr/>
+          <p:nvPr/>
+        </p:nvSpPr>
+        <p:spPr>
+          <a:xfrm>
+            <a:off x="10101671" y="3018389"/>
+            <a:ext cx="1842052" cy="627085"/>
+          </a:xfrm>
+          <a:prstGeom prst="flowChartPunchedCard">
+            <a:avLst/>
+          </a:prstGeom>
+        </p:spPr>
+        <p:style>
+          <a:lnRef idx="2">
+            <a:schemeClr val="accent2"/>
+          </a:lnRef>
+          <a:fillRef idx="1">
+            <a:schemeClr val="lt1"/>
+          </a:fillRef>
+          <a:effectRef idx="0">
+            <a:schemeClr val="accent2"/>
+          </a:effectRef>
+          <a:fontRef idx="minor">
+            <a:schemeClr val="dk1"/>
+          </a:fontRef>
+        </p:style>
+        <p:txBody>
+          <a:bodyPr rtlCol="0" anchor="ctr"/>
+          <a:lstStyle/>
+          <a:p>
+            <a:pPr algn="ctr"/>
+            <a:r>
+              <a:rPr lang="zh-TW" altLang="en-US" dirty="0" smtClean="0"/>
+              <a:t>撥店家電話</a:t>
+            </a:r>
+            <a:endParaRPr lang="zh-TW" altLang="en-US" dirty="0"/>
+          </a:p>
+        </p:txBody>
+      </p:sp>
+      <p:sp>
+        <p:nvSpPr>
+          <p:cNvPr id="69" name="流程圖: 卡片 68"/>
+          <p:cNvSpPr/>
+          <p:nvPr/>
+        </p:nvSpPr>
+        <p:spPr>
+          <a:xfrm>
+            <a:off x="10101671" y="3718519"/>
+            <a:ext cx="1842052" cy="818195"/>
+          </a:xfrm>
+          <a:prstGeom prst="flowChartPunchedCard">
+            <a:avLst/>
+          </a:prstGeom>
+        </p:spPr>
+        <p:style>
+          <a:lnRef idx="2">
+            <a:schemeClr val="accent2"/>
+          </a:lnRef>
+          <a:fillRef idx="1">
+            <a:schemeClr val="lt1"/>
+          </a:fillRef>
+          <a:effectRef idx="0">
+            <a:schemeClr val="accent2"/>
+          </a:effectRef>
+          <a:fontRef idx="minor">
+            <a:schemeClr val="dk1"/>
+          </a:fontRef>
+        </p:style>
+        <p:txBody>
+          <a:bodyPr rtlCol="0" anchor="ctr"/>
+          <a:lstStyle/>
+          <a:p>
+            <a:pPr algn="ctr"/>
+            <a:r>
+              <a:rPr lang="zh-TW" altLang="en-US" dirty="0" smtClean="0"/>
+              <a:t>評論列表</a:t>
+            </a:r>
+            <a:endParaRPr lang="zh-TW" altLang="en-US" dirty="0"/>
+          </a:p>
+        </p:txBody>
+      </p:sp>
+      <p:sp>
+        <p:nvSpPr>
+          <p:cNvPr id="70" name="文字方塊 69"/>
+          <p:cNvSpPr txBox="1"/>
+          <p:nvPr/>
+        </p:nvSpPr>
+        <p:spPr>
+          <a:xfrm>
+            <a:off x="7970758" y="1846670"/>
+            <a:ext cx="1100757" cy="369332"/>
+          </a:xfrm>
+          <a:prstGeom prst="rect">
+            <a:avLst/>
+          </a:prstGeom>
+        </p:spPr>
+        <p:style>
+          <a:lnRef idx="2">
+            <a:schemeClr val="accent2">
+              <a:shade val="50000"/>
+            </a:schemeClr>
+          </a:lnRef>
+          <a:fillRef idx="1">
+            <a:schemeClr val="accent2"/>
+          </a:fillRef>
+          <a:effectRef idx="0">
+            <a:schemeClr val="accent2"/>
+          </a:effectRef>
+          <a:fontRef idx="minor">
+            <a:schemeClr val="lt1"/>
+          </a:fontRef>
+        </p:style>
+        <p:txBody>
+          <a:bodyPr wrap="square" rtlCol="0">
+            <a:spAutoFit/>
+          </a:bodyPr>
+          <a:lstStyle/>
+          <a:p>
+            <a:r>
+              <a:rPr lang="en-US" altLang="zh-TW" dirty="0" smtClean="0"/>
+              <a:t>Location</a:t>
+            </a:r>
+            <a:endParaRPr lang="zh-TW" altLang="en-US" dirty="0"/>
+          </a:p>
+        </p:txBody>
+      </p:sp>
+      <p:sp>
+        <p:nvSpPr>
+          <p:cNvPr id="72" name="文字方塊 71"/>
+          <p:cNvSpPr txBox="1"/>
+          <p:nvPr/>
+        </p:nvSpPr>
+        <p:spPr>
+          <a:xfrm>
+            <a:off x="7970758" y="1366355"/>
+            <a:ext cx="1100757" cy="369332"/>
+          </a:xfrm>
+          <a:prstGeom prst="rect">
+            <a:avLst/>
+          </a:prstGeom>
+        </p:spPr>
+        <p:style>
+          <a:lnRef idx="2">
+            <a:schemeClr val="accent2">
+              <a:shade val="50000"/>
+            </a:schemeClr>
+          </a:lnRef>
+          <a:fillRef idx="1">
+            <a:schemeClr val="accent2"/>
+          </a:fillRef>
+          <a:effectRef idx="0">
+            <a:schemeClr val="accent2"/>
+          </a:effectRef>
+          <a:fontRef idx="minor">
+            <a:schemeClr val="lt1"/>
+          </a:fontRef>
+        </p:style>
+        <p:txBody>
+          <a:bodyPr wrap="square" rtlCol="0">
+            <a:spAutoFit/>
+          </a:bodyPr>
+          <a:lstStyle/>
+          <a:p>
+            <a:r>
+              <a:rPr lang="en-US" altLang="zh-TW" dirty="0" smtClean="0"/>
+              <a:t>TYPE</a:t>
+            </a:r>
+            <a:endParaRPr lang="zh-TW" altLang="en-US" dirty="0"/>
+          </a:p>
+        </p:txBody>
+      </p:sp>
+      <p:sp>
+        <p:nvSpPr>
+          <p:cNvPr id="74" name="文字方塊 73"/>
+          <p:cNvSpPr txBox="1"/>
+          <p:nvPr/>
+        </p:nvSpPr>
+        <p:spPr>
+          <a:xfrm>
+            <a:off x="7950486" y="3349187"/>
+            <a:ext cx="1100757" cy="369332"/>
+          </a:xfrm>
+          <a:prstGeom prst="rect">
+            <a:avLst/>
+          </a:prstGeom>
+        </p:spPr>
+        <p:style>
+          <a:lnRef idx="2">
+            <a:schemeClr val="accent2">
+              <a:shade val="50000"/>
+            </a:schemeClr>
+          </a:lnRef>
+          <a:fillRef idx="1">
+            <a:schemeClr val="accent2"/>
+          </a:fillRef>
+          <a:effectRef idx="0">
+            <a:schemeClr val="accent2"/>
+          </a:effectRef>
+          <a:fontRef idx="minor">
+            <a:schemeClr val="lt1"/>
+          </a:fontRef>
+        </p:style>
+        <p:txBody>
+          <a:bodyPr wrap="square" rtlCol="0">
+            <a:spAutoFit/>
+          </a:bodyPr>
+          <a:lstStyle/>
+          <a:p>
+            <a:r>
+              <a:rPr lang="zh-TW" altLang="en-US" dirty="0" smtClean="0"/>
+              <a:t>觀看評論</a:t>
+            </a:r>
+            <a:endParaRPr lang="zh-TW" altLang="en-US" dirty="0"/>
+          </a:p>
+        </p:txBody>
+      </p:sp>
+      <p:sp>
+        <p:nvSpPr>
+          <p:cNvPr id="76" name="矩形 75"/>
+          <p:cNvSpPr/>
+          <p:nvPr/>
+        </p:nvSpPr>
+        <p:spPr>
+          <a:xfrm>
+            <a:off x="10482470" y="121595"/>
+            <a:ext cx="1231248" cy="1196239"/>
+          </a:xfrm>
+          <a:prstGeom prst="rect">
+            <a:avLst/>
+          </a:prstGeom>
+        </p:spPr>
+        <p:style>
+          <a:lnRef idx="2">
+            <a:schemeClr val="accent1">
+              <a:shade val="50000"/>
+            </a:schemeClr>
+          </a:lnRef>
+          <a:fillRef idx="1">
+            <a:schemeClr val="accent1"/>
+          </a:fillRef>
+          <a:effectRef idx="0">
+            <a:schemeClr val="accent1"/>
+          </a:effectRef>
+          <a:fontRef idx="minor">
+            <a:schemeClr val="lt1"/>
+          </a:fontRef>
+        </p:style>
+        <p:txBody>
+          <a:bodyPr rtlCol="0" anchor="ctr"/>
+          <a:lstStyle/>
+          <a:p>
+            <a:pPr algn="ctr"/>
+            <a:r>
+              <a:rPr lang="zh-TW" altLang="en-US" dirty="0" smtClean="0"/>
+              <a:t>更改</a:t>
+            </a:r>
+            <a:r>
+              <a:rPr lang="en-US" altLang="zh-TW" dirty="0" smtClean="0"/>
+              <a:t/>
+            </a:r>
+            <a:br>
+              <a:rPr lang="en-US" altLang="zh-TW" dirty="0" smtClean="0"/>
+            </a:br>
+            <a:r>
+              <a:rPr lang="zh-TW" altLang="en-US" dirty="0" smtClean="0"/>
+              <a:t>餐廳搜尋條件</a:t>
+            </a:r>
+            <a:endParaRPr lang="zh-TW" altLang="en-US" dirty="0"/>
+          </a:p>
+        </p:txBody>
+      </p:sp>
+      <p:cxnSp>
+        <p:nvCxnSpPr>
+          <p:cNvPr id="78" name="直線單箭頭接點 77"/>
+          <p:cNvCxnSpPr/>
+          <p:nvPr/>
+        </p:nvCxnSpPr>
+        <p:spPr>
+          <a:xfrm>
+            <a:off x="5506276" y="702363"/>
+            <a:ext cx="0" cy="975740"/>
+          </a:xfrm>
+          <a:prstGeom prst="straightConnector1">
+            <a:avLst/>
+          </a:prstGeom>
+          <a:ln>
+            <a:tailEnd type="triangle"/>
+          </a:ln>
+        </p:spPr>
+        <p:style>
+          <a:lnRef idx="1">
+            <a:schemeClr val="accent1"/>
+          </a:lnRef>
+          <a:fillRef idx="0">
+            <a:schemeClr val="accent1"/>
+          </a:fillRef>
+          <a:effectRef idx="0">
+            <a:schemeClr val="accent1"/>
+          </a:effectRef>
+          <a:fontRef idx="minor">
+            <a:schemeClr val="tx1"/>
+          </a:fontRef>
+        </p:style>
+      </p:cxnSp>
+      <p:cxnSp>
+        <p:nvCxnSpPr>
+          <p:cNvPr id="80" name="直線單箭頭接點 79"/>
+          <p:cNvCxnSpPr>
+            <a:endCxn id="76" idx="2"/>
+          </p:cNvCxnSpPr>
+          <p:nvPr/>
+        </p:nvCxnSpPr>
+        <p:spPr>
+          <a:xfrm flipV="1">
+            <a:off x="11088982" y="1317834"/>
+            <a:ext cx="9112" cy="712980"/>
+          </a:xfrm>
+          <a:prstGeom prst="straightConnector1">
+            <a:avLst/>
+          </a:prstGeom>
+          <a:ln>
+            <a:tailEnd type="triangle"/>
+          </a:ln>
+        </p:spPr>
+        <p:style>
+          <a:lnRef idx="1">
+            <a:schemeClr val="accent1"/>
+          </a:lnRef>
+          <a:fillRef idx="0">
+            <a:schemeClr val="accent1"/>
+          </a:fillRef>
+          <a:effectRef idx="0">
+            <a:schemeClr val="accent1"/>
+          </a:effectRef>
+          <a:fontRef idx="minor">
+            <a:schemeClr val="tx1"/>
+          </a:fontRef>
+        </p:style>
+      </p:cxnSp>
+      <p:cxnSp>
+        <p:nvCxnSpPr>
+          <p:cNvPr id="83" name="直線接點 82"/>
+          <p:cNvCxnSpPr>
+            <a:stCxn id="70" idx="3"/>
+          </p:cNvCxnSpPr>
+          <p:nvPr/>
+        </p:nvCxnSpPr>
+        <p:spPr>
+          <a:xfrm flipV="1">
+            <a:off x="9071515" y="2013463"/>
+            <a:ext cx="2044572" cy="17873"/>
+          </a:xfrm>
+          <a:prstGeom prst="line">
+            <a:avLst/>
+          </a:prstGeom>
+        </p:spPr>
+        <p:style>
+          <a:lnRef idx="1">
+            <a:schemeClr val="accent1"/>
+          </a:lnRef>
+          <a:fillRef idx="0">
+            <a:schemeClr val="accent1"/>
+          </a:fillRef>
+          <a:effectRef idx="0">
+            <a:schemeClr val="accent1"/>
+          </a:effectRef>
+          <a:fontRef idx="minor">
+            <a:schemeClr val="tx1"/>
+          </a:fontRef>
+        </p:style>
+      </p:cxnSp>
+      <p:cxnSp>
+        <p:nvCxnSpPr>
+          <p:cNvPr id="85" name="直線接點 84"/>
+          <p:cNvCxnSpPr/>
+          <p:nvPr/>
+        </p:nvCxnSpPr>
+        <p:spPr>
+          <a:xfrm>
+            <a:off x="9071515" y="1525023"/>
+            <a:ext cx="2044572" cy="0"/>
+          </a:xfrm>
+          <a:prstGeom prst="line">
+            <a:avLst/>
+          </a:prstGeom>
+        </p:spPr>
+        <p:style>
+          <a:lnRef idx="1">
+            <a:schemeClr val="accent1"/>
+          </a:lnRef>
+          <a:fillRef idx="0">
+            <a:schemeClr val="accent1"/>
+          </a:fillRef>
+          <a:effectRef idx="0">
+            <a:schemeClr val="accent1"/>
+          </a:effectRef>
+          <a:fontRef idx="minor">
+            <a:schemeClr val="tx1"/>
+          </a:fontRef>
+        </p:style>
+      </p:cxnSp>
+      <p:cxnSp>
+        <p:nvCxnSpPr>
+          <p:cNvPr id="90" name="直線接點 89"/>
+          <p:cNvCxnSpPr>
+            <a:stCxn id="76" idx="1"/>
+          </p:cNvCxnSpPr>
+          <p:nvPr/>
+        </p:nvCxnSpPr>
+        <p:spPr>
+          <a:xfrm flipH="1">
+            <a:off x="5479172" y="719715"/>
+            <a:ext cx="5003298" cy="0"/>
+          </a:xfrm>
+          <a:prstGeom prst="line">
+            <a:avLst/>
+          </a:prstGeom>
+        </p:spPr>
+        <p:style>
+          <a:lnRef idx="1">
+            <a:schemeClr val="accent1"/>
+          </a:lnRef>
+          <a:fillRef idx="0">
+            <a:schemeClr val="accent1"/>
+          </a:fillRef>
+          <a:effectRef idx="0">
+            <a:schemeClr val="accent1"/>
+          </a:effectRef>
+          <a:fontRef idx="minor">
+            <a:schemeClr val="tx1"/>
+          </a:fontRef>
+        </p:style>
+      </p:cxnSp>
+      <p:cxnSp>
+        <p:nvCxnSpPr>
+          <p:cNvPr id="92" name="直線單箭頭接點 91"/>
+          <p:cNvCxnSpPr>
+            <a:endCxn id="67" idx="1"/>
+          </p:cNvCxnSpPr>
+          <p:nvPr/>
+        </p:nvCxnSpPr>
+        <p:spPr>
+          <a:xfrm>
+            <a:off x="8869626" y="2531785"/>
+            <a:ext cx="1218793" cy="44967"/>
+          </a:xfrm>
+          <a:prstGeom prst="straightConnector1">
+            <a:avLst/>
+          </a:prstGeom>
+          <a:ln>
+            <a:tailEnd type="triangle"/>
+          </a:ln>
+        </p:spPr>
+        <p:style>
+          <a:lnRef idx="1">
+            <a:schemeClr val="accent1"/>
+          </a:lnRef>
+          <a:fillRef idx="0">
+            <a:schemeClr val="accent1"/>
+          </a:fillRef>
+          <a:effectRef idx="0">
+            <a:schemeClr val="accent1"/>
+          </a:effectRef>
+          <a:fontRef idx="minor">
+            <a:schemeClr val="tx1"/>
+          </a:fontRef>
+        </p:style>
+      </p:cxnSp>
+      <p:cxnSp>
+        <p:nvCxnSpPr>
+          <p:cNvPr id="95" name="直線單箭頭接點 94"/>
+          <p:cNvCxnSpPr>
+            <a:endCxn id="68" idx="1"/>
+          </p:cNvCxnSpPr>
+          <p:nvPr/>
+        </p:nvCxnSpPr>
+        <p:spPr>
+          <a:xfrm>
+            <a:off x="8869626" y="3018389"/>
+            <a:ext cx="1232045" cy="313543"/>
+          </a:xfrm>
+          <a:prstGeom prst="straightConnector1">
+            <a:avLst/>
+          </a:prstGeom>
+          <a:ln>
+            <a:tailEnd type="triangle"/>
+          </a:ln>
+        </p:spPr>
+        <p:style>
+          <a:lnRef idx="1">
+            <a:schemeClr val="accent1"/>
+          </a:lnRef>
+          <a:fillRef idx="0">
+            <a:schemeClr val="accent1"/>
+          </a:fillRef>
+          <a:effectRef idx="0">
+            <a:schemeClr val="accent1"/>
+          </a:effectRef>
+          <a:fontRef idx="minor">
+            <a:schemeClr val="tx1"/>
+          </a:fontRef>
+        </p:style>
+      </p:cxnSp>
+      <p:cxnSp>
+        <p:nvCxnSpPr>
+          <p:cNvPr id="97" name="直線單箭頭接點 96"/>
+          <p:cNvCxnSpPr>
+            <a:endCxn id="69" idx="1"/>
+          </p:cNvCxnSpPr>
+          <p:nvPr/>
+        </p:nvCxnSpPr>
+        <p:spPr>
+          <a:xfrm>
+            <a:off x="8869626" y="3498567"/>
+            <a:ext cx="1232045" cy="629050"/>
+          </a:xfrm>
+          <a:prstGeom prst="straightConnector1">
+            <a:avLst/>
+          </a:prstGeom>
+          <a:ln>
+            <a:tailEnd type="triangle"/>
+          </a:ln>
+        </p:spPr>
+        <p:style>
+          <a:lnRef idx="1">
+            <a:schemeClr val="accent1"/>
+          </a:lnRef>
+          <a:fillRef idx="0">
+            <a:schemeClr val="accent1"/>
+          </a:fillRef>
+          <a:effectRef idx="0">
+            <a:schemeClr val="accent1"/>
+          </a:effectRef>
+          <a:fontRef idx="minor">
+            <a:schemeClr val="tx1"/>
+          </a:fontRef>
+        </p:style>
+      </p:cxnSp>
+      <p:sp>
+        <p:nvSpPr>
+          <p:cNvPr id="98" name="五角星形 97"/>
+          <p:cNvSpPr/>
+          <p:nvPr/>
+        </p:nvSpPr>
+        <p:spPr>
+          <a:xfrm>
+            <a:off x="8397354" y="3855517"/>
+            <a:ext cx="285324" cy="336830"/>
+          </a:xfrm>
+          <a:prstGeom prst="star5">
+            <a:avLst/>
+          </a:prstGeom>
+          <a:solidFill>
+            <a:srgbClr val="FF0000"/>
+          </a:solidFill>
+        </p:spPr>
+        <p:style>
+          <a:lnRef idx="2">
+            <a:schemeClr val="accent1">
+              <a:shade val="50000"/>
+            </a:schemeClr>
+          </a:lnRef>
+          <a:fillRef idx="1">
+            <a:schemeClr val="accent1"/>
+          </a:fillRef>
+          <a:effectRef idx="0">
+            <a:schemeClr val="accent1"/>
+          </a:effectRef>
+          <a:fontRef idx="minor">
+            <a:schemeClr val="lt1"/>
+          </a:fontRef>
+        </p:style>
+        <p:txBody>
+          <a:bodyPr rtlCol="0" anchor="ctr"/>
+          <a:lstStyle/>
+          <a:p>
+            <a:pPr algn="ctr"/>
+            <a:endParaRPr lang="zh-TW" altLang="en-US"/>
+          </a:p>
+        </p:txBody>
+      </p:sp>
+      <p:sp>
+        <p:nvSpPr>
+          <p:cNvPr id="99" name="五角星形 98"/>
+          <p:cNvSpPr/>
+          <p:nvPr/>
+        </p:nvSpPr>
+        <p:spPr>
+          <a:xfrm>
+            <a:off x="8657196" y="3823802"/>
+            <a:ext cx="285324" cy="336830"/>
+          </a:xfrm>
+          <a:prstGeom prst="star5">
+            <a:avLst/>
+          </a:prstGeom>
+          <a:solidFill>
+            <a:srgbClr val="FF0000"/>
+          </a:solidFill>
+        </p:spPr>
+        <p:style>
+          <a:lnRef idx="2">
+            <a:schemeClr val="accent1">
+              <a:shade val="50000"/>
+            </a:schemeClr>
+          </a:lnRef>
+          <a:fillRef idx="1">
+            <a:schemeClr val="accent1"/>
+          </a:fillRef>
+          <a:effectRef idx="0">
+            <a:schemeClr val="accent1"/>
+          </a:effectRef>
+          <a:fontRef idx="minor">
+            <a:schemeClr val="lt1"/>
+          </a:fontRef>
+        </p:style>
+        <p:txBody>
+          <a:bodyPr rtlCol="0" anchor="ctr"/>
+          <a:lstStyle/>
+          <a:p>
+            <a:pPr algn="ctr"/>
+            <a:endParaRPr lang="zh-TW" altLang="en-US"/>
+          </a:p>
+        </p:txBody>
+      </p:sp>
+      <p:sp>
+        <p:nvSpPr>
+          <p:cNvPr id="100" name="五角星形 99"/>
+          <p:cNvSpPr/>
+          <p:nvPr/>
+        </p:nvSpPr>
+        <p:spPr>
+          <a:xfrm>
+            <a:off x="8934986" y="3835801"/>
+            <a:ext cx="285324" cy="336830"/>
+          </a:xfrm>
+          <a:prstGeom prst="star5">
+            <a:avLst/>
+          </a:prstGeom>
+        </p:spPr>
+        <p:style>
+          <a:lnRef idx="2">
+            <a:schemeClr val="accent2"/>
+          </a:lnRef>
+          <a:fillRef idx="1">
+            <a:schemeClr val="lt1"/>
+          </a:fillRef>
+          <a:effectRef idx="0">
+            <a:schemeClr val="accent2"/>
+          </a:effectRef>
+          <a:fontRef idx="minor">
+            <a:schemeClr val="dk1"/>
+          </a:fontRef>
+        </p:style>
+        <p:txBody>
+          <a:bodyPr rtlCol="0" anchor="ctr"/>
+          <a:lstStyle/>
+          <a:p>
+            <a:pPr algn="ctr"/>
+            <a:endParaRPr lang="zh-TW" altLang="en-US"/>
+          </a:p>
+        </p:txBody>
+      </p:sp>
+      <p:sp>
+        <p:nvSpPr>
+          <p:cNvPr id="101" name="五角星形 100"/>
+          <p:cNvSpPr/>
+          <p:nvPr/>
+        </p:nvSpPr>
+        <p:spPr>
+          <a:xfrm>
+            <a:off x="9200117" y="3847800"/>
+            <a:ext cx="285324" cy="336830"/>
+          </a:xfrm>
+          <a:prstGeom prst="star5">
+            <a:avLst/>
+          </a:prstGeom>
+        </p:spPr>
+        <p:style>
+          <a:lnRef idx="2">
+            <a:schemeClr val="accent2"/>
+          </a:lnRef>
+          <a:fillRef idx="1">
+            <a:schemeClr val="lt1"/>
+          </a:fillRef>
+          <a:effectRef idx="0">
+            <a:schemeClr val="accent2"/>
+          </a:effectRef>
+          <a:fontRef idx="minor">
+            <a:schemeClr val="dk1"/>
+          </a:fontRef>
+        </p:style>
+        <p:txBody>
+          <a:bodyPr rtlCol="0" anchor="ctr"/>
+          <a:lstStyle/>
+          <a:p>
+            <a:pPr algn="ctr"/>
+            <a:endParaRPr lang="zh-TW" altLang="en-US"/>
+          </a:p>
+        </p:txBody>
+      </p:sp>
+      <p:sp>
+        <p:nvSpPr>
+          <p:cNvPr id="102" name="五角星形 101"/>
+          <p:cNvSpPr/>
+          <p:nvPr/>
+        </p:nvSpPr>
+        <p:spPr>
+          <a:xfrm>
+            <a:off x="8178773" y="3847391"/>
+            <a:ext cx="285324" cy="336830"/>
+          </a:xfrm>
+          <a:prstGeom prst="star5">
+            <a:avLst/>
+          </a:prstGeom>
+          <a:solidFill>
+            <a:srgbClr val="FF0000"/>
+          </a:solidFill>
+        </p:spPr>
+        <p:style>
+          <a:lnRef idx="2">
+            <a:schemeClr val="accent1">
+              <a:shade val="50000"/>
+            </a:schemeClr>
+          </a:lnRef>
+          <a:fillRef idx="1">
+            <a:schemeClr val="accent1"/>
+          </a:fillRef>
+          <a:effectRef idx="0">
+            <a:schemeClr val="accent1"/>
+          </a:effectRef>
+          <a:fontRef idx="minor">
+            <a:schemeClr val="lt1"/>
+          </a:fontRef>
+        </p:style>
+        <p:txBody>
+          <a:bodyPr rtlCol="0" anchor="ctr"/>
+          <a:lstStyle/>
+          <a:p>
+            <a:pPr algn="ctr"/>
+            <a:endParaRPr lang="zh-TW" altLang="en-US"/>
+          </a:p>
+        </p:txBody>
+      </p:sp>
+      <p:sp>
+        <p:nvSpPr>
+          <p:cNvPr id="103" name="文字方塊 102"/>
+          <p:cNvSpPr txBox="1"/>
+          <p:nvPr/>
+        </p:nvSpPr>
+        <p:spPr>
+          <a:xfrm>
+            <a:off x="10568008" y="3683233"/>
+            <a:ext cx="970927" cy="369332"/>
+          </a:xfrm>
+          <a:prstGeom prst="rect">
+            <a:avLst/>
+          </a:prstGeom>
+        </p:spPr>
+        <p:style>
+          <a:lnRef idx="2">
+            <a:schemeClr val="accent2">
+              <a:shade val="50000"/>
+            </a:schemeClr>
+          </a:lnRef>
+          <a:fillRef idx="1">
+            <a:schemeClr val="accent2"/>
+          </a:fillRef>
+          <a:effectRef idx="0">
+            <a:schemeClr val="accent2"/>
+          </a:effectRef>
+          <a:fontRef idx="minor">
+            <a:schemeClr val="lt1"/>
+          </a:fontRef>
+        </p:style>
+        <p:txBody>
+          <a:bodyPr wrap="square" rtlCol="0">
+            <a:spAutoFit/>
+          </a:bodyPr>
+          <a:lstStyle/>
+          <a:p>
+            <a:r>
+              <a:rPr lang="zh-TW" altLang="en-US" dirty="0" smtClean="0"/>
+              <a:t>給評論</a:t>
+            </a:r>
+            <a:endParaRPr lang="zh-TW" altLang="en-US" dirty="0"/>
+          </a:p>
+        </p:txBody>
+      </p:sp>
+    </p:spTree>
+    <p:extLst>
+      <p:ext uri="{BB962C8B-B14F-4D97-AF65-F5344CB8AC3E}">
+        <p14:creationId xmlns:p14="http://schemas.microsoft.com/office/powerpoint/2010/main" val="3854545255"/>
+      </p:ext>
+    </p:extLst>
+  </p:cSld>
+  <p:clrMapOvr>
+    <a:masterClrMapping/>
+  </p:clrMapOvr>
+</p:sld>
+</file>
+
 <file path=ppt/slides/slide2.xml><?xml version="1.0" encoding="utf-8"?>
 <p:sld xmlns:a="http://schemas.openxmlformats.org/drawingml/2006/main" xmlns:r="http://schemas.openxmlformats.org/officeDocument/2006/relationships" xmlns:p="http://schemas.openxmlformats.org/presentationml/2006/main">
   <p:cSld>
